--- a/17-svg-filter-text-screen/17.pptx
+++ b/17-svg-filter-text-screen/17.pptx
@@ -5,23 +5,16 @@
     <p:sldMasterId id="2147483648" r:id="rId1"/>
   </p:sldMasterIdLst>
   <p:notesMasterIdLst>
-    <p:notesMasterId r:id="rId16"/>
+    <p:notesMasterId r:id="rId9"/>
   </p:notesMasterIdLst>
   <p:sldIdLst>
     <p:sldId id="256" r:id="rId2"/>
     <p:sldId id="257" r:id="rId3"/>
     <p:sldId id="258" r:id="rId4"/>
-    <p:sldId id="396" r:id="rId5"/>
-    <p:sldId id="402" r:id="rId6"/>
+    <p:sldId id="412" r:id="rId5"/>
+    <p:sldId id="411" r:id="rId6"/>
     <p:sldId id="403" r:id="rId7"/>
-    <p:sldId id="407" r:id="rId8"/>
-    <p:sldId id="404" r:id="rId9"/>
-    <p:sldId id="405" r:id="rId10"/>
-    <p:sldId id="406" r:id="rId11"/>
-    <p:sldId id="401" r:id="rId12"/>
-    <p:sldId id="409" r:id="rId13"/>
-    <p:sldId id="410" r:id="rId14"/>
-    <p:sldId id="345" r:id="rId15"/>
+    <p:sldId id="345" r:id="rId8"/>
   </p:sldIdLst>
   <p:sldSz cx="9144000" cy="6858000" type="screen4x3"/>
   <p:notesSz cx="6858000" cy="9144000"/>
@@ -122,7 +115,7 @@
   </p:defaultTextStyle>
   <p:extLst>
     <p:ext uri="{EFAFB233-063F-42B5-8137-9DF3F51BA10A}">
-      <p15:sldGuideLst xmlns="" xmlns:p15="http://schemas.microsoft.com/office/powerpoint/2012/main">
+      <p15:sldGuideLst xmlns:p15="http://schemas.microsoft.com/office/powerpoint/2012/main" xmlns="">
         <p15:guide id="1" orient="horz" pos="2160">
           <p15:clr>
             <a:srgbClr val="A4A3A4"/>
@@ -221,7 +214,7 @@
           <a:p>
             <a:fld id="{918C987C-5DAD-4601-B625-55A3208473B0}" type="datetimeFigureOut">
               <a:rPr lang="zh-CN" altLang="en-US" smtClean="0"/>
-              <a:t>2018/8/2</a:t>
+              <a:t>2018/8/6</a:t>
             </a:fld>
             <a:endParaRPr lang="zh-CN" altLang="en-US"/>
           </a:p>
@@ -670,7 +663,7 @@
           <a:p>
             <a:fld id="{17C7C8FB-1C37-4023-AA22-09D5A8E13DCF}" type="datetimeFigureOut">
               <a:rPr lang="zh-CN" altLang="en-US" smtClean="0"/>
-              <a:t>2018/8/2</a:t>
+              <a:t>2018/8/6</a:t>
             </a:fld>
             <a:endParaRPr lang="zh-CN" altLang="en-US"/>
           </a:p>
@@ -840,7 +833,7 @@
           <a:p>
             <a:fld id="{17C7C8FB-1C37-4023-AA22-09D5A8E13DCF}" type="datetimeFigureOut">
               <a:rPr lang="zh-CN" altLang="en-US" smtClean="0"/>
-              <a:t>2018/8/2</a:t>
+              <a:t>2018/8/6</a:t>
             </a:fld>
             <a:endParaRPr lang="zh-CN" altLang="en-US"/>
           </a:p>
@@ -1020,7 +1013,7 @@
           <a:p>
             <a:fld id="{17C7C8FB-1C37-4023-AA22-09D5A8E13DCF}" type="datetimeFigureOut">
               <a:rPr lang="zh-CN" altLang="en-US" smtClean="0"/>
-              <a:t>2018/8/2</a:t>
+              <a:t>2018/8/6</a:t>
             </a:fld>
             <a:endParaRPr lang="zh-CN" altLang="en-US"/>
           </a:p>
@@ -1190,7 +1183,7 @@
           <a:p>
             <a:fld id="{17C7C8FB-1C37-4023-AA22-09D5A8E13DCF}" type="datetimeFigureOut">
               <a:rPr lang="zh-CN" altLang="en-US" smtClean="0"/>
-              <a:t>2018/8/2</a:t>
+              <a:t>2018/8/6</a:t>
             </a:fld>
             <a:endParaRPr lang="zh-CN" altLang="en-US"/>
           </a:p>
@@ -1436,7 +1429,7 @@
           <a:p>
             <a:fld id="{17C7C8FB-1C37-4023-AA22-09D5A8E13DCF}" type="datetimeFigureOut">
               <a:rPr lang="zh-CN" altLang="en-US" smtClean="0"/>
-              <a:t>2018/8/2</a:t>
+              <a:t>2018/8/6</a:t>
             </a:fld>
             <a:endParaRPr lang="zh-CN" altLang="en-US"/>
           </a:p>
@@ -1724,7 +1717,7 @@
           <a:p>
             <a:fld id="{17C7C8FB-1C37-4023-AA22-09D5A8E13DCF}" type="datetimeFigureOut">
               <a:rPr lang="zh-CN" altLang="en-US" smtClean="0"/>
-              <a:t>2018/8/2</a:t>
+              <a:t>2018/8/6</a:t>
             </a:fld>
             <a:endParaRPr lang="zh-CN" altLang="en-US"/>
           </a:p>
@@ -2146,7 +2139,7 @@
           <a:p>
             <a:fld id="{17C7C8FB-1C37-4023-AA22-09D5A8E13DCF}" type="datetimeFigureOut">
               <a:rPr lang="zh-CN" altLang="en-US" smtClean="0"/>
-              <a:t>2018/8/2</a:t>
+              <a:t>2018/8/6</a:t>
             </a:fld>
             <a:endParaRPr lang="zh-CN" altLang="en-US"/>
           </a:p>
@@ -2264,7 +2257,7 @@
           <a:p>
             <a:fld id="{17C7C8FB-1C37-4023-AA22-09D5A8E13DCF}" type="datetimeFigureOut">
               <a:rPr lang="zh-CN" altLang="en-US" smtClean="0"/>
-              <a:t>2018/8/2</a:t>
+              <a:t>2018/8/6</a:t>
             </a:fld>
             <a:endParaRPr lang="zh-CN" altLang="en-US"/>
           </a:p>
@@ -2359,7 +2352,7 @@
           <a:p>
             <a:fld id="{17C7C8FB-1C37-4023-AA22-09D5A8E13DCF}" type="datetimeFigureOut">
               <a:rPr lang="zh-CN" altLang="en-US" smtClean="0"/>
-              <a:t>2018/8/2</a:t>
+              <a:t>2018/8/6</a:t>
             </a:fld>
             <a:endParaRPr lang="zh-CN" altLang="en-US"/>
           </a:p>
@@ -2636,7 +2629,7 @@
           <a:p>
             <a:fld id="{17C7C8FB-1C37-4023-AA22-09D5A8E13DCF}" type="datetimeFigureOut">
               <a:rPr lang="zh-CN" altLang="en-US" smtClean="0"/>
-              <a:t>2018/8/2</a:t>
+              <a:t>2018/8/6</a:t>
             </a:fld>
             <a:endParaRPr lang="zh-CN" altLang="en-US"/>
           </a:p>
@@ -2889,7 +2882,7 @@
           <a:p>
             <a:fld id="{17C7C8FB-1C37-4023-AA22-09D5A8E13DCF}" type="datetimeFigureOut">
               <a:rPr lang="zh-CN" altLang="en-US" smtClean="0"/>
-              <a:t>2018/8/2</a:t>
+              <a:t>2018/8/6</a:t>
             </a:fld>
             <a:endParaRPr lang="zh-CN" altLang="en-US"/>
           </a:p>
@@ -3102,7 +3095,7 @@
           <a:p>
             <a:fld id="{17C7C8FB-1C37-4023-AA22-09D5A8E13DCF}" type="datetimeFigureOut">
               <a:rPr lang="zh-CN" altLang="en-US" smtClean="0"/>
-              <a:t>2018/8/2</a:t>
+              <a:t>2018/8/6</a:t>
             </a:fld>
             <a:endParaRPr lang="zh-CN" altLang="en-US"/>
           </a:p>
@@ -3600,7 +3593,7 @@
                 <a:latin typeface="微软雅黑" pitchFamily="34" charset="-122"/>
                 <a:ea typeface="微软雅黑" pitchFamily="34" charset="-122"/>
               </a:rPr>
-              <a:t>16</a:t>
+              <a:t>17</a:t>
             </a:r>
             <a:r>
               <a:rPr lang="zh-CN" altLang="en-US" sz="3200" b="1" dirty="0" smtClean="0">
@@ -3613,7 +3606,7 @@
                 <a:latin typeface="微软雅黑" pitchFamily="34" charset="-122"/>
                 <a:ea typeface="微软雅黑" pitchFamily="34" charset="-122"/>
               </a:rPr>
-              <a:t>讲 让图中的水面动起来</a:t>
+              <a:t>讲 文字的屏幕闪烁</a:t>
             </a:r>
             <a:r>
               <a:rPr lang="en-US" altLang="zh-CN" b="1" dirty="0" smtClean="0">
@@ -3727,7 +3720,7 @@
 </p:sld>
 </file>
 
-<file path=ppt/slides/slide10.xml><?xml version="1.0" encoding="utf-8"?>
+<file path=ppt/slides/slide2.xml><?xml version="1.0" encoding="utf-8"?>
 <p:sld xmlns:a="http://schemas.openxmlformats.org/drawingml/2006/main" xmlns:r="http://schemas.openxmlformats.org/officeDocument/2006/relationships" xmlns:p="http://schemas.openxmlformats.org/presentationml/2006/main">
   <p:cSld>
     <p:spTree>
@@ -3744,9 +3737,279 @@
           <a:chExt cx="0" cy="0"/>
         </a:xfrm>
       </p:grpSpPr>
+      <p:sp>
+        <p:nvSpPr>
+          <p:cNvPr id="4" name="TextBox 3"/>
+          <p:cNvSpPr txBox="1"/>
+          <p:nvPr/>
+        </p:nvSpPr>
+        <p:spPr>
+          <a:xfrm>
+            <a:off x="684000" y="453173"/>
+            <a:ext cx="7776000" cy="523220"/>
+          </a:xfrm>
+          <a:prstGeom prst="rect">
+            <a:avLst/>
+          </a:prstGeom>
+          <a:noFill/>
+        </p:spPr>
+        <p:txBody>
+          <a:bodyPr wrap="square" rtlCol="0">
+            <a:spAutoFit/>
+          </a:bodyPr>
+          <a:lstStyle/>
+          <a:p>
+            <a:r>
+              <a:rPr lang="en-US" altLang="zh-CN" sz="2800" b="1" dirty="0" smtClean="0">
+                <a:solidFill>
+                  <a:schemeClr val="tx1">
+                    <a:lumMod val="75000"/>
+                    <a:lumOff val="25000"/>
+                  </a:schemeClr>
+                </a:solidFill>
+                <a:latin typeface="微软雅黑" pitchFamily="34" charset="-122"/>
+                <a:ea typeface="微软雅黑" pitchFamily="34" charset="-122"/>
+              </a:rPr>
+              <a:t>1.</a:t>
+            </a:r>
+            <a:r>
+              <a:rPr lang="zh-CN" altLang="en-US" sz="2800" b="1" dirty="0">
+                <a:solidFill>
+                  <a:schemeClr val="tx1">
+                    <a:lumMod val="75000"/>
+                    <a:lumOff val="25000"/>
+                  </a:schemeClr>
+                </a:solidFill>
+                <a:latin typeface="微软雅黑" pitchFamily="34" charset="-122"/>
+                <a:ea typeface="微软雅黑" pitchFamily="34" charset="-122"/>
+              </a:rPr>
+              <a:t>目标</a:t>
+            </a:r>
+            <a:r>
+              <a:rPr lang="en-US" altLang="zh-CN" sz="2800" b="1" dirty="0" smtClean="0">
+                <a:solidFill>
+                  <a:schemeClr val="tx1">
+                    <a:lumMod val="75000"/>
+                    <a:lumOff val="25000"/>
+                  </a:schemeClr>
+                </a:solidFill>
+                <a:latin typeface="微软雅黑" pitchFamily="34" charset="-122"/>
+                <a:ea typeface="微软雅黑" pitchFamily="34" charset="-122"/>
+              </a:rPr>
+              <a:t>——</a:t>
+            </a:r>
+            <a:r>
+              <a:rPr lang="zh-CN" altLang="en-US" sz="2800" b="1" dirty="0" smtClean="0">
+                <a:solidFill>
+                  <a:schemeClr val="tx1">
+                    <a:lumMod val="75000"/>
+                    <a:lumOff val="25000"/>
+                  </a:schemeClr>
+                </a:solidFill>
+                <a:latin typeface="微软雅黑" pitchFamily="34" charset="-122"/>
+                <a:ea typeface="微软雅黑" pitchFamily="34" charset="-122"/>
+              </a:rPr>
+              <a:t>文本的屏幕闪烁（</a:t>
+            </a:r>
+            <a:r>
+              <a:rPr lang="zh-CN" altLang="en-US" sz="2800" b="1" dirty="0" smtClean="0">
+                <a:solidFill>
+                  <a:schemeClr val="tx1">
+                    <a:lumMod val="75000"/>
+                    <a:lumOff val="25000"/>
+                  </a:schemeClr>
+                </a:solidFill>
+                <a:latin typeface="微软雅黑" pitchFamily="34" charset="-122"/>
+                <a:ea typeface="微软雅黑" pitchFamily="34" charset="-122"/>
+              </a:rPr>
+              <a:t>难度：</a:t>
+            </a:r>
+            <a:r>
+              <a:rPr lang="en-US" altLang="zh-CN" sz="2800" b="1" dirty="0" smtClean="0">
+                <a:solidFill>
+                  <a:schemeClr val="tx1">
+                    <a:lumMod val="75000"/>
+                    <a:lumOff val="25000"/>
+                  </a:schemeClr>
+                </a:solidFill>
+                <a:latin typeface="微软雅黑" pitchFamily="34" charset="-122"/>
+                <a:ea typeface="微软雅黑" pitchFamily="34" charset="-122"/>
+              </a:rPr>
+              <a:t>2.6</a:t>
+            </a:r>
+            <a:r>
+              <a:rPr lang="zh-CN" altLang="en-US" sz="2800" b="1" dirty="0" smtClean="0">
+                <a:solidFill>
+                  <a:schemeClr val="tx1">
+                    <a:lumMod val="75000"/>
+                    <a:lumOff val="25000"/>
+                  </a:schemeClr>
+                </a:solidFill>
+                <a:latin typeface="微软雅黑" pitchFamily="34" charset="-122"/>
+                <a:ea typeface="微软雅黑" pitchFamily="34" charset="-122"/>
+              </a:rPr>
+              <a:t>）</a:t>
+            </a:r>
+            <a:endParaRPr lang="zh-CN" altLang="en-US" sz="2800" b="1" dirty="0">
+              <a:solidFill>
+                <a:schemeClr val="tx1">
+                  <a:lumMod val="75000"/>
+                  <a:lumOff val="25000"/>
+                </a:schemeClr>
+              </a:solidFill>
+              <a:latin typeface="微软雅黑" pitchFamily="34" charset="-122"/>
+              <a:ea typeface="微软雅黑" pitchFamily="34" charset="-122"/>
+            </a:endParaRPr>
+          </a:p>
+        </p:txBody>
+      </p:sp>
+      <p:sp>
+        <p:nvSpPr>
+          <p:cNvPr id="2" name="TextBox 1"/>
+          <p:cNvSpPr txBox="1"/>
+          <p:nvPr/>
+        </p:nvSpPr>
+        <p:spPr>
+          <a:xfrm>
+            <a:off x="684000" y="1134480"/>
+            <a:ext cx="7776000" cy="1754326"/>
+          </a:xfrm>
+          <a:prstGeom prst="rect">
+            <a:avLst/>
+          </a:prstGeom>
+          <a:noFill/>
+        </p:spPr>
+        <p:txBody>
+          <a:bodyPr wrap="square" rtlCol="0">
+            <a:spAutoFit/>
+          </a:bodyPr>
+          <a:lstStyle/>
+          <a:p>
+            <a:pPr>
+              <a:lnSpc>
+                <a:spcPct val="150000"/>
+              </a:lnSpc>
+            </a:pPr>
+            <a:r>
+              <a:rPr lang="zh-CN" altLang="en-US" sz="2400" dirty="0" smtClean="0">
+                <a:solidFill>
+                  <a:schemeClr val="tx1">
+                    <a:lumMod val="75000"/>
+                    <a:lumOff val="25000"/>
+                  </a:schemeClr>
+                </a:solidFill>
+                <a:latin typeface="微软雅黑" pitchFamily="34" charset="-122"/>
+                <a:ea typeface="微软雅黑" pitchFamily="34" charset="-122"/>
+              </a:rPr>
+              <a:t>本期我们的目标</a:t>
+            </a:r>
+            <a:r>
+              <a:rPr lang="zh-CN" altLang="en-US" sz="2400" dirty="0" smtClean="0">
+                <a:solidFill>
+                  <a:schemeClr val="tx1">
+                    <a:lumMod val="75000"/>
+                    <a:lumOff val="25000"/>
+                  </a:schemeClr>
+                </a:solidFill>
+                <a:latin typeface="微软雅黑" pitchFamily="34" charset="-122"/>
+                <a:ea typeface="微软雅黑" pitchFamily="34" charset="-122"/>
+              </a:rPr>
+              <a:t>是使用</a:t>
+            </a:r>
+            <a:r>
+              <a:rPr lang="en-US" altLang="zh-CN" sz="2400" dirty="0" smtClean="0">
+                <a:solidFill>
+                  <a:schemeClr val="tx1">
+                    <a:lumMod val="75000"/>
+                    <a:lumOff val="25000"/>
+                  </a:schemeClr>
+                </a:solidFill>
+                <a:latin typeface="微软雅黑" pitchFamily="34" charset="-122"/>
+                <a:ea typeface="微软雅黑" pitchFamily="34" charset="-122"/>
+              </a:rPr>
+              <a:t>SVG</a:t>
+            </a:r>
+            <a:r>
+              <a:rPr lang="zh-CN" altLang="en-US" sz="2400" dirty="0" smtClean="0">
+                <a:solidFill>
+                  <a:schemeClr val="tx1">
+                    <a:lumMod val="75000"/>
+                    <a:lumOff val="25000"/>
+                  </a:schemeClr>
+                </a:solidFill>
+                <a:latin typeface="微软雅黑" pitchFamily="34" charset="-122"/>
+                <a:ea typeface="微软雅黑" pitchFamily="34" charset="-122"/>
+              </a:rPr>
+              <a:t>滤镜，模拟文本在屏幕发生故障时的闪烁效果</a:t>
+            </a:r>
+            <a:r>
+              <a:rPr lang="en-US" altLang="zh-CN" sz="2400" dirty="0" smtClean="0">
+                <a:solidFill>
+                  <a:schemeClr val="tx1">
+                    <a:lumMod val="75000"/>
+                    <a:lumOff val="25000"/>
+                  </a:schemeClr>
+                </a:solidFill>
+                <a:latin typeface="微软雅黑" pitchFamily="34" charset="-122"/>
+                <a:ea typeface="微软雅黑" pitchFamily="34" charset="-122"/>
+              </a:rPr>
+              <a:t>.</a:t>
+            </a:r>
+            <a:r>
+              <a:rPr lang="zh-CN" altLang="en-US" sz="2400" dirty="0">
+                <a:solidFill>
+                  <a:schemeClr val="tx1">
+                    <a:lumMod val="75000"/>
+                    <a:lumOff val="25000"/>
+                  </a:schemeClr>
+                </a:solidFill>
+                <a:latin typeface="微软雅黑" pitchFamily="34" charset="-122"/>
+                <a:ea typeface="微软雅黑" pitchFamily="34" charset="-122"/>
+              </a:rPr>
+              <a:t>具体</a:t>
+            </a:r>
+            <a:r>
+              <a:rPr lang="zh-CN" altLang="en-US" sz="2400" dirty="0" smtClean="0">
+                <a:solidFill>
+                  <a:schemeClr val="tx1">
+                    <a:lumMod val="75000"/>
+                    <a:lumOff val="25000"/>
+                  </a:schemeClr>
+                </a:solidFill>
+                <a:latin typeface="微软雅黑" pitchFamily="34" charset="-122"/>
+                <a:ea typeface="微软雅黑" pitchFamily="34" charset="-122"/>
+              </a:rPr>
+              <a:t>来说，比如</a:t>
+            </a:r>
+            <a:r>
+              <a:rPr lang="zh-CN" altLang="en-US" sz="2400" dirty="0" smtClean="0">
+                <a:solidFill>
+                  <a:schemeClr val="tx1">
+                    <a:lumMod val="75000"/>
+                    <a:lumOff val="25000"/>
+                  </a:schemeClr>
+                </a:solidFill>
+                <a:latin typeface="微软雅黑" pitchFamily="34" charset="-122"/>
+                <a:ea typeface="微软雅黑" pitchFamily="34" charset="-122"/>
+              </a:rPr>
+              <a:t>文字某些部分会错位，变色的效果。</a:t>
+            </a:r>
+            <a:endParaRPr lang="en-US" altLang="zh-CN" sz="2400" dirty="0" smtClean="0">
+              <a:solidFill>
+                <a:schemeClr val="tx1">
+                  <a:lumMod val="75000"/>
+                  <a:lumOff val="25000"/>
+                </a:schemeClr>
+              </a:solidFill>
+              <a:latin typeface="微软雅黑" pitchFamily="34" charset="-122"/>
+              <a:ea typeface="微软雅黑" pitchFamily="34" charset="-122"/>
+            </a:endParaRPr>
+          </a:p>
+        </p:txBody>
+      </p:sp>
       <p:pic>
         <p:nvPicPr>
-          <p:cNvPr id="7" name="图片 6" descr="屏幕剪辑"/>
+          <p:cNvPr id="5" name="图片 4"/>
           <p:cNvPicPr>
             <a:picLocks noChangeAspect="1"/>
           </p:cNvPicPr>
@@ -3766,1806 +4029,8 @@
         </p:blipFill>
         <p:spPr>
           <a:xfrm>
-            <a:off x="1533308" y="3019730"/>
-            <a:ext cx="5029902" cy="2448267"/>
-          </a:xfrm>
-          <a:prstGeom prst="rect">
-            <a:avLst/>
-          </a:prstGeom>
-          <a:ln>
-            <a:noFill/>
-          </a:ln>
-          <a:effectLst>
-            <a:outerShdw blurRad="292100" dist="139700" dir="2700000" algn="tl" rotWithShape="0">
-              <a:srgbClr val="333333">
-                <a:alpha val="65000"/>
-              </a:srgbClr>
-            </a:outerShdw>
-          </a:effectLst>
-        </p:spPr>
-      </p:pic>
-      <p:sp>
-        <p:nvSpPr>
-          <p:cNvPr id="2" name="TextBox 1"/>
-          <p:cNvSpPr txBox="1"/>
-          <p:nvPr/>
-        </p:nvSpPr>
-        <p:spPr>
-          <a:xfrm>
-            <a:off x="697523" y="476672"/>
-            <a:ext cx="7776000" cy="2308324"/>
-          </a:xfrm>
-          <a:prstGeom prst="rect">
-            <a:avLst/>
-          </a:prstGeom>
-          <a:noFill/>
-        </p:spPr>
-        <p:txBody>
-          <a:bodyPr wrap="square" rtlCol="0">
-            <a:spAutoFit/>
-          </a:bodyPr>
-          <a:lstStyle/>
-          <a:p>
-            <a:pPr>
-              <a:lnSpc>
-                <a:spcPct val="150000"/>
-              </a:lnSpc>
-            </a:pPr>
-            <a:r>
-              <a:rPr lang="zh-CN" altLang="en-US" sz="2400" dirty="0" smtClean="0">
-                <a:solidFill>
-                  <a:schemeClr val="tx1">
-                    <a:lumMod val="75000"/>
-                    <a:lumOff val="25000"/>
-                  </a:schemeClr>
-                </a:solidFill>
-                <a:latin typeface="微软雅黑" pitchFamily="34" charset="-122"/>
-                <a:ea typeface="微软雅黑" pitchFamily="34" charset="-122"/>
-              </a:rPr>
-              <a:t>接下来是让水波动起来。水波可以纵向运动（改变</a:t>
-            </a:r>
-            <a:r>
-              <a:rPr lang="en-US" altLang="zh-CN" sz="2400" dirty="0" smtClean="0">
-                <a:solidFill>
-                  <a:schemeClr val="tx1">
-                    <a:lumMod val="75000"/>
-                    <a:lumOff val="25000"/>
-                  </a:schemeClr>
-                </a:solidFill>
-                <a:latin typeface="微软雅黑" pitchFamily="34" charset="-122"/>
-                <a:ea typeface="微软雅黑" pitchFamily="34" charset="-122"/>
-              </a:rPr>
-              <a:t>x</a:t>
-            </a:r>
-            <a:r>
-              <a:rPr lang="zh-CN" altLang="en-US" sz="2400" dirty="0" smtClean="0">
-                <a:solidFill>
-                  <a:schemeClr val="tx1">
-                    <a:lumMod val="75000"/>
-                    <a:lumOff val="25000"/>
-                  </a:schemeClr>
-                </a:solidFill>
-                <a:latin typeface="微软雅黑" pitchFamily="34" charset="-122"/>
-                <a:ea typeface="微软雅黑" pitchFamily="34" charset="-122"/>
-              </a:rPr>
-              <a:t>方向频率），可以横向运动（改变</a:t>
-            </a:r>
-            <a:r>
-              <a:rPr lang="en-US" altLang="zh-CN" sz="2400" dirty="0" smtClean="0">
-                <a:solidFill>
-                  <a:schemeClr val="tx1">
-                    <a:lumMod val="75000"/>
-                    <a:lumOff val="25000"/>
-                  </a:schemeClr>
-                </a:solidFill>
-                <a:latin typeface="微软雅黑" pitchFamily="34" charset="-122"/>
-                <a:ea typeface="微软雅黑" pitchFamily="34" charset="-122"/>
-              </a:rPr>
-              <a:t>y</a:t>
-            </a:r>
-            <a:r>
-              <a:rPr lang="zh-CN" altLang="en-US" sz="2400" dirty="0" smtClean="0">
-                <a:solidFill>
-                  <a:schemeClr val="tx1">
-                    <a:lumMod val="75000"/>
-                    <a:lumOff val="25000"/>
-                  </a:schemeClr>
-                </a:solidFill>
-                <a:latin typeface="微软雅黑" pitchFamily="34" charset="-122"/>
-                <a:ea typeface="微软雅黑" pitchFamily="34" charset="-122"/>
-              </a:rPr>
-              <a:t>频率），当然还可以斜向运动（改变</a:t>
-            </a:r>
-            <a:r>
-              <a:rPr lang="en-US" altLang="zh-CN" sz="2400" dirty="0" err="1" smtClean="0">
-                <a:solidFill>
-                  <a:schemeClr val="tx1">
-                    <a:lumMod val="75000"/>
-                    <a:lumOff val="25000"/>
-                  </a:schemeClr>
-                </a:solidFill>
-                <a:latin typeface="微软雅黑" pitchFamily="34" charset="-122"/>
-                <a:ea typeface="微软雅黑" pitchFamily="34" charset="-122"/>
-              </a:rPr>
-              <a:t>x,y</a:t>
-            </a:r>
-            <a:r>
-              <a:rPr lang="zh-CN" altLang="en-US" sz="2400" dirty="0" smtClean="0">
-                <a:solidFill>
-                  <a:schemeClr val="tx1">
-                    <a:lumMod val="75000"/>
-                    <a:lumOff val="25000"/>
-                  </a:schemeClr>
-                </a:solidFill>
-                <a:latin typeface="微软雅黑" pitchFamily="34" charset="-122"/>
-                <a:ea typeface="微软雅黑" pitchFamily="34" charset="-122"/>
-              </a:rPr>
-              <a:t>频率）。我们同时改变</a:t>
-            </a:r>
-            <a:r>
-              <a:rPr lang="en-US" altLang="zh-CN" sz="2400" dirty="0" err="1" smtClean="0">
-                <a:solidFill>
-                  <a:schemeClr val="tx1">
-                    <a:lumMod val="75000"/>
-                    <a:lumOff val="25000"/>
-                  </a:schemeClr>
-                </a:solidFill>
-                <a:latin typeface="微软雅黑" pitchFamily="34" charset="-122"/>
-                <a:ea typeface="微软雅黑" pitchFamily="34" charset="-122"/>
-              </a:rPr>
-              <a:t>x,y</a:t>
-            </a:r>
-            <a:r>
-              <a:rPr lang="zh-CN" altLang="en-US" sz="2400" dirty="0" smtClean="0">
-                <a:solidFill>
-                  <a:schemeClr val="tx1">
-                    <a:lumMod val="75000"/>
-                    <a:lumOff val="25000"/>
-                  </a:schemeClr>
-                </a:solidFill>
-                <a:latin typeface="微软雅黑" pitchFamily="34" charset="-122"/>
-                <a:ea typeface="微软雅黑" pitchFamily="34" charset="-122"/>
-              </a:rPr>
-              <a:t>方向的频率，实现斜向运动的感觉。</a:t>
-            </a:r>
-            <a:endParaRPr lang="en-US" altLang="zh-CN" sz="2400" b="1" dirty="0" smtClean="0">
-              <a:solidFill>
-                <a:schemeClr val="tx1">
-                  <a:lumMod val="75000"/>
-                  <a:lumOff val="25000"/>
-                </a:schemeClr>
-              </a:solidFill>
-              <a:latin typeface="微软雅黑" pitchFamily="34" charset="-122"/>
-              <a:ea typeface="微软雅黑" pitchFamily="34" charset="-122"/>
-            </a:endParaRPr>
-          </a:p>
-        </p:txBody>
-      </p:sp>
-      <p:sp>
-        <p:nvSpPr>
-          <p:cNvPr id="4" name="矩形 3"/>
-          <p:cNvSpPr/>
-          <p:nvPr/>
-        </p:nvSpPr>
-        <p:spPr>
-          <a:xfrm>
-            <a:off x="2883590" y="4365104"/>
-            <a:ext cx="3560617" cy="317453"/>
-          </a:xfrm>
-          <a:prstGeom prst="rect">
-            <a:avLst/>
-          </a:prstGeom>
-          <a:noFill/>
-          <a:ln w="28575">
-            <a:solidFill>
-              <a:srgbClr val="FFFF00"/>
-            </a:solidFill>
-          </a:ln>
-        </p:spPr>
-        <p:style>
-          <a:lnRef idx="2">
-            <a:schemeClr val="accent1">
-              <a:shade val="50000"/>
-            </a:schemeClr>
-          </a:lnRef>
-          <a:fillRef idx="1">
-            <a:schemeClr val="accent1"/>
-          </a:fillRef>
-          <a:effectRef idx="0">
-            <a:schemeClr val="accent1"/>
-          </a:effectRef>
-          <a:fontRef idx="minor">
-            <a:schemeClr val="lt1"/>
-          </a:fontRef>
-        </p:style>
-        <p:txBody>
-          <a:bodyPr rtlCol="0" anchor="ctr"/>
-          <a:lstStyle/>
-          <a:p>
-            <a:pPr algn="ctr"/>
-            <a:endParaRPr lang="zh-CN" altLang="en-US"/>
-          </a:p>
-        </p:txBody>
-      </p:sp>
-      <p:sp>
-        <p:nvSpPr>
-          <p:cNvPr id="5" name="圆角矩形标注 4"/>
-          <p:cNvSpPr/>
-          <p:nvPr/>
-        </p:nvSpPr>
-        <p:spPr>
-          <a:xfrm>
-            <a:off x="5620233" y="4949274"/>
-            <a:ext cx="1885954" cy="518723"/>
-          </a:xfrm>
-          <a:prstGeom prst="wedgeRoundRectCallout">
-            <a:avLst>
-              <a:gd name="adj1" fmla="val -29816"/>
-              <a:gd name="adj2" fmla="val -79017"/>
-              <a:gd name="adj3" fmla="val 16667"/>
-            </a:avLst>
-          </a:prstGeom>
-        </p:spPr>
-        <p:style>
-          <a:lnRef idx="2">
-            <a:schemeClr val="accent5"/>
-          </a:lnRef>
-          <a:fillRef idx="1">
-            <a:schemeClr val="lt1"/>
-          </a:fillRef>
-          <a:effectRef idx="0">
-            <a:schemeClr val="accent5"/>
-          </a:effectRef>
-          <a:fontRef idx="minor">
-            <a:schemeClr val="dk1"/>
-          </a:fontRef>
-        </p:style>
-        <p:txBody>
-          <a:bodyPr rtlCol="0" anchor="ctr"/>
-          <a:lstStyle/>
-          <a:p>
-            <a:pPr algn="ctr"/>
-            <a:r>
-              <a:rPr lang="zh-CN" altLang="en-US" sz="2000" dirty="0" smtClean="0">
-                <a:solidFill>
-                  <a:schemeClr val="tx1">
-                    <a:lumMod val="75000"/>
-                    <a:lumOff val="25000"/>
-                  </a:schemeClr>
-                </a:solidFill>
-                <a:latin typeface="微软雅黑" pitchFamily="34" charset="-122"/>
-                <a:ea typeface="微软雅黑" pitchFamily="34" charset="-122"/>
-              </a:rPr>
-              <a:t>改变</a:t>
-            </a:r>
-            <a:r>
-              <a:rPr lang="en-US" altLang="zh-CN" sz="2000" dirty="0" err="1" smtClean="0">
-                <a:solidFill>
-                  <a:schemeClr val="tx1">
-                    <a:lumMod val="75000"/>
-                    <a:lumOff val="25000"/>
-                  </a:schemeClr>
-                </a:solidFill>
-                <a:latin typeface="微软雅黑" pitchFamily="34" charset="-122"/>
-                <a:ea typeface="微软雅黑" pitchFamily="34" charset="-122"/>
-              </a:rPr>
-              <a:t>x,y</a:t>
-            </a:r>
-            <a:r>
-              <a:rPr lang="zh-CN" altLang="en-US" sz="2000" dirty="0" smtClean="0">
-                <a:solidFill>
-                  <a:schemeClr val="tx1">
-                    <a:lumMod val="75000"/>
-                    <a:lumOff val="25000"/>
-                  </a:schemeClr>
-                </a:solidFill>
-                <a:latin typeface="微软雅黑" pitchFamily="34" charset="-122"/>
-                <a:ea typeface="微软雅黑" pitchFamily="34" charset="-122"/>
-              </a:rPr>
-              <a:t>频率</a:t>
-            </a:r>
-            <a:endParaRPr lang="zh-CN" altLang="en-US" sz="2000" dirty="0">
-              <a:solidFill>
-                <a:schemeClr val="tx1">
-                  <a:lumMod val="75000"/>
-                  <a:lumOff val="25000"/>
-                </a:schemeClr>
-              </a:solidFill>
-              <a:latin typeface="微软雅黑" pitchFamily="34" charset="-122"/>
-              <a:ea typeface="微软雅黑" pitchFamily="34" charset="-122"/>
-            </a:endParaRPr>
-          </a:p>
-        </p:txBody>
-      </p:sp>
-    </p:spTree>
-    <p:extLst>
-      <p:ext uri="{BB962C8B-B14F-4D97-AF65-F5344CB8AC3E}">
-        <p14:creationId xmlns:p14="http://schemas.microsoft.com/office/powerpoint/2010/main" val="3871693340"/>
-      </p:ext>
-    </p:extLst>
-  </p:cSld>
-  <p:clrMapOvr>
-    <a:masterClrMapping/>
-  </p:clrMapOvr>
-</p:sld>
-</file>
-
-<file path=ppt/slides/slide11.xml><?xml version="1.0" encoding="utf-8"?>
-<p:sld xmlns:a="http://schemas.openxmlformats.org/drawingml/2006/main" xmlns:r="http://schemas.openxmlformats.org/officeDocument/2006/relationships" xmlns:p="http://schemas.openxmlformats.org/presentationml/2006/main">
-  <p:cSld>
-    <p:spTree>
-      <p:nvGrpSpPr>
-        <p:cNvPr id="1" name=""/>
-        <p:cNvGrpSpPr/>
-        <p:nvPr/>
-      </p:nvGrpSpPr>
-      <p:grpSpPr>
-        <a:xfrm>
-          <a:off x="0" y="0"/>
-          <a:ext cx="0" cy="0"/>
-          <a:chOff x="0" y="0"/>
-          <a:chExt cx="0" cy="0"/>
-        </a:xfrm>
-      </p:grpSpPr>
-      <p:sp>
-        <p:nvSpPr>
-          <p:cNvPr id="4" name="TextBox 3"/>
-          <p:cNvSpPr txBox="1"/>
-          <p:nvPr/>
-        </p:nvSpPr>
-        <p:spPr>
-          <a:xfrm>
-            <a:off x="684000" y="260648"/>
-            <a:ext cx="7776000" cy="523220"/>
-          </a:xfrm>
-          <a:prstGeom prst="rect">
-            <a:avLst/>
-          </a:prstGeom>
-          <a:noFill/>
-        </p:spPr>
-        <p:txBody>
-          <a:bodyPr wrap="square" rtlCol="0">
-            <a:spAutoFit/>
-          </a:bodyPr>
-          <a:lstStyle/>
-          <a:p>
-            <a:r>
-              <a:rPr lang="en-US" altLang="zh-CN" sz="2800" b="1" dirty="0" smtClean="0">
-                <a:solidFill>
-                  <a:schemeClr val="tx1">
-                    <a:lumMod val="75000"/>
-                    <a:lumOff val="25000"/>
-                  </a:schemeClr>
-                </a:solidFill>
-                <a:latin typeface="微软雅黑" pitchFamily="34" charset="-122"/>
-                <a:ea typeface="微软雅黑" pitchFamily="34" charset="-122"/>
-              </a:rPr>
-              <a:t>5</a:t>
-            </a:r>
-            <a:r>
-              <a:rPr lang="en-US" altLang="zh-CN" sz="2800" b="1" dirty="0" smtClean="0">
-                <a:solidFill>
-                  <a:schemeClr val="tx1">
-                    <a:lumMod val="75000"/>
-                    <a:lumOff val="25000"/>
-                  </a:schemeClr>
-                </a:solidFill>
-                <a:latin typeface="微软雅黑" pitchFamily="34" charset="-122"/>
-                <a:ea typeface="微软雅黑" pitchFamily="34" charset="-122"/>
-              </a:rPr>
-              <a:t>.</a:t>
-            </a:r>
-            <a:r>
-              <a:rPr lang="zh-CN" altLang="en-US" sz="2800" b="1" dirty="0" smtClean="0">
-                <a:solidFill>
-                  <a:schemeClr val="tx1">
-                    <a:lumMod val="75000"/>
-                    <a:lumOff val="25000"/>
-                  </a:schemeClr>
-                </a:solidFill>
-                <a:latin typeface="微软雅黑" pitchFamily="34" charset="-122"/>
-                <a:ea typeface="微软雅黑" pitchFamily="34" charset="-122"/>
-              </a:rPr>
-              <a:t>掩盖毛边</a:t>
-            </a:r>
-            <a:endParaRPr lang="zh-CN" altLang="en-US" sz="2800" b="1" dirty="0">
-              <a:solidFill>
-                <a:schemeClr val="tx1">
-                  <a:lumMod val="75000"/>
-                  <a:lumOff val="25000"/>
-                </a:schemeClr>
-              </a:solidFill>
-              <a:latin typeface="微软雅黑" pitchFamily="34" charset="-122"/>
-              <a:ea typeface="微软雅黑" pitchFamily="34" charset="-122"/>
-            </a:endParaRPr>
-          </a:p>
-        </p:txBody>
-      </p:sp>
-      <p:sp>
-        <p:nvSpPr>
-          <p:cNvPr id="5" name="TextBox 4"/>
-          <p:cNvSpPr txBox="1"/>
-          <p:nvPr/>
-        </p:nvSpPr>
-        <p:spPr>
-          <a:xfrm>
-            <a:off x="684000" y="836712"/>
-            <a:ext cx="7776000" cy="2308324"/>
-          </a:xfrm>
-          <a:prstGeom prst="rect">
-            <a:avLst/>
-          </a:prstGeom>
-          <a:noFill/>
-        </p:spPr>
-        <p:txBody>
-          <a:bodyPr wrap="square" rtlCol="0">
-            <a:spAutoFit/>
-          </a:bodyPr>
-          <a:lstStyle/>
-          <a:p>
-            <a:pPr>
-              <a:lnSpc>
-                <a:spcPct val="150000"/>
-              </a:lnSpc>
-            </a:pPr>
-            <a:r>
-              <a:rPr lang="en-US" altLang="zh-CN" sz="2400" dirty="0" err="1" smtClean="0">
-                <a:solidFill>
-                  <a:schemeClr val="tx1">
-                    <a:lumMod val="75000"/>
-                    <a:lumOff val="25000"/>
-                  </a:schemeClr>
-                </a:solidFill>
-                <a:latin typeface="微软雅黑" pitchFamily="34" charset="-122"/>
-                <a:ea typeface="微软雅黑" pitchFamily="34" charset="-122"/>
-              </a:rPr>
-              <a:t>feDisplacementMap</a:t>
-            </a:r>
-            <a:r>
-              <a:rPr lang="zh-CN" altLang="en-US" sz="2400" dirty="0" smtClean="0">
-                <a:solidFill>
-                  <a:schemeClr val="tx1">
-                    <a:lumMod val="75000"/>
-                    <a:lumOff val="25000"/>
-                  </a:schemeClr>
-                </a:solidFill>
-                <a:latin typeface="微软雅黑" pitchFamily="34" charset="-122"/>
-                <a:ea typeface="微软雅黑" pitchFamily="34" charset="-122"/>
-              </a:rPr>
-              <a:t>移动像素造成边缘的不平整，这个可以有几个方式解决，比如缩小盛放动态图的容器，或者加一个元素遮挡，我们采取遮挡的办法，也让图片有种相框的感觉</a:t>
-            </a:r>
-            <a:endParaRPr lang="en-US" altLang="zh-CN" sz="2400" dirty="0" smtClean="0">
-              <a:solidFill>
-                <a:schemeClr val="tx1">
-                  <a:lumMod val="75000"/>
-                  <a:lumOff val="25000"/>
-                </a:schemeClr>
-              </a:solidFill>
-              <a:latin typeface="微软雅黑" pitchFamily="34" charset="-122"/>
-              <a:ea typeface="微软雅黑" pitchFamily="34" charset="-122"/>
-            </a:endParaRPr>
-          </a:p>
-        </p:txBody>
-      </p:sp>
-      <p:pic>
-        <p:nvPicPr>
-          <p:cNvPr id="9" name="图片 8" descr="屏幕剪辑"/>
-          <p:cNvPicPr>
-            <a:picLocks noChangeAspect="1"/>
-          </p:cNvPicPr>
-          <p:nvPr/>
-        </p:nvPicPr>
-        <p:blipFill>
-          <a:blip r:embed="rId2">
-            <a:extLst>
-              <a:ext uri="{28A0092B-C50C-407E-A947-70E740481C1C}">
-                <a14:useLocalDpi xmlns:a14="http://schemas.microsoft.com/office/drawing/2010/main" val="0"/>
-              </a:ext>
-            </a:extLst>
-          </a:blip>
-          <a:stretch>
-            <a:fillRect/>
-          </a:stretch>
-        </p:blipFill>
-        <p:spPr>
-          <a:xfrm>
-            <a:off x="1547664" y="3356992"/>
-            <a:ext cx="5515745" cy="1190791"/>
-          </a:xfrm>
-          <a:prstGeom prst="rect">
-            <a:avLst/>
-          </a:prstGeom>
-          <a:ln>
-            <a:noFill/>
-          </a:ln>
-          <a:effectLst>
-            <a:outerShdw blurRad="292100" dist="139700" dir="2700000" algn="tl" rotWithShape="0">
-              <a:srgbClr val="333333">
-                <a:alpha val="65000"/>
-              </a:srgbClr>
-            </a:outerShdw>
-          </a:effectLst>
-        </p:spPr>
-      </p:pic>
-      <p:sp>
-        <p:nvSpPr>
-          <p:cNvPr id="11" name="圆角矩形标注 10"/>
-          <p:cNvSpPr/>
-          <p:nvPr/>
-        </p:nvSpPr>
-        <p:spPr>
-          <a:xfrm>
-            <a:off x="5148064" y="4603947"/>
-            <a:ext cx="2088232" cy="518723"/>
-          </a:xfrm>
-          <a:prstGeom prst="wedgeRoundRectCallout">
-            <a:avLst>
-              <a:gd name="adj1" fmla="val -27989"/>
-              <a:gd name="adj2" fmla="val -79017"/>
-              <a:gd name="adj3" fmla="val 16667"/>
-            </a:avLst>
-          </a:prstGeom>
-        </p:spPr>
-        <p:style>
-          <a:lnRef idx="2">
-            <a:schemeClr val="accent5"/>
-          </a:lnRef>
-          <a:fillRef idx="1">
-            <a:schemeClr val="lt1"/>
-          </a:fillRef>
-          <a:effectRef idx="0">
-            <a:schemeClr val="accent5"/>
-          </a:effectRef>
-          <a:fontRef idx="minor">
-            <a:schemeClr val="dk1"/>
-          </a:fontRef>
-        </p:style>
-        <p:txBody>
-          <a:bodyPr rtlCol="0" anchor="ctr"/>
-          <a:lstStyle/>
-          <a:p>
-            <a:pPr algn="ctr"/>
-            <a:r>
-              <a:rPr lang="zh-CN" altLang="en-US" sz="2000" dirty="0" smtClean="0">
-                <a:solidFill>
-                  <a:schemeClr val="tx1">
-                    <a:lumMod val="75000"/>
-                    <a:lumOff val="25000"/>
-                  </a:schemeClr>
-                </a:solidFill>
-                <a:latin typeface="微软雅黑" pitchFamily="34" charset="-122"/>
-                <a:ea typeface="微软雅黑" pitchFamily="34" charset="-122"/>
-              </a:rPr>
-              <a:t>不平整边缘</a:t>
-            </a:r>
-            <a:endParaRPr lang="zh-CN" altLang="en-US" sz="2000" dirty="0">
-              <a:solidFill>
-                <a:schemeClr val="tx1">
-                  <a:lumMod val="75000"/>
-                  <a:lumOff val="25000"/>
-                </a:schemeClr>
-              </a:solidFill>
-              <a:latin typeface="微软雅黑" pitchFamily="34" charset="-122"/>
-              <a:ea typeface="微软雅黑" pitchFamily="34" charset="-122"/>
-            </a:endParaRPr>
-          </a:p>
-        </p:txBody>
-      </p:sp>
-    </p:spTree>
-    <p:extLst>
-      <p:ext uri="{BB962C8B-B14F-4D97-AF65-F5344CB8AC3E}">
-        <p14:creationId xmlns:p14="http://schemas.microsoft.com/office/powerpoint/2010/main" val="393419965"/>
-      </p:ext>
-    </p:extLst>
-  </p:cSld>
-  <p:clrMapOvr>
-    <a:masterClrMapping/>
-  </p:clrMapOvr>
-  <p:timing>
-    <p:tnLst>
-      <p:par>
-        <p:cTn id="1" dur="indefinite" restart="never" nodeType="tmRoot"/>
-      </p:par>
-    </p:tnLst>
-  </p:timing>
-</p:sld>
-</file>
-
-<file path=ppt/slides/slide12.xml><?xml version="1.0" encoding="utf-8"?>
-<p:sld xmlns:a="http://schemas.openxmlformats.org/drawingml/2006/main" xmlns:r="http://schemas.openxmlformats.org/officeDocument/2006/relationships" xmlns:p="http://schemas.openxmlformats.org/presentationml/2006/main">
-  <p:cSld>
-    <p:spTree>
-      <p:nvGrpSpPr>
-        <p:cNvPr id="1" name=""/>
-        <p:cNvGrpSpPr/>
-        <p:nvPr/>
-      </p:nvGrpSpPr>
-      <p:grpSpPr>
-        <a:xfrm>
-          <a:off x="0" y="0"/>
-          <a:ext cx="0" cy="0"/>
-          <a:chOff x="0" y="0"/>
-          <a:chExt cx="0" cy="0"/>
-        </a:xfrm>
-      </p:grpSpPr>
-      <p:pic>
-        <p:nvPicPr>
-          <p:cNvPr id="2" name="图片 1" descr="屏幕剪辑"/>
-          <p:cNvPicPr>
-            <a:picLocks noChangeAspect="1"/>
-          </p:cNvPicPr>
-          <p:nvPr/>
-        </p:nvPicPr>
-        <p:blipFill>
-          <a:blip r:embed="rId2">
-            <a:extLst>
-              <a:ext uri="{28A0092B-C50C-407E-A947-70E740481C1C}">
-                <a14:useLocalDpi xmlns:a14="http://schemas.microsoft.com/office/drawing/2010/main" val="0"/>
-              </a:ext>
-            </a:extLst>
-          </a:blip>
-          <a:stretch>
-            <a:fillRect/>
-          </a:stretch>
-        </p:blipFill>
-        <p:spPr>
-          <a:xfrm>
-            <a:off x="1259632" y="332656"/>
-            <a:ext cx="3667637" cy="5410955"/>
-          </a:xfrm>
-          <a:prstGeom prst="rect">
-            <a:avLst/>
-          </a:prstGeom>
-          <a:ln>
-            <a:noFill/>
-          </a:ln>
-          <a:effectLst>
-            <a:outerShdw blurRad="292100" dist="139700" dir="2700000" algn="tl" rotWithShape="0">
-              <a:srgbClr val="333333">
-                <a:alpha val="65000"/>
-              </a:srgbClr>
-            </a:outerShdw>
-          </a:effectLst>
-        </p:spPr>
-      </p:pic>
-      <p:sp>
-        <p:nvSpPr>
-          <p:cNvPr id="3" name="圆角矩形标注 2"/>
-          <p:cNvSpPr/>
-          <p:nvPr/>
-        </p:nvSpPr>
-        <p:spPr>
-          <a:xfrm>
-            <a:off x="4860032" y="4566461"/>
-            <a:ext cx="2520280" cy="518723"/>
-          </a:xfrm>
-          <a:prstGeom prst="wedgeRoundRectCallout">
-            <a:avLst>
-              <a:gd name="adj1" fmla="val -60209"/>
-              <a:gd name="adj2" fmla="val 20962"/>
-              <a:gd name="adj3" fmla="val 16667"/>
-            </a:avLst>
-          </a:prstGeom>
-        </p:spPr>
-        <p:style>
-          <a:lnRef idx="2">
-            <a:schemeClr val="accent5"/>
-          </a:lnRef>
-          <a:fillRef idx="1">
-            <a:schemeClr val="lt1"/>
-          </a:fillRef>
-          <a:effectRef idx="0">
-            <a:schemeClr val="accent5"/>
-          </a:effectRef>
-          <a:fontRef idx="minor">
-            <a:schemeClr val="dk1"/>
-          </a:fontRef>
-        </p:style>
-        <p:txBody>
-          <a:bodyPr rtlCol="0" anchor="ctr"/>
-          <a:lstStyle/>
-          <a:p>
-            <a:pPr algn="ctr"/>
-            <a:r>
-              <a:rPr lang="en-US" altLang="zh-CN" sz="2000" dirty="0" smtClean="0">
-                <a:solidFill>
-                  <a:schemeClr val="tx1">
-                    <a:lumMod val="75000"/>
-                    <a:lumOff val="25000"/>
-                  </a:schemeClr>
-                </a:solidFill>
-                <a:latin typeface="微软雅黑" pitchFamily="34" charset="-122"/>
-                <a:ea typeface="微软雅黑" pitchFamily="34" charset="-122"/>
-              </a:rPr>
-              <a:t>10</a:t>
-            </a:r>
-            <a:r>
-              <a:rPr lang="zh-CN" altLang="en-US" sz="2000" dirty="0" smtClean="0">
-                <a:solidFill>
-                  <a:schemeClr val="tx1">
-                    <a:lumMod val="75000"/>
-                    <a:lumOff val="25000"/>
-                  </a:schemeClr>
-                </a:solidFill>
-                <a:latin typeface="微软雅黑" pitchFamily="34" charset="-122"/>
-                <a:ea typeface="微软雅黑" pitchFamily="34" charset="-122"/>
-              </a:rPr>
-              <a:t>个像素覆盖毛边</a:t>
-            </a:r>
-            <a:endParaRPr lang="zh-CN" altLang="en-US" sz="2000" dirty="0">
-              <a:solidFill>
-                <a:schemeClr val="tx1">
-                  <a:lumMod val="75000"/>
-                  <a:lumOff val="25000"/>
-                </a:schemeClr>
-              </a:solidFill>
-              <a:latin typeface="微软雅黑" pitchFamily="34" charset="-122"/>
-              <a:ea typeface="微软雅黑" pitchFamily="34" charset="-122"/>
-            </a:endParaRPr>
-          </a:p>
-        </p:txBody>
-      </p:sp>
-      <p:sp>
-        <p:nvSpPr>
-          <p:cNvPr id="4" name="矩形 3"/>
-          <p:cNvSpPr/>
-          <p:nvPr/>
-        </p:nvSpPr>
-        <p:spPr>
-          <a:xfrm>
-            <a:off x="1475656" y="1700808"/>
-            <a:ext cx="1617794" cy="648072"/>
-          </a:xfrm>
-          <a:prstGeom prst="rect">
-            <a:avLst/>
-          </a:prstGeom>
-          <a:noFill/>
-          <a:ln w="28575">
-            <a:solidFill>
-              <a:srgbClr val="FFFF00"/>
-            </a:solidFill>
-          </a:ln>
-        </p:spPr>
-        <p:style>
-          <a:lnRef idx="2">
-            <a:schemeClr val="accent1">
-              <a:shade val="50000"/>
-            </a:schemeClr>
-          </a:lnRef>
-          <a:fillRef idx="1">
-            <a:schemeClr val="accent1"/>
-          </a:fillRef>
-          <a:effectRef idx="0">
-            <a:schemeClr val="accent1"/>
-          </a:effectRef>
-          <a:fontRef idx="minor">
-            <a:schemeClr val="lt1"/>
-          </a:fontRef>
-        </p:style>
-        <p:txBody>
-          <a:bodyPr rtlCol="0" anchor="ctr"/>
-          <a:lstStyle/>
-          <a:p>
-            <a:pPr algn="ctr"/>
-            <a:endParaRPr lang="zh-CN" altLang="en-US"/>
-          </a:p>
-        </p:txBody>
-      </p:sp>
-      <p:sp>
-        <p:nvSpPr>
-          <p:cNvPr id="5" name="矩形 4"/>
-          <p:cNvSpPr/>
-          <p:nvPr/>
-        </p:nvSpPr>
-        <p:spPr>
-          <a:xfrm>
-            <a:off x="2411760" y="2714097"/>
-            <a:ext cx="2448272" cy="648072"/>
-          </a:xfrm>
-          <a:prstGeom prst="rect">
-            <a:avLst/>
-          </a:prstGeom>
-          <a:noFill/>
-          <a:ln w="28575">
-            <a:solidFill>
-              <a:srgbClr val="FFFF00"/>
-            </a:solidFill>
-          </a:ln>
-        </p:spPr>
-        <p:style>
-          <a:lnRef idx="2">
-            <a:schemeClr val="accent1">
-              <a:shade val="50000"/>
-            </a:schemeClr>
-          </a:lnRef>
-          <a:fillRef idx="1">
-            <a:schemeClr val="accent1"/>
-          </a:fillRef>
-          <a:effectRef idx="0">
-            <a:schemeClr val="accent1"/>
-          </a:effectRef>
-          <a:fontRef idx="minor">
-            <a:schemeClr val="lt1"/>
-          </a:fontRef>
-        </p:style>
-        <p:txBody>
-          <a:bodyPr rtlCol="0" anchor="ctr"/>
-          <a:lstStyle/>
-          <a:p>
-            <a:pPr algn="ctr"/>
-            <a:endParaRPr lang="zh-CN" altLang="en-US"/>
-          </a:p>
-        </p:txBody>
-      </p:sp>
-      <p:sp>
-        <p:nvSpPr>
-          <p:cNvPr id="6" name="圆角矩形标注 5"/>
-          <p:cNvSpPr/>
-          <p:nvPr/>
-        </p:nvSpPr>
-        <p:spPr>
-          <a:xfrm>
-            <a:off x="3599892" y="1695269"/>
-            <a:ext cx="2124236" cy="518723"/>
-          </a:xfrm>
-          <a:prstGeom prst="wedgeRoundRectCallout">
-            <a:avLst>
-              <a:gd name="adj1" fmla="val -60209"/>
-              <a:gd name="adj2" fmla="val 20962"/>
-              <a:gd name="adj3" fmla="val 16667"/>
-            </a:avLst>
-          </a:prstGeom>
-        </p:spPr>
-        <p:style>
-          <a:lnRef idx="2">
-            <a:schemeClr val="accent5"/>
-          </a:lnRef>
-          <a:fillRef idx="1">
-            <a:schemeClr val="lt1"/>
-          </a:fillRef>
-          <a:effectRef idx="0">
-            <a:schemeClr val="accent5"/>
-          </a:effectRef>
-          <a:fontRef idx="minor">
-            <a:schemeClr val="dk1"/>
-          </a:fontRef>
-        </p:style>
-        <p:txBody>
-          <a:bodyPr rtlCol="0" anchor="ctr"/>
-          <a:lstStyle/>
-          <a:p>
-            <a:pPr algn="ctr"/>
-            <a:r>
-              <a:rPr lang="zh-CN" altLang="en-US" sz="2000" dirty="0" smtClean="0">
-                <a:solidFill>
-                  <a:schemeClr val="tx1">
-                    <a:lumMod val="75000"/>
-                    <a:lumOff val="25000"/>
-                  </a:schemeClr>
-                </a:solidFill>
-                <a:latin typeface="微软雅黑" pitchFamily="34" charset="-122"/>
-                <a:ea typeface="微软雅黑" pitchFamily="34" charset="-122"/>
-              </a:rPr>
-              <a:t>图片外</a:t>
-            </a:r>
-            <a:r>
-              <a:rPr lang="en-US" altLang="zh-CN" sz="2000" dirty="0" smtClean="0">
-                <a:solidFill>
-                  <a:schemeClr val="tx1">
-                    <a:lumMod val="75000"/>
-                    <a:lumOff val="25000"/>
-                  </a:schemeClr>
-                </a:solidFill>
-                <a:latin typeface="微软雅黑" pitchFamily="34" charset="-122"/>
-                <a:ea typeface="微软雅黑" pitchFamily="34" charset="-122"/>
-              </a:rPr>
-              <a:t>5</a:t>
-            </a:r>
-            <a:r>
-              <a:rPr lang="zh-CN" altLang="en-US" sz="2000" dirty="0" smtClean="0">
-                <a:solidFill>
-                  <a:schemeClr val="tx1">
-                    <a:lumMod val="75000"/>
-                    <a:lumOff val="25000"/>
-                  </a:schemeClr>
-                </a:solidFill>
-                <a:latin typeface="微软雅黑" pitchFamily="34" charset="-122"/>
-                <a:ea typeface="微软雅黑" pitchFamily="34" charset="-122"/>
-              </a:rPr>
-              <a:t>个像素</a:t>
-            </a:r>
-            <a:endParaRPr lang="zh-CN" altLang="en-US" sz="2000" dirty="0">
-              <a:solidFill>
-                <a:schemeClr val="tx1">
-                  <a:lumMod val="75000"/>
-                  <a:lumOff val="25000"/>
-                </a:schemeClr>
-              </a:solidFill>
-              <a:latin typeface="微软雅黑" pitchFamily="34" charset="-122"/>
-              <a:ea typeface="微软雅黑" pitchFamily="34" charset="-122"/>
-            </a:endParaRPr>
-          </a:p>
-        </p:txBody>
-      </p:sp>
-      <p:sp>
-        <p:nvSpPr>
-          <p:cNvPr id="7" name="圆角矩形标注 6"/>
-          <p:cNvSpPr/>
-          <p:nvPr/>
-        </p:nvSpPr>
-        <p:spPr>
-          <a:xfrm>
-            <a:off x="5058054" y="2719072"/>
-            <a:ext cx="2124236" cy="518723"/>
-          </a:xfrm>
-          <a:prstGeom prst="wedgeRoundRectCallout">
-            <a:avLst>
-              <a:gd name="adj1" fmla="val -60209"/>
-              <a:gd name="adj2" fmla="val 20962"/>
-              <a:gd name="adj3" fmla="val 16667"/>
-            </a:avLst>
-          </a:prstGeom>
-        </p:spPr>
-        <p:style>
-          <a:lnRef idx="2">
-            <a:schemeClr val="accent5"/>
-          </a:lnRef>
-          <a:fillRef idx="1">
-            <a:schemeClr val="lt1"/>
-          </a:fillRef>
-          <a:effectRef idx="0">
-            <a:schemeClr val="accent5"/>
-          </a:effectRef>
-          <a:fontRef idx="minor">
-            <a:schemeClr val="dk1"/>
-          </a:fontRef>
-        </p:style>
-        <p:txBody>
-          <a:bodyPr rtlCol="0" anchor="ctr"/>
-          <a:lstStyle/>
-          <a:p>
-            <a:pPr algn="ctr"/>
-            <a:r>
-              <a:rPr lang="zh-CN" altLang="en-US" sz="2000" dirty="0" smtClean="0">
-                <a:solidFill>
-                  <a:schemeClr val="tx1">
-                    <a:lumMod val="75000"/>
-                    <a:lumOff val="25000"/>
-                  </a:schemeClr>
-                </a:solidFill>
-                <a:latin typeface="微软雅黑" pitchFamily="34" charset="-122"/>
-                <a:ea typeface="微软雅黑" pitchFamily="34" charset="-122"/>
-              </a:rPr>
-              <a:t>图片内</a:t>
-            </a:r>
-            <a:r>
-              <a:rPr lang="en-US" altLang="zh-CN" sz="2000" dirty="0" smtClean="0">
-                <a:solidFill>
-                  <a:schemeClr val="tx1">
-                    <a:lumMod val="75000"/>
-                    <a:lumOff val="25000"/>
-                  </a:schemeClr>
-                </a:solidFill>
-                <a:latin typeface="微软雅黑" pitchFamily="34" charset="-122"/>
-                <a:ea typeface="微软雅黑" pitchFamily="34" charset="-122"/>
-              </a:rPr>
-              <a:t>5</a:t>
-            </a:r>
-            <a:r>
-              <a:rPr lang="zh-CN" altLang="en-US" sz="2000" dirty="0" smtClean="0">
-                <a:solidFill>
-                  <a:schemeClr val="tx1">
-                    <a:lumMod val="75000"/>
-                    <a:lumOff val="25000"/>
-                  </a:schemeClr>
-                </a:solidFill>
-                <a:latin typeface="微软雅黑" pitchFamily="34" charset="-122"/>
-                <a:ea typeface="微软雅黑" pitchFamily="34" charset="-122"/>
-              </a:rPr>
-              <a:t>个像素</a:t>
-            </a:r>
-            <a:endParaRPr lang="zh-CN" altLang="en-US" sz="2000" dirty="0">
-              <a:solidFill>
-                <a:schemeClr val="tx1">
-                  <a:lumMod val="75000"/>
-                  <a:lumOff val="25000"/>
-                </a:schemeClr>
-              </a:solidFill>
-              <a:latin typeface="微软雅黑" pitchFamily="34" charset="-122"/>
-              <a:ea typeface="微软雅黑" pitchFamily="34" charset="-122"/>
-            </a:endParaRPr>
-          </a:p>
-        </p:txBody>
-      </p:sp>
-    </p:spTree>
-    <p:extLst>
-      <p:ext uri="{BB962C8B-B14F-4D97-AF65-F5344CB8AC3E}">
-        <p14:creationId xmlns:p14="http://schemas.microsoft.com/office/powerpoint/2010/main" val="2350352185"/>
-      </p:ext>
-    </p:extLst>
-  </p:cSld>
-  <p:clrMapOvr>
-    <a:masterClrMapping/>
-  </p:clrMapOvr>
-</p:sld>
-</file>
-
-<file path=ppt/slides/slide13.xml><?xml version="1.0" encoding="utf-8"?>
-<p:sld xmlns:a="http://schemas.openxmlformats.org/drawingml/2006/main" xmlns:r="http://schemas.openxmlformats.org/officeDocument/2006/relationships" xmlns:p="http://schemas.openxmlformats.org/presentationml/2006/main">
-  <p:cSld>
-    <p:spTree>
-      <p:nvGrpSpPr>
-        <p:cNvPr id="1" name=""/>
-        <p:cNvGrpSpPr/>
-        <p:nvPr/>
-      </p:nvGrpSpPr>
-      <p:grpSpPr>
-        <a:xfrm>
-          <a:off x="0" y="0"/>
-          <a:ext cx="0" cy="0"/>
-          <a:chOff x="0" y="0"/>
-          <a:chExt cx="0" cy="0"/>
-        </a:xfrm>
-      </p:grpSpPr>
-      <p:pic>
-        <p:nvPicPr>
-          <p:cNvPr id="2" name="图片 1" descr="屏幕剪辑"/>
-          <p:cNvPicPr>
-            <a:picLocks noChangeAspect="1"/>
-          </p:cNvPicPr>
-          <p:nvPr/>
-        </p:nvPicPr>
-        <p:blipFill>
-          <a:blip r:embed="rId2">
-            <a:extLst>
-              <a:ext uri="{28A0092B-C50C-407E-A947-70E740481C1C}">
-                <a14:useLocalDpi xmlns:a14="http://schemas.microsoft.com/office/drawing/2010/main" val="0"/>
-              </a:ext>
-            </a:extLst>
-          </a:blip>
-          <a:stretch>
-            <a:fillRect/>
-          </a:stretch>
-        </p:blipFill>
-        <p:spPr>
-          <a:xfrm>
-            <a:off x="2123728" y="620688"/>
-            <a:ext cx="4350454" cy="2990492"/>
-          </a:xfrm>
-          <a:prstGeom prst="rect">
-            <a:avLst/>
-          </a:prstGeom>
-          <a:ln>
-            <a:noFill/>
-          </a:ln>
-          <a:effectLst>
-            <a:softEdge rad="112500"/>
-          </a:effectLst>
-        </p:spPr>
-      </p:pic>
-      <p:sp>
-        <p:nvSpPr>
-          <p:cNvPr id="3" name="圆角矩形标注 2"/>
-          <p:cNvSpPr/>
-          <p:nvPr/>
-        </p:nvSpPr>
-        <p:spPr>
-          <a:xfrm>
-            <a:off x="3059832" y="3752294"/>
-            <a:ext cx="2124236" cy="518723"/>
-          </a:xfrm>
-          <a:prstGeom prst="wedgeRoundRectCallout">
-            <a:avLst>
-              <a:gd name="adj1" fmla="val -28728"/>
-              <a:gd name="adj2" fmla="val -79017"/>
-              <a:gd name="adj3" fmla="val 16667"/>
-            </a:avLst>
-          </a:prstGeom>
-        </p:spPr>
-        <p:style>
-          <a:lnRef idx="2">
-            <a:schemeClr val="accent5"/>
-          </a:lnRef>
-          <a:fillRef idx="1">
-            <a:schemeClr val="lt1"/>
-          </a:fillRef>
-          <a:effectRef idx="0">
-            <a:schemeClr val="accent5"/>
-          </a:effectRef>
-          <a:fontRef idx="minor">
-            <a:schemeClr val="dk1"/>
-          </a:fontRef>
-        </p:style>
-        <p:txBody>
-          <a:bodyPr rtlCol="0" anchor="ctr"/>
-          <a:lstStyle/>
-          <a:p>
-            <a:pPr algn="ctr"/>
-            <a:r>
-              <a:rPr lang="zh-CN" altLang="en-US" sz="2000" dirty="0" smtClean="0">
-                <a:solidFill>
-                  <a:schemeClr val="tx1">
-                    <a:lumMod val="75000"/>
-                    <a:lumOff val="25000"/>
-                  </a:schemeClr>
-                </a:solidFill>
-                <a:latin typeface="微软雅黑" pitchFamily="34" charset="-122"/>
-                <a:ea typeface="微软雅黑" pitchFamily="34" charset="-122"/>
-              </a:rPr>
-              <a:t>大功告成！</a:t>
-            </a:r>
-            <a:endParaRPr lang="zh-CN" altLang="en-US" sz="2000" dirty="0">
-              <a:solidFill>
-                <a:schemeClr val="tx1">
-                  <a:lumMod val="75000"/>
-                  <a:lumOff val="25000"/>
-                </a:schemeClr>
-              </a:solidFill>
-              <a:latin typeface="微软雅黑" pitchFamily="34" charset="-122"/>
-              <a:ea typeface="微软雅黑" pitchFamily="34" charset="-122"/>
-            </a:endParaRPr>
-          </a:p>
-        </p:txBody>
-      </p:sp>
-    </p:spTree>
-    <p:extLst>
-      <p:ext uri="{BB962C8B-B14F-4D97-AF65-F5344CB8AC3E}">
-        <p14:creationId xmlns:p14="http://schemas.microsoft.com/office/powerpoint/2010/main" val="1594458367"/>
-      </p:ext>
-    </p:extLst>
-  </p:cSld>
-  <p:clrMapOvr>
-    <a:masterClrMapping/>
-  </p:clrMapOvr>
-</p:sld>
-</file>
-
-<file path=ppt/slides/slide14.xml><?xml version="1.0" encoding="utf-8"?>
-<p:sld xmlns:a="http://schemas.openxmlformats.org/drawingml/2006/main" xmlns:r="http://schemas.openxmlformats.org/officeDocument/2006/relationships" xmlns:p="http://schemas.openxmlformats.org/presentationml/2006/main">
-  <p:cSld>
-    <p:spTree>
-      <p:nvGrpSpPr>
-        <p:cNvPr id="1" name=""/>
-        <p:cNvGrpSpPr/>
-        <p:nvPr/>
-      </p:nvGrpSpPr>
-      <p:grpSpPr>
-        <a:xfrm>
-          <a:off x="0" y="0"/>
-          <a:ext cx="0" cy="0"/>
-          <a:chOff x="0" y="0"/>
-          <a:chExt cx="0" cy="0"/>
-        </a:xfrm>
-      </p:grpSpPr>
-      <p:sp>
-        <p:nvSpPr>
-          <p:cNvPr id="4" name="TextBox 3"/>
-          <p:cNvSpPr txBox="1"/>
-          <p:nvPr/>
-        </p:nvSpPr>
-        <p:spPr>
-          <a:xfrm>
-            <a:off x="467544" y="476672"/>
-            <a:ext cx="7776864" cy="523220"/>
-          </a:xfrm>
-          <a:prstGeom prst="rect">
-            <a:avLst/>
-          </a:prstGeom>
-          <a:noFill/>
-        </p:spPr>
-        <p:txBody>
-          <a:bodyPr wrap="square" rtlCol="0">
-            <a:spAutoFit/>
-          </a:bodyPr>
-          <a:lstStyle/>
-          <a:p>
-            <a:r>
-              <a:rPr lang="en-US" altLang="zh-CN" sz="2800" b="1" dirty="0">
-                <a:solidFill>
-                  <a:schemeClr val="tx1">
-                    <a:lumMod val="75000"/>
-                    <a:lumOff val="25000"/>
-                  </a:schemeClr>
-                </a:solidFill>
-                <a:latin typeface="微软雅黑" pitchFamily="34" charset="-122"/>
-                <a:ea typeface="微软雅黑" pitchFamily="34" charset="-122"/>
-              </a:rPr>
-              <a:t>6</a:t>
-            </a:r>
-            <a:r>
-              <a:rPr lang="en-US" altLang="zh-CN" sz="2800" b="1" dirty="0" smtClean="0">
-                <a:solidFill>
-                  <a:schemeClr val="tx1">
-                    <a:lumMod val="75000"/>
-                    <a:lumOff val="25000"/>
-                  </a:schemeClr>
-                </a:solidFill>
-                <a:latin typeface="微软雅黑" pitchFamily="34" charset="-122"/>
-                <a:ea typeface="微软雅黑" pitchFamily="34" charset="-122"/>
-              </a:rPr>
-              <a:t>.</a:t>
-            </a:r>
-            <a:r>
-              <a:rPr lang="zh-CN" altLang="en-US" sz="2800" b="1" dirty="0" smtClean="0">
-                <a:solidFill>
-                  <a:schemeClr val="tx1">
-                    <a:lumMod val="75000"/>
-                    <a:lumOff val="25000"/>
-                  </a:schemeClr>
-                </a:solidFill>
-                <a:latin typeface="微软雅黑" pitchFamily="34" charset="-122"/>
-                <a:ea typeface="微软雅黑" pitchFamily="34" charset="-122"/>
-              </a:rPr>
-              <a:t>更多思考</a:t>
-            </a:r>
-            <a:endParaRPr lang="zh-CN" altLang="en-US" sz="2800" b="1" dirty="0">
-              <a:solidFill>
-                <a:schemeClr val="tx1">
-                  <a:lumMod val="75000"/>
-                  <a:lumOff val="25000"/>
-                </a:schemeClr>
-              </a:solidFill>
-              <a:latin typeface="微软雅黑" pitchFamily="34" charset="-122"/>
-              <a:ea typeface="微软雅黑" pitchFamily="34" charset="-122"/>
-            </a:endParaRPr>
-          </a:p>
-        </p:txBody>
-      </p:sp>
-      <p:sp>
-        <p:nvSpPr>
-          <p:cNvPr id="9" name="TextBox 8"/>
-          <p:cNvSpPr txBox="1"/>
-          <p:nvPr/>
-        </p:nvSpPr>
-        <p:spPr>
-          <a:xfrm>
-            <a:off x="611560" y="2996952"/>
-            <a:ext cx="7776864" cy="1384995"/>
-          </a:xfrm>
-          <a:prstGeom prst="rect">
-            <a:avLst/>
-          </a:prstGeom>
-          <a:noFill/>
-        </p:spPr>
-        <p:txBody>
-          <a:bodyPr wrap="square" rtlCol="0">
-            <a:spAutoFit/>
-          </a:bodyPr>
-          <a:lstStyle/>
-          <a:p>
-            <a:r>
-              <a:rPr lang="en-US" altLang="zh-CN" sz="2800" b="1" dirty="0" smtClean="0">
-                <a:solidFill>
-                  <a:schemeClr val="tx1">
-                    <a:lumMod val="75000"/>
-                    <a:lumOff val="25000"/>
-                  </a:schemeClr>
-                </a:solidFill>
-                <a:latin typeface="微软雅黑" pitchFamily="34" charset="-122"/>
-                <a:ea typeface="微软雅黑" pitchFamily="34" charset="-122"/>
-              </a:rPr>
-              <a:t>	</a:t>
-            </a:r>
-            <a:r>
-              <a:rPr lang="zh-CN" altLang="en-US" sz="2800" b="1" dirty="0" smtClean="0">
-                <a:solidFill>
-                  <a:schemeClr val="tx1">
-                    <a:lumMod val="75000"/>
-                    <a:lumOff val="25000"/>
-                  </a:schemeClr>
-                </a:solidFill>
-                <a:latin typeface="微软雅黑" pitchFamily="34" charset="-122"/>
-                <a:ea typeface="微软雅黑" pitchFamily="34" charset="-122"/>
-              </a:rPr>
-              <a:t>本期内容就讲到这里，谢谢大家！</a:t>
-            </a:r>
-            <a:endParaRPr lang="en-US" altLang="zh-CN" sz="2800" b="1" dirty="0" smtClean="0">
-              <a:solidFill>
-                <a:schemeClr val="tx1">
-                  <a:lumMod val="75000"/>
-                  <a:lumOff val="25000"/>
-                </a:schemeClr>
-              </a:solidFill>
-              <a:latin typeface="微软雅黑" pitchFamily="34" charset="-122"/>
-              <a:ea typeface="微软雅黑" pitchFamily="34" charset="-122"/>
-            </a:endParaRPr>
-          </a:p>
-          <a:p>
-            <a:endParaRPr lang="en-US" altLang="zh-CN" sz="2800" b="1" dirty="0" smtClean="0">
-              <a:solidFill>
-                <a:schemeClr val="tx1">
-                  <a:lumMod val="75000"/>
-                  <a:lumOff val="25000"/>
-                </a:schemeClr>
-              </a:solidFill>
-              <a:latin typeface="微软雅黑" pitchFamily="34" charset="-122"/>
-              <a:ea typeface="微软雅黑" pitchFamily="34" charset="-122"/>
-            </a:endParaRPr>
-          </a:p>
-          <a:p>
-            <a:r>
-              <a:rPr lang="en-US" altLang="zh-CN" sz="2800" b="1" dirty="0">
-                <a:solidFill>
-                  <a:schemeClr val="tx1">
-                    <a:lumMod val="75000"/>
-                    <a:lumOff val="25000"/>
-                  </a:schemeClr>
-                </a:solidFill>
-                <a:latin typeface="微软雅黑" pitchFamily="34" charset="-122"/>
-                <a:ea typeface="微软雅黑" pitchFamily="34" charset="-122"/>
-              </a:rPr>
-              <a:t>	</a:t>
-            </a:r>
-            <a:r>
-              <a:rPr lang="en-US" altLang="zh-CN" sz="2800" b="1" dirty="0" smtClean="0">
-                <a:solidFill>
-                  <a:schemeClr val="tx1">
-                    <a:lumMod val="75000"/>
-                    <a:lumOff val="25000"/>
-                  </a:schemeClr>
-                </a:solidFill>
-                <a:latin typeface="微软雅黑" pitchFamily="34" charset="-122"/>
-                <a:ea typeface="微软雅黑" pitchFamily="34" charset="-122"/>
-              </a:rPr>
-              <a:t>	</a:t>
-            </a:r>
-            <a:endParaRPr lang="zh-CN" altLang="en-US" sz="2800" b="1" dirty="0">
-              <a:solidFill>
-                <a:schemeClr val="tx1">
-                  <a:lumMod val="75000"/>
-                  <a:lumOff val="25000"/>
-                </a:schemeClr>
-              </a:solidFill>
-              <a:latin typeface="微软雅黑" pitchFamily="34" charset="-122"/>
-              <a:ea typeface="微软雅黑" pitchFamily="34" charset="-122"/>
-            </a:endParaRPr>
-          </a:p>
-        </p:txBody>
-      </p:sp>
-      <p:sp>
-        <p:nvSpPr>
-          <p:cNvPr id="5" name="TextBox 4"/>
-          <p:cNvSpPr txBox="1"/>
-          <p:nvPr/>
-        </p:nvSpPr>
-        <p:spPr>
-          <a:xfrm>
-            <a:off x="467544" y="1268760"/>
-            <a:ext cx="7632848" cy="1200329"/>
-          </a:xfrm>
-          <a:prstGeom prst="rect">
-            <a:avLst/>
-          </a:prstGeom>
-          <a:noFill/>
-        </p:spPr>
-        <p:txBody>
-          <a:bodyPr wrap="square" rtlCol="0">
-            <a:spAutoFit/>
-          </a:bodyPr>
-          <a:lstStyle/>
-          <a:p>
-            <a:pPr marL="342900" indent="-342900">
-              <a:lnSpc>
-                <a:spcPct val="150000"/>
-              </a:lnSpc>
-              <a:buFont typeface="Arial" pitchFamily="34" charset="0"/>
-              <a:buChar char="•"/>
-            </a:pPr>
-            <a:r>
-              <a:rPr lang="zh-CN" altLang="en-US" sz="2400" dirty="0" smtClean="0">
-                <a:solidFill>
-                  <a:schemeClr val="tx1">
-                    <a:lumMod val="75000"/>
-                    <a:lumOff val="25000"/>
-                  </a:schemeClr>
-                </a:solidFill>
-                <a:latin typeface="微软雅黑" pitchFamily="34" charset="-122"/>
-                <a:ea typeface="微软雅黑" pitchFamily="34" charset="-122"/>
-              </a:rPr>
-              <a:t>使用这种方式，能否让静态图片的其他元素有动起来呢？</a:t>
-            </a:r>
-            <a:endParaRPr lang="en-US" altLang="zh-CN" sz="2400" dirty="0" smtClean="0">
-              <a:solidFill>
-                <a:schemeClr val="tx1">
-                  <a:lumMod val="75000"/>
-                  <a:lumOff val="25000"/>
-                </a:schemeClr>
-              </a:solidFill>
-              <a:latin typeface="微软雅黑" pitchFamily="34" charset="-122"/>
-              <a:ea typeface="微软雅黑" pitchFamily="34" charset="-122"/>
-            </a:endParaRPr>
-          </a:p>
-        </p:txBody>
-      </p:sp>
-    </p:spTree>
-    <p:extLst>
-      <p:ext uri="{BB962C8B-B14F-4D97-AF65-F5344CB8AC3E}">
-        <p14:creationId xmlns:p14="http://schemas.microsoft.com/office/powerpoint/2010/main" val="2328121375"/>
-      </p:ext>
-    </p:extLst>
-  </p:cSld>
-  <p:clrMapOvr>
-    <a:masterClrMapping/>
-  </p:clrMapOvr>
-</p:sld>
-</file>
-
-<file path=ppt/slides/slide2.xml><?xml version="1.0" encoding="utf-8"?>
-<p:sld xmlns:a="http://schemas.openxmlformats.org/drawingml/2006/main" xmlns:r="http://schemas.openxmlformats.org/officeDocument/2006/relationships" xmlns:p="http://schemas.openxmlformats.org/presentationml/2006/main">
-  <p:cSld>
-    <p:spTree>
-      <p:nvGrpSpPr>
-        <p:cNvPr id="1" name=""/>
-        <p:cNvGrpSpPr/>
-        <p:nvPr/>
-      </p:nvGrpSpPr>
-      <p:grpSpPr>
-        <a:xfrm>
-          <a:off x="0" y="0"/>
-          <a:ext cx="0" cy="0"/>
-          <a:chOff x="0" y="0"/>
-          <a:chExt cx="0" cy="0"/>
-        </a:xfrm>
-      </p:grpSpPr>
-      <p:sp>
-        <p:nvSpPr>
-          <p:cNvPr id="4" name="TextBox 3"/>
-          <p:cNvSpPr txBox="1"/>
-          <p:nvPr/>
-        </p:nvSpPr>
-        <p:spPr>
-          <a:xfrm>
-            <a:off x="684000" y="453173"/>
-            <a:ext cx="7776000" cy="523220"/>
-          </a:xfrm>
-          <a:prstGeom prst="rect">
-            <a:avLst/>
-          </a:prstGeom>
-          <a:noFill/>
-        </p:spPr>
-        <p:txBody>
-          <a:bodyPr wrap="square" rtlCol="0">
-            <a:spAutoFit/>
-          </a:bodyPr>
-          <a:lstStyle/>
-          <a:p>
-            <a:r>
-              <a:rPr lang="en-US" altLang="zh-CN" sz="2800" b="1" dirty="0" smtClean="0">
-                <a:solidFill>
-                  <a:schemeClr val="tx1">
-                    <a:lumMod val="75000"/>
-                    <a:lumOff val="25000"/>
-                  </a:schemeClr>
-                </a:solidFill>
-                <a:latin typeface="微软雅黑" pitchFamily="34" charset="-122"/>
-                <a:ea typeface="微软雅黑" pitchFamily="34" charset="-122"/>
-              </a:rPr>
-              <a:t>1.</a:t>
-            </a:r>
-            <a:r>
-              <a:rPr lang="zh-CN" altLang="en-US" sz="2800" b="1" dirty="0">
-                <a:solidFill>
-                  <a:schemeClr val="tx1">
-                    <a:lumMod val="75000"/>
-                    <a:lumOff val="25000"/>
-                  </a:schemeClr>
-                </a:solidFill>
-                <a:latin typeface="微软雅黑" pitchFamily="34" charset="-122"/>
-                <a:ea typeface="微软雅黑" pitchFamily="34" charset="-122"/>
-              </a:rPr>
-              <a:t>目标</a:t>
-            </a:r>
-            <a:r>
-              <a:rPr lang="en-US" altLang="zh-CN" sz="2800" b="1" dirty="0">
-                <a:solidFill>
-                  <a:schemeClr val="tx1">
-                    <a:lumMod val="75000"/>
-                    <a:lumOff val="25000"/>
-                  </a:schemeClr>
-                </a:solidFill>
-                <a:latin typeface="微软雅黑" pitchFamily="34" charset="-122"/>
-                <a:ea typeface="微软雅黑" pitchFamily="34" charset="-122"/>
-              </a:rPr>
-              <a:t>——SVG</a:t>
-            </a:r>
-            <a:r>
-              <a:rPr lang="zh-CN" altLang="en-US" sz="2800" b="1" dirty="0">
-                <a:solidFill>
-                  <a:schemeClr val="tx1">
-                    <a:lumMod val="75000"/>
-                    <a:lumOff val="25000"/>
-                  </a:schemeClr>
-                </a:solidFill>
-                <a:latin typeface="微软雅黑" pitchFamily="34" charset="-122"/>
-                <a:ea typeface="微软雅黑" pitchFamily="34" charset="-122"/>
-              </a:rPr>
-              <a:t>水波文字（</a:t>
-            </a:r>
-            <a:r>
-              <a:rPr lang="zh-CN" altLang="en-US" sz="2800" b="1" dirty="0" smtClean="0">
-                <a:solidFill>
-                  <a:schemeClr val="tx1">
-                    <a:lumMod val="75000"/>
-                    <a:lumOff val="25000"/>
-                  </a:schemeClr>
-                </a:solidFill>
-                <a:latin typeface="微软雅黑" pitchFamily="34" charset="-122"/>
-                <a:ea typeface="微软雅黑" pitchFamily="34" charset="-122"/>
-              </a:rPr>
-              <a:t>难度：</a:t>
-            </a:r>
-            <a:r>
-              <a:rPr lang="en-US" altLang="zh-CN" sz="2800" b="1" dirty="0" smtClean="0">
-                <a:solidFill>
-                  <a:schemeClr val="tx1">
-                    <a:lumMod val="75000"/>
-                    <a:lumOff val="25000"/>
-                  </a:schemeClr>
-                </a:solidFill>
-                <a:latin typeface="微软雅黑" pitchFamily="34" charset="-122"/>
-                <a:ea typeface="微软雅黑" pitchFamily="34" charset="-122"/>
-              </a:rPr>
-              <a:t>2.3</a:t>
-            </a:r>
-            <a:r>
-              <a:rPr lang="zh-CN" altLang="en-US" sz="2800" b="1" dirty="0" smtClean="0">
-                <a:solidFill>
-                  <a:schemeClr val="tx1">
-                    <a:lumMod val="75000"/>
-                    <a:lumOff val="25000"/>
-                  </a:schemeClr>
-                </a:solidFill>
-                <a:latin typeface="微软雅黑" pitchFamily="34" charset="-122"/>
-                <a:ea typeface="微软雅黑" pitchFamily="34" charset="-122"/>
-              </a:rPr>
-              <a:t>）</a:t>
-            </a:r>
-            <a:endParaRPr lang="zh-CN" altLang="en-US" sz="2800" b="1" dirty="0">
-              <a:solidFill>
-                <a:schemeClr val="tx1">
-                  <a:lumMod val="75000"/>
-                  <a:lumOff val="25000"/>
-                </a:schemeClr>
-              </a:solidFill>
-              <a:latin typeface="微软雅黑" pitchFamily="34" charset="-122"/>
-              <a:ea typeface="微软雅黑" pitchFamily="34" charset="-122"/>
-            </a:endParaRPr>
-          </a:p>
-        </p:txBody>
-      </p:sp>
-      <p:sp>
-        <p:nvSpPr>
-          <p:cNvPr id="2" name="TextBox 1"/>
-          <p:cNvSpPr txBox="1"/>
-          <p:nvPr/>
-        </p:nvSpPr>
-        <p:spPr>
-          <a:xfrm>
-            <a:off x="684000" y="1134480"/>
-            <a:ext cx="7776000" cy="1754326"/>
-          </a:xfrm>
-          <a:prstGeom prst="rect">
-            <a:avLst/>
-          </a:prstGeom>
-          <a:noFill/>
-        </p:spPr>
-        <p:txBody>
-          <a:bodyPr wrap="square" rtlCol="0">
-            <a:spAutoFit/>
-          </a:bodyPr>
-          <a:lstStyle/>
-          <a:p>
-            <a:pPr>
-              <a:lnSpc>
-                <a:spcPct val="150000"/>
-              </a:lnSpc>
-            </a:pPr>
-            <a:r>
-              <a:rPr lang="zh-CN" altLang="en-US" sz="2400" dirty="0" smtClean="0">
-                <a:solidFill>
-                  <a:schemeClr val="tx1">
-                    <a:lumMod val="75000"/>
-                    <a:lumOff val="25000"/>
-                  </a:schemeClr>
-                </a:solidFill>
-                <a:latin typeface="微软雅黑" pitchFamily="34" charset="-122"/>
-                <a:ea typeface="微软雅黑" pitchFamily="34" charset="-122"/>
-              </a:rPr>
-              <a:t>本期我们的目标是利用之前学习的</a:t>
-            </a:r>
-            <a:r>
-              <a:rPr lang="en-US" altLang="zh-CN" sz="2400" dirty="0" smtClean="0">
-                <a:solidFill>
-                  <a:schemeClr val="tx1">
-                    <a:lumMod val="75000"/>
-                    <a:lumOff val="25000"/>
-                  </a:schemeClr>
-                </a:solidFill>
-                <a:latin typeface="微软雅黑" pitchFamily="34" charset="-122"/>
-                <a:ea typeface="微软雅黑" pitchFamily="34" charset="-122"/>
-              </a:rPr>
-              <a:t>SVG</a:t>
-            </a:r>
-            <a:r>
-              <a:rPr lang="zh-CN" altLang="en-US" sz="2400" dirty="0" smtClean="0">
-                <a:solidFill>
-                  <a:schemeClr val="tx1">
-                    <a:lumMod val="75000"/>
-                    <a:lumOff val="25000"/>
-                  </a:schemeClr>
-                </a:solidFill>
-                <a:latin typeface="微软雅黑" pitchFamily="34" charset="-122"/>
-                <a:ea typeface="微软雅黑" pitchFamily="34" charset="-122"/>
-              </a:rPr>
-              <a:t>滤镜</a:t>
-            </a:r>
-            <a:r>
-              <a:rPr lang="zh-CN" altLang="en-US" sz="2400" dirty="0">
-                <a:solidFill>
-                  <a:schemeClr val="tx1">
-                    <a:lumMod val="75000"/>
-                    <a:lumOff val="25000"/>
-                  </a:schemeClr>
-                </a:solidFill>
-                <a:latin typeface="微软雅黑" pitchFamily="34" charset="-122"/>
-                <a:ea typeface="微软雅黑" pitchFamily="34" charset="-122"/>
-              </a:rPr>
-              <a:t>技术</a:t>
-            </a:r>
-            <a:r>
-              <a:rPr lang="zh-CN" altLang="en-US" sz="2400" dirty="0" smtClean="0">
-                <a:solidFill>
-                  <a:schemeClr val="tx1">
-                    <a:lumMod val="75000"/>
-                    <a:lumOff val="25000"/>
-                  </a:schemeClr>
-                </a:solidFill>
-                <a:latin typeface="微软雅黑" pitchFamily="34" charset="-122"/>
-                <a:ea typeface="微软雅黑" pitchFamily="34" charset="-122"/>
-              </a:rPr>
-              <a:t>，为静态图片中的水添加动态效果，看起来</a:t>
-            </a:r>
-            <a:r>
-              <a:rPr lang="zh-CN" altLang="en-US" sz="2400" b="1" dirty="0" smtClean="0">
-                <a:solidFill>
-                  <a:schemeClr val="tx1">
-                    <a:lumMod val="75000"/>
-                    <a:lumOff val="25000"/>
-                  </a:schemeClr>
-                </a:solidFill>
-                <a:latin typeface="微软雅黑" pitchFamily="34" charset="-122"/>
-                <a:ea typeface="微软雅黑" pitchFamily="34" charset="-122"/>
-              </a:rPr>
-              <a:t>水面在真实的波动</a:t>
-            </a:r>
-            <a:r>
-              <a:rPr lang="en-US" altLang="zh-CN" sz="2400" dirty="0" smtClean="0">
-                <a:solidFill>
-                  <a:schemeClr val="tx1">
-                    <a:lumMod val="75000"/>
-                    <a:lumOff val="25000"/>
-                  </a:schemeClr>
-                </a:solidFill>
-                <a:latin typeface="微软雅黑" pitchFamily="34" charset="-122"/>
-                <a:ea typeface="微软雅黑" pitchFamily="34" charset="-122"/>
-              </a:rPr>
-              <a:t>.</a:t>
-            </a:r>
-            <a:r>
-              <a:rPr lang="zh-CN" altLang="en-US" sz="2400" dirty="0" smtClean="0">
-                <a:solidFill>
-                  <a:schemeClr val="tx1">
-                    <a:lumMod val="75000"/>
-                    <a:lumOff val="25000"/>
-                  </a:schemeClr>
-                </a:solidFill>
-                <a:latin typeface="微软雅黑" pitchFamily="34" charset="-122"/>
-                <a:ea typeface="微软雅黑" pitchFamily="34" charset="-122"/>
-              </a:rPr>
-              <a:t>这里</a:t>
-            </a:r>
-            <a:r>
-              <a:rPr lang="zh-CN" altLang="en-US" sz="2400" dirty="0" smtClean="0">
-                <a:solidFill>
-                  <a:schemeClr val="tx1">
-                    <a:lumMod val="75000"/>
-                    <a:lumOff val="25000"/>
-                  </a:schemeClr>
-                </a:solidFill>
-                <a:latin typeface="微软雅黑" pitchFamily="34" charset="-122"/>
-                <a:ea typeface="微软雅黑" pitchFamily="34" charset="-122"/>
-              </a:rPr>
-              <a:t>使用纯代码方式，</a:t>
-            </a:r>
-            <a:r>
-              <a:rPr lang="zh-CN" altLang="en-US" sz="2400" b="1" dirty="0" smtClean="0">
-                <a:solidFill>
-                  <a:schemeClr val="tx1">
-                    <a:lumMod val="75000"/>
-                    <a:lumOff val="25000"/>
-                  </a:schemeClr>
-                </a:solidFill>
-                <a:latin typeface="微软雅黑" pitchFamily="34" charset="-122"/>
-                <a:ea typeface="微软雅黑" pitchFamily="34" charset="-122"/>
-              </a:rPr>
-              <a:t>不是使用</a:t>
-            </a:r>
-            <a:r>
-              <a:rPr lang="en-US" altLang="zh-CN" sz="2400" b="1" dirty="0" smtClean="0">
-                <a:solidFill>
-                  <a:schemeClr val="tx1">
-                    <a:lumMod val="75000"/>
-                    <a:lumOff val="25000"/>
-                  </a:schemeClr>
-                </a:solidFill>
-                <a:latin typeface="微软雅黑" pitchFamily="34" charset="-122"/>
-                <a:ea typeface="微软雅黑" pitchFamily="34" charset="-122"/>
-              </a:rPr>
-              <a:t>Gif</a:t>
-            </a:r>
-            <a:r>
-              <a:rPr lang="zh-CN" altLang="en-US" sz="2400" b="1" dirty="0" smtClean="0">
-                <a:solidFill>
-                  <a:schemeClr val="tx1">
-                    <a:lumMod val="75000"/>
-                    <a:lumOff val="25000"/>
-                  </a:schemeClr>
-                </a:solidFill>
-                <a:latin typeface="微软雅黑" pitchFamily="34" charset="-122"/>
-                <a:ea typeface="微软雅黑" pitchFamily="34" charset="-122"/>
-              </a:rPr>
-              <a:t>图</a:t>
-            </a:r>
-            <a:r>
-              <a:rPr lang="en-US" altLang="zh-CN" sz="2400" dirty="0" smtClean="0">
-                <a:solidFill>
-                  <a:schemeClr val="tx1">
-                    <a:lumMod val="75000"/>
-                    <a:lumOff val="25000"/>
-                  </a:schemeClr>
-                </a:solidFill>
-                <a:latin typeface="微软雅黑" pitchFamily="34" charset="-122"/>
-                <a:ea typeface="微软雅黑" pitchFamily="34" charset="-122"/>
-              </a:rPr>
-              <a:t>.</a:t>
-            </a:r>
-            <a:endParaRPr lang="en-US" altLang="zh-CN" sz="2400" dirty="0" smtClean="0">
-              <a:solidFill>
-                <a:schemeClr val="tx1">
-                  <a:lumMod val="75000"/>
-                  <a:lumOff val="25000"/>
-                </a:schemeClr>
-              </a:solidFill>
-              <a:latin typeface="微软雅黑" pitchFamily="34" charset="-122"/>
-              <a:ea typeface="微软雅黑" pitchFamily="34" charset="-122"/>
-            </a:endParaRPr>
-          </a:p>
-        </p:txBody>
-      </p:sp>
-      <p:pic>
-        <p:nvPicPr>
-          <p:cNvPr id="3" name="图片 2"/>
-          <p:cNvPicPr>
-            <a:picLocks noChangeAspect="1"/>
-          </p:cNvPicPr>
-          <p:nvPr/>
-        </p:nvPicPr>
-        <p:blipFill>
-          <a:blip r:embed="rId2">
-            <a:extLst>
-              <a:ext uri="{28A0092B-C50C-407E-A947-70E740481C1C}">
-                <a14:useLocalDpi xmlns:a14="http://schemas.microsoft.com/office/drawing/2010/main" val="0"/>
-              </a:ext>
-            </a:extLst>
-          </a:blip>
-          <a:stretch>
-            <a:fillRect/>
-          </a:stretch>
-        </p:blipFill>
-        <p:spPr>
-          <a:xfrm>
-            <a:off x="1835697" y="2955116"/>
-            <a:ext cx="4824536" cy="3331012"/>
+            <a:off x="1545580" y="3356992"/>
+            <a:ext cx="6052840" cy="1426642"/>
           </a:xfrm>
           <a:prstGeom prst="rect">
             <a:avLst/>
@@ -5742,20 +4207,20 @@
                 <a:latin typeface="微软雅黑" pitchFamily="34" charset="-122"/>
                 <a:ea typeface="微软雅黑" pitchFamily="34" charset="-122"/>
               </a:rPr>
-              <a:t>我们知道</a:t>
-            </a:r>
-            <a:r>
-              <a:rPr lang="en-US" altLang="zh-CN" sz="2400" b="1" dirty="0" err="1" smtClean="0">
-                <a:solidFill>
-                  <a:schemeClr val="tx1">
-                    <a:lumMod val="75000"/>
-                    <a:lumOff val="25000"/>
-                  </a:schemeClr>
-                </a:solidFill>
-                <a:latin typeface="微软雅黑" pitchFamily="34" charset="-122"/>
-                <a:ea typeface="微软雅黑" pitchFamily="34" charset="-122"/>
-              </a:rPr>
-              <a:t>feTurbulence</a:t>
+              <a:t>文字的屏幕故障效果，归根结底是文字某水平区域显示错位，同时边缘有一些杂色</a:t>
+            </a:r>
+            <a:r>
+              <a:rPr lang="en-US" altLang="zh-CN" sz="2400" dirty="0" smtClean="0">
+                <a:solidFill>
+                  <a:schemeClr val="tx1">
+                    <a:lumMod val="75000"/>
+                    <a:lumOff val="25000"/>
+                  </a:schemeClr>
+                </a:solidFill>
+                <a:latin typeface="微软雅黑" pitchFamily="34" charset="-122"/>
+                <a:ea typeface="微软雅黑" pitchFamily="34" charset="-122"/>
+              </a:rPr>
+              <a:t>.</a:t>
             </a:r>
             <a:r>
               <a:rPr lang="zh-CN" altLang="en-US" sz="2400" dirty="0" smtClean="0">
@@ -5768,20 +4233,20 @@
                 <a:latin typeface="微软雅黑" pitchFamily="34" charset="-122"/>
                 <a:ea typeface="微软雅黑" pitchFamily="34" charset="-122"/>
               </a:rPr>
-              <a:t>和</a:t>
-            </a:r>
-            <a:r>
-              <a:rPr lang="en-US" altLang="zh-CN" sz="2400" b="1" dirty="0" err="1" smtClean="0">
-                <a:solidFill>
-                  <a:schemeClr val="tx1">
-                    <a:lumMod val="75000"/>
-                    <a:lumOff val="25000"/>
-                  </a:schemeClr>
-                </a:solidFill>
-                <a:latin typeface="微软雅黑" pitchFamily="34" charset="-122"/>
-                <a:ea typeface="微软雅黑" pitchFamily="34" charset="-122"/>
-              </a:rPr>
-              <a:t>feDisplacementMap</a:t>
+              <a:t>运用</a:t>
+            </a:r>
+            <a:r>
+              <a:rPr lang="en-US" altLang="zh-CN" sz="2400" dirty="0" smtClean="0">
+                <a:solidFill>
+                  <a:schemeClr val="tx1">
+                    <a:lumMod val="75000"/>
+                    <a:lumOff val="25000"/>
+                  </a:schemeClr>
+                </a:solidFill>
+                <a:latin typeface="微软雅黑" pitchFamily="34" charset="-122"/>
+                <a:ea typeface="微软雅黑" pitchFamily="34" charset="-122"/>
+              </a:rPr>
+              <a:t>SVG</a:t>
             </a:r>
             <a:r>
               <a:rPr lang="zh-CN" altLang="en-US" sz="2400" dirty="0" smtClean="0">
@@ -5794,7 +4259,7 @@
                 <a:latin typeface="微软雅黑" pitchFamily="34" charset="-122"/>
                 <a:ea typeface="微软雅黑" pitchFamily="34" charset="-122"/>
               </a:rPr>
-              <a:t>滤镜可实现水面波动效果，想要静态图片中的水面波动，也是类似的方式</a:t>
+              <a:t>滤镜技术，实现水平错位，叠加原图即可。</a:t>
             </a:r>
             <a:r>
               <a:rPr lang="en-US" altLang="zh-CN" sz="2400" dirty="0" smtClean="0">
@@ -5807,7 +4272,7 @@
                 <a:latin typeface="微软雅黑" pitchFamily="34" charset="-122"/>
                 <a:ea typeface="微软雅黑" pitchFamily="34" charset="-122"/>
               </a:rPr>
-              <a:t>.</a:t>
+              <a:t>SVG</a:t>
             </a:r>
             <a:r>
               <a:rPr lang="zh-CN" altLang="en-US" sz="2400" dirty="0" smtClean="0">
@@ -5820,20 +4285,20 @@
                 <a:latin typeface="微软雅黑" pitchFamily="34" charset="-122"/>
                 <a:ea typeface="微软雅黑" pitchFamily="34" charset="-122"/>
               </a:rPr>
-              <a:t>但必须仔细调整波动频率，方向和幅度，让水面动效和图片本身</a:t>
-            </a:r>
-            <a:r>
-              <a:rPr lang="zh-CN" altLang="en-US" sz="2400" dirty="0">
-                <a:solidFill>
-                  <a:schemeClr val="tx1">
-                    <a:lumMod val="75000"/>
-                    <a:lumOff val="25000"/>
-                  </a:schemeClr>
-                </a:solidFill>
-                <a:latin typeface="微软雅黑" pitchFamily="34" charset="-122"/>
-                <a:ea typeface="微软雅黑" pitchFamily="34" charset="-122"/>
-              </a:rPr>
-              <a:t>和谐统一</a:t>
+              <a:t>滤镜相关技术，请参考</a:t>
+            </a:r>
+            <a:r>
+              <a:rPr lang="en-US" altLang="zh-CN" sz="2400" dirty="0" smtClean="0">
+                <a:solidFill>
+                  <a:schemeClr val="tx1">
+                    <a:lumMod val="75000"/>
+                    <a:lumOff val="25000"/>
+                  </a:schemeClr>
+                </a:solidFill>
+                <a:latin typeface="微软雅黑" pitchFamily="34" charset="-122"/>
+                <a:ea typeface="微软雅黑" pitchFamily="34" charset="-122"/>
+              </a:rPr>
+              <a:t>《SVG</a:t>
             </a:r>
             <a:r>
               <a:rPr lang="zh-CN" altLang="en-US" sz="2400" dirty="0" smtClean="0">
@@ -5846,7 +4311,7 @@
                 <a:latin typeface="微软雅黑" pitchFamily="34" charset="-122"/>
                 <a:ea typeface="微软雅黑" pitchFamily="34" charset="-122"/>
               </a:rPr>
-              <a:t>，不生硬</a:t>
+              <a:t>滤镜（一）</a:t>
             </a:r>
             <a:r>
               <a:rPr lang="en-US" altLang="zh-CN" sz="2400" dirty="0" smtClean="0">
@@ -5859,7 +4324,59 @@
                 <a:latin typeface="微软雅黑" pitchFamily="34" charset="-122"/>
                 <a:ea typeface="微软雅黑" pitchFamily="34" charset="-122"/>
               </a:rPr>
-              <a:t>.</a:t>
+              <a:t>》</a:t>
+            </a:r>
+            <a:r>
+              <a:rPr lang="zh-CN" altLang="en-US" sz="2400" dirty="0" smtClean="0">
+                <a:solidFill>
+                  <a:schemeClr val="tx1">
+                    <a:lumMod val="75000"/>
+                    <a:lumOff val="25000"/>
+                  </a:schemeClr>
+                </a:solidFill>
+                <a:latin typeface="微软雅黑" pitchFamily="34" charset="-122"/>
+                <a:ea typeface="微软雅黑" pitchFamily="34" charset="-122"/>
+              </a:rPr>
+              <a:t>，</a:t>
+            </a:r>
+            <a:r>
+              <a:rPr lang="en-US" altLang="zh-CN" sz="2400" dirty="0" smtClean="0">
+                <a:solidFill>
+                  <a:schemeClr val="tx1">
+                    <a:lumMod val="75000"/>
+                    <a:lumOff val="25000"/>
+                  </a:schemeClr>
+                </a:solidFill>
+                <a:latin typeface="微软雅黑" pitchFamily="34" charset="-122"/>
+                <a:ea typeface="微软雅黑" pitchFamily="34" charset="-122"/>
+              </a:rPr>
+              <a:t>《SVG</a:t>
+            </a:r>
+            <a:r>
+              <a:rPr lang="zh-CN" altLang="en-US" sz="2400" dirty="0" smtClean="0">
+                <a:solidFill>
+                  <a:schemeClr val="tx1">
+                    <a:lumMod val="75000"/>
+                    <a:lumOff val="25000"/>
+                  </a:schemeClr>
+                </a:solidFill>
+                <a:latin typeface="微软雅黑" pitchFamily="34" charset="-122"/>
+                <a:ea typeface="微软雅黑" pitchFamily="34" charset="-122"/>
+              </a:rPr>
+              <a:t>滤镜（二）</a:t>
+            </a:r>
+            <a:r>
+              <a:rPr lang="en-US" altLang="zh-CN" sz="2400" dirty="0" smtClean="0">
+                <a:solidFill>
+                  <a:schemeClr val="tx1">
+                    <a:lumMod val="75000"/>
+                    <a:lumOff val="25000"/>
+                  </a:schemeClr>
+                </a:solidFill>
+                <a:latin typeface="微软雅黑" pitchFamily="34" charset="-122"/>
+                <a:ea typeface="微软雅黑" pitchFamily="34" charset="-122"/>
+              </a:rPr>
+              <a:t>》.</a:t>
             </a:r>
           </a:p>
           <a:p>
@@ -5881,20 +4398,20 @@
                 <a:latin typeface="微软雅黑" pitchFamily="34" charset="-122"/>
                 <a:ea typeface="微软雅黑" pitchFamily="34" charset="-122"/>
               </a:rPr>
-              <a:t>水面是图片的一部分，而不是全部，所以要让</a:t>
-            </a:r>
-            <a:r>
-              <a:rPr lang="zh-CN" altLang="en-US" sz="2400" b="1" dirty="0" smtClean="0">
-                <a:solidFill>
-                  <a:schemeClr val="tx1">
-                    <a:lumMod val="75000"/>
-                    <a:lumOff val="25000"/>
-                  </a:schemeClr>
-                </a:solidFill>
-                <a:latin typeface="微软雅黑" pitchFamily="34" charset="-122"/>
-                <a:ea typeface="微软雅黑" pitchFamily="34" charset="-122"/>
-              </a:rPr>
-              <a:t>水面部分单独放在一个元素中</a:t>
+              <a:t>杂色边缘，仅仅是多了一文本而已，例如白色的主体文字下，多一层红色或者蓝色的字，稍稍有一些</a:t>
+            </a:r>
+            <a:r>
+              <a:rPr lang="en-US" altLang="zh-CN" sz="2400" dirty="0" smtClean="0">
+                <a:solidFill>
+                  <a:schemeClr val="tx1">
+                    <a:lumMod val="75000"/>
+                    <a:lumOff val="25000"/>
+                  </a:schemeClr>
+                </a:solidFill>
+                <a:latin typeface="微软雅黑" pitchFamily="34" charset="-122"/>
+                <a:ea typeface="微软雅黑" pitchFamily="34" charset="-122"/>
+              </a:rPr>
+              <a:t>X</a:t>
             </a:r>
             <a:r>
               <a:rPr lang="zh-CN" altLang="en-US" sz="2400" dirty="0" smtClean="0">
@@ -5907,33 +4424,7 @@
                 <a:latin typeface="微软雅黑" pitchFamily="34" charset="-122"/>
                 <a:ea typeface="微软雅黑" pitchFamily="34" charset="-122"/>
               </a:rPr>
-              <a:t>，</a:t>
-            </a:r>
-            <a:r>
-              <a:rPr lang="zh-CN" altLang="en-US" sz="2400" b="1" dirty="0" smtClean="0">
-                <a:solidFill>
-                  <a:schemeClr val="tx1">
-                    <a:lumMod val="75000"/>
-                    <a:lumOff val="25000"/>
-                  </a:schemeClr>
-                </a:solidFill>
-                <a:latin typeface="微软雅黑" pitchFamily="34" charset="-122"/>
-                <a:ea typeface="微软雅黑" pitchFamily="34" charset="-122"/>
-              </a:rPr>
-              <a:t>单独运用波动滤镜</a:t>
-            </a:r>
-            <a:r>
-              <a:rPr lang="zh-CN" altLang="en-US" sz="2400" dirty="0" smtClean="0">
-                <a:solidFill>
-                  <a:schemeClr val="tx1">
-                    <a:lumMod val="75000"/>
-                    <a:lumOff val="25000"/>
-                  </a:schemeClr>
-                </a:solidFill>
-                <a:latin typeface="微软雅黑" pitchFamily="34" charset="-122"/>
-                <a:ea typeface="微软雅黑" pitchFamily="34" charset="-122"/>
-              </a:rPr>
-              <a:t>，而不要影响其他部分</a:t>
+              <a:t>方向的偏移，看到的就是红色或蓝色边缘</a:t>
             </a:r>
             <a:r>
               <a:rPr lang="en-US" altLang="zh-CN" sz="2400" dirty="0" smtClean="0">
@@ -5948,107 +4439,7 @@
               </a:rPr>
               <a:t>.</a:t>
             </a:r>
-          </a:p>
-          <a:p>
-            <a:pPr marL="457200" indent="-457200">
-              <a:lnSpc>
-                <a:spcPct val="150000"/>
-              </a:lnSpc>
-              <a:buFont typeface="+mj-lt"/>
-              <a:buAutoNum type="arabicPeriod"/>
-            </a:pPr>
-            <a:r>
-              <a:rPr lang="zh-CN" altLang="en-US" sz="2400" dirty="0" smtClean="0">
-                <a:solidFill>
-                  <a:schemeClr val="tx1">
-                    <a:lumMod val="75000"/>
-                    <a:lumOff val="25000"/>
-                  </a:schemeClr>
-                </a:solidFill>
-                <a:latin typeface="微软雅黑" pitchFamily="34" charset="-122"/>
-                <a:ea typeface="微软雅黑" pitchFamily="34" charset="-122"/>
-              </a:rPr>
-              <a:t>波动滤镜的可能会</a:t>
-            </a:r>
-            <a:r>
-              <a:rPr lang="zh-CN" altLang="en-US" sz="2400" b="1" dirty="0" smtClean="0">
-                <a:solidFill>
-                  <a:schemeClr val="tx1">
-                    <a:lumMod val="75000"/>
-                    <a:lumOff val="25000"/>
-                  </a:schemeClr>
-                </a:solidFill>
-                <a:latin typeface="微软雅黑" pitchFamily="34" charset="-122"/>
-                <a:ea typeface="微软雅黑" pitchFamily="34" charset="-122"/>
-              </a:rPr>
-              <a:t>影响图片的边缘</a:t>
-            </a:r>
-            <a:r>
-              <a:rPr lang="zh-CN" altLang="en-US" sz="2400" dirty="0" smtClean="0">
-                <a:solidFill>
-                  <a:schemeClr val="tx1">
-                    <a:lumMod val="75000"/>
-                    <a:lumOff val="25000"/>
-                  </a:schemeClr>
-                </a:solidFill>
-                <a:latin typeface="微软雅黑" pitchFamily="34" charset="-122"/>
-                <a:ea typeface="微软雅黑" pitchFamily="34" charset="-122"/>
-              </a:rPr>
-              <a:t>，出现</a:t>
-            </a:r>
-            <a:r>
-              <a:rPr lang="zh-CN" altLang="en-US" sz="2400" b="1" dirty="0" smtClean="0">
-                <a:solidFill>
-                  <a:schemeClr val="tx1">
-                    <a:lumMod val="75000"/>
-                    <a:lumOff val="25000"/>
-                  </a:schemeClr>
-                </a:solidFill>
-                <a:latin typeface="微软雅黑" pitchFamily="34" charset="-122"/>
-                <a:ea typeface="微软雅黑" pitchFamily="34" charset="-122"/>
-              </a:rPr>
-              <a:t>毛边</a:t>
-            </a:r>
-            <a:r>
-              <a:rPr lang="zh-CN" altLang="en-US" sz="2400" dirty="0" smtClean="0">
-                <a:solidFill>
-                  <a:schemeClr val="tx1">
-                    <a:lumMod val="75000"/>
-                    <a:lumOff val="25000"/>
-                  </a:schemeClr>
-                </a:solidFill>
-                <a:latin typeface="微软雅黑" pitchFamily="34" charset="-122"/>
-                <a:ea typeface="微软雅黑" pitchFamily="34" charset="-122"/>
-              </a:rPr>
-              <a:t>，我们需要用元素去</a:t>
-            </a:r>
-            <a:r>
-              <a:rPr lang="zh-CN" altLang="en-US" sz="2400" b="1" dirty="0" smtClean="0">
-                <a:solidFill>
-                  <a:schemeClr val="tx1">
-                    <a:lumMod val="75000"/>
-                    <a:lumOff val="25000"/>
-                  </a:schemeClr>
-                </a:solidFill>
-                <a:latin typeface="微软雅黑" pitchFamily="34" charset="-122"/>
-                <a:ea typeface="微软雅黑" pitchFamily="34" charset="-122"/>
-              </a:rPr>
-              <a:t>遮盖掩饰</a:t>
-            </a:r>
-            <a:r>
-              <a:rPr lang="en-US" altLang="zh-CN" sz="2400" dirty="0" smtClean="0">
-                <a:solidFill>
-                  <a:schemeClr val="tx1">
-                    <a:lumMod val="75000"/>
-                    <a:lumOff val="25000"/>
-                  </a:schemeClr>
-                </a:solidFill>
-                <a:latin typeface="微软雅黑" pitchFamily="34" charset="-122"/>
-                <a:ea typeface="微软雅黑" pitchFamily="34" charset="-122"/>
-              </a:rPr>
-              <a:t>.</a:t>
-            </a:r>
-            <a:endParaRPr lang="en-US" altLang="zh-CN" sz="2400" dirty="0" smtClean="0">
+            <a:endParaRPr lang="en-US" altLang="zh-CN" sz="2400" dirty="0">
               <a:solidFill>
                 <a:schemeClr val="tx1">
                   <a:lumMod val="75000"/>
@@ -6058,6 +4449,145 @@
               <a:latin typeface="微软雅黑" pitchFamily="34" charset="-122"/>
               <a:ea typeface="微软雅黑" pitchFamily="34" charset="-122"/>
             </a:endParaRPr>
+          </a:p>
+          <a:p>
+            <a:pPr marL="457200" indent="-457200">
+              <a:lnSpc>
+                <a:spcPct val="150000"/>
+              </a:lnSpc>
+              <a:buFont typeface="+mj-lt"/>
+              <a:buAutoNum type="arabicPeriod"/>
+            </a:pPr>
+            <a:r>
+              <a:rPr lang="zh-CN" altLang="en-US" sz="2400" dirty="0" smtClean="0">
+                <a:solidFill>
+                  <a:schemeClr val="tx1">
+                    <a:lumMod val="75000"/>
+                    <a:lumOff val="25000"/>
+                  </a:schemeClr>
+                </a:solidFill>
+                <a:latin typeface="微软雅黑" pitchFamily="34" charset="-122"/>
+                <a:ea typeface="微软雅黑" pitchFamily="34" charset="-122"/>
+              </a:rPr>
+              <a:t>错位的动态变化，仍然使用</a:t>
+            </a:r>
+            <a:r>
+              <a:rPr lang="en-US" altLang="zh-CN" sz="2400" dirty="0" smtClean="0">
+                <a:solidFill>
+                  <a:schemeClr val="tx1">
+                    <a:lumMod val="75000"/>
+                    <a:lumOff val="25000"/>
+                  </a:schemeClr>
+                </a:solidFill>
+                <a:latin typeface="微软雅黑" pitchFamily="34" charset="-122"/>
+                <a:ea typeface="微软雅黑" pitchFamily="34" charset="-122"/>
+              </a:rPr>
+              <a:t>SVG</a:t>
+            </a:r>
+            <a:r>
+              <a:rPr lang="zh-CN" altLang="en-US" sz="2400" dirty="0" smtClean="0">
+                <a:solidFill>
+                  <a:schemeClr val="tx1">
+                    <a:lumMod val="75000"/>
+                    <a:lumOff val="25000"/>
+                  </a:schemeClr>
+                </a:solidFill>
+                <a:latin typeface="微软雅黑" pitchFamily="34" charset="-122"/>
+                <a:ea typeface="微软雅黑" pitchFamily="34" charset="-122"/>
+              </a:rPr>
+              <a:t>的</a:t>
+            </a:r>
+            <a:r>
+              <a:rPr lang="en-US" altLang="zh-CN" sz="2400" dirty="0" smtClean="0">
+                <a:solidFill>
+                  <a:schemeClr val="tx1">
+                    <a:lumMod val="75000"/>
+                    <a:lumOff val="25000"/>
+                  </a:schemeClr>
+                </a:solidFill>
+                <a:latin typeface="微软雅黑" pitchFamily="34" charset="-122"/>
+                <a:ea typeface="微软雅黑" pitchFamily="34" charset="-122"/>
+              </a:rPr>
+              <a:t>SMIL</a:t>
+            </a:r>
+            <a:r>
+              <a:rPr lang="zh-CN" altLang="en-US" sz="2400" dirty="0" smtClean="0">
+                <a:solidFill>
+                  <a:schemeClr val="tx1">
+                    <a:lumMod val="75000"/>
+                    <a:lumOff val="25000"/>
+                  </a:schemeClr>
+                </a:solidFill>
+                <a:latin typeface="微软雅黑" pitchFamily="34" charset="-122"/>
+                <a:ea typeface="微软雅黑" pitchFamily="34" charset="-122"/>
+              </a:rPr>
+              <a:t>动画，改变位置和高度即可</a:t>
+            </a:r>
+            <a:r>
+              <a:rPr lang="en-US" altLang="zh-CN" sz="2400" dirty="0" smtClean="0">
+                <a:solidFill>
+                  <a:schemeClr val="tx1">
+                    <a:lumMod val="75000"/>
+                    <a:lumOff val="25000"/>
+                  </a:schemeClr>
+                </a:solidFill>
+                <a:latin typeface="微软雅黑" pitchFamily="34" charset="-122"/>
+                <a:ea typeface="微软雅黑" pitchFamily="34" charset="-122"/>
+              </a:rPr>
+              <a:t>.SMIL</a:t>
+            </a:r>
+            <a:r>
+              <a:rPr lang="zh-CN" altLang="en-US" sz="2400" dirty="0" smtClean="0">
+                <a:solidFill>
+                  <a:schemeClr val="tx1">
+                    <a:lumMod val="75000"/>
+                    <a:lumOff val="25000"/>
+                  </a:schemeClr>
+                </a:solidFill>
+                <a:latin typeface="微软雅黑" pitchFamily="34" charset="-122"/>
+                <a:ea typeface="微软雅黑" pitchFamily="34" charset="-122"/>
+              </a:rPr>
+              <a:t>动画参考</a:t>
+            </a:r>
+            <a:r>
+              <a:rPr lang="en-US" altLang="zh-CN" sz="2400" dirty="0" smtClean="0">
+                <a:solidFill>
+                  <a:schemeClr val="tx1">
+                    <a:lumMod val="75000"/>
+                    <a:lumOff val="25000"/>
+                  </a:schemeClr>
+                </a:solidFill>
+                <a:latin typeface="微软雅黑" pitchFamily="34" charset="-122"/>
+                <a:ea typeface="微软雅黑" pitchFamily="34" charset="-122"/>
+              </a:rPr>
+              <a:t>《SVG</a:t>
+            </a:r>
+            <a:r>
+              <a:rPr lang="zh-CN" altLang="en-US" sz="2400" dirty="0" smtClean="0">
+                <a:solidFill>
+                  <a:schemeClr val="tx1">
+                    <a:lumMod val="75000"/>
+                    <a:lumOff val="25000"/>
+                  </a:schemeClr>
+                </a:solidFill>
+                <a:latin typeface="微软雅黑" pitchFamily="34" charset="-122"/>
+                <a:ea typeface="微软雅黑" pitchFamily="34" charset="-122"/>
+              </a:rPr>
+              <a:t>文字路径</a:t>
+            </a:r>
+            <a:r>
+              <a:rPr lang="en-US" altLang="zh-CN" sz="2400" dirty="0" smtClean="0">
+                <a:solidFill>
+                  <a:schemeClr val="tx1">
+                    <a:lumMod val="75000"/>
+                    <a:lumOff val="25000"/>
+                  </a:schemeClr>
+                </a:solidFill>
+                <a:latin typeface="微软雅黑" pitchFamily="34" charset="-122"/>
+                <a:ea typeface="微软雅黑" pitchFamily="34" charset="-122"/>
+              </a:rPr>
+              <a:t>》</a:t>
+            </a:r>
           </a:p>
         </p:txBody>
       </p:sp>
@@ -6106,7 +4636,7 @@
         </p:nvSpPr>
         <p:spPr>
           <a:xfrm>
-            <a:off x="684000" y="260648"/>
+            <a:off x="684000" y="476672"/>
             <a:ext cx="7776000" cy="523220"/>
           </a:xfrm>
           <a:prstGeom prst="rect">
@@ -6131,33 +4661,33 @@
                 <a:latin typeface="微软雅黑" pitchFamily="34" charset="-122"/>
                 <a:ea typeface="微软雅黑" pitchFamily="34" charset="-122"/>
               </a:rPr>
-              <a:t>3.</a:t>
-            </a:r>
-            <a:r>
-              <a:rPr lang="zh-CN" altLang="en-US" sz="2800" b="1" dirty="0">
-                <a:solidFill>
-                  <a:schemeClr val="tx1">
-                    <a:lumMod val="75000"/>
-                    <a:lumOff val="25000"/>
-                  </a:schemeClr>
-                </a:solidFill>
-                <a:latin typeface="微软雅黑" pitchFamily="34" charset="-122"/>
-                <a:ea typeface="微软雅黑" pitchFamily="34" charset="-122"/>
-              </a:rPr>
-              <a:t>拆</a:t>
-            </a:r>
-            <a:r>
-              <a:rPr lang="zh-CN" altLang="en-US" sz="2800" b="1" dirty="0" smtClean="0">
-                <a:solidFill>
-                  <a:schemeClr val="tx1">
-                    <a:lumMod val="75000"/>
-                    <a:lumOff val="25000"/>
-                  </a:schemeClr>
-                </a:solidFill>
-                <a:latin typeface="微软雅黑" pitchFamily="34" charset="-122"/>
-                <a:ea typeface="微软雅黑" pitchFamily="34" charset="-122"/>
-              </a:rPr>
-              <a:t>解图片</a:t>
+              <a:t>3</a:t>
+            </a:r>
+            <a:r>
+              <a:rPr lang="en-US" altLang="zh-CN" sz="2800" b="1" dirty="0" smtClean="0">
+                <a:solidFill>
+                  <a:schemeClr val="tx1">
+                    <a:lumMod val="75000"/>
+                    <a:lumOff val="25000"/>
+                  </a:schemeClr>
+                </a:solidFill>
+                <a:latin typeface="微软雅黑" pitchFamily="34" charset="-122"/>
+                <a:ea typeface="微软雅黑" pitchFamily="34" charset="-122"/>
+              </a:rPr>
+              <a:t>.</a:t>
+            </a:r>
+            <a:r>
+              <a:rPr lang="zh-CN" altLang="en-US" sz="2800" b="1" smtClean="0">
+                <a:solidFill>
+                  <a:schemeClr val="tx1">
+                    <a:lumMod val="75000"/>
+                    <a:lumOff val="25000"/>
+                  </a:schemeClr>
+                </a:solidFill>
+                <a:latin typeface="微软雅黑" pitchFamily="34" charset="-122"/>
+                <a:ea typeface="微软雅黑" pitchFamily="34" charset="-122"/>
+              </a:rPr>
+              <a:t>制作偏移</a:t>
             </a:r>
             <a:endParaRPr lang="zh-CN" altLang="en-US" sz="2800" b="1" dirty="0">
               <a:solidFill>
@@ -6180,8 +4710,8 @@
         </p:nvSpPr>
         <p:spPr>
           <a:xfrm>
-            <a:off x="684000" y="836712"/>
-            <a:ext cx="7776000" cy="3970318"/>
+            <a:off x="684000" y="1196752"/>
+            <a:ext cx="7776000" cy="5078313"/>
           </a:xfrm>
           <a:prstGeom prst="rect">
             <a:avLst/>
@@ -6194,10 +4724,12 @@
           </a:bodyPr>
           <a:lstStyle/>
           <a:p>
-            <a:pPr>
+            <a:pPr marL="457200" indent="-457200">
               <a:lnSpc>
                 <a:spcPct val="150000"/>
               </a:lnSpc>
+              <a:buFont typeface="+mj-lt"/>
+              <a:buAutoNum type="arabicPeriod"/>
             </a:pPr>
             <a:r>
               <a:rPr lang="zh-CN" altLang="en-US" sz="2400" dirty="0" smtClean="0">
@@ -6210,20 +4742,20 @@
                 <a:latin typeface="微软雅黑" pitchFamily="34" charset="-122"/>
                 <a:ea typeface="微软雅黑" pitchFamily="34" charset="-122"/>
               </a:rPr>
-              <a:t>我们需要将图片拆成两部分，水面部分和其他部分。我们选择的图片</a:t>
-            </a:r>
-            <a:r>
-              <a:rPr lang="zh-CN" altLang="en-US" sz="2400" b="1" dirty="0" smtClean="0">
-                <a:solidFill>
-                  <a:schemeClr val="tx1">
-                    <a:lumMod val="75000"/>
-                    <a:lumOff val="25000"/>
-                  </a:schemeClr>
-                </a:solidFill>
-                <a:latin typeface="微软雅黑" pitchFamily="34" charset="-122"/>
-                <a:ea typeface="微软雅黑" pitchFamily="34" charset="-122"/>
-              </a:rPr>
-              <a:t>相对规则</a:t>
+              <a:t>文字的屏幕故障效果，归根结底是文字某水平区域显示错位，同时边缘有一些杂色</a:t>
+            </a:r>
+            <a:r>
+              <a:rPr lang="en-US" altLang="zh-CN" sz="2400" dirty="0" smtClean="0">
+                <a:solidFill>
+                  <a:schemeClr val="tx1">
+                    <a:lumMod val="75000"/>
+                    <a:lumOff val="25000"/>
+                  </a:schemeClr>
+                </a:solidFill>
+                <a:latin typeface="微软雅黑" pitchFamily="34" charset="-122"/>
+                <a:ea typeface="微软雅黑" pitchFamily="34" charset="-122"/>
+              </a:rPr>
+              <a:t>.</a:t>
             </a:r>
             <a:r>
               <a:rPr lang="zh-CN" altLang="en-US" sz="2400" dirty="0" smtClean="0">
@@ -6236,20 +4768,124 @@
                 <a:latin typeface="微软雅黑" pitchFamily="34" charset="-122"/>
                 <a:ea typeface="微软雅黑" pitchFamily="34" charset="-122"/>
               </a:rPr>
+              <a:t>运用</a:t>
+            </a:r>
+            <a:r>
+              <a:rPr lang="en-US" altLang="zh-CN" sz="2400" dirty="0" smtClean="0">
+                <a:solidFill>
+                  <a:schemeClr val="tx1">
+                    <a:lumMod val="75000"/>
+                    <a:lumOff val="25000"/>
+                  </a:schemeClr>
+                </a:solidFill>
+                <a:latin typeface="微软雅黑" pitchFamily="34" charset="-122"/>
+                <a:ea typeface="微软雅黑" pitchFamily="34" charset="-122"/>
+              </a:rPr>
+              <a:t>SVG</a:t>
+            </a:r>
+            <a:r>
+              <a:rPr lang="zh-CN" altLang="en-US" sz="2400" dirty="0" smtClean="0">
+                <a:solidFill>
+                  <a:schemeClr val="tx1">
+                    <a:lumMod val="75000"/>
+                    <a:lumOff val="25000"/>
+                  </a:schemeClr>
+                </a:solidFill>
+                <a:latin typeface="微软雅黑" pitchFamily="34" charset="-122"/>
+                <a:ea typeface="微软雅黑" pitchFamily="34" charset="-122"/>
+              </a:rPr>
+              <a:t>滤镜技术，实现水平错位，叠加原图即可。</a:t>
+            </a:r>
+            <a:r>
+              <a:rPr lang="en-US" altLang="zh-CN" sz="2400" dirty="0" smtClean="0">
+                <a:solidFill>
+                  <a:schemeClr val="tx1">
+                    <a:lumMod val="75000"/>
+                    <a:lumOff val="25000"/>
+                  </a:schemeClr>
+                </a:solidFill>
+                <a:latin typeface="微软雅黑" pitchFamily="34" charset="-122"/>
+                <a:ea typeface="微软雅黑" pitchFamily="34" charset="-122"/>
+              </a:rPr>
+              <a:t>SVG</a:t>
+            </a:r>
+            <a:r>
+              <a:rPr lang="zh-CN" altLang="en-US" sz="2400" dirty="0" smtClean="0">
+                <a:solidFill>
+                  <a:schemeClr val="tx1">
+                    <a:lumMod val="75000"/>
+                    <a:lumOff val="25000"/>
+                  </a:schemeClr>
+                </a:solidFill>
+                <a:latin typeface="微软雅黑" pitchFamily="34" charset="-122"/>
+                <a:ea typeface="微软雅黑" pitchFamily="34" charset="-122"/>
+              </a:rPr>
+              <a:t>滤镜相关技术，请参考</a:t>
+            </a:r>
+            <a:r>
+              <a:rPr lang="en-US" altLang="zh-CN" sz="2400" dirty="0" smtClean="0">
+                <a:solidFill>
+                  <a:schemeClr val="tx1">
+                    <a:lumMod val="75000"/>
+                    <a:lumOff val="25000"/>
+                  </a:schemeClr>
+                </a:solidFill>
+                <a:latin typeface="微软雅黑" pitchFamily="34" charset="-122"/>
+                <a:ea typeface="微软雅黑" pitchFamily="34" charset="-122"/>
+              </a:rPr>
+              <a:t>《SVG</a:t>
+            </a:r>
+            <a:r>
+              <a:rPr lang="zh-CN" altLang="en-US" sz="2400" dirty="0" smtClean="0">
+                <a:solidFill>
+                  <a:schemeClr val="tx1">
+                    <a:lumMod val="75000"/>
+                    <a:lumOff val="25000"/>
+                  </a:schemeClr>
+                </a:solidFill>
+                <a:latin typeface="微软雅黑" pitchFamily="34" charset="-122"/>
+                <a:ea typeface="微软雅黑" pitchFamily="34" charset="-122"/>
+              </a:rPr>
+              <a:t>滤镜（一）</a:t>
+            </a:r>
+            <a:r>
+              <a:rPr lang="en-US" altLang="zh-CN" sz="2400" dirty="0" smtClean="0">
+                <a:solidFill>
+                  <a:schemeClr val="tx1">
+                    <a:lumMod val="75000"/>
+                    <a:lumOff val="25000"/>
+                  </a:schemeClr>
+                </a:solidFill>
+                <a:latin typeface="微软雅黑" pitchFamily="34" charset="-122"/>
+                <a:ea typeface="微软雅黑" pitchFamily="34" charset="-122"/>
+              </a:rPr>
+              <a:t>》</a:t>
+            </a:r>
+            <a:r>
+              <a:rPr lang="zh-CN" altLang="en-US" sz="2400" dirty="0" smtClean="0">
+                <a:solidFill>
+                  <a:schemeClr val="tx1">
+                    <a:lumMod val="75000"/>
+                    <a:lumOff val="25000"/>
+                  </a:schemeClr>
+                </a:solidFill>
+                <a:latin typeface="微软雅黑" pitchFamily="34" charset="-122"/>
+                <a:ea typeface="微软雅黑" pitchFamily="34" charset="-122"/>
+              </a:rPr>
               <a:t>，</a:t>
             </a:r>
             <a:r>
-              <a:rPr lang="zh-CN" altLang="en-US" sz="2400" b="1" dirty="0" smtClean="0">
-                <a:solidFill>
-                  <a:schemeClr val="tx1">
-                    <a:lumMod val="75000"/>
-                    <a:lumOff val="25000"/>
-                  </a:schemeClr>
-                </a:solidFill>
-                <a:latin typeface="微软雅黑" pitchFamily="34" charset="-122"/>
-                <a:ea typeface="微软雅黑" pitchFamily="34" charset="-122"/>
-              </a:rPr>
-              <a:t>下半部</a:t>
+              <a:rPr lang="en-US" altLang="zh-CN" sz="2400" dirty="0" smtClean="0">
+                <a:solidFill>
+                  <a:schemeClr val="tx1">
+                    <a:lumMod val="75000"/>
+                    <a:lumOff val="25000"/>
+                  </a:schemeClr>
+                </a:solidFill>
+                <a:latin typeface="微软雅黑" pitchFamily="34" charset="-122"/>
+                <a:ea typeface="微软雅黑" pitchFamily="34" charset="-122"/>
+              </a:rPr>
+              <a:t>《SVG</a:t>
             </a:r>
             <a:r>
               <a:rPr lang="zh-CN" altLang="en-US" sz="2400" dirty="0" smtClean="0">
@@ -6262,21 +4898,30 @@
                 <a:latin typeface="微软雅黑" pitchFamily="34" charset="-122"/>
                 <a:ea typeface="微软雅黑" pitchFamily="34" charset="-122"/>
               </a:rPr>
-              <a:t>分是水面，</a:t>
-            </a:r>
-            <a:r>
-              <a:rPr lang="zh-CN" altLang="en-US" sz="2400" b="1" dirty="0" smtClean="0">
-                <a:solidFill>
-                  <a:schemeClr val="tx1">
-                    <a:lumMod val="75000"/>
-                    <a:lumOff val="25000"/>
-                  </a:schemeClr>
-                </a:solidFill>
-                <a:latin typeface="微软雅黑" pitchFamily="34" charset="-122"/>
-                <a:ea typeface="微软雅黑" pitchFamily="34" charset="-122"/>
-              </a:rPr>
-              <a:t>上半部</a:t>
-            </a:r>
+              <a:t>滤镜（二）</a:t>
+            </a:r>
+            <a:r>
+              <a:rPr lang="en-US" altLang="zh-CN" sz="2400" dirty="0" smtClean="0">
+                <a:solidFill>
+                  <a:schemeClr val="tx1">
+                    <a:lumMod val="75000"/>
+                    <a:lumOff val="25000"/>
+                  </a:schemeClr>
+                </a:solidFill>
+                <a:latin typeface="微软雅黑" pitchFamily="34" charset="-122"/>
+                <a:ea typeface="微软雅黑" pitchFamily="34" charset="-122"/>
+              </a:rPr>
+              <a:t>》.</a:t>
+            </a:r>
+          </a:p>
+          <a:p>
+            <a:pPr marL="457200" indent="-457200">
+              <a:lnSpc>
+                <a:spcPct val="150000"/>
+              </a:lnSpc>
+              <a:buFont typeface="+mj-lt"/>
+              <a:buAutoNum type="arabicPeriod"/>
+            </a:pPr>
             <a:r>
               <a:rPr lang="zh-CN" altLang="en-US" sz="2400" dirty="0" smtClean="0">
                 <a:solidFill>
@@ -6288,7 +4933,7 @@
                 <a:latin typeface="微软雅黑" pitchFamily="34" charset="-122"/>
                 <a:ea typeface="微软雅黑" pitchFamily="34" charset="-122"/>
               </a:rPr>
-              <a:t>分是山和天空。所以我们仅仅需要通过一个</a:t>
+              <a:t>杂色边缘，仅仅是多了一文本而已，例如白色的主体文字下，多一层红色或者蓝色的字，稍稍有一些</a:t>
             </a:r>
             <a:r>
               <a:rPr lang="en-US" altLang="zh-CN" sz="2400" dirty="0" smtClean="0">
@@ -6301,7 +4946,7 @@
                 <a:latin typeface="微软雅黑" pitchFamily="34" charset="-122"/>
                 <a:ea typeface="微软雅黑" pitchFamily="34" charset="-122"/>
               </a:rPr>
-              <a:t>&lt;div&gt;</a:t>
+              <a:t>X</a:t>
             </a:r>
             <a:r>
               <a:rPr lang="zh-CN" altLang="en-US" sz="2400" dirty="0" smtClean="0">
@@ -6314,7 +4959,7 @@
                 <a:latin typeface="微软雅黑" pitchFamily="34" charset="-122"/>
                 <a:ea typeface="微软雅黑" pitchFamily="34" charset="-122"/>
               </a:rPr>
-              <a:t>包裹一个</a:t>
+              <a:t>方向的偏移，看到的就是红色或蓝色边缘</a:t>
             </a:r>
             <a:r>
               <a:rPr lang="en-US" altLang="zh-CN" sz="2400" dirty="0" smtClean="0">
@@ -6327,230 +4972,9 @@
                 <a:latin typeface="微软雅黑" pitchFamily="34" charset="-122"/>
                 <a:ea typeface="微软雅黑" pitchFamily="34" charset="-122"/>
               </a:rPr>
-              <a:t>&lt;</a:t>
-            </a:r>
-            <a:r>
-              <a:rPr lang="en-US" altLang="zh-CN" sz="2400" dirty="0" err="1" smtClean="0">
-                <a:solidFill>
-                  <a:schemeClr val="tx1">
-                    <a:lumMod val="75000"/>
-                    <a:lumOff val="25000"/>
-                  </a:schemeClr>
-                </a:solidFill>
-                <a:latin typeface="微软雅黑" pitchFamily="34" charset="-122"/>
-                <a:ea typeface="微软雅黑" pitchFamily="34" charset="-122"/>
-              </a:rPr>
-              <a:t>img</a:t>
-            </a:r>
-            <a:r>
-              <a:rPr lang="en-US" altLang="zh-CN" sz="2400" dirty="0" smtClean="0">
-                <a:solidFill>
-                  <a:schemeClr val="tx1">
-                    <a:lumMod val="75000"/>
-                    <a:lumOff val="25000"/>
-                  </a:schemeClr>
-                </a:solidFill>
-                <a:latin typeface="微软雅黑" pitchFamily="34" charset="-122"/>
-                <a:ea typeface="微软雅黑" pitchFamily="34" charset="-122"/>
-              </a:rPr>
-              <a:t>&gt;</a:t>
-            </a:r>
-            <a:r>
-              <a:rPr lang="zh-CN" altLang="en-US" sz="2400" dirty="0" smtClean="0">
-                <a:solidFill>
-                  <a:schemeClr val="tx1">
-                    <a:lumMod val="75000"/>
-                    <a:lumOff val="25000"/>
-                  </a:schemeClr>
-                </a:solidFill>
-                <a:latin typeface="微软雅黑" pitchFamily="34" charset="-122"/>
-                <a:ea typeface="微软雅黑" pitchFamily="34" charset="-122"/>
-              </a:rPr>
-              <a:t>图片，显示原图像。然后通过</a:t>
-            </a:r>
-            <a:r>
-              <a:rPr lang="en-US" altLang="zh-CN" sz="2400" dirty="0" smtClean="0">
-                <a:solidFill>
-                  <a:schemeClr val="tx1">
-                    <a:lumMod val="75000"/>
-                    <a:lumOff val="25000"/>
-                  </a:schemeClr>
-                </a:solidFill>
-                <a:latin typeface="微软雅黑" pitchFamily="34" charset="-122"/>
-                <a:ea typeface="微软雅黑" pitchFamily="34" charset="-122"/>
-              </a:rPr>
-              <a:t>&lt;div&gt;</a:t>
-            </a:r>
-            <a:r>
-              <a:rPr lang="zh-CN" altLang="en-US" sz="2400" dirty="0" smtClean="0">
-                <a:solidFill>
-                  <a:schemeClr val="tx1">
-                    <a:lumMod val="75000"/>
-                    <a:lumOff val="25000"/>
-                  </a:schemeClr>
-                </a:solidFill>
-                <a:latin typeface="微软雅黑" pitchFamily="34" charset="-122"/>
-                <a:ea typeface="微软雅黑" pitchFamily="34" charset="-122"/>
-              </a:rPr>
-              <a:t>的微元素</a:t>
-            </a:r>
-            <a:r>
-              <a:rPr lang="en-US" altLang="zh-CN" sz="2400" dirty="0" smtClean="0">
-                <a:solidFill>
-                  <a:schemeClr val="tx1">
-                    <a:lumMod val="75000"/>
-                    <a:lumOff val="25000"/>
-                  </a:schemeClr>
-                </a:solidFill>
-                <a:latin typeface="微软雅黑" pitchFamily="34" charset="-122"/>
-                <a:ea typeface="微软雅黑" pitchFamily="34" charset="-122"/>
-              </a:rPr>
-              <a:t>before</a:t>
-            </a:r>
-            <a:r>
-              <a:rPr lang="zh-CN" altLang="en-US" sz="2400" dirty="0" smtClean="0">
-                <a:solidFill>
-                  <a:schemeClr val="tx1">
-                    <a:lumMod val="75000"/>
-                    <a:lumOff val="25000"/>
-                  </a:schemeClr>
-                </a:solidFill>
-                <a:latin typeface="微软雅黑" pitchFamily="34" charset="-122"/>
-                <a:ea typeface="微软雅黑" pitchFamily="34" charset="-122"/>
-              </a:rPr>
-              <a:t>，显示水面部分即可。如果图片的水面区域不规则，我们可以使用</a:t>
-            </a:r>
-            <a:r>
-              <a:rPr lang="en-US" altLang="zh-CN" sz="2400" dirty="0" smtClean="0">
-                <a:solidFill>
-                  <a:schemeClr val="tx1">
-                    <a:lumMod val="75000"/>
-                    <a:lumOff val="25000"/>
-                  </a:schemeClr>
-                </a:solidFill>
-                <a:latin typeface="微软雅黑" pitchFamily="34" charset="-122"/>
-                <a:ea typeface="微软雅黑" pitchFamily="34" charset="-122"/>
-              </a:rPr>
-              <a:t>SVG</a:t>
-            </a:r>
-            <a:r>
-              <a:rPr lang="zh-CN" altLang="en-US" sz="2400" dirty="0" smtClean="0">
-                <a:solidFill>
-                  <a:schemeClr val="tx1">
-                    <a:lumMod val="75000"/>
-                    <a:lumOff val="25000"/>
-                  </a:schemeClr>
-                </a:solidFill>
-                <a:latin typeface="微软雅黑" pitchFamily="34" charset="-122"/>
-                <a:ea typeface="微软雅黑" pitchFamily="34" charset="-122"/>
-              </a:rPr>
-              <a:t>的</a:t>
-            </a:r>
-            <a:r>
-              <a:rPr lang="en-US" altLang="zh-CN" sz="2400" b="1" dirty="0" smtClean="0">
-                <a:solidFill>
-                  <a:schemeClr val="tx1">
-                    <a:lumMod val="75000"/>
-                    <a:lumOff val="25000"/>
-                  </a:schemeClr>
-                </a:solidFill>
-                <a:latin typeface="微软雅黑" pitchFamily="34" charset="-122"/>
-                <a:ea typeface="微软雅黑" pitchFamily="34" charset="-122"/>
-              </a:rPr>
-              <a:t>clip-path(</a:t>
-            </a:r>
-            <a:r>
-              <a:rPr lang="zh-CN" altLang="en-US" sz="2400" b="1" dirty="0" smtClean="0">
-                <a:solidFill>
-                  <a:schemeClr val="tx1">
-                    <a:lumMod val="75000"/>
-                    <a:lumOff val="25000"/>
-                  </a:schemeClr>
-                </a:solidFill>
-                <a:latin typeface="微软雅黑" pitchFamily="34" charset="-122"/>
-                <a:ea typeface="微软雅黑" pitchFamily="34" charset="-122"/>
-              </a:rPr>
-              <a:t>路径剪裁</a:t>
-            </a:r>
-            <a:r>
-              <a:rPr lang="en-US" altLang="zh-CN" sz="2400" b="1" dirty="0" smtClean="0">
-                <a:solidFill>
-                  <a:schemeClr val="tx1">
-                    <a:lumMod val="75000"/>
-                    <a:lumOff val="25000"/>
-                  </a:schemeClr>
-                </a:solidFill>
-                <a:latin typeface="微软雅黑" pitchFamily="34" charset="-122"/>
-                <a:ea typeface="微软雅黑" pitchFamily="34" charset="-122"/>
-              </a:rPr>
-              <a:t>)</a:t>
-            </a:r>
-            <a:r>
-              <a:rPr lang="zh-CN" altLang="en-US" sz="2400" b="1" dirty="0" smtClean="0">
-                <a:solidFill>
-                  <a:schemeClr val="tx1">
-                    <a:lumMod val="75000"/>
-                    <a:lumOff val="25000"/>
-                  </a:schemeClr>
-                </a:solidFill>
-                <a:latin typeface="微软雅黑" pitchFamily="34" charset="-122"/>
-                <a:ea typeface="微软雅黑" pitchFamily="34" charset="-122"/>
-              </a:rPr>
-              <a:t>，或蒙版 </a:t>
-            </a:r>
-            <a:r>
-              <a:rPr lang="zh-CN" altLang="en-US" sz="2400" dirty="0" smtClean="0">
-                <a:solidFill>
-                  <a:schemeClr val="tx1">
-                    <a:lumMod val="75000"/>
-                    <a:lumOff val="25000"/>
-                  </a:schemeClr>
-                </a:solidFill>
-                <a:latin typeface="微软雅黑" pitchFamily="34" charset="-122"/>
-                <a:ea typeface="微软雅黑" pitchFamily="34" charset="-122"/>
-              </a:rPr>
-              <a:t>，制造一个</a:t>
-            </a:r>
-            <a:r>
-              <a:rPr lang="zh-CN" altLang="en-US" sz="2400" b="1" dirty="0" smtClean="0">
-                <a:solidFill>
-                  <a:schemeClr val="tx1">
-                    <a:lumMod val="75000"/>
-                    <a:lumOff val="25000"/>
-                  </a:schemeClr>
-                </a:solidFill>
-                <a:latin typeface="微软雅黑" pitchFamily="34" charset="-122"/>
-                <a:ea typeface="微软雅黑" pitchFamily="34" charset="-122"/>
-              </a:rPr>
-              <a:t>不规则区域</a:t>
-            </a:r>
-            <a:r>
-              <a:rPr lang="zh-CN" altLang="en-US" sz="2400" dirty="0" smtClean="0">
-                <a:solidFill>
-                  <a:schemeClr val="tx1">
-                    <a:lumMod val="75000"/>
-                    <a:lumOff val="25000"/>
-                  </a:schemeClr>
-                </a:solidFill>
-                <a:latin typeface="微软雅黑" pitchFamily="34" charset="-122"/>
-                <a:ea typeface="微软雅黑" pitchFamily="34" charset="-122"/>
-              </a:rPr>
-              <a:t>，单独应用滤镜</a:t>
-            </a:r>
-            <a:r>
-              <a:rPr lang="en-US" altLang="zh-CN" sz="2400" dirty="0" smtClean="0">
-                <a:solidFill>
-                  <a:schemeClr val="tx1">
-                    <a:lumMod val="75000"/>
-                    <a:lumOff val="25000"/>
-                  </a:schemeClr>
-                </a:solidFill>
-                <a:latin typeface="微软雅黑" pitchFamily="34" charset="-122"/>
-                <a:ea typeface="微软雅黑" pitchFamily="34" charset="-122"/>
-              </a:rPr>
               <a:t>.</a:t>
             </a:r>
-            <a:endParaRPr lang="en-US" altLang="zh-CN" sz="2400" dirty="0" smtClean="0">
+            <a:endParaRPr lang="en-US" altLang="zh-CN" sz="2400" dirty="0">
               <a:solidFill>
                 <a:schemeClr val="tx1">
                   <a:lumMod val="75000"/>
@@ -6561,12 +4985,151 @@
               <a:ea typeface="微软雅黑" pitchFamily="34" charset="-122"/>
             </a:endParaRPr>
           </a:p>
+          <a:p>
+            <a:pPr marL="457200" indent="-457200">
+              <a:lnSpc>
+                <a:spcPct val="150000"/>
+              </a:lnSpc>
+              <a:buFont typeface="+mj-lt"/>
+              <a:buAutoNum type="arabicPeriod"/>
+            </a:pPr>
+            <a:r>
+              <a:rPr lang="zh-CN" altLang="en-US" sz="2400" dirty="0" smtClean="0">
+                <a:solidFill>
+                  <a:schemeClr val="tx1">
+                    <a:lumMod val="75000"/>
+                    <a:lumOff val="25000"/>
+                  </a:schemeClr>
+                </a:solidFill>
+                <a:latin typeface="微软雅黑" pitchFamily="34" charset="-122"/>
+                <a:ea typeface="微软雅黑" pitchFamily="34" charset="-122"/>
+              </a:rPr>
+              <a:t>错位的动态变化，仍然使用</a:t>
+            </a:r>
+            <a:r>
+              <a:rPr lang="en-US" altLang="zh-CN" sz="2400" dirty="0" smtClean="0">
+                <a:solidFill>
+                  <a:schemeClr val="tx1">
+                    <a:lumMod val="75000"/>
+                    <a:lumOff val="25000"/>
+                  </a:schemeClr>
+                </a:solidFill>
+                <a:latin typeface="微软雅黑" pitchFamily="34" charset="-122"/>
+                <a:ea typeface="微软雅黑" pitchFamily="34" charset="-122"/>
+              </a:rPr>
+              <a:t>SVG</a:t>
+            </a:r>
+            <a:r>
+              <a:rPr lang="zh-CN" altLang="en-US" sz="2400" dirty="0" smtClean="0">
+                <a:solidFill>
+                  <a:schemeClr val="tx1">
+                    <a:lumMod val="75000"/>
+                    <a:lumOff val="25000"/>
+                  </a:schemeClr>
+                </a:solidFill>
+                <a:latin typeface="微软雅黑" pitchFamily="34" charset="-122"/>
+                <a:ea typeface="微软雅黑" pitchFamily="34" charset="-122"/>
+              </a:rPr>
+              <a:t>的</a:t>
+            </a:r>
+            <a:r>
+              <a:rPr lang="en-US" altLang="zh-CN" sz="2400" dirty="0" smtClean="0">
+                <a:solidFill>
+                  <a:schemeClr val="tx1">
+                    <a:lumMod val="75000"/>
+                    <a:lumOff val="25000"/>
+                  </a:schemeClr>
+                </a:solidFill>
+                <a:latin typeface="微软雅黑" pitchFamily="34" charset="-122"/>
+                <a:ea typeface="微软雅黑" pitchFamily="34" charset="-122"/>
+              </a:rPr>
+              <a:t>SMIL</a:t>
+            </a:r>
+            <a:r>
+              <a:rPr lang="zh-CN" altLang="en-US" sz="2400" dirty="0" smtClean="0">
+                <a:solidFill>
+                  <a:schemeClr val="tx1">
+                    <a:lumMod val="75000"/>
+                    <a:lumOff val="25000"/>
+                  </a:schemeClr>
+                </a:solidFill>
+                <a:latin typeface="微软雅黑" pitchFamily="34" charset="-122"/>
+                <a:ea typeface="微软雅黑" pitchFamily="34" charset="-122"/>
+              </a:rPr>
+              <a:t>动画，改变位置和高度即可</a:t>
+            </a:r>
+            <a:r>
+              <a:rPr lang="en-US" altLang="zh-CN" sz="2400" dirty="0" smtClean="0">
+                <a:solidFill>
+                  <a:schemeClr val="tx1">
+                    <a:lumMod val="75000"/>
+                    <a:lumOff val="25000"/>
+                  </a:schemeClr>
+                </a:solidFill>
+                <a:latin typeface="微软雅黑" pitchFamily="34" charset="-122"/>
+                <a:ea typeface="微软雅黑" pitchFamily="34" charset="-122"/>
+              </a:rPr>
+              <a:t>.SMIL</a:t>
+            </a:r>
+            <a:r>
+              <a:rPr lang="zh-CN" altLang="en-US" sz="2400" dirty="0" smtClean="0">
+                <a:solidFill>
+                  <a:schemeClr val="tx1">
+                    <a:lumMod val="75000"/>
+                    <a:lumOff val="25000"/>
+                  </a:schemeClr>
+                </a:solidFill>
+                <a:latin typeface="微软雅黑" pitchFamily="34" charset="-122"/>
+                <a:ea typeface="微软雅黑" pitchFamily="34" charset="-122"/>
+              </a:rPr>
+              <a:t>动画参考</a:t>
+            </a:r>
+            <a:r>
+              <a:rPr lang="en-US" altLang="zh-CN" sz="2400" dirty="0" smtClean="0">
+                <a:solidFill>
+                  <a:schemeClr val="tx1">
+                    <a:lumMod val="75000"/>
+                    <a:lumOff val="25000"/>
+                  </a:schemeClr>
+                </a:solidFill>
+                <a:latin typeface="微软雅黑" pitchFamily="34" charset="-122"/>
+                <a:ea typeface="微软雅黑" pitchFamily="34" charset="-122"/>
+              </a:rPr>
+              <a:t>《SVG</a:t>
+            </a:r>
+            <a:r>
+              <a:rPr lang="zh-CN" altLang="en-US" sz="2400" dirty="0" smtClean="0">
+                <a:solidFill>
+                  <a:schemeClr val="tx1">
+                    <a:lumMod val="75000"/>
+                    <a:lumOff val="25000"/>
+                  </a:schemeClr>
+                </a:solidFill>
+                <a:latin typeface="微软雅黑" pitchFamily="34" charset="-122"/>
+                <a:ea typeface="微软雅黑" pitchFamily="34" charset="-122"/>
+              </a:rPr>
+              <a:t>文字路径</a:t>
+            </a:r>
+            <a:r>
+              <a:rPr lang="en-US" altLang="zh-CN" sz="2400" dirty="0" smtClean="0">
+                <a:solidFill>
+                  <a:schemeClr val="tx1">
+                    <a:lumMod val="75000"/>
+                    <a:lumOff val="25000"/>
+                  </a:schemeClr>
+                </a:solidFill>
+                <a:latin typeface="微软雅黑" pitchFamily="34" charset="-122"/>
+                <a:ea typeface="微软雅黑" pitchFamily="34" charset="-122"/>
+              </a:rPr>
+              <a:t>》</a:t>
+            </a:r>
+          </a:p>
         </p:txBody>
       </p:sp>
     </p:spTree>
     <p:extLst>
       <p:ext uri="{BB962C8B-B14F-4D97-AF65-F5344CB8AC3E}">
-        <p14:creationId xmlns:p14="http://schemas.microsoft.com/office/powerpoint/2010/main" val="3163929320"/>
+        <p14:creationId xmlns:p14="http://schemas.microsoft.com/office/powerpoint/2010/main" val="702794060"/>
       </p:ext>
     </p:extLst>
   </p:cSld>
@@ -6600,537 +5163,10 @@
           <a:chExt cx="0" cy="0"/>
         </a:xfrm>
       </p:grpSpPr>
-      <p:pic>
-        <p:nvPicPr>
-          <p:cNvPr id="4" name="图片 3"/>
-          <p:cNvPicPr>
-            <a:picLocks noChangeAspect="1"/>
-          </p:cNvPicPr>
-          <p:nvPr/>
-        </p:nvPicPr>
-        <p:blipFill>
-          <a:blip r:embed="rId2">
-            <a:extLst>
-              <a:ext uri="{28A0092B-C50C-407E-A947-70E740481C1C}">
-                <a14:useLocalDpi xmlns:a14="http://schemas.microsoft.com/office/drawing/2010/main" val="0"/>
-              </a:ext>
-            </a:extLst>
-          </a:blip>
-          <a:stretch>
-            <a:fillRect/>
-          </a:stretch>
-        </p:blipFill>
-        <p:spPr>
-          <a:xfrm>
-            <a:off x="1043608" y="332656"/>
-            <a:ext cx="4824536" cy="3331012"/>
-          </a:xfrm>
-          <a:prstGeom prst="rect">
-            <a:avLst/>
-          </a:prstGeom>
-          <a:ln>
-            <a:noFill/>
-          </a:ln>
-          <a:effectLst>
-            <a:softEdge rad="112500"/>
-          </a:effectLst>
-        </p:spPr>
-      </p:pic>
-      <p:sp>
-        <p:nvSpPr>
-          <p:cNvPr id="5" name="矩形 4"/>
-          <p:cNvSpPr/>
-          <p:nvPr/>
-        </p:nvSpPr>
-        <p:spPr>
-          <a:xfrm>
-            <a:off x="1187624" y="476672"/>
-            <a:ext cx="4536504" cy="1728192"/>
-          </a:xfrm>
-          <a:prstGeom prst="rect">
-            <a:avLst/>
-          </a:prstGeom>
-          <a:solidFill>
-            <a:srgbClr val="D8D8DA">
-              <a:alpha val="85098"/>
-            </a:srgbClr>
-          </a:solidFill>
-          <a:ln w="28575">
-            <a:solidFill>
-              <a:schemeClr val="tx1">
-                <a:lumMod val="85000"/>
-                <a:lumOff val="15000"/>
-              </a:schemeClr>
-            </a:solidFill>
-            <a:prstDash val="dash"/>
-          </a:ln>
-        </p:spPr>
-        <p:style>
-          <a:lnRef idx="2">
-            <a:schemeClr val="accent1">
-              <a:shade val="50000"/>
-            </a:schemeClr>
-          </a:lnRef>
-          <a:fillRef idx="1">
-            <a:schemeClr val="accent1"/>
-          </a:fillRef>
-          <a:effectRef idx="0">
-            <a:schemeClr val="accent1"/>
-          </a:effectRef>
-          <a:fontRef idx="minor">
-            <a:schemeClr val="lt1"/>
-          </a:fontRef>
-        </p:style>
-        <p:txBody>
-          <a:bodyPr rtlCol="0" anchor="ctr"/>
-          <a:lstStyle/>
-          <a:p>
-            <a:pPr algn="ctr"/>
-            <a:endParaRPr lang="zh-CN" altLang="en-US"/>
-          </a:p>
-        </p:txBody>
-      </p:sp>
-      <p:sp>
-        <p:nvSpPr>
-          <p:cNvPr id="6" name="矩形 5"/>
-          <p:cNvSpPr/>
-          <p:nvPr/>
-        </p:nvSpPr>
-        <p:spPr>
-          <a:xfrm>
-            <a:off x="1187624" y="2204864"/>
-            <a:ext cx="4558726" cy="1368152"/>
-          </a:xfrm>
-          <a:prstGeom prst="rect">
-            <a:avLst/>
-          </a:prstGeom>
-          <a:solidFill>
-            <a:srgbClr val="E5897F">
-              <a:alpha val="49020"/>
-            </a:srgbClr>
-          </a:solidFill>
-          <a:ln w="38100">
-            <a:solidFill>
-              <a:srgbClr val="D13E21"/>
-            </a:solidFill>
-            <a:prstDash val="dash"/>
-          </a:ln>
-        </p:spPr>
-        <p:style>
-          <a:lnRef idx="2">
-            <a:schemeClr val="accent1">
-              <a:shade val="50000"/>
-            </a:schemeClr>
-          </a:lnRef>
-          <a:fillRef idx="1">
-            <a:schemeClr val="accent1"/>
-          </a:fillRef>
-          <a:effectRef idx="0">
-            <a:schemeClr val="accent1"/>
-          </a:effectRef>
-          <a:fontRef idx="minor">
-            <a:schemeClr val="lt1"/>
-          </a:fontRef>
-        </p:style>
-        <p:txBody>
-          <a:bodyPr rtlCol="0" anchor="ctr"/>
-          <a:lstStyle/>
-          <a:p>
-            <a:pPr algn="ctr"/>
-            <a:endParaRPr lang="zh-CN" altLang="en-US"/>
-          </a:p>
-        </p:txBody>
-      </p:sp>
-      <p:sp>
-        <p:nvSpPr>
-          <p:cNvPr id="7" name="圆角矩形标注 6"/>
-          <p:cNvSpPr/>
-          <p:nvPr/>
-        </p:nvSpPr>
-        <p:spPr>
-          <a:xfrm>
-            <a:off x="5926805" y="476672"/>
-            <a:ext cx="1496056" cy="459494"/>
-          </a:xfrm>
-          <a:prstGeom prst="wedgeRoundRectCallout">
-            <a:avLst>
-              <a:gd name="adj1" fmla="val -56394"/>
-              <a:gd name="adj2" fmla="val 17991"/>
-              <a:gd name="adj3" fmla="val 16667"/>
-            </a:avLst>
-          </a:prstGeom>
-        </p:spPr>
-        <p:style>
-          <a:lnRef idx="2">
-            <a:schemeClr val="accent5"/>
-          </a:lnRef>
-          <a:fillRef idx="1">
-            <a:schemeClr val="lt1"/>
-          </a:fillRef>
-          <a:effectRef idx="0">
-            <a:schemeClr val="accent5"/>
-          </a:effectRef>
-          <a:fontRef idx="minor">
-            <a:schemeClr val="dk1"/>
-          </a:fontRef>
-        </p:style>
-        <p:txBody>
-          <a:bodyPr rtlCol="0" anchor="ctr"/>
-          <a:lstStyle/>
-          <a:p>
-            <a:pPr algn="ctr"/>
-            <a:r>
-              <a:rPr lang="zh-CN" altLang="en-US" sz="2000" dirty="0" smtClean="0">
-                <a:solidFill>
-                  <a:schemeClr val="tx1">
-                    <a:lumMod val="75000"/>
-                    <a:lumOff val="25000"/>
-                  </a:schemeClr>
-                </a:solidFill>
-                <a:latin typeface="微软雅黑" pitchFamily="34" charset="-122"/>
-                <a:ea typeface="微软雅黑" pitchFamily="34" charset="-122"/>
-              </a:rPr>
-              <a:t>保持静态</a:t>
-            </a:r>
-            <a:endParaRPr lang="zh-CN" altLang="en-US" sz="2000" dirty="0">
-              <a:solidFill>
-                <a:schemeClr val="tx1">
-                  <a:lumMod val="75000"/>
-                  <a:lumOff val="25000"/>
-                </a:schemeClr>
-              </a:solidFill>
-              <a:latin typeface="微软雅黑" pitchFamily="34" charset="-122"/>
-              <a:ea typeface="微软雅黑" pitchFamily="34" charset="-122"/>
-            </a:endParaRPr>
-          </a:p>
-        </p:txBody>
-      </p:sp>
-      <p:sp>
-        <p:nvSpPr>
-          <p:cNvPr id="8" name="圆角矩形标注 7"/>
-          <p:cNvSpPr/>
-          <p:nvPr/>
-        </p:nvSpPr>
-        <p:spPr>
-          <a:xfrm>
-            <a:off x="5914534" y="2429446"/>
-            <a:ext cx="1897826" cy="459494"/>
-          </a:xfrm>
-          <a:prstGeom prst="wedgeRoundRectCallout">
-            <a:avLst>
-              <a:gd name="adj1" fmla="val -56394"/>
-              <a:gd name="adj2" fmla="val 17991"/>
-              <a:gd name="adj3" fmla="val 16667"/>
-            </a:avLst>
-          </a:prstGeom>
-        </p:spPr>
-        <p:style>
-          <a:lnRef idx="2">
-            <a:schemeClr val="accent5"/>
-          </a:lnRef>
-          <a:fillRef idx="1">
-            <a:schemeClr val="lt1"/>
-          </a:fillRef>
-          <a:effectRef idx="0">
-            <a:schemeClr val="accent5"/>
-          </a:effectRef>
-          <a:fontRef idx="minor">
-            <a:schemeClr val="dk1"/>
-          </a:fontRef>
-        </p:style>
-        <p:txBody>
-          <a:bodyPr rtlCol="0" anchor="ctr"/>
-          <a:lstStyle/>
-          <a:p>
-            <a:pPr algn="ctr"/>
-            <a:r>
-              <a:rPr lang="zh-CN" altLang="en-US" sz="2000" dirty="0" smtClean="0">
-                <a:solidFill>
-                  <a:schemeClr val="tx1">
-                    <a:lumMod val="75000"/>
-                    <a:lumOff val="25000"/>
-                  </a:schemeClr>
-                </a:solidFill>
-                <a:latin typeface="微软雅黑" pitchFamily="34" charset="-122"/>
-                <a:ea typeface="微软雅黑" pitchFamily="34" charset="-122"/>
-              </a:rPr>
-              <a:t>制作动态水波</a:t>
-            </a:r>
-            <a:endParaRPr lang="zh-CN" altLang="en-US" sz="2000" dirty="0">
-              <a:solidFill>
-                <a:schemeClr val="tx1">
-                  <a:lumMod val="75000"/>
-                  <a:lumOff val="25000"/>
-                </a:schemeClr>
-              </a:solidFill>
-              <a:latin typeface="微软雅黑" pitchFamily="34" charset="-122"/>
-              <a:ea typeface="微软雅黑" pitchFamily="34" charset="-122"/>
-            </a:endParaRPr>
-          </a:p>
-        </p:txBody>
-      </p:sp>
-      <p:sp>
-        <p:nvSpPr>
-          <p:cNvPr id="9" name="圆角矩形标注 8"/>
-          <p:cNvSpPr/>
-          <p:nvPr/>
-        </p:nvSpPr>
-        <p:spPr>
-          <a:xfrm>
-            <a:off x="5926804" y="1340768"/>
-            <a:ext cx="1885555" cy="459494"/>
-          </a:xfrm>
-          <a:prstGeom prst="wedgeRoundRectCallout">
-            <a:avLst>
-              <a:gd name="adj1" fmla="val -56394"/>
-              <a:gd name="adj2" fmla="val 17991"/>
-              <a:gd name="adj3" fmla="val 16667"/>
-            </a:avLst>
-          </a:prstGeom>
-        </p:spPr>
-        <p:style>
-          <a:lnRef idx="2">
-            <a:schemeClr val="accent5"/>
-          </a:lnRef>
-          <a:fillRef idx="1">
-            <a:schemeClr val="lt1"/>
-          </a:fillRef>
-          <a:effectRef idx="0">
-            <a:schemeClr val="accent5"/>
-          </a:effectRef>
-          <a:fontRef idx="minor">
-            <a:schemeClr val="dk1"/>
-          </a:fontRef>
-        </p:style>
-        <p:txBody>
-          <a:bodyPr rtlCol="0" anchor="ctr"/>
-          <a:lstStyle/>
-          <a:p>
-            <a:pPr algn="ctr"/>
-            <a:r>
-              <a:rPr lang="en-US" altLang="zh-CN" sz="2000" dirty="0">
-                <a:solidFill>
-                  <a:schemeClr val="tx1">
-                    <a:lumMod val="75000"/>
-                    <a:lumOff val="25000"/>
-                  </a:schemeClr>
-                </a:solidFill>
-                <a:latin typeface="微软雅黑" pitchFamily="34" charset="-122"/>
-                <a:ea typeface="微软雅黑" pitchFamily="34" charset="-122"/>
-              </a:rPr>
-              <a:t>d</a:t>
-            </a:r>
-            <a:r>
-              <a:rPr lang="en-US" altLang="zh-CN" sz="2000" dirty="0" smtClean="0">
-                <a:solidFill>
-                  <a:schemeClr val="tx1">
-                    <a:lumMod val="75000"/>
-                    <a:lumOff val="25000"/>
-                  </a:schemeClr>
-                </a:solidFill>
-                <a:latin typeface="微软雅黑" pitchFamily="34" charset="-122"/>
-                <a:ea typeface="微软雅黑" pitchFamily="34" charset="-122"/>
-              </a:rPr>
-              <a:t>iv </a:t>
-            </a:r>
-            <a:r>
-              <a:rPr lang="en-US" altLang="zh-CN" sz="2000" dirty="0" err="1" smtClean="0">
-                <a:solidFill>
-                  <a:schemeClr val="tx1">
-                    <a:lumMod val="75000"/>
-                    <a:lumOff val="25000"/>
-                  </a:schemeClr>
-                </a:solidFill>
-                <a:latin typeface="微软雅黑" pitchFamily="34" charset="-122"/>
-                <a:ea typeface="微软雅黑" pitchFamily="34" charset="-122"/>
-              </a:rPr>
-              <a:t>img</a:t>
-            </a:r>
-            <a:endParaRPr lang="zh-CN" altLang="en-US" sz="2000" dirty="0">
-              <a:solidFill>
-                <a:schemeClr val="tx1">
-                  <a:lumMod val="75000"/>
-                  <a:lumOff val="25000"/>
-                </a:schemeClr>
-              </a:solidFill>
-              <a:latin typeface="微软雅黑" pitchFamily="34" charset="-122"/>
-              <a:ea typeface="微软雅黑" pitchFamily="34" charset="-122"/>
-            </a:endParaRPr>
-          </a:p>
-        </p:txBody>
-      </p:sp>
-      <p:sp>
-        <p:nvSpPr>
-          <p:cNvPr id="10" name="圆角矩形标注 9"/>
-          <p:cNvSpPr/>
-          <p:nvPr/>
-        </p:nvSpPr>
-        <p:spPr>
-          <a:xfrm>
-            <a:off x="5953314" y="3113522"/>
-            <a:ext cx="1885555" cy="459494"/>
-          </a:xfrm>
-          <a:prstGeom prst="wedgeRoundRectCallout">
-            <a:avLst>
-              <a:gd name="adj1" fmla="val -56394"/>
-              <a:gd name="adj2" fmla="val 17991"/>
-              <a:gd name="adj3" fmla="val 16667"/>
-            </a:avLst>
-          </a:prstGeom>
-        </p:spPr>
-        <p:style>
-          <a:lnRef idx="2">
-            <a:schemeClr val="accent5"/>
-          </a:lnRef>
-          <a:fillRef idx="1">
-            <a:schemeClr val="lt1"/>
-          </a:fillRef>
-          <a:effectRef idx="0">
-            <a:schemeClr val="accent5"/>
-          </a:effectRef>
-          <a:fontRef idx="minor">
-            <a:schemeClr val="dk1"/>
-          </a:fontRef>
-        </p:style>
-        <p:txBody>
-          <a:bodyPr rtlCol="0" anchor="ctr"/>
-          <a:lstStyle/>
-          <a:p>
-            <a:pPr algn="ctr"/>
-            <a:r>
-              <a:rPr lang="en-US" altLang="zh-CN" sz="2000" dirty="0" smtClean="0">
-                <a:solidFill>
-                  <a:schemeClr val="tx1">
-                    <a:lumMod val="75000"/>
-                    <a:lumOff val="25000"/>
-                  </a:schemeClr>
-                </a:solidFill>
-                <a:latin typeface="微软雅黑" pitchFamily="34" charset="-122"/>
-                <a:ea typeface="微软雅黑" pitchFamily="34" charset="-122"/>
-              </a:rPr>
-              <a:t>div::before</a:t>
-            </a:r>
-            <a:endParaRPr lang="zh-CN" altLang="en-US" sz="2000" dirty="0">
-              <a:solidFill>
-                <a:schemeClr val="tx1">
-                  <a:lumMod val="75000"/>
-                  <a:lumOff val="25000"/>
-                </a:schemeClr>
-              </a:solidFill>
-              <a:latin typeface="微软雅黑" pitchFamily="34" charset="-122"/>
-              <a:ea typeface="微软雅黑" pitchFamily="34" charset="-122"/>
-            </a:endParaRPr>
-          </a:p>
-        </p:txBody>
-      </p:sp>
-      <p:pic>
-        <p:nvPicPr>
-          <p:cNvPr id="11" name="图片 10" descr="屏幕剪辑"/>
-          <p:cNvPicPr>
-            <a:picLocks noChangeAspect="1"/>
-          </p:cNvPicPr>
-          <p:nvPr/>
-        </p:nvPicPr>
-        <p:blipFill>
-          <a:blip r:embed="rId3">
-            <a:extLst>
-              <a:ext uri="{28A0092B-C50C-407E-A947-70E740481C1C}">
-                <a14:useLocalDpi xmlns:a14="http://schemas.microsoft.com/office/drawing/2010/main" val="0"/>
-              </a:ext>
-            </a:extLst>
-          </a:blip>
-          <a:stretch>
-            <a:fillRect/>
-          </a:stretch>
-        </p:blipFill>
-        <p:spPr>
-          <a:xfrm>
-            <a:off x="1195162" y="3915417"/>
-            <a:ext cx="6354062" cy="1047896"/>
-          </a:xfrm>
-          <a:prstGeom prst="rect">
-            <a:avLst/>
-          </a:prstGeom>
-          <a:ln>
-            <a:noFill/>
-          </a:ln>
-          <a:effectLst>
-            <a:outerShdw blurRad="292100" dist="139700" dir="2700000" algn="tl" rotWithShape="0">
-              <a:srgbClr val="333333">
-                <a:alpha val="65000"/>
-              </a:srgbClr>
-            </a:outerShdw>
-          </a:effectLst>
-        </p:spPr>
-      </p:pic>
-      <p:sp>
-        <p:nvSpPr>
-          <p:cNvPr id="12" name="圆角矩形标注 11"/>
-          <p:cNvSpPr/>
-          <p:nvPr/>
-        </p:nvSpPr>
-        <p:spPr>
-          <a:xfrm>
-            <a:off x="1979712" y="5068348"/>
-            <a:ext cx="1740028" cy="459494"/>
-          </a:xfrm>
-          <a:prstGeom prst="wedgeRoundRectCallout">
-            <a:avLst>
-              <a:gd name="adj1" fmla="val -23553"/>
-              <a:gd name="adj2" fmla="val -109726"/>
-              <a:gd name="adj3" fmla="val 16667"/>
-            </a:avLst>
-          </a:prstGeom>
-        </p:spPr>
-        <p:style>
-          <a:lnRef idx="2">
-            <a:schemeClr val="accent5"/>
-          </a:lnRef>
-          <a:fillRef idx="1">
-            <a:schemeClr val="lt1"/>
-          </a:fillRef>
-          <a:effectRef idx="0">
-            <a:schemeClr val="accent5"/>
-          </a:effectRef>
-          <a:fontRef idx="minor">
-            <a:schemeClr val="dk1"/>
-          </a:fontRef>
-        </p:style>
-        <p:txBody>
-          <a:bodyPr rtlCol="0" anchor="ctr"/>
-          <a:lstStyle/>
-          <a:p>
-            <a:pPr algn="ctr"/>
-            <a:r>
-              <a:rPr lang="zh-CN" altLang="en-US" sz="2000" dirty="0" smtClean="0">
-                <a:solidFill>
-                  <a:schemeClr val="tx1">
-                    <a:lumMod val="75000"/>
-                    <a:lumOff val="25000"/>
-                  </a:schemeClr>
-                </a:solidFill>
-                <a:latin typeface="微软雅黑" pitchFamily="34" charset="-122"/>
-                <a:ea typeface="微软雅黑" pitchFamily="34" charset="-122"/>
-              </a:rPr>
-              <a:t>静态图</a:t>
-            </a:r>
-            <a:endParaRPr lang="zh-CN" altLang="en-US" sz="2000" dirty="0">
-              <a:solidFill>
-                <a:schemeClr val="tx1">
-                  <a:lumMod val="75000"/>
-                  <a:lumOff val="25000"/>
-                </a:schemeClr>
-              </a:solidFill>
-              <a:latin typeface="微软雅黑" pitchFamily="34" charset="-122"/>
-              <a:ea typeface="微软雅黑" pitchFamily="34" charset="-122"/>
-            </a:endParaRPr>
-          </a:p>
-        </p:txBody>
-      </p:sp>
     </p:spTree>
     <p:extLst>
       <p:ext uri="{BB962C8B-B14F-4D97-AF65-F5344CB8AC3E}">
-        <p14:creationId xmlns:p14="http://schemas.microsoft.com/office/powerpoint/2010/main" val="3021197030"/>
+        <p14:creationId xmlns:p14="http://schemas.microsoft.com/office/powerpoint/2010/main" val="3391918403"/>
       </p:ext>
     </p:extLst>
   </p:cSld>
@@ -7157,45 +5193,6 @@
           <a:chExt cx="0" cy="0"/>
         </a:xfrm>
       </p:grpSpPr>
-      <p:pic>
-        <p:nvPicPr>
-          <p:cNvPr id="2" name="图片 1" descr="屏幕剪辑"/>
-          <p:cNvPicPr>
-            <a:picLocks noChangeAspect="1"/>
-          </p:cNvPicPr>
-          <p:nvPr/>
-        </p:nvPicPr>
-        <p:blipFill rotWithShape="1">
-          <a:blip r:embed="rId2">
-            <a:extLst>
-              <a:ext uri="{28A0092B-C50C-407E-A947-70E740481C1C}">
-                <a14:useLocalDpi xmlns:a14="http://schemas.microsoft.com/office/drawing/2010/main" val="0"/>
-              </a:ext>
-            </a:extLst>
-          </a:blip>
-          <a:srcRect b="15914"/>
-          <a:stretch/>
-        </p:blipFill>
-        <p:spPr>
-          <a:xfrm>
-            <a:off x="827584" y="398591"/>
-            <a:ext cx="6954220" cy="3804919"/>
-          </a:xfrm>
-          <a:prstGeom prst="rect">
-            <a:avLst/>
-          </a:prstGeom>
-          <a:ln>
-            <a:noFill/>
-          </a:ln>
-          <a:effectLst>
-            <a:outerShdw blurRad="292100" dist="139700" dir="2700000" algn="tl" rotWithShape="0">
-              <a:srgbClr val="333333">
-                <a:alpha val="65000"/>
-              </a:srgbClr>
-            </a:outerShdw>
-          </a:effectLst>
-        </p:spPr>
-      </p:pic>
       <p:sp>
         <p:nvSpPr>
           <p:cNvPr id="3" name="圆角矩形标注 2"/>
@@ -7500,8 +5497,8 @@
         </p:nvSpPr>
         <p:spPr>
           <a:xfrm>
-            <a:off x="684000" y="260648"/>
-            <a:ext cx="7776000" cy="523220"/>
+            <a:off x="467544" y="476672"/>
+            <a:ext cx="7776864" cy="523220"/>
           </a:xfrm>
           <a:prstGeom prst="rect">
             <a:avLst/>
@@ -7515,6 +5512,19 @@
           <a:lstStyle/>
           <a:p>
             <a:r>
+              <a:rPr lang="en-US" altLang="zh-CN" sz="2800" b="1" dirty="0">
+                <a:solidFill>
+                  <a:schemeClr val="tx1">
+                    <a:lumMod val="75000"/>
+                    <a:lumOff val="25000"/>
+                  </a:schemeClr>
+                </a:solidFill>
+                <a:latin typeface="微软雅黑" pitchFamily="34" charset="-122"/>
+                <a:ea typeface="微软雅黑" pitchFamily="34" charset="-122"/>
+              </a:rPr>
+              <a:t>6</a:t>
+            </a:r>
+            <a:r>
               <a:rPr lang="en-US" altLang="zh-CN" sz="2800" b="1" dirty="0" smtClean="0">
                 <a:solidFill>
                   <a:schemeClr val="tx1">
@@ -7525,7 +5535,7 @@
                 <a:latin typeface="微软雅黑" pitchFamily="34" charset="-122"/>
                 <a:ea typeface="微软雅黑" pitchFamily="34" charset="-122"/>
               </a:rPr>
-              <a:t>4.</a:t>
+              <a:t>.</a:t>
             </a:r>
             <a:r>
               <a:rPr lang="zh-CN" altLang="en-US" sz="2800" b="1" dirty="0" smtClean="0">
@@ -7538,7 +5548,7 @@
                 <a:latin typeface="微软雅黑" pitchFamily="34" charset="-122"/>
                 <a:ea typeface="微软雅黑" pitchFamily="34" charset="-122"/>
               </a:rPr>
-              <a:t>制作水波滤镜</a:t>
+              <a:t>更多思考</a:t>
             </a:r>
             <a:endParaRPr lang="zh-CN" altLang="en-US" sz="2800" b="1" dirty="0">
               <a:solidFill>
@@ -7555,14 +5565,14 @@
       </p:sp>
       <p:sp>
         <p:nvSpPr>
-          <p:cNvPr id="5" name="TextBox 4"/>
+          <p:cNvPr id="9" name="TextBox 8"/>
           <p:cNvSpPr txBox="1"/>
           <p:nvPr/>
         </p:nvSpPr>
         <p:spPr>
           <a:xfrm>
-            <a:off x="684000" y="836712"/>
-            <a:ext cx="7776000" cy="1754326"/>
+            <a:off x="611560" y="2996952"/>
+            <a:ext cx="7776864" cy="1384995"/>
           </a:xfrm>
           <a:prstGeom prst="rect">
             <a:avLst/>
@@ -7575,10 +5585,123 @@
           </a:bodyPr>
           <a:lstStyle/>
           <a:p>
-            <a:pPr>
+            <a:r>
+              <a:rPr lang="en-US" altLang="zh-CN" sz="2800" b="1" dirty="0" smtClean="0">
+                <a:solidFill>
+                  <a:schemeClr val="tx1">
+                    <a:lumMod val="75000"/>
+                    <a:lumOff val="25000"/>
+                  </a:schemeClr>
+                </a:solidFill>
+                <a:latin typeface="微软雅黑" pitchFamily="34" charset="-122"/>
+                <a:ea typeface="微软雅黑" pitchFamily="34" charset="-122"/>
+              </a:rPr>
+              <a:t>	</a:t>
+            </a:r>
+            <a:r>
+              <a:rPr lang="zh-CN" altLang="en-US" sz="2800" b="1" dirty="0" smtClean="0">
+                <a:solidFill>
+                  <a:schemeClr val="tx1">
+                    <a:lumMod val="75000"/>
+                    <a:lumOff val="25000"/>
+                  </a:schemeClr>
+                </a:solidFill>
+                <a:latin typeface="微软雅黑" pitchFamily="34" charset="-122"/>
+                <a:ea typeface="微软雅黑" pitchFamily="34" charset="-122"/>
+              </a:rPr>
+              <a:t>本期内容就讲到这里，谢谢大家！</a:t>
+            </a:r>
+            <a:endParaRPr lang="en-US" altLang="zh-CN" sz="2800" b="1" dirty="0" smtClean="0">
+              <a:solidFill>
+                <a:schemeClr val="tx1">
+                  <a:lumMod val="75000"/>
+                  <a:lumOff val="25000"/>
+                </a:schemeClr>
+              </a:solidFill>
+              <a:latin typeface="微软雅黑" pitchFamily="34" charset="-122"/>
+              <a:ea typeface="微软雅黑" pitchFamily="34" charset="-122"/>
+            </a:endParaRPr>
+          </a:p>
+          <a:p>
+            <a:endParaRPr lang="en-US" altLang="zh-CN" sz="2800" b="1" dirty="0" smtClean="0">
+              <a:solidFill>
+                <a:schemeClr val="tx1">
+                  <a:lumMod val="75000"/>
+                  <a:lumOff val="25000"/>
+                </a:schemeClr>
+              </a:solidFill>
+              <a:latin typeface="微软雅黑" pitchFamily="34" charset="-122"/>
+              <a:ea typeface="微软雅黑" pitchFamily="34" charset="-122"/>
+            </a:endParaRPr>
+          </a:p>
+          <a:p>
+            <a:r>
+              <a:rPr lang="en-US" altLang="zh-CN" sz="2800" b="1" dirty="0">
+                <a:solidFill>
+                  <a:schemeClr val="tx1">
+                    <a:lumMod val="75000"/>
+                    <a:lumOff val="25000"/>
+                  </a:schemeClr>
+                </a:solidFill>
+                <a:latin typeface="微软雅黑" pitchFamily="34" charset="-122"/>
+                <a:ea typeface="微软雅黑" pitchFamily="34" charset="-122"/>
+              </a:rPr>
+              <a:t>	</a:t>
+            </a:r>
+            <a:r>
+              <a:rPr lang="en-US" altLang="zh-CN" sz="2800" b="1" dirty="0" smtClean="0">
+                <a:solidFill>
+                  <a:schemeClr val="tx1">
+                    <a:lumMod val="75000"/>
+                    <a:lumOff val="25000"/>
+                  </a:schemeClr>
+                </a:solidFill>
+                <a:latin typeface="微软雅黑" pitchFamily="34" charset="-122"/>
+                <a:ea typeface="微软雅黑" pitchFamily="34" charset="-122"/>
+              </a:rPr>
+              <a:t>	</a:t>
+            </a:r>
+            <a:endParaRPr lang="zh-CN" altLang="en-US" sz="2800" b="1" dirty="0">
+              <a:solidFill>
+                <a:schemeClr val="tx1">
+                  <a:lumMod val="75000"/>
+                  <a:lumOff val="25000"/>
+                </a:schemeClr>
+              </a:solidFill>
+              <a:latin typeface="微软雅黑" pitchFamily="34" charset="-122"/>
+              <a:ea typeface="微软雅黑" pitchFamily="34" charset="-122"/>
+            </a:endParaRPr>
+          </a:p>
+        </p:txBody>
+      </p:sp>
+      <p:sp>
+        <p:nvSpPr>
+          <p:cNvPr id="5" name="TextBox 4"/>
+          <p:cNvSpPr txBox="1"/>
+          <p:nvPr/>
+        </p:nvSpPr>
+        <p:spPr>
+          <a:xfrm>
+            <a:off x="467544" y="1268760"/>
+            <a:ext cx="7632848" cy="1200329"/>
+          </a:xfrm>
+          <a:prstGeom prst="rect">
+            <a:avLst/>
+          </a:prstGeom>
+          <a:noFill/>
+        </p:spPr>
+        <p:txBody>
+          <a:bodyPr wrap="square" rtlCol="0">
+            <a:spAutoFit/>
+          </a:bodyPr>
+          <a:lstStyle/>
+          <a:p>
+            <a:pPr marL="342900" indent="-342900">
               <a:lnSpc>
                 <a:spcPct val="150000"/>
               </a:lnSpc>
+              <a:buFont typeface="Arial" pitchFamily="34" charset="0"/>
+              <a:buChar char="•"/>
             </a:pPr>
             <a:r>
               <a:rPr lang="zh-CN" altLang="en-US" sz="2400" dirty="0" smtClean="0">
@@ -7591,53 +5714,7 @@
                 <a:latin typeface="微软雅黑" pitchFamily="34" charset="-122"/>
                 <a:ea typeface="微软雅黑" pitchFamily="34" charset="-122"/>
               </a:rPr>
-              <a:t>我们还是使用</a:t>
-            </a:r>
-            <a:r>
-              <a:rPr lang="en-US" altLang="zh-CN" sz="2400" dirty="0" err="1" smtClean="0">
-                <a:solidFill>
-                  <a:srgbClr val="C00000"/>
-                </a:solidFill>
-                <a:latin typeface="微软雅黑" pitchFamily="34" charset="-122"/>
-                <a:ea typeface="微软雅黑" pitchFamily="34" charset="-122"/>
-              </a:rPr>
-              <a:t>feTurbulence</a:t>
-            </a:r>
-            <a:r>
-              <a:rPr lang="zh-CN" altLang="en-US" sz="2400" dirty="0" smtClean="0">
-                <a:solidFill>
-                  <a:schemeClr val="tx1">
-                    <a:lumMod val="75000"/>
-                    <a:lumOff val="25000"/>
-                  </a:schemeClr>
-                </a:solidFill>
-                <a:latin typeface="微软雅黑" pitchFamily="34" charset="-122"/>
-                <a:ea typeface="微软雅黑" pitchFamily="34" charset="-122"/>
-              </a:rPr>
-              <a:t>和</a:t>
-            </a:r>
-            <a:r>
-              <a:rPr lang="en-US" altLang="zh-CN" sz="2400" dirty="0" err="1" smtClean="0">
-                <a:solidFill>
-                  <a:srgbClr val="C00000"/>
-                </a:solidFill>
-                <a:latin typeface="微软雅黑" pitchFamily="34" charset="-122"/>
-                <a:ea typeface="微软雅黑" pitchFamily="34" charset="-122"/>
-              </a:rPr>
-              <a:t>feDisplacementMap</a:t>
-            </a:r>
-            <a:r>
-              <a:rPr lang="zh-CN" altLang="en-US" sz="2400" dirty="0" smtClean="0">
-                <a:solidFill>
-                  <a:schemeClr val="tx1">
-                    <a:lumMod val="75000"/>
-                    <a:lumOff val="25000"/>
-                  </a:schemeClr>
-                </a:solidFill>
-                <a:latin typeface="微软雅黑" pitchFamily="34" charset="-122"/>
-                <a:ea typeface="微软雅黑" pitchFamily="34" charset="-122"/>
-              </a:rPr>
-              <a:t>的黄金组合，前者生成柏林噪声图，后者根据噪声图移动图像像素。</a:t>
+              <a:t>使用这种方式，能否让静态图片的其他元素有动起来呢？</a:t>
             </a:r>
             <a:endParaRPr lang="en-US" altLang="zh-CN" sz="2400" dirty="0" smtClean="0">
               <a:solidFill>
@@ -7652,780 +5729,10 @@
           </a:p>
         </p:txBody>
       </p:sp>
-      <p:pic>
-        <p:nvPicPr>
-          <p:cNvPr id="2" name="图片 1" descr="屏幕剪辑"/>
-          <p:cNvPicPr>
-            <a:picLocks noChangeAspect="1"/>
-          </p:cNvPicPr>
-          <p:nvPr/>
-        </p:nvPicPr>
-        <p:blipFill>
-          <a:blip r:embed="rId2">
-            <a:extLst>
-              <a:ext uri="{28A0092B-C50C-407E-A947-70E740481C1C}">
-                <a14:useLocalDpi xmlns:a14="http://schemas.microsoft.com/office/drawing/2010/main" val="0"/>
-              </a:ext>
-            </a:extLst>
-          </a:blip>
-          <a:stretch>
-            <a:fillRect/>
-          </a:stretch>
-        </p:blipFill>
-        <p:spPr>
-          <a:xfrm>
-            <a:off x="1403648" y="2609527"/>
-            <a:ext cx="5887272" cy="3791479"/>
-          </a:xfrm>
-          <a:prstGeom prst="rect">
-            <a:avLst/>
-          </a:prstGeom>
-          <a:ln>
-            <a:noFill/>
-          </a:ln>
-          <a:effectLst>
-            <a:outerShdw blurRad="292100" dist="139700" dir="2700000" algn="tl" rotWithShape="0">
-              <a:srgbClr val="333333">
-                <a:alpha val="65000"/>
-              </a:srgbClr>
-            </a:outerShdw>
-          </a:effectLst>
-        </p:spPr>
-      </p:pic>
-      <p:sp>
-        <p:nvSpPr>
-          <p:cNvPr id="6" name="矩形 5"/>
-          <p:cNvSpPr/>
-          <p:nvPr/>
-        </p:nvSpPr>
-        <p:spPr>
-          <a:xfrm>
-            <a:off x="3923928" y="3645024"/>
-            <a:ext cx="1368152" cy="317453"/>
-          </a:xfrm>
-          <a:prstGeom prst="rect">
-            <a:avLst/>
-          </a:prstGeom>
-          <a:noFill/>
-          <a:ln w="28575">
-            <a:solidFill>
-              <a:srgbClr val="FFFF00"/>
-            </a:solidFill>
-          </a:ln>
-        </p:spPr>
-        <p:style>
-          <a:lnRef idx="2">
-            <a:schemeClr val="accent1">
-              <a:shade val="50000"/>
-            </a:schemeClr>
-          </a:lnRef>
-          <a:fillRef idx="1">
-            <a:schemeClr val="accent1"/>
-          </a:fillRef>
-          <a:effectRef idx="0">
-            <a:schemeClr val="accent1"/>
-          </a:effectRef>
-          <a:fontRef idx="minor">
-            <a:schemeClr val="lt1"/>
-          </a:fontRef>
-        </p:style>
-        <p:txBody>
-          <a:bodyPr rtlCol="0" anchor="ctr"/>
-          <a:lstStyle/>
-          <a:p>
-            <a:pPr algn="ctr"/>
-            <a:endParaRPr lang="zh-CN" altLang="en-US"/>
-          </a:p>
-        </p:txBody>
-      </p:sp>
     </p:spTree>
     <p:extLst>
       <p:ext uri="{BB962C8B-B14F-4D97-AF65-F5344CB8AC3E}">
-        <p14:creationId xmlns:p14="http://schemas.microsoft.com/office/powerpoint/2010/main" val="1772231393"/>
-      </p:ext>
-    </p:extLst>
-  </p:cSld>
-  <p:clrMapOvr>
-    <a:masterClrMapping/>
-  </p:clrMapOvr>
-  <p:timing>
-    <p:tnLst>
-      <p:par>
-        <p:cTn id="1" dur="indefinite" restart="never" nodeType="tmRoot"/>
-      </p:par>
-    </p:tnLst>
-  </p:timing>
-</p:sld>
-</file>
-
-<file path=ppt/slides/slide8.xml><?xml version="1.0" encoding="utf-8"?>
-<p:sld xmlns:a="http://schemas.openxmlformats.org/drawingml/2006/main" xmlns:r="http://schemas.openxmlformats.org/officeDocument/2006/relationships" xmlns:p="http://schemas.openxmlformats.org/presentationml/2006/main">
-  <p:cSld>
-    <p:spTree>
-      <p:nvGrpSpPr>
-        <p:cNvPr id="1" name=""/>
-        <p:cNvGrpSpPr/>
-        <p:nvPr/>
-      </p:nvGrpSpPr>
-      <p:grpSpPr>
-        <a:xfrm>
-          <a:off x="0" y="0"/>
-          <a:ext cx="0" cy="0"/>
-          <a:chOff x="0" y="0"/>
-          <a:chExt cx="0" cy="0"/>
-        </a:xfrm>
-      </p:grpSpPr>
-      <p:sp>
-        <p:nvSpPr>
-          <p:cNvPr id="2" name="TextBox 1"/>
-          <p:cNvSpPr txBox="1"/>
-          <p:nvPr/>
-        </p:nvSpPr>
-        <p:spPr>
-          <a:xfrm>
-            <a:off x="697523" y="2172920"/>
-            <a:ext cx="7776000" cy="3416320"/>
-          </a:xfrm>
-          <a:prstGeom prst="rect">
-            <a:avLst/>
-          </a:prstGeom>
-          <a:noFill/>
-        </p:spPr>
-        <p:txBody>
-          <a:bodyPr wrap="square" rtlCol="0">
-            <a:spAutoFit/>
-          </a:bodyPr>
-          <a:lstStyle/>
-          <a:p>
-            <a:pPr>
-              <a:lnSpc>
-                <a:spcPct val="150000"/>
-              </a:lnSpc>
-            </a:pPr>
-            <a:r>
-              <a:rPr lang="zh-CN" altLang="en-US" sz="2400" dirty="0" smtClean="0">
-                <a:solidFill>
-                  <a:schemeClr val="tx1">
-                    <a:lumMod val="75000"/>
-                    <a:lumOff val="25000"/>
-                  </a:schemeClr>
-                </a:solidFill>
-                <a:latin typeface="微软雅黑" pitchFamily="34" charset="-122"/>
-                <a:ea typeface="微软雅黑" pitchFamily="34" charset="-122"/>
-              </a:rPr>
-              <a:t>这里我们需要仔细调整</a:t>
-            </a:r>
-            <a:r>
-              <a:rPr lang="en-US" altLang="zh-CN" sz="2400" b="1" dirty="0" err="1" smtClean="0">
-                <a:solidFill>
-                  <a:schemeClr val="tx1">
-                    <a:lumMod val="75000"/>
-                    <a:lumOff val="25000"/>
-                  </a:schemeClr>
-                </a:solidFill>
-                <a:latin typeface="微软雅黑" pitchFamily="34" charset="-122"/>
-                <a:ea typeface="微软雅黑" pitchFamily="34" charset="-122"/>
-              </a:rPr>
-              <a:t>baseFrequency,numOctaves</a:t>
-            </a:r>
-            <a:r>
-              <a:rPr lang="zh-CN" altLang="en-US" sz="2400" dirty="0" smtClean="0">
-                <a:solidFill>
-                  <a:schemeClr val="tx1">
-                    <a:lumMod val="75000"/>
-                    <a:lumOff val="25000"/>
-                  </a:schemeClr>
-                </a:solidFill>
-                <a:latin typeface="微软雅黑" pitchFamily="34" charset="-122"/>
-                <a:ea typeface="微软雅黑" pitchFamily="34" charset="-122"/>
-              </a:rPr>
-              <a:t>，还有</a:t>
-            </a:r>
-            <a:r>
-              <a:rPr lang="en-US" altLang="zh-CN" sz="2400" b="1" dirty="0" smtClean="0">
-                <a:solidFill>
-                  <a:schemeClr val="tx1">
-                    <a:lumMod val="75000"/>
-                    <a:lumOff val="25000"/>
-                  </a:schemeClr>
-                </a:solidFill>
-                <a:latin typeface="微软雅黑" pitchFamily="34" charset="-122"/>
-                <a:ea typeface="微软雅黑" pitchFamily="34" charset="-122"/>
-              </a:rPr>
-              <a:t>scale</a:t>
-            </a:r>
-            <a:r>
-              <a:rPr lang="zh-CN" altLang="en-US" sz="2400" dirty="0" smtClean="0">
-                <a:solidFill>
-                  <a:schemeClr val="tx1">
-                    <a:lumMod val="75000"/>
-                    <a:lumOff val="25000"/>
-                  </a:schemeClr>
-                </a:solidFill>
-                <a:latin typeface="微软雅黑" pitchFamily="34" charset="-122"/>
-                <a:ea typeface="微软雅黑" pitchFamily="34" charset="-122"/>
-              </a:rPr>
-              <a:t>的数值，让噪声的频率，粒度，和位移程度</a:t>
-            </a:r>
-            <a:r>
-              <a:rPr lang="zh-CN" altLang="en-US" sz="2400" b="1" dirty="0" smtClean="0">
-                <a:solidFill>
-                  <a:schemeClr val="tx1">
-                    <a:lumMod val="75000"/>
-                    <a:lumOff val="25000"/>
-                  </a:schemeClr>
-                </a:solidFill>
-                <a:latin typeface="微软雅黑" pitchFamily="34" charset="-122"/>
-                <a:ea typeface="微软雅黑" pitchFamily="34" charset="-122"/>
-              </a:rPr>
-              <a:t>最大程度地接近</a:t>
-            </a:r>
-            <a:r>
-              <a:rPr lang="zh-CN" altLang="en-US" sz="2400" dirty="0" smtClean="0">
-                <a:solidFill>
-                  <a:schemeClr val="tx1">
-                    <a:lumMod val="75000"/>
-                    <a:lumOff val="25000"/>
-                  </a:schemeClr>
-                </a:solidFill>
-                <a:latin typeface="微软雅黑" pitchFamily="34" charset="-122"/>
-                <a:ea typeface="微软雅黑" pitchFamily="34" charset="-122"/>
-              </a:rPr>
-              <a:t>图片中水面的波浪，否则生成的动态波浪会有生硬感。</a:t>
-            </a:r>
-            <a:endParaRPr lang="en-US" altLang="zh-CN" sz="2400" dirty="0">
-              <a:solidFill>
-                <a:schemeClr val="tx1">
-                  <a:lumMod val="75000"/>
-                  <a:lumOff val="25000"/>
-                </a:schemeClr>
-              </a:solidFill>
-              <a:latin typeface="微软雅黑" pitchFamily="34" charset="-122"/>
-              <a:ea typeface="微软雅黑" pitchFamily="34" charset="-122"/>
-            </a:endParaRPr>
-          </a:p>
-          <a:p>
-            <a:pPr>
-              <a:lnSpc>
-                <a:spcPct val="150000"/>
-              </a:lnSpc>
-            </a:pPr>
-            <a:r>
-              <a:rPr lang="zh-CN" altLang="en-US" sz="2400" dirty="0" smtClean="0">
-                <a:solidFill>
-                  <a:schemeClr val="tx1">
-                    <a:lumMod val="75000"/>
-                    <a:lumOff val="25000"/>
-                  </a:schemeClr>
-                </a:solidFill>
-                <a:latin typeface="微软雅黑" pitchFamily="34" charset="-122"/>
-                <a:ea typeface="微软雅黑" pitchFamily="34" charset="-122"/>
-              </a:rPr>
-              <a:t>另外，我们需要设置两个频率，因为波浪的横向和纵向是不相同的，需要分别设置两个值。</a:t>
-            </a:r>
-            <a:endParaRPr lang="en-US" altLang="zh-CN" sz="2400" dirty="0" smtClean="0">
-              <a:solidFill>
-                <a:schemeClr val="tx1">
-                  <a:lumMod val="75000"/>
-                  <a:lumOff val="25000"/>
-                </a:schemeClr>
-              </a:solidFill>
-              <a:latin typeface="微软雅黑" pitchFamily="34" charset="-122"/>
-              <a:ea typeface="微软雅黑" pitchFamily="34" charset="-122"/>
-            </a:endParaRPr>
-          </a:p>
-        </p:txBody>
-      </p:sp>
-      <p:pic>
-        <p:nvPicPr>
-          <p:cNvPr id="4" name="图片 3" descr="屏幕剪辑"/>
-          <p:cNvPicPr>
-            <a:picLocks noChangeAspect="1"/>
-          </p:cNvPicPr>
-          <p:nvPr/>
-        </p:nvPicPr>
-        <p:blipFill>
-          <a:blip r:embed="rId2">
-            <a:extLst>
-              <a:ext uri="{28A0092B-C50C-407E-A947-70E740481C1C}">
-                <a14:useLocalDpi xmlns:a14="http://schemas.microsoft.com/office/drawing/2010/main" val="0"/>
-              </a:ext>
-            </a:extLst>
-          </a:blip>
-          <a:stretch>
-            <a:fillRect/>
-          </a:stretch>
-        </p:blipFill>
-        <p:spPr>
-          <a:xfrm>
-            <a:off x="1461649" y="476672"/>
-            <a:ext cx="2953162" cy="1381318"/>
-          </a:xfrm>
-          <a:prstGeom prst="rect">
-            <a:avLst/>
-          </a:prstGeom>
-          <a:ln>
-            <a:noFill/>
-          </a:ln>
-          <a:effectLst>
-            <a:outerShdw blurRad="292100" dist="139700" dir="2700000" algn="tl" rotWithShape="0">
-              <a:srgbClr val="333333">
-                <a:alpha val="65000"/>
-              </a:srgbClr>
-            </a:outerShdw>
-          </a:effectLst>
-        </p:spPr>
-      </p:pic>
-      <p:sp>
-        <p:nvSpPr>
-          <p:cNvPr id="5" name="圆角矩形标注 4"/>
-          <p:cNvSpPr/>
-          <p:nvPr/>
-        </p:nvSpPr>
-        <p:spPr>
-          <a:xfrm>
-            <a:off x="4283968" y="966061"/>
-            <a:ext cx="3269914" cy="518723"/>
-          </a:xfrm>
-          <a:prstGeom prst="wedgeRoundRectCallout">
-            <a:avLst>
-              <a:gd name="adj1" fmla="val -54783"/>
-              <a:gd name="adj2" fmla="val 20962"/>
-              <a:gd name="adj3" fmla="val 16667"/>
-            </a:avLst>
-          </a:prstGeom>
-        </p:spPr>
-        <p:style>
-          <a:lnRef idx="2">
-            <a:schemeClr val="accent5"/>
-          </a:lnRef>
-          <a:fillRef idx="1">
-            <a:schemeClr val="lt1"/>
-          </a:fillRef>
-          <a:effectRef idx="0">
-            <a:schemeClr val="accent5"/>
-          </a:effectRef>
-          <a:fontRef idx="minor">
-            <a:schemeClr val="dk1"/>
-          </a:fontRef>
-        </p:style>
-        <p:txBody>
-          <a:bodyPr rtlCol="0" anchor="ctr"/>
-          <a:lstStyle/>
-          <a:p>
-            <a:pPr algn="ctr"/>
-            <a:r>
-              <a:rPr lang="zh-CN" altLang="en-US" sz="2000" dirty="0" smtClean="0">
-                <a:solidFill>
-                  <a:schemeClr val="tx1">
-                    <a:lumMod val="75000"/>
-                    <a:lumOff val="25000"/>
-                  </a:schemeClr>
-                </a:solidFill>
-                <a:latin typeface="微软雅黑" pitchFamily="34" charset="-122"/>
-                <a:ea typeface="微软雅黑" pitchFamily="34" charset="-122"/>
-              </a:rPr>
-              <a:t>将</a:t>
-            </a:r>
-            <a:r>
-              <a:rPr lang="en-US" altLang="zh-CN" sz="2000" dirty="0" err="1" smtClean="0">
-                <a:solidFill>
-                  <a:schemeClr val="tx1">
-                    <a:lumMod val="75000"/>
-                    <a:lumOff val="25000"/>
-                  </a:schemeClr>
-                </a:solidFill>
-                <a:latin typeface="微软雅黑" pitchFamily="34" charset="-122"/>
-                <a:ea typeface="微软雅黑" pitchFamily="34" charset="-122"/>
-              </a:rPr>
-              <a:t>svg</a:t>
-            </a:r>
-            <a:r>
-              <a:rPr lang="zh-CN" altLang="en-US" sz="2000" dirty="0" smtClean="0">
-                <a:solidFill>
-                  <a:schemeClr val="tx1">
-                    <a:lumMod val="75000"/>
-                    <a:lumOff val="25000"/>
-                  </a:schemeClr>
-                </a:solidFill>
-                <a:latin typeface="微软雅黑" pitchFamily="34" charset="-122"/>
-                <a:ea typeface="微软雅黑" pitchFamily="34" charset="-122"/>
-              </a:rPr>
-              <a:t>滤镜应用于</a:t>
-            </a:r>
-            <a:r>
-              <a:rPr lang="en-US" altLang="zh-CN" sz="2000" dirty="0" smtClean="0">
-                <a:solidFill>
-                  <a:schemeClr val="tx1">
-                    <a:lumMod val="75000"/>
-                    <a:lumOff val="25000"/>
-                  </a:schemeClr>
-                </a:solidFill>
-                <a:latin typeface="微软雅黑" pitchFamily="34" charset="-122"/>
-                <a:ea typeface="微软雅黑" pitchFamily="34" charset="-122"/>
-              </a:rPr>
-              <a:t>html</a:t>
-            </a:r>
-            <a:r>
-              <a:rPr lang="zh-CN" altLang="en-US" sz="2000" dirty="0" smtClean="0">
-                <a:solidFill>
-                  <a:schemeClr val="tx1">
-                    <a:lumMod val="75000"/>
-                    <a:lumOff val="25000"/>
-                  </a:schemeClr>
-                </a:solidFill>
-                <a:latin typeface="微软雅黑" pitchFamily="34" charset="-122"/>
-                <a:ea typeface="微软雅黑" pitchFamily="34" charset="-122"/>
-              </a:rPr>
-              <a:t>元素</a:t>
-            </a:r>
-            <a:endParaRPr lang="zh-CN" altLang="en-US" sz="2000" dirty="0">
-              <a:solidFill>
-                <a:schemeClr val="tx1">
-                  <a:lumMod val="75000"/>
-                  <a:lumOff val="25000"/>
-                </a:schemeClr>
-              </a:solidFill>
-              <a:latin typeface="微软雅黑" pitchFamily="34" charset="-122"/>
-              <a:ea typeface="微软雅黑" pitchFamily="34" charset="-122"/>
-            </a:endParaRPr>
-          </a:p>
-        </p:txBody>
-      </p:sp>
-    </p:spTree>
-    <p:extLst>
-      <p:ext uri="{BB962C8B-B14F-4D97-AF65-F5344CB8AC3E}">
-        <p14:creationId xmlns:p14="http://schemas.microsoft.com/office/powerpoint/2010/main" val="3871693340"/>
-      </p:ext>
-    </p:extLst>
-  </p:cSld>
-  <p:clrMapOvr>
-    <a:masterClrMapping/>
-  </p:clrMapOvr>
-</p:sld>
-</file>
-
-<file path=ppt/slides/slide9.xml><?xml version="1.0" encoding="utf-8"?>
-<p:sld xmlns:a="http://schemas.openxmlformats.org/drawingml/2006/main" xmlns:r="http://schemas.openxmlformats.org/officeDocument/2006/relationships" xmlns:p="http://schemas.openxmlformats.org/presentationml/2006/main">
-  <p:cSld>
-    <p:spTree>
-      <p:nvGrpSpPr>
-        <p:cNvPr id="1" name=""/>
-        <p:cNvGrpSpPr/>
-        <p:nvPr/>
-      </p:nvGrpSpPr>
-      <p:grpSpPr>
-        <a:xfrm>
-          <a:off x="0" y="0"/>
-          <a:ext cx="0" cy="0"/>
-          <a:chOff x="0" y="0"/>
-          <a:chExt cx="0" cy="0"/>
-        </a:xfrm>
-      </p:grpSpPr>
-      <p:pic>
-        <p:nvPicPr>
-          <p:cNvPr id="2" name="图片 1" descr="屏幕剪辑"/>
-          <p:cNvPicPr>
-            <a:picLocks noChangeAspect="1"/>
-          </p:cNvPicPr>
-          <p:nvPr/>
-        </p:nvPicPr>
-        <p:blipFill>
-          <a:blip r:embed="rId2">
-            <a:extLst>
-              <a:ext uri="{28A0092B-C50C-407E-A947-70E740481C1C}">
-                <a14:useLocalDpi xmlns:a14="http://schemas.microsoft.com/office/drawing/2010/main" val="0"/>
-              </a:ext>
-            </a:extLst>
-          </a:blip>
-          <a:stretch>
-            <a:fillRect/>
-          </a:stretch>
-        </p:blipFill>
-        <p:spPr>
-          <a:xfrm>
-            <a:off x="1241880" y="456433"/>
-            <a:ext cx="4500000" cy="1433468"/>
-          </a:xfrm>
-          <a:prstGeom prst="rect">
-            <a:avLst/>
-          </a:prstGeom>
-          <a:ln>
-            <a:noFill/>
-          </a:ln>
-          <a:effectLst>
-            <a:softEdge rad="112500"/>
-          </a:effectLst>
-        </p:spPr>
-      </p:pic>
-      <p:pic>
-        <p:nvPicPr>
-          <p:cNvPr id="3" name="图片 2" descr="屏幕剪辑"/>
-          <p:cNvPicPr>
-            <a:picLocks noChangeAspect="1"/>
-          </p:cNvPicPr>
-          <p:nvPr/>
-        </p:nvPicPr>
-        <p:blipFill>
-          <a:blip r:embed="rId3">
-            <a:extLst>
-              <a:ext uri="{28A0092B-C50C-407E-A947-70E740481C1C}">
-                <a14:useLocalDpi xmlns:a14="http://schemas.microsoft.com/office/drawing/2010/main" val="0"/>
-              </a:ext>
-            </a:extLst>
-          </a:blip>
-          <a:stretch>
-            <a:fillRect/>
-          </a:stretch>
-        </p:blipFill>
-        <p:spPr>
-          <a:xfrm>
-            <a:off x="1241880" y="3573016"/>
-            <a:ext cx="4500000" cy="1309090"/>
-          </a:xfrm>
-          <a:prstGeom prst="rect">
-            <a:avLst/>
-          </a:prstGeom>
-          <a:ln>
-            <a:noFill/>
-          </a:ln>
-          <a:effectLst>
-            <a:softEdge rad="112500"/>
-          </a:effectLst>
-        </p:spPr>
-      </p:pic>
-      <p:pic>
-        <p:nvPicPr>
-          <p:cNvPr id="4" name="图片 3" descr="屏幕剪辑"/>
-          <p:cNvPicPr>
-            <a:picLocks noChangeAspect="1"/>
-          </p:cNvPicPr>
-          <p:nvPr/>
-        </p:nvPicPr>
-        <p:blipFill>
-          <a:blip r:embed="rId4">
-            <a:extLst>
-              <a:ext uri="{28A0092B-C50C-407E-A947-70E740481C1C}">
-                <a14:useLocalDpi xmlns:a14="http://schemas.microsoft.com/office/drawing/2010/main" val="0"/>
-              </a:ext>
-            </a:extLst>
-          </a:blip>
-          <a:stretch>
-            <a:fillRect/>
-          </a:stretch>
-        </p:blipFill>
-        <p:spPr>
-          <a:xfrm>
-            <a:off x="1241880" y="1987770"/>
-            <a:ext cx="4500000" cy="1386000"/>
-          </a:xfrm>
-          <a:prstGeom prst="rect">
-            <a:avLst/>
-          </a:prstGeom>
-          <a:ln>
-            <a:noFill/>
-          </a:ln>
-          <a:effectLst>
-            <a:softEdge rad="112500"/>
-          </a:effectLst>
-        </p:spPr>
-      </p:pic>
-      <p:sp>
-        <p:nvSpPr>
-          <p:cNvPr id="5" name="圆角矩形标注 4"/>
-          <p:cNvSpPr/>
-          <p:nvPr/>
-        </p:nvSpPr>
-        <p:spPr>
-          <a:xfrm>
-            <a:off x="5940152" y="822045"/>
-            <a:ext cx="1440160" cy="518723"/>
-          </a:xfrm>
-          <a:prstGeom prst="wedgeRoundRectCallout">
-            <a:avLst>
-              <a:gd name="adj1" fmla="val -60209"/>
-              <a:gd name="adj2" fmla="val 20962"/>
-              <a:gd name="adj3" fmla="val 16667"/>
-            </a:avLst>
-          </a:prstGeom>
-        </p:spPr>
-        <p:style>
-          <a:lnRef idx="2">
-            <a:schemeClr val="accent5"/>
-          </a:lnRef>
-          <a:fillRef idx="1">
-            <a:schemeClr val="lt1"/>
-          </a:fillRef>
-          <a:effectRef idx="0">
-            <a:schemeClr val="accent5"/>
-          </a:effectRef>
-          <a:fontRef idx="minor">
-            <a:schemeClr val="dk1"/>
-          </a:fontRef>
-        </p:style>
-        <p:txBody>
-          <a:bodyPr rtlCol="0" anchor="ctr"/>
-          <a:lstStyle/>
-          <a:p>
-            <a:pPr algn="ctr"/>
-            <a:r>
-              <a:rPr lang="zh-CN" altLang="en-US" sz="2000" dirty="0" smtClean="0">
-                <a:solidFill>
-                  <a:schemeClr val="tx1">
-                    <a:lumMod val="75000"/>
-                    <a:lumOff val="25000"/>
-                  </a:schemeClr>
-                </a:solidFill>
-                <a:latin typeface="微软雅黑" pitchFamily="34" charset="-122"/>
-                <a:ea typeface="微软雅黑" pitchFamily="34" charset="-122"/>
-              </a:rPr>
-              <a:t>原始图片</a:t>
-            </a:r>
-            <a:endParaRPr lang="zh-CN" altLang="en-US" sz="2000" dirty="0">
-              <a:solidFill>
-                <a:schemeClr val="tx1">
-                  <a:lumMod val="75000"/>
-                  <a:lumOff val="25000"/>
-                </a:schemeClr>
-              </a:solidFill>
-              <a:latin typeface="微软雅黑" pitchFamily="34" charset="-122"/>
-              <a:ea typeface="微软雅黑" pitchFamily="34" charset="-122"/>
-            </a:endParaRPr>
-          </a:p>
-        </p:txBody>
-      </p:sp>
-      <p:sp>
-        <p:nvSpPr>
-          <p:cNvPr id="6" name="圆角矩形标注 5"/>
-          <p:cNvSpPr/>
-          <p:nvPr/>
-        </p:nvSpPr>
-        <p:spPr>
-          <a:xfrm>
-            <a:off x="5969001" y="2348880"/>
-            <a:ext cx="1440160" cy="518723"/>
-          </a:xfrm>
-          <a:prstGeom prst="wedgeRoundRectCallout">
-            <a:avLst>
-              <a:gd name="adj1" fmla="val -60209"/>
-              <a:gd name="adj2" fmla="val 20962"/>
-              <a:gd name="adj3" fmla="val 16667"/>
-            </a:avLst>
-          </a:prstGeom>
-        </p:spPr>
-        <p:style>
-          <a:lnRef idx="2">
-            <a:schemeClr val="accent5"/>
-          </a:lnRef>
-          <a:fillRef idx="1">
-            <a:schemeClr val="lt1"/>
-          </a:fillRef>
-          <a:effectRef idx="0">
-            <a:schemeClr val="accent5"/>
-          </a:effectRef>
-          <a:fontRef idx="minor">
-            <a:schemeClr val="dk1"/>
-          </a:fontRef>
-        </p:style>
-        <p:txBody>
-          <a:bodyPr rtlCol="0" anchor="ctr"/>
-          <a:lstStyle/>
-          <a:p>
-            <a:pPr algn="ctr"/>
-            <a:r>
-              <a:rPr lang="zh-CN" altLang="en-US" sz="2000" dirty="0" smtClean="0">
-                <a:solidFill>
-                  <a:schemeClr val="tx1">
-                    <a:lumMod val="75000"/>
-                    <a:lumOff val="25000"/>
-                  </a:schemeClr>
-                </a:solidFill>
-                <a:latin typeface="微软雅黑" pitchFamily="34" charset="-122"/>
-                <a:ea typeface="微软雅黑" pitchFamily="34" charset="-122"/>
-              </a:rPr>
-              <a:t>噪声纹理</a:t>
-            </a:r>
-            <a:endParaRPr lang="zh-CN" altLang="en-US" sz="2000" dirty="0">
-              <a:solidFill>
-                <a:schemeClr val="tx1">
-                  <a:lumMod val="75000"/>
-                  <a:lumOff val="25000"/>
-                </a:schemeClr>
-              </a:solidFill>
-              <a:latin typeface="微软雅黑" pitchFamily="34" charset="-122"/>
-              <a:ea typeface="微软雅黑" pitchFamily="34" charset="-122"/>
-            </a:endParaRPr>
-          </a:p>
-        </p:txBody>
-      </p:sp>
-      <p:sp>
-        <p:nvSpPr>
-          <p:cNvPr id="7" name="圆角矩形标注 6"/>
-          <p:cNvSpPr/>
-          <p:nvPr/>
-        </p:nvSpPr>
-        <p:spPr>
-          <a:xfrm>
-            <a:off x="5940152" y="3900831"/>
-            <a:ext cx="1742502" cy="518723"/>
-          </a:xfrm>
-          <a:prstGeom prst="wedgeRoundRectCallout">
-            <a:avLst>
-              <a:gd name="adj1" fmla="val -60209"/>
-              <a:gd name="adj2" fmla="val 20962"/>
-              <a:gd name="adj3" fmla="val 16667"/>
-            </a:avLst>
-          </a:prstGeom>
-        </p:spPr>
-        <p:style>
-          <a:lnRef idx="2">
-            <a:schemeClr val="accent5"/>
-          </a:lnRef>
-          <a:fillRef idx="1">
-            <a:schemeClr val="lt1"/>
-          </a:fillRef>
-          <a:effectRef idx="0">
-            <a:schemeClr val="accent5"/>
-          </a:effectRef>
-          <a:fontRef idx="minor">
-            <a:schemeClr val="dk1"/>
-          </a:fontRef>
-        </p:style>
-        <p:txBody>
-          <a:bodyPr rtlCol="0" anchor="ctr"/>
-          <a:lstStyle/>
-          <a:p>
-            <a:pPr algn="ctr"/>
-            <a:r>
-              <a:rPr lang="zh-CN" altLang="en-US" sz="2000" dirty="0" smtClean="0">
-                <a:solidFill>
-                  <a:schemeClr val="tx1">
-                    <a:lumMod val="75000"/>
-                    <a:lumOff val="25000"/>
-                  </a:schemeClr>
-                </a:solidFill>
-                <a:latin typeface="微软雅黑" pitchFamily="34" charset="-122"/>
-                <a:ea typeface="微软雅黑" pitchFamily="34" charset="-122"/>
-              </a:rPr>
-              <a:t>使用滤镜后</a:t>
-            </a:r>
-            <a:endParaRPr lang="zh-CN" altLang="en-US" sz="2000" dirty="0">
-              <a:solidFill>
-                <a:schemeClr val="tx1">
-                  <a:lumMod val="75000"/>
-                  <a:lumOff val="25000"/>
-                </a:schemeClr>
-              </a:solidFill>
-              <a:latin typeface="微软雅黑" pitchFamily="34" charset="-122"/>
-              <a:ea typeface="微软雅黑" pitchFamily="34" charset="-122"/>
-            </a:endParaRPr>
-          </a:p>
-        </p:txBody>
-      </p:sp>
-    </p:spTree>
-    <p:extLst>
-      <p:ext uri="{BB962C8B-B14F-4D97-AF65-F5344CB8AC3E}">
-        <p14:creationId xmlns:p14="http://schemas.microsoft.com/office/powerpoint/2010/main" val="3871693340"/>
+        <p14:creationId xmlns:p14="http://schemas.microsoft.com/office/powerpoint/2010/main" val="2328121375"/>
       </p:ext>
     </p:extLst>
   </p:cSld>
@@ -8975,7 +6282,7 @@
   <a:extraClrSchemeLst/>
   <a:extLst>
     <a:ext uri="{05A4C25C-085E-4340-85A3-A5531E510DB2}">
-      <thm15:themeFamily xmlns="" xmlns:thm15="http://schemas.microsoft.com/office/thememl/2012/main" name="Office Theme" id="{62F939B6-93AF-4DB8-9C6B-D6C7DFDC589F}" vid="{4A3C46E8-61CC-4603-A589-7422A47A8E4A}"/>
+      <thm15:themeFamily xmlns:thm15="http://schemas.microsoft.com/office/thememl/2012/main" xmlns="" name="Office Theme" id="{62F939B6-93AF-4DB8-9C6B-D6C7DFDC589F}" vid="{4A3C46E8-61CC-4603-A589-7422A47A8E4A}"/>
     </a:ext>
   </a:extLst>
 </a:theme>

--- a/17-svg-filter-text-screen/17.pptx
+++ b/17-svg-filter-text-screen/17.pptx
@@ -5,7 +5,7 @@
     <p:sldMasterId id="2147483648" r:id="rId1"/>
   </p:sldMasterIdLst>
   <p:notesMasterIdLst>
-    <p:notesMasterId r:id="rId9"/>
+    <p:notesMasterId r:id="rId16"/>
   </p:notesMasterIdLst>
   <p:sldIdLst>
     <p:sldId id="256" r:id="rId2"/>
@@ -13,8 +13,15 @@
     <p:sldId id="258" r:id="rId4"/>
     <p:sldId id="412" r:id="rId5"/>
     <p:sldId id="411" r:id="rId6"/>
-    <p:sldId id="403" r:id="rId7"/>
-    <p:sldId id="345" r:id="rId8"/>
+    <p:sldId id="413" r:id="rId7"/>
+    <p:sldId id="414" r:id="rId8"/>
+    <p:sldId id="415" r:id="rId9"/>
+    <p:sldId id="416" r:id="rId10"/>
+    <p:sldId id="417" r:id="rId11"/>
+    <p:sldId id="418" r:id="rId12"/>
+    <p:sldId id="419" r:id="rId13"/>
+    <p:sldId id="420" r:id="rId14"/>
+    <p:sldId id="345" r:id="rId15"/>
   </p:sldIdLst>
   <p:sldSz cx="9144000" cy="6858000" type="screen4x3"/>
   <p:notesSz cx="6858000" cy="9144000"/>
@@ -115,7 +122,7 @@
   </p:defaultTextStyle>
   <p:extLst>
     <p:ext uri="{EFAFB233-063F-42B5-8137-9DF3F51BA10A}">
-      <p15:sldGuideLst xmlns:p15="http://schemas.microsoft.com/office/powerpoint/2012/main" xmlns="">
+      <p15:sldGuideLst xmlns:p15="http://schemas.microsoft.com/office/powerpoint/2012/main">
         <p15:guide id="1" orient="horz" pos="2160">
           <p15:clr>
             <a:srgbClr val="A4A3A4"/>
@@ -3720,6 +3727,1738 @@
 </p:sld>
 </file>
 
+<file path=ppt/slides/slide10.xml><?xml version="1.0" encoding="utf-8"?>
+<p:sld xmlns:a="http://schemas.openxmlformats.org/drawingml/2006/main" xmlns:r="http://schemas.openxmlformats.org/officeDocument/2006/relationships" xmlns:p="http://schemas.openxmlformats.org/presentationml/2006/main">
+  <p:cSld>
+    <p:spTree>
+      <p:nvGrpSpPr>
+        <p:cNvPr id="1" name=""/>
+        <p:cNvGrpSpPr/>
+        <p:nvPr/>
+      </p:nvGrpSpPr>
+      <p:grpSpPr>
+        <a:xfrm>
+          <a:off x="0" y="0"/>
+          <a:ext cx="0" cy="0"/>
+          <a:chOff x="0" y="0"/>
+          <a:chExt cx="0" cy="0"/>
+        </a:xfrm>
+      </p:grpSpPr>
+      <p:sp>
+        <p:nvSpPr>
+          <p:cNvPr id="2" name="TextBox 4"/>
+          <p:cNvSpPr txBox="1"/>
+          <p:nvPr/>
+        </p:nvSpPr>
+        <p:spPr>
+          <a:xfrm>
+            <a:off x="683568" y="260648"/>
+            <a:ext cx="7776000" cy="581057"/>
+          </a:xfrm>
+          <a:prstGeom prst="rect">
+            <a:avLst/>
+          </a:prstGeom>
+          <a:noFill/>
+        </p:spPr>
+        <p:txBody>
+          <a:bodyPr wrap="square" rtlCol="0">
+            <a:spAutoFit/>
+          </a:bodyPr>
+          <a:lstStyle/>
+          <a:p>
+            <a:pPr>
+              <a:lnSpc>
+                <a:spcPct val="150000"/>
+              </a:lnSpc>
+            </a:pPr>
+            <a:r>
+              <a:rPr lang="zh-CN" altLang="en-US" sz="2400" dirty="0" smtClean="0">
+                <a:solidFill>
+                  <a:schemeClr val="tx1">
+                    <a:lumMod val="75000"/>
+                    <a:lumOff val="25000"/>
+                  </a:schemeClr>
+                </a:solidFill>
+                <a:latin typeface="微软雅黑" pitchFamily="34" charset="-122"/>
+                <a:ea typeface="微软雅黑" pitchFamily="34" charset="-122"/>
+              </a:rPr>
+              <a:t>将黑底，原文本，偏移文本叠加起来：</a:t>
+            </a:r>
+            <a:endParaRPr lang="en-US" altLang="zh-CN" sz="2400" dirty="0" smtClean="0">
+              <a:solidFill>
+                <a:schemeClr val="tx1">
+                  <a:lumMod val="75000"/>
+                  <a:lumOff val="25000"/>
+                </a:schemeClr>
+              </a:solidFill>
+              <a:latin typeface="微软雅黑" pitchFamily="34" charset="-122"/>
+              <a:ea typeface="微软雅黑" pitchFamily="34" charset="-122"/>
+            </a:endParaRPr>
+          </a:p>
+        </p:txBody>
+      </p:sp>
+      <p:pic>
+        <p:nvPicPr>
+          <p:cNvPr id="3" name="图片 2" descr="屏幕剪辑"/>
+          <p:cNvPicPr>
+            <a:picLocks noChangeAspect="1"/>
+          </p:cNvPicPr>
+          <p:nvPr/>
+        </p:nvPicPr>
+        <p:blipFill>
+          <a:blip r:embed="rId2">
+            <a:extLst>
+              <a:ext uri="{28A0092B-C50C-407E-A947-70E740481C1C}">
+                <a14:useLocalDpi xmlns:a14="http://schemas.microsoft.com/office/drawing/2010/main" val="0"/>
+              </a:ext>
+            </a:extLst>
+          </a:blip>
+          <a:stretch>
+            <a:fillRect/>
+          </a:stretch>
+        </p:blipFill>
+        <p:spPr>
+          <a:xfrm>
+            <a:off x="1619672" y="867993"/>
+            <a:ext cx="4867954" cy="1848108"/>
+          </a:xfrm>
+          <a:prstGeom prst="rect">
+            <a:avLst/>
+          </a:prstGeom>
+          <a:ln>
+            <a:noFill/>
+          </a:ln>
+          <a:effectLst>
+            <a:outerShdw blurRad="292100" dist="139700" dir="2700000" algn="tl" rotWithShape="0">
+              <a:srgbClr val="333333">
+                <a:alpha val="65000"/>
+              </a:srgbClr>
+            </a:outerShdw>
+          </a:effectLst>
+        </p:spPr>
+      </p:pic>
+      <p:pic>
+        <p:nvPicPr>
+          <p:cNvPr id="10" name="图片 9" descr="屏幕剪辑"/>
+          <p:cNvPicPr>
+            <a:picLocks noChangeAspect="1"/>
+          </p:cNvPicPr>
+          <p:nvPr/>
+        </p:nvPicPr>
+        <p:blipFill>
+          <a:blip r:embed="rId3">
+            <a:extLst>
+              <a:ext uri="{28A0092B-C50C-407E-A947-70E740481C1C}">
+                <a14:useLocalDpi xmlns:a14="http://schemas.microsoft.com/office/drawing/2010/main" val="0"/>
+              </a:ext>
+            </a:extLst>
+          </a:blip>
+          <a:stretch>
+            <a:fillRect/>
+          </a:stretch>
+        </p:blipFill>
+        <p:spPr>
+          <a:xfrm>
+            <a:off x="1943567" y="2996952"/>
+            <a:ext cx="4220164" cy="1047896"/>
+          </a:xfrm>
+          <a:prstGeom prst="rect">
+            <a:avLst/>
+          </a:prstGeom>
+          <a:ln>
+            <a:noFill/>
+          </a:ln>
+          <a:effectLst>
+            <a:softEdge rad="112500"/>
+          </a:effectLst>
+        </p:spPr>
+      </p:pic>
+      <p:sp>
+        <p:nvSpPr>
+          <p:cNvPr id="11" name="圆角矩形标注 10"/>
+          <p:cNvSpPr/>
+          <p:nvPr/>
+        </p:nvSpPr>
+        <p:spPr>
+          <a:xfrm>
+            <a:off x="6588224" y="1196752"/>
+            <a:ext cx="1008112" cy="387486"/>
+          </a:xfrm>
+          <a:prstGeom prst="wedgeRoundRectCallout">
+            <a:avLst>
+              <a:gd name="adj1" fmla="val -61237"/>
+              <a:gd name="adj2" fmla="val 9089"/>
+              <a:gd name="adj3" fmla="val 16667"/>
+            </a:avLst>
+          </a:prstGeom>
+        </p:spPr>
+        <p:style>
+          <a:lnRef idx="2">
+            <a:schemeClr val="accent5"/>
+          </a:lnRef>
+          <a:fillRef idx="1">
+            <a:schemeClr val="lt1"/>
+          </a:fillRef>
+          <a:effectRef idx="0">
+            <a:schemeClr val="accent5"/>
+          </a:effectRef>
+          <a:fontRef idx="minor">
+            <a:schemeClr val="dk1"/>
+          </a:fontRef>
+        </p:style>
+        <p:txBody>
+          <a:bodyPr rtlCol="0" anchor="ctr"/>
+          <a:lstStyle/>
+          <a:p>
+            <a:pPr algn="ctr"/>
+            <a:r>
+              <a:rPr lang="zh-CN" altLang="en-US" sz="2000" dirty="0" smtClean="0">
+                <a:solidFill>
+                  <a:schemeClr val="tx1">
+                    <a:lumMod val="75000"/>
+                    <a:lumOff val="25000"/>
+                  </a:schemeClr>
+                </a:solidFill>
+                <a:latin typeface="微软雅黑" pitchFamily="34" charset="-122"/>
+                <a:ea typeface="微软雅黑" pitchFamily="34" charset="-122"/>
+              </a:rPr>
+              <a:t>黑底</a:t>
+            </a:r>
+            <a:endParaRPr lang="zh-CN" altLang="en-US" sz="2000" dirty="0">
+              <a:solidFill>
+                <a:schemeClr val="tx1">
+                  <a:lumMod val="75000"/>
+                  <a:lumOff val="25000"/>
+                </a:schemeClr>
+              </a:solidFill>
+              <a:latin typeface="微软雅黑" pitchFamily="34" charset="-122"/>
+              <a:ea typeface="微软雅黑" pitchFamily="34" charset="-122"/>
+            </a:endParaRPr>
+          </a:p>
+        </p:txBody>
+      </p:sp>
+      <p:sp>
+        <p:nvSpPr>
+          <p:cNvPr id="12" name="圆角矩形标注 11"/>
+          <p:cNvSpPr/>
+          <p:nvPr/>
+        </p:nvSpPr>
+        <p:spPr>
+          <a:xfrm>
+            <a:off x="6587048" y="1619369"/>
+            <a:ext cx="1008112" cy="387486"/>
+          </a:xfrm>
+          <a:prstGeom prst="wedgeRoundRectCallout">
+            <a:avLst>
+              <a:gd name="adj1" fmla="val -61237"/>
+              <a:gd name="adj2" fmla="val 9089"/>
+              <a:gd name="adj3" fmla="val 16667"/>
+            </a:avLst>
+          </a:prstGeom>
+        </p:spPr>
+        <p:style>
+          <a:lnRef idx="2">
+            <a:schemeClr val="accent5"/>
+          </a:lnRef>
+          <a:fillRef idx="1">
+            <a:schemeClr val="lt1"/>
+          </a:fillRef>
+          <a:effectRef idx="0">
+            <a:schemeClr val="accent5"/>
+          </a:effectRef>
+          <a:fontRef idx="minor">
+            <a:schemeClr val="dk1"/>
+          </a:fontRef>
+        </p:style>
+        <p:txBody>
+          <a:bodyPr rtlCol="0" anchor="ctr"/>
+          <a:lstStyle/>
+          <a:p>
+            <a:pPr algn="ctr"/>
+            <a:r>
+              <a:rPr lang="zh-CN" altLang="en-US" sz="2000" dirty="0" smtClean="0">
+                <a:solidFill>
+                  <a:schemeClr val="tx1">
+                    <a:lumMod val="75000"/>
+                    <a:lumOff val="25000"/>
+                  </a:schemeClr>
+                </a:solidFill>
+                <a:latin typeface="微软雅黑" pitchFamily="34" charset="-122"/>
+                <a:ea typeface="微软雅黑" pitchFamily="34" charset="-122"/>
+              </a:rPr>
+              <a:t>原图</a:t>
+            </a:r>
+            <a:endParaRPr lang="zh-CN" altLang="en-US" sz="2000" dirty="0">
+              <a:solidFill>
+                <a:schemeClr val="tx1">
+                  <a:lumMod val="75000"/>
+                  <a:lumOff val="25000"/>
+                </a:schemeClr>
+              </a:solidFill>
+              <a:latin typeface="微软雅黑" pitchFamily="34" charset="-122"/>
+              <a:ea typeface="微软雅黑" pitchFamily="34" charset="-122"/>
+            </a:endParaRPr>
+          </a:p>
+        </p:txBody>
+      </p:sp>
+      <p:sp>
+        <p:nvSpPr>
+          <p:cNvPr id="13" name="圆角矩形标注 12"/>
+          <p:cNvSpPr/>
+          <p:nvPr/>
+        </p:nvSpPr>
+        <p:spPr>
+          <a:xfrm>
+            <a:off x="5659674" y="2033143"/>
+            <a:ext cx="1504613" cy="387486"/>
+          </a:xfrm>
+          <a:prstGeom prst="wedgeRoundRectCallout">
+            <a:avLst>
+              <a:gd name="adj1" fmla="val -61237"/>
+              <a:gd name="adj2" fmla="val 9089"/>
+              <a:gd name="adj3" fmla="val 16667"/>
+            </a:avLst>
+          </a:prstGeom>
+        </p:spPr>
+        <p:style>
+          <a:lnRef idx="2">
+            <a:schemeClr val="accent5"/>
+          </a:lnRef>
+          <a:fillRef idx="1">
+            <a:schemeClr val="lt1"/>
+          </a:fillRef>
+          <a:effectRef idx="0">
+            <a:schemeClr val="accent5"/>
+          </a:effectRef>
+          <a:fontRef idx="minor">
+            <a:schemeClr val="dk1"/>
+          </a:fontRef>
+        </p:style>
+        <p:txBody>
+          <a:bodyPr rtlCol="0" anchor="ctr"/>
+          <a:lstStyle/>
+          <a:p>
+            <a:pPr algn="ctr"/>
+            <a:r>
+              <a:rPr lang="zh-CN" altLang="en-US" sz="2000" dirty="0" smtClean="0">
+                <a:solidFill>
+                  <a:schemeClr val="tx1">
+                    <a:lumMod val="75000"/>
+                    <a:lumOff val="25000"/>
+                  </a:schemeClr>
+                </a:solidFill>
+                <a:latin typeface="微软雅黑" pitchFamily="34" charset="-122"/>
+                <a:ea typeface="微软雅黑" pitchFamily="34" charset="-122"/>
+              </a:rPr>
+              <a:t>偏移部分</a:t>
+            </a:r>
+            <a:endParaRPr lang="zh-CN" altLang="en-US" sz="2000" dirty="0">
+              <a:solidFill>
+                <a:schemeClr val="tx1">
+                  <a:lumMod val="75000"/>
+                  <a:lumOff val="25000"/>
+                </a:schemeClr>
+              </a:solidFill>
+              <a:latin typeface="微软雅黑" pitchFamily="34" charset="-122"/>
+              <a:ea typeface="微软雅黑" pitchFamily="34" charset="-122"/>
+            </a:endParaRPr>
+          </a:p>
+        </p:txBody>
+      </p:sp>
+    </p:spTree>
+    <p:extLst>
+      <p:ext uri="{BB962C8B-B14F-4D97-AF65-F5344CB8AC3E}">
+        <p14:creationId xmlns:p14="http://schemas.microsoft.com/office/powerpoint/2010/main" val="812693543"/>
+      </p:ext>
+    </p:extLst>
+  </p:cSld>
+  <p:clrMapOvr>
+    <a:masterClrMapping/>
+  </p:clrMapOvr>
+</p:sld>
+</file>
+
+<file path=ppt/slides/slide11.xml><?xml version="1.0" encoding="utf-8"?>
+<p:sld xmlns:a="http://schemas.openxmlformats.org/drawingml/2006/main" xmlns:r="http://schemas.openxmlformats.org/officeDocument/2006/relationships" xmlns:p="http://schemas.openxmlformats.org/presentationml/2006/main">
+  <p:cSld>
+    <p:spTree>
+      <p:nvGrpSpPr>
+        <p:cNvPr id="1" name=""/>
+        <p:cNvGrpSpPr/>
+        <p:nvPr/>
+      </p:nvGrpSpPr>
+      <p:grpSpPr>
+        <a:xfrm>
+          <a:off x="0" y="0"/>
+          <a:ext cx="0" cy="0"/>
+          <a:chOff x="0" y="0"/>
+          <a:chExt cx="0" cy="0"/>
+        </a:xfrm>
+      </p:grpSpPr>
+      <p:sp>
+        <p:nvSpPr>
+          <p:cNvPr id="4" name="TextBox 3"/>
+          <p:cNvSpPr txBox="1"/>
+          <p:nvPr/>
+        </p:nvSpPr>
+        <p:spPr>
+          <a:xfrm>
+            <a:off x="684000" y="476672"/>
+            <a:ext cx="7776000" cy="523220"/>
+          </a:xfrm>
+          <a:prstGeom prst="rect">
+            <a:avLst/>
+          </a:prstGeom>
+          <a:noFill/>
+        </p:spPr>
+        <p:txBody>
+          <a:bodyPr wrap="square" rtlCol="0">
+            <a:spAutoFit/>
+          </a:bodyPr>
+          <a:lstStyle/>
+          <a:p>
+            <a:r>
+              <a:rPr lang="en-US" altLang="zh-CN" sz="2800" b="1" dirty="0" smtClean="0">
+                <a:solidFill>
+                  <a:schemeClr val="tx1">
+                    <a:lumMod val="75000"/>
+                    <a:lumOff val="25000"/>
+                  </a:schemeClr>
+                </a:solidFill>
+                <a:latin typeface="微软雅黑" pitchFamily="34" charset="-122"/>
+                <a:ea typeface="微软雅黑" pitchFamily="34" charset="-122"/>
+              </a:rPr>
+              <a:t>5</a:t>
+            </a:r>
+            <a:r>
+              <a:rPr lang="en-US" altLang="zh-CN" sz="2800" b="1" dirty="0" smtClean="0">
+                <a:solidFill>
+                  <a:schemeClr val="tx1">
+                    <a:lumMod val="75000"/>
+                    <a:lumOff val="25000"/>
+                  </a:schemeClr>
+                </a:solidFill>
+                <a:latin typeface="微软雅黑" pitchFamily="34" charset="-122"/>
+                <a:ea typeface="微软雅黑" pitchFamily="34" charset="-122"/>
+              </a:rPr>
+              <a:t>.</a:t>
+            </a:r>
+            <a:r>
+              <a:rPr lang="zh-CN" altLang="en-US" sz="2800" b="1" dirty="0" smtClean="0">
+                <a:solidFill>
+                  <a:schemeClr val="tx1">
+                    <a:lumMod val="75000"/>
+                    <a:lumOff val="25000"/>
+                  </a:schemeClr>
+                </a:solidFill>
+                <a:latin typeface="微软雅黑" pitchFamily="34" charset="-122"/>
+                <a:ea typeface="微软雅黑" pitchFamily="34" charset="-122"/>
+              </a:rPr>
+              <a:t>偏移部分的动画</a:t>
+            </a:r>
+            <a:endParaRPr lang="zh-CN" altLang="en-US" sz="2800" b="1" dirty="0">
+              <a:solidFill>
+                <a:schemeClr val="tx1">
+                  <a:lumMod val="75000"/>
+                  <a:lumOff val="25000"/>
+                </a:schemeClr>
+              </a:solidFill>
+              <a:latin typeface="微软雅黑" pitchFamily="34" charset="-122"/>
+              <a:ea typeface="微软雅黑" pitchFamily="34" charset="-122"/>
+            </a:endParaRPr>
+          </a:p>
+        </p:txBody>
+      </p:sp>
+      <p:sp>
+        <p:nvSpPr>
+          <p:cNvPr id="5" name="TextBox 4"/>
+          <p:cNvSpPr txBox="1"/>
+          <p:nvPr/>
+        </p:nvSpPr>
+        <p:spPr>
+          <a:xfrm>
+            <a:off x="684000" y="1052736"/>
+            <a:ext cx="7776000" cy="1754326"/>
+          </a:xfrm>
+          <a:prstGeom prst="rect">
+            <a:avLst/>
+          </a:prstGeom>
+          <a:noFill/>
+        </p:spPr>
+        <p:txBody>
+          <a:bodyPr wrap="square" rtlCol="0">
+            <a:spAutoFit/>
+          </a:bodyPr>
+          <a:lstStyle/>
+          <a:p>
+            <a:pPr>
+              <a:lnSpc>
+                <a:spcPct val="150000"/>
+              </a:lnSpc>
+            </a:pPr>
+            <a:r>
+              <a:rPr lang="zh-CN" altLang="en-US" sz="2400" dirty="0" smtClean="0">
+                <a:solidFill>
+                  <a:schemeClr val="tx1">
+                    <a:lumMod val="75000"/>
+                    <a:lumOff val="25000"/>
+                  </a:schemeClr>
+                </a:solidFill>
+                <a:latin typeface="微软雅黑" pitchFamily="34" charset="-122"/>
+                <a:ea typeface="微软雅黑" pitchFamily="34" charset="-122"/>
+              </a:rPr>
+              <a:t>偏移部分的动画其实很简单，就是改变偏移部分的起始位置</a:t>
+            </a:r>
+            <a:r>
+              <a:rPr lang="en-US" altLang="zh-CN" sz="2400" dirty="0" smtClean="0">
+                <a:solidFill>
+                  <a:schemeClr val="tx1">
+                    <a:lumMod val="75000"/>
+                    <a:lumOff val="25000"/>
+                  </a:schemeClr>
+                </a:solidFill>
+                <a:latin typeface="微软雅黑" pitchFamily="34" charset="-122"/>
+                <a:ea typeface="微软雅黑" pitchFamily="34" charset="-122"/>
+              </a:rPr>
+              <a:t>y</a:t>
+            </a:r>
+            <a:r>
+              <a:rPr lang="zh-CN" altLang="en-US" sz="2400" dirty="0" smtClean="0">
+                <a:solidFill>
+                  <a:schemeClr val="tx1">
+                    <a:lumMod val="75000"/>
+                    <a:lumOff val="25000"/>
+                  </a:schemeClr>
+                </a:solidFill>
+                <a:latin typeface="微软雅黑" pitchFamily="34" charset="-122"/>
+                <a:ea typeface="微软雅黑" pitchFamily="34" charset="-122"/>
+              </a:rPr>
+              <a:t>，和</a:t>
+            </a:r>
+            <a:r>
+              <a:rPr lang="zh-CN" altLang="en-US" sz="2400" dirty="0" smtClean="0">
+                <a:solidFill>
+                  <a:schemeClr val="tx1">
+                    <a:lumMod val="75000"/>
+                    <a:lumOff val="25000"/>
+                  </a:schemeClr>
+                </a:solidFill>
+                <a:latin typeface="微软雅黑" pitchFamily="34" charset="-122"/>
+                <a:ea typeface="微软雅黑" pitchFamily="34" charset="-122"/>
+              </a:rPr>
+              <a:t>偏移部分的高度</a:t>
+            </a:r>
+            <a:r>
+              <a:rPr lang="en-US" altLang="zh-CN" sz="2400" dirty="0" smtClean="0">
+                <a:solidFill>
+                  <a:schemeClr val="tx1">
+                    <a:lumMod val="75000"/>
+                    <a:lumOff val="25000"/>
+                  </a:schemeClr>
+                </a:solidFill>
+                <a:latin typeface="微软雅黑" pitchFamily="34" charset="-122"/>
+                <a:ea typeface="微软雅黑" pitchFamily="34" charset="-122"/>
+              </a:rPr>
+              <a:t>height</a:t>
+            </a:r>
+            <a:r>
+              <a:rPr lang="zh-CN" altLang="en-US" sz="2400" dirty="0" smtClean="0">
+                <a:solidFill>
+                  <a:schemeClr val="tx1">
+                    <a:lumMod val="75000"/>
+                    <a:lumOff val="25000"/>
+                  </a:schemeClr>
+                </a:solidFill>
+                <a:latin typeface="微软雅黑" pitchFamily="34" charset="-122"/>
+                <a:ea typeface="微软雅黑" pitchFamily="34" charset="-122"/>
+              </a:rPr>
+              <a:t>，对这两个属性，运用</a:t>
+            </a:r>
+            <a:r>
+              <a:rPr lang="en-US" altLang="zh-CN" sz="2400" dirty="0" smtClean="0">
+                <a:solidFill>
+                  <a:schemeClr val="tx1">
+                    <a:lumMod val="75000"/>
+                    <a:lumOff val="25000"/>
+                  </a:schemeClr>
+                </a:solidFill>
+                <a:latin typeface="微软雅黑" pitchFamily="34" charset="-122"/>
+                <a:ea typeface="微软雅黑" pitchFamily="34" charset="-122"/>
+              </a:rPr>
+              <a:t>&lt;animate&gt;</a:t>
+            </a:r>
+            <a:r>
+              <a:rPr lang="zh-CN" altLang="en-US" sz="2400" dirty="0" smtClean="0">
+                <a:solidFill>
+                  <a:schemeClr val="tx1">
+                    <a:lumMod val="75000"/>
+                    <a:lumOff val="25000"/>
+                  </a:schemeClr>
+                </a:solidFill>
+                <a:latin typeface="微软雅黑" pitchFamily="34" charset="-122"/>
+                <a:ea typeface="微软雅黑" pitchFamily="34" charset="-122"/>
+              </a:rPr>
+              <a:t>即可</a:t>
+            </a:r>
+            <a:endParaRPr lang="en-US" altLang="zh-CN" sz="2400" dirty="0" smtClean="0">
+              <a:solidFill>
+                <a:schemeClr val="tx1">
+                  <a:lumMod val="75000"/>
+                  <a:lumOff val="25000"/>
+                </a:schemeClr>
+              </a:solidFill>
+              <a:latin typeface="微软雅黑" pitchFamily="34" charset="-122"/>
+              <a:ea typeface="微软雅黑" pitchFamily="34" charset="-122"/>
+            </a:endParaRPr>
+          </a:p>
+        </p:txBody>
+      </p:sp>
+    </p:spTree>
+    <p:extLst>
+      <p:ext uri="{BB962C8B-B14F-4D97-AF65-F5344CB8AC3E}">
+        <p14:creationId xmlns:p14="http://schemas.microsoft.com/office/powerpoint/2010/main" val="1785597846"/>
+      </p:ext>
+    </p:extLst>
+  </p:cSld>
+  <p:clrMapOvr>
+    <a:masterClrMapping/>
+  </p:clrMapOvr>
+  <p:timing>
+    <p:tnLst>
+      <p:par>
+        <p:cTn id="1" dur="indefinite" restart="never" nodeType="tmRoot"/>
+      </p:par>
+    </p:tnLst>
+  </p:timing>
+</p:sld>
+</file>
+
+<file path=ppt/slides/slide12.xml><?xml version="1.0" encoding="utf-8"?>
+<p:sld xmlns:a="http://schemas.openxmlformats.org/drawingml/2006/main" xmlns:r="http://schemas.openxmlformats.org/officeDocument/2006/relationships" xmlns:p="http://schemas.openxmlformats.org/presentationml/2006/main">
+  <p:cSld>
+    <p:spTree>
+      <p:nvGrpSpPr>
+        <p:cNvPr id="1" name=""/>
+        <p:cNvGrpSpPr/>
+        <p:nvPr/>
+      </p:nvGrpSpPr>
+      <p:grpSpPr>
+        <a:xfrm>
+          <a:off x="0" y="0"/>
+          <a:ext cx="0" cy="0"/>
+          <a:chOff x="0" y="0"/>
+          <a:chExt cx="0" cy="0"/>
+        </a:xfrm>
+      </p:grpSpPr>
+      <p:pic>
+        <p:nvPicPr>
+          <p:cNvPr id="2" name="图片 1" descr="屏幕剪辑"/>
+          <p:cNvPicPr>
+            <a:picLocks noChangeAspect="1"/>
+          </p:cNvPicPr>
+          <p:nvPr/>
+        </p:nvPicPr>
+        <p:blipFill>
+          <a:blip r:embed="rId2">
+            <a:extLst>
+              <a:ext uri="{28A0092B-C50C-407E-A947-70E740481C1C}">
+                <a14:useLocalDpi xmlns:a14="http://schemas.microsoft.com/office/drawing/2010/main" val="0"/>
+              </a:ext>
+            </a:extLst>
+          </a:blip>
+          <a:stretch>
+            <a:fillRect/>
+          </a:stretch>
+        </p:blipFill>
+        <p:spPr>
+          <a:xfrm>
+            <a:off x="1187624" y="188640"/>
+            <a:ext cx="6201640" cy="4610743"/>
+          </a:xfrm>
+          <a:prstGeom prst="rect">
+            <a:avLst/>
+          </a:prstGeom>
+          <a:ln>
+            <a:noFill/>
+          </a:ln>
+          <a:effectLst>
+            <a:outerShdw blurRad="292100" dist="139700" dir="2700000" algn="tl" rotWithShape="0">
+              <a:srgbClr val="333333">
+                <a:alpha val="65000"/>
+              </a:srgbClr>
+            </a:outerShdw>
+          </a:effectLst>
+        </p:spPr>
+      </p:pic>
+      <p:sp>
+        <p:nvSpPr>
+          <p:cNvPr id="6" name="矩形 5"/>
+          <p:cNvSpPr/>
+          <p:nvPr/>
+        </p:nvSpPr>
+        <p:spPr>
+          <a:xfrm>
+            <a:off x="3707904" y="1268760"/>
+            <a:ext cx="576064" cy="317453"/>
+          </a:xfrm>
+          <a:prstGeom prst="rect">
+            <a:avLst/>
+          </a:prstGeom>
+          <a:noFill/>
+          <a:ln w="28575">
+            <a:solidFill>
+              <a:srgbClr val="FFFF00"/>
+            </a:solidFill>
+          </a:ln>
+        </p:spPr>
+        <p:style>
+          <a:lnRef idx="2">
+            <a:schemeClr val="accent1">
+              <a:shade val="50000"/>
+            </a:schemeClr>
+          </a:lnRef>
+          <a:fillRef idx="1">
+            <a:schemeClr val="accent1"/>
+          </a:fillRef>
+          <a:effectRef idx="0">
+            <a:schemeClr val="accent1"/>
+          </a:effectRef>
+          <a:fontRef idx="minor">
+            <a:schemeClr val="lt1"/>
+          </a:fontRef>
+        </p:style>
+        <p:txBody>
+          <a:bodyPr rtlCol="0" anchor="ctr"/>
+          <a:lstStyle/>
+          <a:p>
+            <a:pPr algn="ctr"/>
+            <a:endParaRPr lang="zh-CN" altLang="en-US"/>
+          </a:p>
+        </p:txBody>
+      </p:sp>
+      <p:sp>
+        <p:nvSpPr>
+          <p:cNvPr id="7" name="矩形 6"/>
+          <p:cNvSpPr/>
+          <p:nvPr/>
+        </p:nvSpPr>
+        <p:spPr>
+          <a:xfrm>
+            <a:off x="4644008" y="2996952"/>
+            <a:ext cx="1152128" cy="360040"/>
+          </a:xfrm>
+          <a:prstGeom prst="rect">
+            <a:avLst/>
+          </a:prstGeom>
+          <a:noFill/>
+          <a:ln w="28575">
+            <a:solidFill>
+              <a:srgbClr val="FFFF00"/>
+            </a:solidFill>
+          </a:ln>
+        </p:spPr>
+        <p:style>
+          <a:lnRef idx="2">
+            <a:schemeClr val="accent1">
+              <a:shade val="50000"/>
+            </a:schemeClr>
+          </a:lnRef>
+          <a:fillRef idx="1">
+            <a:schemeClr val="accent1"/>
+          </a:fillRef>
+          <a:effectRef idx="0">
+            <a:schemeClr val="accent1"/>
+          </a:effectRef>
+          <a:fontRef idx="minor">
+            <a:schemeClr val="lt1"/>
+          </a:fontRef>
+        </p:style>
+        <p:txBody>
+          <a:bodyPr rtlCol="0" anchor="ctr"/>
+          <a:lstStyle/>
+          <a:p>
+            <a:pPr algn="ctr"/>
+            <a:endParaRPr lang="zh-CN" altLang="en-US"/>
+          </a:p>
+        </p:txBody>
+      </p:sp>
+      <p:pic>
+        <p:nvPicPr>
+          <p:cNvPr id="3" name="图片 2" descr="屏幕剪辑"/>
+          <p:cNvPicPr>
+            <a:picLocks noChangeAspect="1"/>
+          </p:cNvPicPr>
+          <p:nvPr/>
+        </p:nvPicPr>
+        <p:blipFill>
+          <a:blip r:embed="rId3">
+            <a:extLst>
+              <a:ext uri="{28A0092B-C50C-407E-A947-70E740481C1C}">
+                <a14:useLocalDpi xmlns:a14="http://schemas.microsoft.com/office/drawing/2010/main" val="0"/>
+              </a:ext>
+            </a:extLst>
+          </a:blip>
+          <a:stretch>
+            <a:fillRect/>
+          </a:stretch>
+        </p:blipFill>
+        <p:spPr>
+          <a:xfrm>
+            <a:off x="1569947" y="5875452"/>
+            <a:ext cx="3240000" cy="793908"/>
+          </a:xfrm>
+          <a:prstGeom prst="rect">
+            <a:avLst/>
+          </a:prstGeom>
+          <a:ln>
+            <a:noFill/>
+          </a:ln>
+          <a:effectLst>
+            <a:softEdge rad="112500"/>
+          </a:effectLst>
+        </p:spPr>
+      </p:pic>
+      <p:pic>
+        <p:nvPicPr>
+          <p:cNvPr id="8" name="图片 7" descr="屏幕剪辑"/>
+          <p:cNvPicPr>
+            <a:picLocks noChangeAspect="1"/>
+          </p:cNvPicPr>
+          <p:nvPr/>
+        </p:nvPicPr>
+        <p:blipFill>
+          <a:blip r:embed="rId4">
+            <a:extLst>
+              <a:ext uri="{28A0092B-C50C-407E-A947-70E740481C1C}">
+                <a14:useLocalDpi xmlns:a14="http://schemas.microsoft.com/office/drawing/2010/main" val="0"/>
+              </a:ext>
+            </a:extLst>
+          </a:blip>
+          <a:stretch>
+            <a:fillRect/>
+          </a:stretch>
+        </p:blipFill>
+        <p:spPr>
+          <a:xfrm>
+            <a:off x="1569947" y="4961474"/>
+            <a:ext cx="3240000" cy="768168"/>
+          </a:xfrm>
+          <a:prstGeom prst="rect">
+            <a:avLst/>
+          </a:prstGeom>
+          <a:ln>
+            <a:noFill/>
+          </a:ln>
+          <a:effectLst>
+            <a:softEdge rad="112500"/>
+          </a:effectLst>
+        </p:spPr>
+      </p:pic>
+    </p:spTree>
+    <p:extLst>
+      <p:ext uri="{BB962C8B-B14F-4D97-AF65-F5344CB8AC3E}">
+        <p14:creationId xmlns:p14="http://schemas.microsoft.com/office/powerpoint/2010/main" val="370661636"/>
+      </p:ext>
+    </p:extLst>
+  </p:cSld>
+  <p:clrMapOvr>
+    <a:masterClrMapping/>
+  </p:clrMapOvr>
+  <p:timing>
+    <p:tnLst>
+      <p:par>
+        <p:cTn id="1" dur="indefinite" restart="never" nodeType="tmRoot"/>
+      </p:par>
+    </p:tnLst>
+  </p:timing>
+</p:sld>
+</file>
+
+<file path=ppt/slides/slide13.xml><?xml version="1.0" encoding="utf-8"?>
+<p:sld xmlns:a="http://schemas.openxmlformats.org/drawingml/2006/main" xmlns:r="http://schemas.openxmlformats.org/officeDocument/2006/relationships" xmlns:p="http://schemas.openxmlformats.org/presentationml/2006/main">
+  <p:cSld>
+    <p:spTree>
+      <p:nvGrpSpPr>
+        <p:cNvPr id="1" name=""/>
+        <p:cNvGrpSpPr/>
+        <p:nvPr/>
+      </p:nvGrpSpPr>
+      <p:grpSpPr>
+        <a:xfrm>
+          <a:off x="0" y="0"/>
+          <a:ext cx="0" cy="0"/>
+          <a:chOff x="0" y="0"/>
+          <a:chExt cx="0" cy="0"/>
+        </a:xfrm>
+      </p:grpSpPr>
+      <p:sp>
+        <p:nvSpPr>
+          <p:cNvPr id="4" name="TextBox 3"/>
+          <p:cNvSpPr txBox="1"/>
+          <p:nvPr/>
+        </p:nvSpPr>
+        <p:spPr>
+          <a:xfrm>
+            <a:off x="684000" y="476672"/>
+            <a:ext cx="7776000" cy="523220"/>
+          </a:xfrm>
+          <a:prstGeom prst="rect">
+            <a:avLst/>
+          </a:prstGeom>
+          <a:noFill/>
+        </p:spPr>
+        <p:txBody>
+          <a:bodyPr wrap="square" rtlCol="0">
+            <a:spAutoFit/>
+          </a:bodyPr>
+          <a:lstStyle/>
+          <a:p>
+            <a:r>
+              <a:rPr lang="en-US" altLang="zh-CN" sz="2800" b="1" dirty="0" smtClean="0">
+                <a:solidFill>
+                  <a:schemeClr val="tx1">
+                    <a:lumMod val="75000"/>
+                    <a:lumOff val="25000"/>
+                  </a:schemeClr>
+                </a:solidFill>
+                <a:latin typeface="微软雅黑" pitchFamily="34" charset="-122"/>
+                <a:ea typeface="微软雅黑" pitchFamily="34" charset="-122"/>
+              </a:rPr>
+              <a:t>6.</a:t>
+            </a:r>
+            <a:r>
+              <a:rPr lang="zh-CN" altLang="en-US" sz="2800" b="1" dirty="0" smtClean="0">
+                <a:solidFill>
+                  <a:schemeClr val="tx1">
+                    <a:lumMod val="75000"/>
+                    <a:lumOff val="25000"/>
+                  </a:schemeClr>
+                </a:solidFill>
+                <a:latin typeface="微软雅黑" pitchFamily="34" charset="-122"/>
+                <a:ea typeface="微软雅黑" pitchFamily="34" charset="-122"/>
+              </a:rPr>
+              <a:t>复杂化</a:t>
+            </a:r>
+            <a:endParaRPr lang="zh-CN" altLang="en-US" sz="2800" b="1" dirty="0">
+              <a:solidFill>
+                <a:schemeClr val="tx1">
+                  <a:lumMod val="75000"/>
+                  <a:lumOff val="25000"/>
+                </a:schemeClr>
+              </a:solidFill>
+              <a:latin typeface="微软雅黑" pitchFamily="34" charset="-122"/>
+              <a:ea typeface="微软雅黑" pitchFamily="34" charset="-122"/>
+            </a:endParaRPr>
+          </a:p>
+        </p:txBody>
+      </p:sp>
+      <p:sp>
+        <p:nvSpPr>
+          <p:cNvPr id="5" name="TextBox 4"/>
+          <p:cNvSpPr txBox="1"/>
+          <p:nvPr/>
+        </p:nvSpPr>
+        <p:spPr>
+          <a:xfrm>
+            <a:off x="684000" y="1052736"/>
+            <a:ext cx="7776000" cy="1754326"/>
+          </a:xfrm>
+          <a:prstGeom prst="rect">
+            <a:avLst/>
+          </a:prstGeom>
+          <a:noFill/>
+        </p:spPr>
+        <p:txBody>
+          <a:bodyPr wrap="square" rtlCol="0">
+            <a:spAutoFit/>
+          </a:bodyPr>
+          <a:lstStyle/>
+          <a:p>
+            <a:pPr>
+              <a:lnSpc>
+                <a:spcPct val="150000"/>
+              </a:lnSpc>
+            </a:pPr>
+            <a:r>
+              <a:rPr lang="zh-CN" altLang="en-US" sz="2400" dirty="0" smtClean="0">
+                <a:solidFill>
+                  <a:schemeClr val="tx1">
+                    <a:lumMod val="75000"/>
+                    <a:lumOff val="25000"/>
+                  </a:schemeClr>
+                </a:solidFill>
+                <a:latin typeface="微软雅黑" pitchFamily="34" charset="-122"/>
+                <a:ea typeface="微软雅黑" pitchFamily="34" charset="-122"/>
+              </a:rPr>
+              <a:t>我们前面的例子都是向右偏移，我们再制作一个向左偏移的，边缘颜色是蓝色的偏移动画，最后把两个动画叠加</a:t>
+            </a:r>
+            <a:r>
+              <a:rPr lang="en-US" altLang="zh-CN" sz="2400" dirty="0" smtClean="0">
+                <a:solidFill>
+                  <a:schemeClr val="tx1">
+                    <a:lumMod val="75000"/>
+                    <a:lumOff val="25000"/>
+                  </a:schemeClr>
+                </a:solidFill>
+                <a:latin typeface="微软雅黑" pitchFamily="34" charset="-122"/>
+                <a:ea typeface="微软雅黑" pitchFamily="34" charset="-122"/>
+              </a:rPr>
+              <a:t>!  </a:t>
+            </a:r>
+            <a:endParaRPr lang="en-US" altLang="zh-CN" sz="2400" dirty="0" smtClean="0">
+              <a:solidFill>
+                <a:schemeClr val="tx1">
+                  <a:lumMod val="75000"/>
+                  <a:lumOff val="25000"/>
+                </a:schemeClr>
+              </a:solidFill>
+              <a:latin typeface="微软雅黑" pitchFamily="34" charset="-122"/>
+              <a:ea typeface="微软雅黑" pitchFamily="34" charset="-122"/>
+            </a:endParaRPr>
+          </a:p>
+        </p:txBody>
+      </p:sp>
+      <p:pic>
+        <p:nvPicPr>
+          <p:cNvPr id="3" name="图片 2" descr="屏幕剪辑"/>
+          <p:cNvPicPr>
+            <a:picLocks noChangeAspect="1"/>
+          </p:cNvPicPr>
+          <p:nvPr/>
+        </p:nvPicPr>
+        <p:blipFill>
+          <a:blip r:embed="rId2">
+            <a:extLst>
+              <a:ext uri="{28A0092B-C50C-407E-A947-70E740481C1C}">
+                <a14:useLocalDpi xmlns:a14="http://schemas.microsoft.com/office/drawing/2010/main" val="0"/>
+              </a:ext>
+            </a:extLst>
+          </a:blip>
+          <a:stretch>
+            <a:fillRect/>
+          </a:stretch>
+        </p:blipFill>
+        <p:spPr>
+          <a:xfrm>
+            <a:off x="827584" y="2807062"/>
+            <a:ext cx="5668166" cy="2276793"/>
+          </a:xfrm>
+          <a:prstGeom prst="rect">
+            <a:avLst/>
+          </a:prstGeom>
+          <a:ln>
+            <a:noFill/>
+          </a:ln>
+          <a:effectLst>
+            <a:outerShdw blurRad="292100" dist="139700" dir="2700000" algn="tl" rotWithShape="0">
+              <a:srgbClr val="333333">
+                <a:alpha val="65000"/>
+              </a:srgbClr>
+            </a:outerShdw>
+          </a:effectLst>
+        </p:spPr>
+      </p:pic>
+      <p:sp>
+        <p:nvSpPr>
+          <p:cNvPr id="6" name="圆角矩形标注 5"/>
+          <p:cNvSpPr/>
+          <p:nvPr/>
+        </p:nvSpPr>
+        <p:spPr>
+          <a:xfrm>
+            <a:off x="6300192" y="3561123"/>
+            <a:ext cx="1748658" cy="387486"/>
+          </a:xfrm>
+          <a:prstGeom prst="wedgeRoundRectCallout">
+            <a:avLst>
+              <a:gd name="adj1" fmla="val -57253"/>
+              <a:gd name="adj2" fmla="val 47296"/>
+              <a:gd name="adj3" fmla="val 16667"/>
+            </a:avLst>
+          </a:prstGeom>
+        </p:spPr>
+        <p:style>
+          <a:lnRef idx="2">
+            <a:schemeClr val="accent5"/>
+          </a:lnRef>
+          <a:fillRef idx="1">
+            <a:schemeClr val="lt1"/>
+          </a:fillRef>
+          <a:effectRef idx="0">
+            <a:schemeClr val="accent5"/>
+          </a:effectRef>
+          <a:fontRef idx="minor">
+            <a:schemeClr val="dk1"/>
+          </a:fontRef>
+        </p:style>
+        <p:txBody>
+          <a:bodyPr rtlCol="0" anchor="ctr"/>
+          <a:lstStyle/>
+          <a:p>
+            <a:pPr algn="ctr"/>
+            <a:r>
+              <a:rPr lang="zh-CN" altLang="en-US" sz="2000" dirty="0" smtClean="0">
+                <a:solidFill>
+                  <a:schemeClr val="tx1">
+                    <a:lumMod val="75000"/>
+                    <a:lumOff val="25000"/>
+                  </a:schemeClr>
+                </a:solidFill>
+                <a:latin typeface="微软雅黑" pitchFamily="34" charset="-122"/>
+                <a:ea typeface="微软雅黑" pitchFamily="34" charset="-122"/>
+              </a:rPr>
+              <a:t>红色偏移部分</a:t>
+            </a:r>
+            <a:endParaRPr lang="zh-CN" altLang="en-US" sz="2000" dirty="0">
+              <a:solidFill>
+                <a:schemeClr val="tx1">
+                  <a:lumMod val="75000"/>
+                  <a:lumOff val="25000"/>
+                </a:schemeClr>
+              </a:solidFill>
+              <a:latin typeface="微软雅黑" pitchFamily="34" charset="-122"/>
+              <a:ea typeface="微软雅黑" pitchFamily="34" charset="-122"/>
+            </a:endParaRPr>
+          </a:p>
+        </p:txBody>
+      </p:sp>
+      <p:sp>
+        <p:nvSpPr>
+          <p:cNvPr id="7" name="圆角矩形标注 6"/>
+          <p:cNvSpPr/>
+          <p:nvPr/>
+        </p:nvSpPr>
+        <p:spPr>
+          <a:xfrm>
+            <a:off x="6300192" y="4553155"/>
+            <a:ext cx="1748658" cy="387486"/>
+          </a:xfrm>
+          <a:prstGeom prst="wedgeRoundRectCallout">
+            <a:avLst>
+              <a:gd name="adj1" fmla="val -55759"/>
+              <a:gd name="adj2" fmla="val -49344"/>
+              <a:gd name="adj3" fmla="val 16667"/>
+            </a:avLst>
+          </a:prstGeom>
+        </p:spPr>
+        <p:style>
+          <a:lnRef idx="2">
+            <a:schemeClr val="accent5"/>
+          </a:lnRef>
+          <a:fillRef idx="1">
+            <a:schemeClr val="lt1"/>
+          </a:fillRef>
+          <a:effectRef idx="0">
+            <a:schemeClr val="accent5"/>
+          </a:effectRef>
+          <a:fontRef idx="minor">
+            <a:schemeClr val="dk1"/>
+          </a:fontRef>
+        </p:style>
+        <p:txBody>
+          <a:bodyPr rtlCol="0" anchor="ctr"/>
+          <a:lstStyle/>
+          <a:p>
+            <a:pPr algn="ctr"/>
+            <a:r>
+              <a:rPr lang="zh-CN" altLang="en-US" sz="2000" dirty="0" smtClean="0">
+                <a:solidFill>
+                  <a:schemeClr val="tx1">
+                    <a:lumMod val="75000"/>
+                    <a:lumOff val="25000"/>
+                  </a:schemeClr>
+                </a:solidFill>
+                <a:latin typeface="微软雅黑" pitchFamily="34" charset="-122"/>
+                <a:ea typeface="微软雅黑" pitchFamily="34" charset="-122"/>
+              </a:rPr>
+              <a:t>蓝色</a:t>
+            </a:r>
+            <a:r>
+              <a:rPr lang="zh-CN" altLang="en-US" sz="2000" dirty="0" smtClean="0">
+                <a:solidFill>
+                  <a:schemeClr val="tx1">
+                    <a:lumMod val="75000"/>
+                    <a:lumOff val="25000"/>
+                  </a:schemeClr>
+                </a:solidFill>
+                <a:latin typeface="微软雅黑" pitchFamily="34" charset="-122"/>
+                <a:ea typeface="微软雅黑" pitchFamily="34" charset="-122"/>
+              </a:rPr>
+              <a:t>偏移部分</a:t>
+            </a:r>
+            <a:endParaRPr lang="zh-CN" altLang="en-US" sz="2000" dirty="0">
+              <a:solidFill>
+                <a:schemeClr val="tx1">
+                  <a:lumMod val="75000"/>
+                  <a:lumOff val="25000"/>
+                </a:schemeClr>
+              </a:solidFill>
+              <a:latin typeface="微软雅黑" pitchFamily="34" charset="-122"/>
+              <a:ea typeface="微软雅黑" pitchFamily="34" charset="-122"/>
+            </a:endParaRPr>
+          </a:p>
+        </p:txBody>
+      </p:sp>
+      <p:sp>
+        <p:nvSpPr>
+          <p:cNvPr id="8" name="矩形 7"/>
+          <p:cNvSpPr/>
+          <p:nvPr/>
+        </p:nvSpPr>
+        <p:spPr>
+          <a:xfrm>
+            <a:off x="2843808" y="3861048"/>
+            <a:ext cx="3168352" cy="360040"/>
+          </a:xfrm>
+          <a:prstGeom prst="rect">
+            <a:avLst/>
+          </a:prstGeom>
+          <a:noFill/>
+          <a:ln w="28575">
+            <a:solidFill>
+              <a:srgbClr val="FFFF00"/>
+            </a:solidFill>
+          </a:ln>
+        </p:spPr>
+        <p:style>
+          <a:lnRef idx="2">
+            <a:schemeClr val="accent1">
+              <a:shade val="50000"/>
+            </a:schemeClr>
+          </a:lnRef>
+          <a:fillRef idx="1">
+            <a:schemeClr val="accent1"/>
+          </a:fillRef>
+          <a:effectRef idx="0">
+            <a:schemeClr val="accent1"/>
+          </a:effectRef>
+          <a:fontRef idx="minor">
+            <a:schemeClr val="lt1"/>
+          </a:fontRef>
+        </p:style>
+        <p:txBody>
+          <a:bodyPr rtlCol="0" anchor="ctr"/>
+          <a:lstStyle/>
+          <a:p>
+            <a:pPr algn="ctr"/>
+            <a:endParaRPr lang="zh-CN" altLang="en-US"/>
+          </a:p>
+        </p:txBody>
+      </p:sp>
+      <p:sp>
+        <p:nvSpPr>
+          <p:cNvPr id="9" name="矩形 8"/>
+          <p:cNvSpPr/>
+          <p:nvPr/>
+        </p:nvSpPr>
+        <p:spPr>
+          <a:xfrm>
+            <a:off x="2843808" y="4221088"/>
+            <a:ext cx="3168352" cy="360040"/>
+          </a:xfrm>
+          <a:prstGeom prst="rect">
+            <a:avLst/>
+          </a:prstGeom>
+          <a:noFill/>
+          <a:ln w="28575">
+            <a:solidFill>
+              <a:srgbClr val="FFFF00"/>
+            </a:solidFill>
+          </a:ln>
+        </p:spPr>
+        <p:style>
+          <a:lnRef idx="2">
+            <a:schemeClr val="accent1">
+              <a:shade val="50000"/>
+            </a:schemeClr>
+          </a:lnRef>
+          <a:fillRef idx="1">
+            <a:schemeClr val="accent1"/>
+          </a:fillRef>
+          <a:effectRef idx="0">
+            <a:schemeClr val="accent1"/>
+          </a:effectRef>
+          <a:fontRef idx="minor">
+            <a:schemeClr val="lt1"/>
+          </a:fontRef>
+        </p:style>
+        <p:txBody>
+          <a:bodyPr rtlCol="0" anchor="ctr"/>
+          <a:lstStyle/>
+          <a:p>
+            <a:pPr algn="ctr"/>
+            <a:endParaRPr lang="zh-CN" altLang="en-US"/>
+          </a:p>
+        </p:txBody>
+      </p:sp>
+      <p:pic>
+        <p:nvPicPr>
+          <p:cNvPr id="11" name="图片 10" descr="屏幕剪辑"/>
+          <p:cNvPicPr>
+            <a:picLocks noChangeAspect="1"/>
+          </p:cNvPicPr>
+          <p:nvPr/>
+        </p:nvPicPr>
+        <p:blipFill>
+          <a:blip r:embed="rId3">
+            <a:extLst>
+              <a:ext uri="{28A0092B-C50C-407E-A947-70E740481C1C}">
+                <a14:useLocalDpi xmlns:a14="http://schemas.microsoft.com/office/drawing/2010/main" val="0"/>
+              </a:ext>
+            </a:extLst>
+          </a:blip>
+          <a:stretch>
+            <a:fillRect/>
+          </a:stretch>
+        </p:blipFill>
+        <p:spPr>
+          <a:xfrm>
+            <a:off x="1475656" y="5275074"/>
+            <a:ext cx="4124901" cy="1000265"/>
+          </a:xfrm>
+          <a:prstGeom prst="rect">
+            <a:avLst/>
+          </a:prstGeom>
+          <a:ln>
+            <a:noFill/>
+          </a:ln>
+          <a:effectLst>
+            <a:softEdge rad="112500"/>
+          </a:effectLst>
+        </p:spPr>
+      </p:pic>
+      <p:sp>
+        <p:nvSpPr>
+          <p:cNvPr id="12" name="圆角矩形标注 11"/>
+          <p:cNvSpPr/>
+          <p:nvPr/>
+        </p:nvSpPr>
+        <p:spPr>
+          <a:xfrm>
+            <a:off x="5724128" y="5882025"/>
+            <a:ext cx="1584176" cy="387486"/>
+          </a:xfrm>
+          <a:prstGeom prst="wedgeRoundRectCallout">
+            <a:avLst>
+              <a:gd name="adj1" fmla="val -55759"/>
+              <a:gd name="adj2" fmla="val -49344"/>
+              <a:gd name="adj3" fmla="val 16667"/>
+            </a:avLst>
+          </a:prstGeom>
+        </p:spPr>
+        <p:style>
+          <a:lnRef idx="2">
+            <a:schemeClr val="accent5"/>
+          </a:lnRef>
+          <a:fillRef idx="1">
+            <a:schemeClr val="lt1"/>
+          </a:fillRef>
+          <a:effectRef idx="0">
+            <a:schemeClr val="accent5"/>
+          </a:effectRef>
+          <a:fontRef idx="minor">
+            <a:schemeClr val="dk1"/>
+          </a:fontRef>
+        </p:style>
+        <p:txBody>
+          <a:bodyPr rtlCol="0" anchor="ctr"/>
+          <a:lstStyle/>
+          <a:p>
+            <a:pPr algn="ctr"/>
+            <a:r>
+              <a:rPr lang="zh-CN" altLang="en-US" sz="2000" dirty="0" smtClean="0">
+                <a:solidFill>
+                  <a:schemeClr val="tx1">
+                    <a:lumMod val="75000"/>
+                    <a:lumOff val="25000"/>
+                  </a:schemeClr>
+                </a:solidFill>
+                <a:latin typeface="微软雅黑" pitchFamily="34" charset="-122"/>
+                <a:ea typeface="微软雅黑" pitchFamily="34" charset="-122"/>
+              </a:rPr>
+              <a:t>大功告成</a:t>
+            </a:r>
+            <a:endParaRPr lang="zh-CN" altLang="en-US" sz="2000" dirty="0">
+              <a:solidFill>
+                <a:schemeClr val="tx1">
+                  <a:lumMod val="75000"/>
+                  <a:lumOff val="25000"/>
+                </a:schemeClr>
+              </a:solidFill>
+              <a:latin typeface="微软雅黑" pitchFamily="34" charset="-122"/>
+              <a:ea typeface="微软雅黑" pitchFamily="34" charset="-122"/>
+            </a:endParaRPr>
+          </a:p>
+        </p:txBody>
+      </p:sp>
+    </p:spTree>
+    <p:extLst>
+      <p:ext uri="{BB962C8B-B14F-4D97-AF65-F5344CB8AC3E}">
+        <p14:creationId xmlns:p14="http://schemas.microsoft.com/office/powerpoint/2010/main" val="2947941765"/>
+      </p:ext>
+    </p:extLst>
+  </p:cSld>
+  <p:clrMapOvr>
+    <a:masterClrMapping/>
+  </p:clrMapOvr>
+  <p:timing>
+    <p:tnLst>
+      <p:par>
+        <p:cTn id="1" dur="indefinite" restart="never" nodeType="tmRoot"/>
+      </p:par>
+    </p:tnLst>
+  </p:timing>
+</p:sld>
+</file>
+
+<file path=ppt/slides/slide14.xml><?xml version="1.0" encoding="utf-8"?>
+<p:sld xmlns:a="http://schemas.openxmlformats.org/drawingml/2006/main" xmlns:r="http://schemas.openxmlformats.org/officeDocument/2006/relationships" xmlns:p="http://schemas.openxmlformats.org/presentationml/2006/main">
+  <p:cSld>
+    <p:spTree>
+      <p:nvGrpSpPr>
+        <p:cNvPr id="1" name=""/>
+        <p:cNvGrpSpPr/>
+        <p:nvPr/>
+      </p:nvGrpSpPr>
+      <p:grpSpPr>
+        <a:xfrm>
+          <a:off x="0" y="0"/>
+          <a:ext cx="0" cy="0"/>
+          <a:chOff x="0" y="0"/>
+          <a:chExt cx="0" cy="0"/>
+        </a:xfrm>
+      </p:grpSpPr>
+      <p:sp>
+        <p:nvSpPr>
+          <p:cNvPr id="4" name="TextBox 3"/>
+          <p:cNvSpPr txBox="1"/>
+          <p:nvPr/>
+        </p:nvSpPr>
+        <p:spPr>
+          <a:xfrm>
+            <a:off x="467544" y="476672"/>
+            <a:ext cx="7776864" cy="523220"/>
+          </a:xfrm>
+          <a:prstGeom prst="rect">
+            <a:avLst/>
+          </a:prstGeom>
+          <a:noFill/>
+        </p:spPr>
+        <p:txBody>
+          <a:bodyPr wrap="square" rtlCol="0">
+            <a:spAutoFit/>
+          </a:bodyPr>
+          <a:lstStyle/>
+          <a:p>
+            <a:r>
+              <a:rPr lang="en-US" altLang="zh-CN" sz="2800" b="1" dirty="0">
+                <a:solidFill>
+                  <a:schemeClr val="tx1">
+                    <a:lumMod val="75000"/>
+                    <a:lumOff val="25000"/>
+                  </a:schemeClr>
+                </a:solidFill>
+                <a:latin typeface="微软雅黑" pitchFamily="34" charset="-122"/>
+                <a:ea typeface="微软雅黑" pitchFamily="34" charset="-122"/>
+              </a:rPr>
+              <a:t>7</a:t>
+            </a:r>
+            <a:r>
+              <a:rPr lang="en-US" altLang="zh-CN" sz="2800" b="1" dirty="0" smtClean="0">
+                <a:solidFill>
+                  <a:schemeClr val="tx1">
+                    <a:lumMod val="75000"/>
+                    <a:lumOff val="25000"/>
+                  </a:schemeClr>
+                </a:solidFill>
+                <a:latin typeface="微软雅黑" pitchFamily="34" charset="-122"/>
+                <a:ea typeface="微软雅黑" pitchFamily="34" charset="-122"/>
+              </a:rPr>
+              <a:t>.</a:t>
+            </a:r>
+            <a:r>
+              <a:rPr lang="zh-CN" altLang="en-US" sz="2800" b="1" dirty="0" smtClean="0">
+                <a:solidFill>
+                  <a:schemeClr val="tx1">
+                    <a:lumMod val="75000"/>
+                    <a:lumOff val="25000"/>
+                  </a:schemeClr>
+                </a:solidFill>
+                <a:latin typeface="微软雅黑" pitchFamily="34" charset="-122"/>
+                <a:ea typeface="微软雅黑" pitchFamily="34" charset="-122"/>
+              </a:rPr>
+              <a:t>更多思考</a:t>
+            </a:r>
+            <a:endParaRPr lang="zh-CN" altLang="en-US" sz="2800" b="1" dirty="0">
+              <a:solidFill>
+                <a:schemeClr val="tx1">
+                  <a:lumMod val="75000"/>
+                  <a:lumOff val="25000"/>
+                </a:schemeClr>
+              </a:solidFill>
+              <a:latin typeface="微软雅黑" pitchFamily="34" charset="-122"/>
+              <a:ea typeface="微软雅黑" pitchFamily="34" charset="-122"/>
+            </a:endParaRPr>
+          </a:p>
+        </p:txBody>
+      </p:sp>
+      <p:sp>
+        <p:nvSpPr>
+          <p:cNvPr id="9" name="TextBox 8"/>
+          <p:cNvSpPr txBox="1"/>
+          <p:nvPr/>
+        </p:nvSpPr>
+        <p:spPr>
+          <a:xfrm>
+            <a:off x="611560" y="2996952"/>
+            <a:ext cx="7776864" cy="1384995"/>
+          </a:xfrm>
+          <a:prstGeom prst="rect">
+            <a:avLst/>
+          </a:prstGeom>
+          <a:noFill/>
+        </p:spPr>
+        <p:txBody>
+          <a:bodyPr wrap="square" rtlCol="0">
+            <a:spAutoFit/>
+          </a:bodyPr>
+          <a:lstStyle/>
+          <a:p>
+            <a:r>
+              <a:rPr lang="en-US" altLang="zh-CN" sz="2800" b="1" dirty="0" smtClean="0">
+                <a:solidFill>
+                  <a:schemeClr val="tx1">
+                    <a:lumMod val="75000"/>
+                    <a:lumOff val="25000"/>
+                  </a:schemeClr>
+                </a:solidFill>
+                <a:latin typeface="微软雅黑" pitchFamily="34" charset="-122"/>
+                <a:ea typeface="微软雅黑" pitchFamily="34" charset="-122"/>
+              </a:rPr>
+              <a:t>	</a:t>
+            </a:r>
+            <a:r>
+              <a:rPr lang="zh-CN" altLang="en-US" sz="2800" b="1" dirty="0" smtClean="0">
+                <a:solidFill>
+                  <a:schemeClr val="tx1">
+                    <a:lumMod val="75000"/>
+                    <a:lumOff val="25000"/>
+                  </a:schemeClr>
+                </a:solidFill>
+                <a:latin typeface="微软雅黑" pitchFamily="34" charset="-122"/>
+                <a:ea typeface="微软雅黑" pitchFamily="34" charset="-122"/>
+              </a:rPr>
+              <a:t>本期内容就讲到这里，谢谢大家！</a:t>
+            </a:r>
+            <a:endParaRPr lang="en-US" altLang="zh-CN" sz="2800" b="1" dirty="0" smtClean="0">
+              <a:solidFill>
+                <a:schemeClr val="tx1">
+                  <a:lumMod val="75000"/>
+                  <a:lumOff val="25000"/>
+                </a:schemeClr>
+              </a:solidFill>
+              <a:latin typeface="微软雅黑" pitchFamily="34" charset="-122"/>
+              <a:ea typeface="微软雅黑" pitchFamily="34" charset="-122"/>
+            </a:endParaRPr>
+          </a:p>
+          <a:p>
+            <a:endParaRPr lang="en-US" altLang="zh-CN" sz="2800" b="1" dirty="0" smtClean="0">
+              <a:solidFill>
+                <a:schemeClr val="tx1">
+                  <a:lumMod val="75000"/>
+                  <a:lumOff val="25000"/>
+                </a:schemeClr>
+              </a:solidFill>
+              <a:latin typeface="微软雅黑" pitchFamily="34" charset="-122"/>
+              <a:ea typeface="微软雅黑" pitchFamily="34" charset="-122"/>
+            </a:endParaRPr>
+          </a:p>
+          <a:p>
+            <a:r>
+              <a:rPr lang="en-US" altLang="zh-CN" sz="2800" b="1" dirty="0">
+                <a:solidFill>
+                  <a:schemeClr val="tx1">
+                    <a:lumMod val="75000"/>
+                    <a:lumOff val="25000"/>
+                  </a:schemeClr>
+                </a:solidFill>
+                <a:latin typeface="微软雅黑" pitchFamily="34" charset="-122"/>
+                <a:ea typeface="微软雅黑" pitchFamily="34" charset="-122"/>
+              </a:rPr>
+              <a:t>	</a:t>
+            </a:r>
+            <a:r>
+              <a:rPr lang="en-US" altLang="zh-CN" sz="2800" b="1" dirty="0" smtClean="0">
+                <a:solidFill>
+                  <a:schemeClr val="tx1">
+                    <a:lumMod val="75000"/>
+                    <a:lumOff val="25000"/>
+                  </a:schemeClr>
+                </a:solidFill>
+                <a:latin typeface="微软雅黑" pitchFamily="34" charset="-122"/>
+                <a:ea typeface="微软雅黑" pitchFamily="34" charset="-122"/>
+              </a:rPr>
+              <a:t>	</a:t>
+            </a:r>
+            <a:endParaRPr lang="zh-CN" altLang="en-US" sz="2800" b="1" dirty="0">
+              <a:solidFill>
+                <a:schemeClr val="tx1">
+                  <a:lumMod val="75000"/>
+                  <a:lumOff val="25000"/>
+                </a:schemeClr>
+              </a:solidFill>
+              <a:latin typeface="微软雅黑" pitchFamily="34" charset="-122"/>
+              <a:ea typeface="微软雅黑" pitchFamily="34" charset="-122"/>
+            </a:endParaRPr>
+          </a:p>
+        </p:txBody>
+      </p:sp>
+      <p:sp>
+        <p:nvSpPr>
+          <p:cNvPr id="5" name="TextBox 4"/>
+          <p:cNvSpPr txBox="1"/>
+          <p:nvPr/>
+        </p:nvSpPr>
+        <p:spPr>
+          <a:xfrm>
+            <a:off x="467544" y="1268760"/>
+            <a:ext cx="7632848" cy="1200329"/>
+          </a:xfrm>
+          <a:prstGeom prst="rect">
+            <a:avLst/>
+          </a:prstGeom>
+          <a:noFill/>
+        </p:spPr>
+        <p:txBody>
+          <a:bodyPr wrap="square" rtlCol="0">
+            <a:spAutoFit/>
+          </a:bodyPr>
+          <a:lstStyle/>
+          <a:p>
+            <a:pPr marL="342900" indent="-342900">
+              <a:lnSpc>
+                <a:spcPct val="150000"/>
+              </a:lnSpc>
+              <a:buFont typeface="Arial" pitchFamily="34" charset="0"/>
+              <a:buChar char="•"/>
+            </a:pPr>
+            <a:r>
+              <a:rPr lang="zh-CN" altLang="en-US" sz="2400" dirty="0" smtClean="0">
+                <a:solidFill>
+                  <a:schemeClr val="tx1">
+                    <a:lumMod val="75000"/>
+                    <a:lumOff val="25000"/>
+                  </a:schemeClr>
+                </a:solidFill>
+                <a:latin typeface="微软雅黑" pitchFamily="34" charset="-122"/>
+                <a:ea typeface="微软雅黑" pitchFamily="34" charset="-122"/>
+              </a:rPr>
+              <a:t>除了将红色偏移和蓝色偏移叠加起来的方式，能否通过改变</a:t>
+            </a:r>
+            <a:r>
+              <a:rPr lang="en-US" altLang="zh-CN" sz="2400" dirty="0" smtClean="0">
+                <a:solidFill>
+                  <a:schemeClr val="tx1">
+                    <a:lumMod val="75000"/>
+                    <a:lumOff val="25000"/>
+                  </a:schemeClr>
+                </a:solidFill>
+                <a:latin typeface="微软雅黑" pitchFamily="34" charset="-122"/>
+                <a:ea typeface="微软雅黑" pitchFamily="34" charset="-122"/>
+              </a:rPr>
+              <a:t>&lt;</a:t>
+            </a:r>
+            <a:r>
+              <a:rPr lang="en-US" altLang="zh-CN" sz="2400" dirty="0" err="1" smtClean="0">
+                <a:solidFill>
+                  <a:schemeClr val="tx1">
+                    <a:lumMod val="75000"/>
+                    <a:lumOff val="25000"/>
+                  </a:schemeClr>
+                </a:solidFill>
+                <a:latin typeface="微软雅黑" pitchFamily="34" charset="-122"/>
+                <a:ea typeface="微软雅黑" pitchFamily="34" charset="-122"/>
+              </a:rPr>
+              <a:t>feMerge</a:t>
+            </a:r>
+            <a:r>
+              <a:rPr lang="en-US" altLang="zh-CN" sz="2400" dirty="0" smtClean="0">
+                <a:solidFill>
+                  <a:schemeClr val="tx1">
+                    <a:lumMod val="75000"/>
+                    <a:lumOff val="25000"/>
+                  </a:schemeClr>
+                </a:solidFill>
+                <a:latin typeface="微软雅黑" pitchFamily="34" charset="-122"/>
+                <a:ea typeface="微软雅黑" pitchFamily="34" charset="-122"/>
+              </a:rPr>
+              <a:t>&gt;</a:t>
+            </a:r>
+            <a:r>
+              <a:rPr lang="zh-CN" altLang="en-US" sz="2400" dirty="0" smtClean="0">
+                <a:solidFill>
+                  <a:schemeClr val="tx1">
+                    <a:lumMod val="75000"/>
+                    <a:lumOff val="25000"/>
+                  </a:schemeClr>
+                </a:solidFill>
+                <a:latin typeface="微软雅黑" pitchFamily="34" charset="-122"/>
+                <a:ea typeface="微软雅黑" pitchFamily="34" charset="-122"/>
+              </a:rPr>
+              <a:t>的</a:t>
+            </a:r>
+            <a:r>
+              <a:rPr lang="en-US" altLang="zh-CN" sz="2400" dirty="0" smtClean="0">
+                <a:solidFill>
+                  <a:schemeClr val="tx1">
+                    <a:lumMod val="75000"/>
+                    <a:lumOff val="25000"/>
+                  </a:schemeClr>
+                </a:solidFill>
+                <a:latin typeface="微软雅黑" pitchFamily="34" charset="-122"/>
+                <a:ea typeface="微软雅黑" pitchFamily="34" charset="-122"/>
+              </a:rPr>
+              <a:t>x</a:t>
+            </a:r>
+            <a:r>
+              <a:rPr lang="zh-CN" altLang="en-US" sz="2400" dirty="0" smtClean="0">
+                <a:solidFill>
+                  <a:schemeClr val="tx1">
+                    <a:lumMod val="75000"/>
+                    <a:lumOff val="25000"/>
+                  </a:schemeClr>
+                </a:solidFill>
+                <a:latin typeface="微软雅黑" pitchFamily="34" charset="-122"/>
+                <a:ea typeface="微软雅黑" pitchFamily="34" charset="-122"/>
+              </a:rPr>
+              <a:t>属性，来实现类似效果呢？</a:t>
+            </a:r>
+            <a:endParaRPr lang="en-US" altLang="zh-CN" sz="2400" dirty="0" smtClean="0">
+              <a:solidFill>
+                <a:schemeClr val="tx1">
+                  <a:lumMod val="75000"/>
+                  <a:lumOff val="25000"/>
+                </a:schemeClr>
+              </a:solidFill>
+              <a:latin typeface="微软雅黑" pitchFamily="34" charset="-122"/>
+              <a:ea typeface="微软雅黑" pitchFamily="34" charset="-122"/>
+            </a:endParaRPr>
+          </a:p>
+        </p:txBody>
+      </p:sp>
+    </p:spTree>
+    <p:extLst>
+      <p:ext uri="{BB962C8B-B14F-4D97-AF65-F5344CB8AC3E}">
+        <p14:creationId xmlns:p14="http://schemas.microsoft.com/office/powerpoint/2010/main" val="2328121375"/>
+      </p:ext>
+    </p:extLst>
+  </p:cSld>
+  <p:clrMapOvr>
+    <a:masterClrMapping/>
+  </p:clrMapOvr>
+</p:sld>
+</file>
+
 <file path=ppt/slides/slide2.xml><?xml version="1.0" encoding="utf-8"?>
 <p:sld xmlns:a="http://schemas.openxmlformats.org/drawingml/2006/main" xmlns:r="http://schemas.openxmlformats.org/officeDocument/2006/relationships" xmlns:p="http://schemas.openxmlformats.org/presentationml/2006/main">
   <p:cSld>
@@ -3809,20 +5548,7 @@
                 <a:latin typeface="微软雅黑" pitchFamily="34" charset="-122"/>
                 <a:ea typeface="微软雅黑" pitchFamily="34" charset="-122"/>
               </a:rPr>
-              <a:t>文本的屏幕闪烁（</a:t>
-            </a:r>
-            <a:r>
-              <a:rPr lang="zh-CN" altLang="en-US" sz="2800" b="1" dirty="0" smtClean="0">
-                <a:solidFill>
-                  <a:schemeClr val="tx1">
-                    <a:lumMod val="75000"/>
-                    <a:lumOff val="25000"/>
-                  </a:schemeClr>
-                </a:solidFill>
-                <a:latin typeface="微软雅黑" pitchFamily="34" charset="-122"/>
-                <a:ea typeface="微软雅黑" pitchFamily="34" charset="-122"/>
-              </a:rPr>
-              <a:t>难度：</a:t>
+              <a:t>文本的屏幕闪烁（难度：</a:t>
             </a:r>
             <a:r>
               <a:rPr lang="en-US" altLang="zh-CN" sz="2800" b="1" dirty="0" smtClean="0">
@@ -3901,7 +5627,20 @@
                 <a:latin typeface="微软雅黑" pitchFamily="34" charset="-122"/>
                 <a:ea typeface="微软雅黑" pitchFamily="34" charset="-122"/>
               </a:rPr>
-              <a:t>本期我们的目标</a:t>
+              <a:t>本期我们的目标是使用</a:t>
+            </a:r>
+            <a:r>
+              <a:rPr lang="en-US" altLang="zh-CN" sz="2400" dirty="0" smtClean="0">
+                <a:solidFill>
+                  <a:schemeClr val="tx1">
+                    <a:lumMod val="75000"/>
+                    <a:lumOff val="25000"/>
+                  </a:schemeClr>
+                </a:solidFill>
+                <a:latin typeface="微软雅黑" pitchFamily="34" charset="-122"/>
+                <a:ea typeface="微软雅黑" pitchFamily="34" charset="-122"/>
+              </a:rPr>
+              <a:t>SVG</a:t>
             </a:r>
             <a:r>
               <a:rPr lang="zh-CN" altLang="en-US" sz="2400" dirty="0" smtClean="0">
@@ -3914,7 +5653,7 @@
                 <a:latin typeface="微软雅黑" pitchFamily="34" charset="-122"/>
                 <a:ea typeface="微软雅黑" pitchFamily="34" charset="-122"/>
               </a:rPr>
-              <a:t>是使用</a:t>
+              <a:t>滤镜，模拟文本在屏幕发生故障时的闪烁效果</a:t>
             </a:r>
             <a:r>
               <a:rPr lang="en-US" altLang="zh-CN" sz="2400" dirty="0" smtClean="0">
@@ -3927,7 +5666,20 @@
                 <a:latin typeface="微软雅黑" pitchFamily="34" charset="-122"/>
                 <a:ea typeface="微软雅黑" pitchFamily="34" charset="-122"/>
               </a:rPr>
-              <a:t>SVG</a:t>
+              <a:t>.</a:t>
+            </a:r>
+            <a:r>
+              <a:rPr lang="zh-CN" altLang="en-US" sz="2400" dirty="0">
+                <a:solidFill>
+                  <a:schemeClr val="tx1">
+                    <a:lumMod val="75000"/>
+                    <a:lumOff val="25000"/>
+                  </a:schemeClr>
+                </a:solidFill>
+                <a:latin typeface="微软雅黑" pitchFamily="34" charset="-122"/>
+                <a:ea typeface="微软雅黑" pitchFamily="34" charset="-122"/>
+              </a:rPr>
+              <a:t>具体</a:t>
             </a:r>
             <a:r>
               <a:rPr lang="zh-CN" altLang="en-US" sz="2400" dirty="0" smtClean="0">
@@ -3940,59 +5692,7 @@
                 <a:latin typeface="微软雅黑" pitchFamily="34" charset="-122"/>
                 <a:ea typeface="微软雅黑" pitchFamily="34" charset="-122"/>
               </a:rPr>
-              <a:t>滤镜，模拟文本在屏幕发生故障时的闪烁效果</a:t>
-            </a:r>
-            <a:r>
-              <a:rPr lang="en-US" altLang="zh-CN" sz="2400" dirty="0" smtClean="0">
-                <a:solidFill>
-                  <a:schemeClr val="tx1">
-                    <a:lumMod val="75000"/>
-                    <a:lumOff val="25000"/>
-                  </a:schemeClr>
-                </a:solidFill>
-                <a:latin typeface="微软雅黑" pitchFamily="34" charset="-122"/>
-                <a:ea typeface="微软雅黑" pitchFamily="34" charset="-122"/>
-              </a:rPr>
-              <a:t>.</a:t>
-            </a:r>
-            <a:r>
-              <a:rPr lang="zh-CN" altLang="en-US" sz="2400" dirty="0">
-                <a:solidFill>
-                  <a:schemeClr val="tx1">
-                    <a:lumMod val="75000"/>
-                    <a:lumOff val="25000"/>
-                  </a:schemeClr>
-                </a:solidFill>
-                <a:latin typeface="微软雅黑" pitchFamily="34" charset="-122"/>
-                <a:ea typeface="微软雅黑" pitchFamily="34" charset="-122"/>
-              </a:rPr>
-              <a:t>具体</a:t>
-            </a:r>
-            <a:r>
-              <a:rPr lang="zh-CN" altLang="en-US" sz="2400" dirty="0" smtClean="0">
-                <a:solidFill>
-                  <a:schemeClr val="tx1">
-                    <a:lumMod val="75000"/>
-                    <a:lumOff val="25000"/>
-                  </a:schemeClr>
-                </a:solidFill>
-                <a:latin typeface="微软雅黑" pitchFamily="34" charset="-122"/>
-                <a:ea typeface="微软雅黑" pitchFamily="34" charset="-122"/>
-              </a:rPr>
-              <a:t>来说，比如</a:t>
-            </a:r>
-            <a:r>
-              <a:rPr lang="zh-CN" altLang="en-US" sz="2400" dirty="0" smtClean="0">
-                <a:solidFill>
-                  <a:schemeClr val="tx1">
-                    <a:lumMod val="75000"/>
-                    <a:lumOff val="25000"/>
-                  </a:schemeClr>
-                </a:solidFill>
-                <a:latin typeface="微软雅黑" pitchFamily="34" charset="-122"/>
-                <a:ea typeface="微软雅黑" pitchFamily="34" charset="-122"/>
-              </a:rPr>
-              <a:t>文字某些部分会错位，变色的效果。</a:t>
+              <a:t>来说，比如文字某些部分会错位，变色的效果。</a:t>
             </a:r>
             <a:endParaRPr lang="en-US" altLang="zh-CN" sz="2400" dirty="0" smtClean="0">
               <a:solidFill>
@@ -4207,7 +5907,33 @@
                 <a:latin typeface="微软雅黑" pitchFamily="34" charset="-122"/>
                 <a:ea typeface="微软雅黑" pitchFamily="34" charset="-122"/>
               </a:rPr>
-              <a:t>文字的屏幕故障效果，归根结底是文字某水平区域显示错位，同时边缘有一些杂色</a:t>
+              <a:t>文字的屏幕故障效果，归根结底是文字某</a:t>
+            </a:r>
+            <a:r>
+              <a:rPr lang="zh-CN" altLang="en-US" sz="2400" b="1" dirty="0" smtClean="0">
+                <a:solidFill>
+                  <a:schemeClr val="tx1">
+                    <a:lumMod val="75000"/>
+                    <a:lumOff val="25000"/>
+                  </a:schemeClr>
+                </a:solidFill>
+                <a:latin typeface="微软雅黑" pitchFamily="34" charset="-122"/>
+                <a:ea typeface="微软雅黑" pitchFamily="34" charset="-122"/>
+              </a:rPr>
+              <a:t>水平区域显示错位</a:t>
+            </a:r>
+            <a:r>
+              <a:rPr lang="zh-CN" altLang="en-US" sz="2400" dirty="0" smtClean="0">
+                <a:solidFill>
+                  <a:schemeClr val="tx1">
+                    <a:lumMod val="75000"/>
+                    <a:lumOff val="25000"/>
+                  </a:schemeClr>
+                </a:solidFill>
+                <a:latin typeface="微软雅黑" pitchFamily="34" charset="-122"/>
+                <a:ea typeface="微软雅黑" pitchFamily="34" charset="-122"/>
+              </a:rPr>
+              <a:t>，同时边缘有一些杂色</a:t>
             </a:r>
             <a:r>
               <a:rPr lang="en-US" altLang="zh-CN" sz="2400" dirty="0" smtClean="0">
@@ -4661,33 +6387,20 @@
                 <a:latin typeface="微软雅黑" pitchFamily="34" charset="-122"/>
                 <a:ea typeface="微软雅黑" pitchFamily="34" charset="-122"/>
               </a:rPr>
-              <a:t>3</a:t>
-            </a:r>
-            <a:r>
-              <a:rPr lang="en-US" altLang="zh-CN" sz="2800" b="1" dirty="0" smtClean="0">
-                <a:solidFill>
-                  <a:schemeClr val="tx1">
-                    <a:lumMod val="75000"/>
-                    <a:lumOff val="25000"/>
-                  </a:schemeClr>
-                </a:solidFill>
-                <a:latin typeface="微软雅黑" pitchFamily="34" charset="-122"/>
-                <a:ea typeface="微软雅黑" pitchFamily="34" charset="-122"/>
-              </a:rPr>
-              <a:t>.</a:t>
-            </a:r>
-            <a:r>
-              <a:rPr lang="zh-CN" altLang="en-US" sz="2800" b="1" smtClean="0">
-                <a:solidFill>
-                  <a:schemeClr val="tx1">
-                    <a:lumMod val="75000"/>
-                    <a:lumOff val="25000"/>
-                  </a:schemeClr>
-                </a:solidFill>
-                <a:latin typeface="微软雅黑" pitchFamily="34" charset="-122"/>
-                <a:ea typeface="微软雅黑" pitchFamily="34" charset="-122"/>
-              </a:rPr>
-              <a:t>制作偏移</a:t>
+              <a:t>3.</a:t>
+            </a:r>
+            <a:r>
+              <a:rPr lang="zh-CN" altLang="en-US" sz="2800" b="1" dirty="0" smtClean="0">
+                <a:solidFill>
+                  <a:schemeClr val="tx1">
+                    <a:lumMod val="75000"/>
+                    <a:lumOff val="25000"/>
+                  </a:schemeClr>
+                </a:solidFill>
+                <a:latin typeface="微软雅黑" pitchFamily="34" charset="-122"/>
+                <a:ea typeface="微软雅黑" pitchFamily="34" charset="-122"/>
+              </a:rPr>
+              <a:t>文本的错位偏移</a:t>
             </a:r>
             <a:endParaRPr lang="zh-CN" altLang="en-US" sz="2800" b="1" dirty="0">
               <a:solidFill>
@@ -4710,8 +6423,8 @@
         </p:nvSpPr>
         <p:spPr>
           <a:xfrm>
-            <a:off x="684000" y="1196752"/>
-            <a:ext cx="7776000" cy="5078313"/>
+            <a:off x="684000" y="1052736"/>
+            <a:ext cx="7776000" cy="2308324"/>
           </a:xfrm>
           <a:prstGeom prst="rect">
             <a:avLst/>
@@ -4724,12 +6437,10 @@
           </a:bodyPr>
           <a:lstStyle/>
           <a:p>
-            <a:pPr marL="457200" indent="-457200">
+            <a:pPr>
               <a:lnSpc>
                 <a:spcPct val="150000"/>
               </a:lnSpc>
-              <a:buFont typeface="+mj-lt"/>
-              <a:buAutoNum type="arabicPeriod"/>
             </a:pPr>
             <a:r>
               <a:rPr lang="zh-CN" altLang="en-US" sz="2400" dirty="0" smtClean="0">
@@ -4742,7 +6453,7 @@
                 <a:latin typeface="微软雅黑" pitchFamily="34" charset="-122"/>
                 <a:ea typeface="微软雅黑" pitchFamily="34" charset="-122"/>
               </a:rPr>
-              <a:t>文字的屏幕故障效果，归根结底是文字某水平区域显示错位，同时边缘有一些杂色</a:t>
+              <a:t>要制作一个水平的区域，和原版文字（黑的白字）完全一样，仅仅是位置有偏差</a:t>
             </a:r>
             <a:r>
               <a:rPr lang="en-US" altLang="zh-CN" sz="2400" dirty="0" smtClean="0">
@@ -4768,20 +6479,17 @@
                 <a:latin typeface="微软雅黑" pitchFamily="34" charset="-122"/>
                 <a:ea typeface="微软雅黑" pitchFamily="34" charset="-122"/>
               </a:rPr>
-              <a:t>运用</a:t>
-            </a:r>
-            <a:r>
-              <a:rPr lang="en-US" altLang="zh-CN" sz="2400" dirty="0" smtClean="0">
-                <a:solidFill>
-                  <a:schemeClr val="tx1">
-                    <a:lumMod val="75000"/>
-                    <a:lumOff val="25000"/>
-                  </a:schemeClr>
-                </a:solidFill>
-                <a:latin typeface="微软雅黑" pitchFamily="34" charset="-122"/>
-                <a:ea typeface="微软雅黑" pitchFamily="34" charset="-122"/>
-              </a:rPr>
-              <a:t>SVG</a:t>
+              <a:t>我们可以理解为就是制作了一个</a:t>
+            </a:r>
+            <a:r>
+              <a:rPr lang="zh-CN" altLang="en-US" sz="2400" b="1" dirty="0" smtClean="0">
+                <a:solidFill>
+                  <a:srgbClr val="FF0000"/>
+                </a:solidFill>
+                <a:latin typeface="微软雅黑" pitchFamily="34" charset="-122"/>
+                <a:ea typeface="微软雅黑" pitchFamily="34" charset="-122"/>
+              </a:rPr>
+              <a:t>一模一样</a:t>
             </a:r>
             <a:r>
               <a:rPr lang="zh-CN" altLang="en-US" sz="2400" dirty="0" smtClean="0">
@@ -4794,46 +6502,17 @@
                 <a:latin typeface="微软雅黑" pitchFamily="34" charset="-122"/>
                 <a:ea typeface="微软雅黑" pitchFamily="34" charset="-122"/>
               </a:rPr>
-              <a:t>滤镜技术，实现水平错位，叠加原图即可。</a:t>
-            </a:r>
-            <a:r>
-              <a:rPr lang="en-US" altLang="zh-CN" sz="2400" dirty="0" smtClean="0">
-                <a:solidFill>
-                  <a:schemeClr val="tx1">
-                    <a:lumMod val="75000"/>
-                    <a:lumOff val="25000"/>
-                  </a:schemeClr>
-                </a:solidFill>
-                <a:latin typeface="微软雅黑" pitchFamily="34" charset="-122"/>
-                <a:ea typeface="微软雅黑" pitchFamily="34" charset="-122"/>
-              </a:rPr>
-              <a:t>SVG</a:t>
+              <a:t>的文字，然后</a:t>
             </a:r>
             <a:r>
               <a:rPr lang="zh-CN" altLang="en-US" sz="2400" dirty="0" smtClean="0">
                 <a:solidFill>
-                  <a:schemeClr val="tx1">
-                    <a:lumMod val="75000"/>
-                    <a:lumOff val="25000"/>
-                  </a:schemeClr>
-                </a:solidFill>
-                <a:latin typeface="微软雅黑" pitchFamily="34" charset="-122"/>
-                <a:ea typeface="微软雅黑" pitchFamily="34" charset="-122"/>
-              </a:rPr>
-              <a:t>滤镜相关技术，请参考</a:t>
-            </a:r>
-            <a:r>
-              <a:rPr lang="en-US" altLang="zh-CN" sz="2400" dirty="0" smtClean="0">
-                <a:solidFill>
-                  <a:schemeClr val="tx1">
-                    <a:lumMod val="75000"/>
-                    <a:lumOff val="25000"/>
-                  </a:schemeClr>
-                </a:solidFill>
-                <a:latin typeface="微软雅黑" pitchFamily="34" charset="-122"/>
-                <a:ea typeface="微软雅黑" pitchFamily="34" charset="-122"/>
-              </a:rPr>
-              <a:t>《SVG</a:t>
+                  <a:srgbClr val="FF0000"/>
+                </a:solidFill>
+                <a:latin typeface="微软雅黑" pitchFamily="34" charset="-122"/>
+                <a:ea typeface="微软雅黑" pitchFamily="34" charset="-122"/>
+              </a:rPr>
+              <a:t>偏移</a:t>
             </a:r>
             <a:r>
               <a:rPr lang="zh-CN" altLang="en-US" sz="2400" dirty="0" smtClean="0">
@@ -4846,46 +6525,17 @@
                 <a:latin typeface="微软雅黑" pitchFamily="34" charset="-122"/>
                 <a:ea typeface="微软雅黑" pitchFamily="34" charset="-122"/>
               </a:rPr>
-              <a:t>滤镜（一）</a:t>
-            </a:r>
-            <a:r>
-              <a:rPr lang="en-US" altLang="zh-CN" sz="2400" dirty="0" smtClean="0">
-                <a:solidFill>
-                  <a:schemeClr val="tx1">
-                    <a:lumMod val="75000"/>
-                    <a:lumOff val="25000"/>
-                  </a:schemeClr>
-                </a:solidFill>
-                <a:latin typeface="微软雅黑" pitchFamily="34" charset="-122"/>
-                <a:ea typeface="微软雅黑" pitchFamily="34" charset="-122"/>
-              </a:rPr>
-              <a:t>》</a:t>
+              <a:t>，同时显示一部分，然后</a:t>
             </a:r>
             <a:r>
               <a:rPr lang="zh-CN" altLang="en-US" sz="2400" dirty="0" smtClean="0">
                 <a:solidFill>
-                  <a:schemeClr val="tx1">
-                    <a:lumMod val="75000"/>
-                    <a:lumOff val="25000"/>
-                  </a:schemeClr>
-                </a:solidFill>
-                <a:latin typeface="微软雅黑" pitchFamily="34" charset="-122"/>
-                <a:ea typeface="微软雅黑" pitchFamily="34" charset="-122"/>
-              </a:rPr>
-              <a:t>，</a:t>
-            </a:r>
-            <a:r>
-              <a:rPr lang="en-US" altLang="zh-CN" sz="2400" dirty="0" smtClean="0">
-                <a:solidFill>
-                  <a:schemeClr val="tx1">
-                    <a:lumMod val="75000"/>
-                    <a:lumOff val="25000"/>
-                  </a:schemeClr>
-                </a:solidFill>
-                <a:latin typeface="微软雅黑" pitchFamily="34" charset="-122"/>
-                <a:ea typeface="微软雅黑" pitchFamily="34" charset="-122"/>
-              </a:rPr>
-              <a:t>《SVG</a:t>
+                  <a:srgbClr val="FF0000"/>
+                </a:solidFill>
+                <a:latin typeface="微软雅黑" pitchFamily="34" charset="-122"/>
+                <a:ea typeface="微软雅黑" pitchFamily="34" charset="-122"/>
+              </a:rPr>
+              <a:t>覆盖</a:t>
             </a:r>
             <a:r>
               <a:rPr lang="zh-CN" altLang="en-US" sz="2400" dirty="0" smtClean="0">
@@ -4898,83 +6548,9 @@
                 <a:latin typeface="微软雅黑" pitchFamily="34" charset="-122"/>
                 <a:ea typeface="微软雅黑" pitchFamily="34" charset="-122"/>
               </a:rPr>
-              <a:t>滤镜（二）</a:t>
-            </a:r>
-            <a:r>
-              <a:rPr lang="en-US" altLang="zh-CN" sz="2400" dirty="0" smtClean="0">
-                <a:solidFill>
-                  <a:schemeClr val="tx1">
-                    <a:lumMod val="75000"/>
-                    <a:lumOff val="25000"/>
-                  </a:schemeClr>
-                </a:solidFill>
-                <a:latin typeface="微软雅黑" pitchFamily="34" charset="-122"/>
-                <a:ea typeface="微软雅黑" pitchFamily="34" charset="-122"/>
-              </a:rPr>
-              <a:t>》.</a:t>
-            </a:r>
-          </a:p>
-          <a:p>
-            <a:pPr marL="457200" indent="-457200">
-              <a:lnSpc>
-                <a:spcPct val="150000"/>
-              </a:lnSpc>
-              <a:buFont typeface="+mj-lt"/>
-              <a:buAutoNum type="arabicPeriod"/>
-            </a:pPr>
-            <a:r>
-              <a:rPr lang="zh-CN" altLang="en-US" sz="2400" dirty="0" smtClean="0">
-                <a:solidFill>
-                  <a:schemeClr val="tx1">
-                    <a:lumMod val="75000"/>
-                    <a:lumOff val="25000"/>
-                  </a:schemeClr>
-                </a:solidFill>
-                <a:latin typeface="微软雅黑" pitchFamily="34" charset="-122"/>
-                <a:ea typeface="微软雅黑" pitchFamily="34" charset="-122"/>
-              </a:rPr>
-              <a:t>杂色边缘，仅仅是多了一文本而已，例如白色的主体文字下，多一层红色或者蓝色的字，稍稍有一些</a:t>
-            </a:r>
-            <a:r>
-              <a:rPr lang="en-US" altLang="zh-CN" sz="2400" dirty="0" smtClean="0">
-                <a:solidFill>
-                  <a:schemeClr val="tx1">
-                    <a:lumMod val="75000"/>
-                    <a:lumOff val="25000"/>
-                  </a:schemeClr>
-                </a:solidFill>
-                <a:latin typeface="微软雅黑" pitchFamily="34" charset="-122"/>
-                <a:ea typeface="微软雅黑" pitchFamily="34" charset="-122"/>
-              </a:rPr>
-              <a:t>X</a:t>
-            </a:r>
-            <a:r>
-              <a:rPr lang="zh-CN" altLang="en-US" sz="2400" dirty="0" smtClean="0">
-                <a:solidFill>
-                  <a:schemeClr val="tx1">
-                    <a:lumMod val="75000"/>
-                    <a:lumOff val="25000"/>
-                  </a:schemeClr>
-                </a:solidFill>
-                <a:latin typeface="微软雅黑" pitchFamily="34" charset="-122"/>
-                <a:ea typeface="微软雅黑" pitchFamily="34" charset="-122"/>
-              </a:rPr>
-              <a:t>方向的偏移，看到的就是红色或蓝色边缘</a:t>
-            </a:r>
-            <a:r>
-              <a:rPr lang="en-US" altLang="zh-CN" sz="2400" dirty="0" smtClean="0">
-                <a:solidFill>
-                  <a:schemeClr val="tx1">
-                    <a:lumMod val="75000"/>
-                    <a:lumOff val="25000"/>
-                  </a:schemeClr>
-                </a:solidFill>
-                <a:latin typeface="微软雅黑" pitchFamily="34" charset="-122"/>
-                <a:ea typeface="微软雅黑" pitchFamily="34" charset="-122"/>
-              </a:rPr>
-              <a:t>.</a:t>
-            </a:r>
-            <a:endParaRPr lang="en-US" altLang="zh-CN" sz="2400" dirty="0">
+              <a:t>在原文本之上即可！</a:t>
+            </a:r>
+            <a:endParaRPr lang="en-US" altLang="zh-CN" sz="2400" dirty="0" smtClean="0">
               <a:solidFill>
                 <a:schemeClr val="tx1">
                   <a:lumMod val="75000"/>
@@ -4985,144 +6561,229 @@
               <a:ea typeface="微软雅黑" pitchFamily="34" charset="-122"/>
             </a:endParaRPr>
           </a:p>
-          <a:p>
-            <a:pPr marL="457200" indent="-457200">
-              <a:lnSpc>
-                <a:spcPct val="150000"/>
-              </a:lnSpc>
-              <a:buFont typeface="+mj-lt"/>
-              <a:buAutoNum type="arabicPeriod"/>
-            </a:pPr>
-            <a:r>
-              <a:rPr lang="zh-CN" altLang="en-US" sz="2400" dirty="0" smtClean="0">
-                <a:solidFill>
-                  <a:schemeClr val="tx1">
-                    <a:lumMod val="75000"/>
-                    <a:lumOff val="25000"/>
-                  </a:schemeClr>
-                </a:solidFill>
-                <a:latin typeface="微软雅黑" pitchFamily="34" charset="-122"/>
-                <a:ea typeface="微软雅黑" pitchFamily="34" charset="-122"/>
-              </a:rPr>
-              <a:t>错位的动态变化，仍然使用</a:t>
-            </a:r>
-            <a:r>
-              <a:rPr lang="en-US" altLang="zh-CN" sz="2400" dirty="0" smtClean="0">
-                <a:solidFill>
-                  <a:schemeClr val="tx1">
-                    <a:lumMod val="75000"/>
-                    <a:lumOff val="25000"/>
-                  </a:schemeClr>
-                </a:solidFill>
-                <a:latin typeface="微软雅黑" pitchFamily="34" charset="-122"/>
-                <a:ea typeface="微软雅黑" pitchFamily="34" charset="-122"/>
-              </a:rPr>
-              <a:t>SVG</a:t>
-            </a:r>
-            <a:r>
-              <a:rPr lang="zh-CN" altLang="en-US" sz="2400" dirty="0" smtClean="0">
-                <a:solidFill>
-                  <a:schemeClr val="tx1">
-                    <a:lumMod val="75000"/>
-                    <a:lumOff val="25000"/>
-                  </a:schemeClr>
-                </a:solidFill>
-                <a:latin typeface="微软雅黑" pitchFamily="34" charset="-122"/>
-                <a:ea typeface="微软雅黑" pitchFamily="34" charset="-122"/>
-              </a:rPr>
-              <a:t>的</a:t>
-            </a:r>
-            <a:r>
-              <a:rPr lang="en-US" altLang="zh-CN" sz="2400" dirty="0" smtClean="0">
-                <a:solidFill>
-                  <a:schemeClr val="tx1">
-                    <a:lumMod val="75000"/>
-                    <a:lumOff val="25000"/>
-                  </a:schemeClr>
-                </a:solidFill>
-                <a:latin typeface="微软雅黑" pitchFamily="34" charset="-122"/>
-                <a:ea typeface="微软雅黑" pitchFamily="34" charset="-122"/>
-              </a:rPr>
-              <a:t>SMIL</a:t>
-            </a:r>
-            <a:r>
-              <a:rPr lang="zh-CN" altLang="en-US" sz="2400" dirty="0" smtClean="0">
-                <a:solidFill>
-                  <a:schemeClr val="tx1">
-                    <a:lumMod val="75000"/>
-                    <a:lumOff val="25000"/>
-                  </a:schemeClr>
-                </a:solidFill>
-                <a:latin typeface="微软雅黑" pitchFamily="34" charset="-122"/>
-                <a:ea typeface="微软雅黑" pitchFamily="34" charset="-122"/>
-              </a:rPr>
-              <a:t>动画，改变位置和高度即可</a:t>
-            </a:r>
-            <a:r>
-              <a:rPr lang="en-US" altLang="zh-CN" sz="2400" dirty="0" smtClean="0">
-                <a:solidFill>
-                  <a:schemeClr val="tx1">
-                    <a:lumMod val="75000"/>
-                    <a:lumOff val="25000"/>
-                  </a:schemeClr>
-                </a:solidFill>
-                <a:latin typeface="微软雅黑" pitchFamily="34" charset="-122"/>
-                <a:ea typeface="微软雅黑" pitchFamily="34" charset="-122"/>
-              </a:rPr>
-              <a:t>.SMIL</a:t>
-            </a:r>
-            <a:r>
-              <a:rPr lang="zh-CN" altLang="en-US" sz="2400" dirty="0" smtClean="0">
-                <a:solidFill>
-                  <a:schemeClr val="tx1">
-                    <a:lumMod val="75000"/>
-                    <a:lumOff val="25000"/>
-                  </a:schemeClr>
-                </a:solidFill>
-                <a:latin typeface="微软雅黑" pitchFamily="34" charset="-122"/>
-                <a:ea typeface="微软雅黑" pitchFamily="34" charset="-122"/>
-              </a:rPr>
-              <a:t>动画参考</a:t>
-            </a:r>
-            <a:r>
-              <a:rPr lang="en-US" altLang="zh-CN" sz="2400" dirty="0" smtClean="0">
-                <a:solidFill>
-                  <a:schemeClr val="tx1">
-                    <a:lumMod val="75000"/>
-                    <a:lumOff val="25000"/>
-                  </a:schemeClr>
-                </a:solidFill>
-                <a:latin typeface="微软雅黑" pitchFamily="34" charset="-122"/>
-                <a:ea typeface="微软雅黑" pitchFamily="34" charset="-122"/>
-              </a:rPr>
-              <a:t>《SVG</a:t>
-            </a:r>
-            <a:r>
-              <a:rPr lang="zh-CN" altLang="en-US" sz="2400" dirty="0" smtClean="0">
-                <a:solidFill>
-                  <a:schemeClr val="tx1">
-                    <a:lumMod val="75000"/>
-                    <a:lumOff val="25000"/>
-                  </a:schemeClr>
-                </a:solidFill>
-                <a:latin typeface="微软雅黑" pitchFamily="34" charset="-122"/>
-                <a:ea typeface="微软雅黑" pitchFamily="34" charset="-122"/>
-              </a:rPr>
-              <a:t>文字路径</a:t>
-            </a:r>
-            <a:r>
-              <a:rPr lang="en-US" altLang="zh-CN" sz="2400" dirty="0" smtClean="0">
-                <a:solidFill>
-                  <a:schemeClr val="tx1">
-                    <a:lumMod val="75000"/>
-                    <a:lumOff val="25000"/>
-                  </a:schemeClr>
-                </a:solidFill>
-                <a:latin typeface="微软雅黑" pitchFamily="34" charset="-122"/>
-                <a:ea typeface="微软雅黑" pitchFamily="34" charset="-122"/>
-              </a:rPr>
-              <a:t>》</a:t>
-            </a:r>
+        </p:txBody>
+      </p:sp>
+      <p:pic>
+        <p:nvPicPr>
+          <p:cNvPr id="3" name="图片 2" descr="屏幕剪辑"/>
+          <p:cNvPicPr>
+            <a:picLocks noChangeAspect="1"/>
+          </p:cNvPicPr>
+          <p:nvPr/>
+        </p:nvPicPr>
+        <p:blipFill>
+          <a:blip r:embed="rId2">
+            <a:extLst>
+              <a:ext uri="{28A0092B-C50C-407E-A947-70E740481C1C}">
+                <a14:useLocalDpi xmlns:a14="http://schemas.microsoft.com/office/drawing/2010/main" val="0"/>
+              </a:ext>
+            </a:extLst>
+          </a:blip>
+          <a:stretch>
+            <a:fillRect/>
+          </a:stretch>
+        </p:blipFill>
+        <p:spPr>
+          <a:xfrm>
+            <a:off x="1004389" y="3429000"/>
+            <a:ext cx="7135221" cy="3258005"/>
+          </a:xfrm>
+          <a:prstGeom prst="rect">
+            <a:avLst/>
+          </a:prstGeom>
+          <a:ln>
+            <a:noFill/>
+          </a:ln>
+          <a:effectLst>
+            <a:outerShdw blurRad="292100" dist="139700" dir="2700000" algn="tl" rotWithShape="0">
+              <a:srgbClr val="333333">
+                <a:alpha val="65000"/>
+              </a:srgbClr>
+            </a:outerShdw>
+          </a:effectLst>
+        </p:spPr>
+      </p:pic>
+      <p:sp>
+        <p:nvSpPr>
+          <p:cNvPr id="6" name="矩形 5"/>
+          <p:cNvSpPr/>
+          <p:nvPr/>
+        </p:nvSpPr>
+        <p:spPr>
+          <a:xfrm>
+            <a:off x="1187624" y="3861048"/>
+            <a:ext cx="1224136" cy="317453"/>
+          </a:xfrm>
+          <a:prstGeom prst="rect">
+            <a:avLst/>
+          </a:prstGeom>
+          <a:noFill/>
+          <a:ln w="28575">
+            <a:solidFill>
+              <a:srgbClr val="FFFF00"/>
+            </a:solidFill>
+          </a:ln>
+        </p:spPr>
+        <p:style>
+          <a:lnRef idx="2">
+            <a:schemeClr val="accent1">
+              <a:shade val="50000"/>
+            </a:schemeClr>
+          </a:lnRef>
+          <a:fillRef idx="1">
+            <a:schemeClr val="accent1"/>
+          </a:fillRef>
+          <a:effectRef idx="0">
+            <a:schemeClr val="accent1"/>
+          </a:effectRef>
+          <a:fontRef idx="minor">
+            <a:schemeClr val="lt1"/>
+          </a:fontRef>
+        </p:style>
+        <p:txBody>
+          <a:bodyPr rtlCol="0" anchor="ctr"/>
+          <a:lstStyle/>
+          <a:p>
+            <a:pPr algn="ctr"/>
+            <a:endParaRPr lang="zh-CN" altLang="en-US"/>
+          </a:p>
+        </p:txBody>
+      </p:sp>
+      <p:sp>
+        <p:nvSpPr>
+          <p:cNvPr id="7" name="矩形 6"/>
+          <p:cNvSpPr/>
+          <p:nvPr/>
+        </p:nvSpPr>
+        <p:spPr>
+          <a:xfrm>
+            <a:off x="1187624" y="4178501"/>
+            <a:ext cx="1224136" cy="317453"/>
+          </a:xfrm>
+          <a:prstGeom prst="rect">
+            <a:avLst/>
+          </a:prstGeom>
+          <a:noFill/>
+          <a:ln w="28575">
+            <a:solidFill>
+              <a:srgbClr val="FFFF00"/>
+            </a:solidFill>
+          </a:ln>
+        </p:spPr>
+        <p:style>
+          <a:lnRef idx="2">
+            <a:schemeClr val="accent1">
+              <a:shade val="50000"/>
+            </a:schemeClr>
+          </a:lnRef>
+          <a:fillRef idx="1">
+            <a:schemeClr val="accent1"/>
+          </a:fillRef>
+          <a:effectRef idx="0">
+            <a:schemeClr val="accent1"/>
+          </a:effectRef>
+          <a:fontRef idx="minor">
+            <a:schemeClr val="lt1"/>
+          </a:fontRef>
+        </p:style>
+        <p:txBody>
+          <a:bodyPr rtlCol="0" anchor="ctr"/>
+          <a:lstStyle/>
+          <a:p>
+            <a:pPr algn="ctr"/>
+            <a:endParaRPr lang="zh-CN" altLang="en-US"/>
+          </a:p>
+        </p:txBody>
+      </p:sp>
+      <p:sp>
+        <p:nvSpPr>
+          <p:cNvPr id="8" name="矩形 7"/>
+          <p:cNvSpPr/>
+          <p:nvPr/>
+        </p:nvSpPr>
+        <p:spPr>
+          <a:xfrm>
+            <a:off x="1187624" y="4899275"/>
+            <a:ext cx="1224136" cy="317453"/>
+          </a:xfrm>
+          <a:prstGeom prst="rect">
+            <a:avLst/>
+          </a:prstGeom>
+          <a:noFill/>
+          <a:ln w="28575">
+            <a:solidFill>
+              <a:srgbClr val="FFFF00"/>
+            </a:solidFill>
+          </a:ln>
+        </p:spPr>
+        <p:style>
+          <a:lnRef idx="2">
+            <a:schemeClr val="accent1">
+              <a:shade val="50000"/>
+            </a:schemeClr>
+          </a:lnRef>
+          <a:fillRef idx="1">
+            <a:schemeClr val="accent1"/>
+          </a:fillRef>
+          <a:effectRef idx="0">
+            <a:schemeClr val="accent1"/>
+          </a:effectRef>
+          <a:fontRef idx="minor">
+            <a:schemeClr val="lt1"/>
+          </a:fontRef>
+        </p:style>
+        <p:txBody>
+          <a:bodyPr rtlCol="0" anchor="ctr"/>
+          <a:lstStyle/>
+          <a:p>
+            <a:pPr algn="ctr"/>
+            <a:endParaRPr lang="zh-CN" altLang="en-US"/>
+          </a:p>
+        </p:txBody>
+      </p:sp>
+      <p:sp>
+        <p:nvSpPr>
+          <p:cNvPr id="9" name="矩形 8"/>
+          <p:cNvSpPr/>
+          <p:nvPr/>
+        </p:nvSpPr>
+        <p:spPr>
+          <a:xfrm>
+            <a:off x="3851920" y="5578597"/>
+            <a:ext cx="1872208" cy="730723"/>
+          </a:xfrm>
+          <a:prstGeom prst="rect">
+            <a:avLst/>
+          </a:prstGeom>
+          <a:noFill/>
+          <a:ln w="28575">
+            <a:solidFill>
+              <a:srgbClr val="FFFF00"/>
+            </a:solidFill>
+          </a:ln>
+        </p:spPr>
+        <p:style>
+          <a:lnRef idx="2">
+            <a:schemeClr val="accent1">
+              <a:shade val="50000"/>
+            </a:schemeClr>
+          </a:lnRef>
+          <a:fillRef idx="1">
+            <a:schemeClr val="accent1"/>
+          </a:fillRef>
+          <a:effectRef idx="0">
+            <a:schemeClr val="accent1"/>
+          </a:effectRef>
+          <a:fontRef idx="minor">
+            <a:schemeClr val="lt1"/>
+          </a:fontRef>
+        </p:style>
+        <p:txBody>
+          <a:bodyPr rtlCol="0" anchor="ctr"/>
+          <a:lstStyle/>
+          <a:p>
+            <a:pPr algn="ctr"/>
+            <a:endParaRPr lang="zh-CN" altLang="en-US"/>
           </a:p>
         </p:txBody>
       </p:sp>
@@ -5163,6 +6824,338 @@
           <a:chExt cx="0" cy="0"/>
         </a:xfrm>
       </p:grpSpPr>
+      <p:sp>
+        <p:nvSpPr>
+          <p:cNvPr id="2" name="TextBox 4"/>
+          <p:cNvSpPr txBox="1"/>
+          <p:nvPr/>
+        </p:nvSpPr>
+        <p:spPr>
+          <a:xfrm>
+            <a:off x="683568" y="476672"/>
+            <a:ext cx="7776000" cy="3970318"/>
+          </a:xfrm>
+          <a:prstGeom prst="rect">
+            <a:avLst/>
+          </a:prstGeom>
+          <a:noFill/>
+        </p:spPr>
+        <p:txBody>
+          <a:bodyPr wrap="square" rtlCol="0">
+            <a:spAutoFit/>
+          </a:bodyPr>
+          <a:lstStyle/>
+          <a:p>
+            <a:pPr>
+              <a:lnSpc>
+                <a:spcPct val="150000"/>
+              </a:lnSpc>
+            </a:pPr>
+            <a:r>
+              <a:rPr lang="en-US" altLang="zh-CN" sz="2400" b="1" dirty="0" err="1" smtClean="0">
+                <a:solidFill>
+                  <a:schemeClr val="tx1">
+                    <a:lumMod val="75000"/>
+                    <a:lumOff val="25000"/>
+                  </a:schemeClr>
+                </a:solidFill>
+                <a:latin typeface="微软雅黑" pitchFamily="34" charset="-122"/>
+                <a:ea typeface="微软雅黑" pitchFamily="34" charset="-122"/>
+              </a:rPr>
+              <a:t>feFlood</a:t>
+            </a:r>
+            <a:r>
+              <a:rPr lang="en-US" altLang="zh-CN" sz="2400" dirty="0" smtClean="0">
+                <a:solidFill>
+                  <a:schemeClr val="tx1">
+                    <a:lumMod val="75000"/>
+                    <a:lumOff val="25000"/>
+                  </a:schemeClr>
+                </a:solidFill>
+                <a:latin typeface="微软雅黑" pitchFamily="34" charset="-122"/>
+                <a:ea typeface="微软雅黑" pitchFamily="34" charset="-122"/>
+              </a:rPr>
+              <a:t> </a:t>
+            </a:r>
+            <a:r>
+              <a:rPr lang="zh-CN" altLang="en-US" sz="2400" dirty="0" smtClean="0">
+                <a:solidFill>
+                  <a:schemeClr val="tx1">
+                    <a:lumMod val="75000"/>
+                    <a:lumOff val="25000"/>
+                  </a:schemeClr>
+                </a:solidFill>
+                <a:latin typeface="微软雅黑" pitchFamily="34" charset="-122"/>
+                <a:ea typeface="微软雅黑" pitchFamily="34" charset="-122"/>
+              </a:rPr>
+              <a:t>先刷一个黑色区域（文本范围），这样才能覆盖原来的文本</a:t>
+            </a:r>
+            <a:r>
+              <a:rPr lang="en-US" altLang="zh-CN" sz="2400" dirty="0" smtClean="0">
+                <a:solidFill>
+                  <a:schemeClr val="tx1">
+                    <a:lumMod val="75000"/>
+                    <a:lumOff val="25000"/>
+                  </a:schemeClr>
+                </a:solidFill>
+                <a:latin typeface="微软雅黑" pitchFamily="34" charset="-122"/>
+                <a:ea typeface="微软雅黑" pitchFamily="34" charset="-122"/>
+              </a:rPr>
+              <a:t>.</a:t>
+            </a:r>
+          </a:p>
+          <a:p>
+            <a:pPr>
+              <a:lnSpc>
+                <a:spcPct val="150000"/>
+              </a:lnSpc>
+            </a:pPr>
+            <a:r>
+              <a:rPr lang="en-US" altLang="zh-CN" sz="2400" b="1" dirty="0" err="1" smtClean="0">
+                <a:solidFill>
+                  <a:schemeClr val="tx1">
+                    <a:lumMod val="75000"/>
+                    <a:lumOff val="25000"/>
+                  </a:schemeClr>
+                </a:solidFill>
+                <a:latin typeface="微软雅黑" pitchFamily="34" charset="-122"/>
+                <a:ea typeface="微软雅黑" pitchFamily="34" charset="-122"/>
+              </a:rPr>
+              <a:t>feOffset</a:t>
+            </a:r>
+            <a:r>
+              <a:rPr lang="en-US" altLang="zh-CN" sz="2400" dirty="0" smtClean="0">
+                <a:solidFill>
+                  <a:schemeClr val="tx1">
+                    <a:lumMod val="75000"/>
+                    <a:lumOff val="25000"/>
+                  </a:schemeClr>
+                </a:solidFill>
+                <a:latin typeface="微软雅黑" pitchFamily="34" charset="-122"/>
+                <a:ea typeface="微软雅黑" pitchFamily="34" charset="-122"/>
+              </a:rPr>
+              <a:t> </a:t>
+            </a:r>
+            <a:r>
+              <a:rPr lang="zh-CN" altLang="en-US" sz="2400" dirty="0" smtClean="0">
+                <a:solidFill>
+                  <a:schemeClr val="tx1">
+                    <a:lumMod val="75000"/>
+                    <a:lumOff val="25000"/>
+                  </a:schemeClr>
+                </a:solidFill>
+                <a:latin typeface="微软雅黑" pitchFamily="34" charset="-122"/>
+                <a:ea typeface="微软雅黑" pitchFamily="34" charset="-122"/>
+              </a:rPr>
+              <a:t>通过</a:t>
+            </a:r>
+            <a:r>
+              <a:rPr lang="en-US" altLang="zh-CN" sz="2400" dirty="0" smtClean="0">
+                <a:solidFill>
+                  <a:schemeClr val="tx1">
+                    <a:lumMod val="75000"/>
+                    <a:lumOff val="25000"/>
+                  </a:schemeClr>
+                </a:solidFill>
+                <a:latin typeface="微软雅黑" pitchFamily="34" charset="-122"/>
+                <a:ea typeface="微软雅黑" pitchFamily="34" charset="-122"/>
+              </a:rPr>
+              <a:t>in</a:t>
+            </a:r>
+            <a:r>
+              <a:rPr lang="zh-CN" altLang="en-US" sz="2400" dirty="0" smtClean="0">
+                <a:solidFill>
+                  <a:schemeClr val="tx1">
+                    <a:lumMod val="75000"/>
+                    <a:lumOff val="25000"/>
+                  </a:schemeClr>
+                </a:solidFill>
+                <a:latin typeface="微软雅黑" pitchFamily="34" charset="-122"/>
+                <a:ea typeface="微软雅黑" pitchFamily="34" charset="-122"/>
+              </a:rPr>
+              <a:t>输入原图像，并偏移</a:t>
+            </a:r>
+            <a:r>
+              <a:rPr lang="en-US" altLang="zh-CN" sz="2400" dirty="0" smtClean="0">
+                <a:solidFill>
+                  <a:schemeClr val="tx1">
+                    <a:lumMod val="75000"/>
+                    <a:lumOff val="25000"/>
+                  </a:schemeClr>
+                </a:solidFill>
+                <a:latin typeface="微软雅黑" pitchFamily="34" charset="-122"/>
+                <a:ea typeface="微软雅黑" pitchFamily="34" charset="-122"/>
+              </a:rPr>
+              <a:t>10</a:t>
+            </a:r>
+            <a:r>
+              <a:rPr lang="zh-CN" altLang="en-US" sz="2400" dirty="0" smtClean="0">
+                <a:solidFill>
+                  <a:schemeClr val="tx1">
+                    <a:lumMod val="75000"/>
+                    <a:lumOff val="25000"/>
+                  </a:schemeClr>
+                </a:solidFill>
+                <a:latin typeface="微软雅黑" pitchFamily="34" charset="-122"/>
+                <a:ea typeface="微软雅黑" pitchFamily="34" charset="-122"/>
+              </a:rPr>
+              <a:t>个单位</a:t>
+            </a:r>
+            <a:endParaRPr lang="en-US" altLang="zh-CN" sz="2400" dirty="0" smtClean="0">
+              <a:solidFill>
+                <a:schemeClr val="tx1">
+                  <a:lumMod val="75000"/>
+                  <a:lumOff val="25000"/>
+                </a:schemeClr>
+              </a:solidFill>
+              <a:latin typeface="微软雅黑" pitchFamily="34" charset="-122"/>
+              <a:ea typeface="微软雅黑" pitchFamily="34" charset="-122"/>
+            </a:endParaRPr>
+          </a:p>
+          <a:p>
+            <a:pPr>
+              <a:lnSpc>
+                <a:spcPct val="150000"/>
+              </a:lnSpc>
+            </a:pPr>
+            <a:r>
+              <a:rPr lang="en-US" altLang="zh-CN" sz="2400" b="1" dirty="0" err="1" smtClean="0">
+                <a:solidFill>
+                  <a:schemeClr val="tx1">
+                    <a:lumMod val="75000"/>
+                    <a:lumOff val="25000"/>
+                  </a:schemeClr>
+                </a:solidFill>
+                <a:latin typeface="微软雅黑" pitchFamily="34" charset="-122"/>
+                <a:ea typeface="微软雅黑" pitchFamily="34" charset="-122"/>
+              </a:rPr>
+              <a:t>feMerge</a:t>
+            </a:r>
+            <a:r>
+              <a:rPr lang="en-US" altLang="zh-CN" sz="2400" dirty="0" smtClean="0">
+                <a:solidFill>
+                  <a:schemeClr val="tx1">
+                    <a:lumMod val="75000"/>
+                    <a:lumOff val="25000"/>
+                  </a:schemeClr>
+                </a:solidFill>
+                <a:latin typeface="微软雅黑" pitchFamily="34" charset="-122"/>
+                <a:ea typeface="微软雅黑" pitchFamily="34" charset="-122"/>
+              </a:rPr>
+              <a:t> </a:t>
+            </a:r>
+            <a:r>
+              <a:rPr lang="zh-CN" altLang="en-US" sz="2400" dirty="0" smtClean="0">
+                <a:solidFill>
+                  <a:schemeClr val="tx1">
+                    <a:lumMod val="75000"/>
+                    <a:lumOff val="25000"/>
+                  </a:schemeClr>
+                </a:solidFill>
+                <a:latin typeface="微软雅黑" pitchFamily="34" charset="-122"/>
+                <a:ea typeface="微软雅黑" pitchFamily="34" charset="-122"/>
+              </a:rPr>
+              <a:t>将黑区背景和偏移后的文本合并</a:t>
+            </a:r>
+            <a:endParaRPr lang="en-US" altLang="zh-CN" sz="2400" dirty="0" smtClean="0">
+              <a:solidFill>
+                <a:schemeClr val="tx1">
+                  <a:lumMod val="75000"/>
+                  <a:lumOff val="25000"/>
+                </a:schemeClr>
+              </a:solidFill>
+              <a:latin typeface="微软雅黑" pitchFamily="34" charset="-122"/>
+              <a:ea typeface="微软雅黑" pitchFamily="34" charset="-122"/>
+            </a:endParaRPr>
+          </a:p>
+          <a:p>
+            <a:pPr>
+              <a:lnSpc>
+                <a:spcPct val="150000"/>
+              </a:lnSpc>
+            </a:pPr>
+            <a:r>
+              <a:rPr lang="zh-CN" altLang="en-US" sz="2400" dirty="0" smtClean="0">
+                <a:solidFill>
+                  <a:schemeClr val="tx1">
+                    <a:lumMod val="75000"/>
+                    <a:lumOff val="25000"/>
+                  </a:schemeClr>
+                </a:solidFill>
+                <a:latin typeface="微软雅黑" pitchFamily="34" charset="-122"/>
+                <a:ea typeface="微软雅黑" pitchFamily="34" charset="-122"/>
+              </a:rPr>
+              <a:t>此时我们得到的是偏移后的文本，但是无法看到任何效果</a:t>
+            </a:r>
+            <a:r>
+              <a:rPr lang="en-US" altLang="zh-CN" sz="2400" dirty="0" smtClean="0">
+                <a:solidFill>
+                  <a:schemeClr val="tx1">
+                    <a:lumMod val="75000"/>
+                    <a:lumOff val="25000"/>
+                  </a:schemeClr>
+                </a:solidFill>
+                <a:latin typeface="微软雅黑" pitchFamily="34" charset="-122"/>
+                <a:ea typeface="微软雅黑" pitchFamily="34" charset="-122"/>
+              </a:rPr>
+              <a:t>.</a:t>
+            </a:r>
+          </a:p>
+          <a:p>
+            <a:pPr>
+              <a:lnSpc>
+                <a:spcPct val="150000"/>
+              </a:lnSpc>
+            </a:pPr>
+            <a:endParaRPr lang="en-US" altLang="zh-CN" sz="2400" dirty="0" smtClean="0">
+              <a:solidFill>
+                <a:schemeClr val="tx1">
+                  <a:lumMod val="75000"/>
+                  <a:lumOff val="25000"/>
+                </a:schemeClr>
+              </a:solidFill>
+              <a:latin typeface="微软雅黑" pitchFamily="34" charset="-122"/>
+              <a:ea typeface="微软雅黑" pitchFamily="34" charset="-122"/>
+            </a:endParaRPr>
+          </a:p>
+        </p:txBody>
+      </p:sp>
+      <p:pic>
+        <p:nvPicPr>
+          <p:cNvPr id="3" name="图片 2" descr="屏幕剪辑"/>
+          <p:cNvPicPr>
+            <a:picLocks noChangeAspect="1"/>
+          </p:cNvPicPr>
+          <p:nvPr/>
+        </p:nvPicPr>
+        <p:blipFill>
+          <a:blip r:embed="rId2">
+            <a:extLst>
+              <a:ext uri="{28A0092B-C50C-407E-A947-70E740481C1C}">
+                <a14:useLocalDpi xmlns:a14="http://schemas.microsoft.com/office/drawing/2010/main" val="0"/>
+              </a:ext>
+            </a:extLst>
+          </a:blip>
+          <a:stretch>
+            <a:fillRect/>
+          </a:stretch>
+        </p:blipFill>
+        <p:spPr>
+          <a:xfrm>
+            <a:off x="1979712" y="3573016"/>
+            <a:ext cx="3972479" cy="1209844"/>
+          </a:xfrm>
+          <a:prstGeom prst="rect">
+            <a:avLst/>
+          </a:prstGeom>
+          <a:ln>
+            <a:noFill/>
+          </a:ln>
+          <a:effectLst>
+            <a:softEdge rad="112500"/>
+          </a:effectLst>
+        </p:spPr>
+      </p:pic>
     </p:spTree>
     <p:extLst>
       <p:ext uri="{BB962C8B-B14F-4D97-AF65-F5344CB8AC3E}">
@@ -5195,56 +7188,84 @@
       </p:grpSpPr>
       <p:sp>
         <p:nvSpPr>
-          <p:cNvPr id="3" name="圆角矩形标注 2"/>
-          <p:cNvSpPr/>
+          <p:cNvPr id="2" name="TextBox 4"/>
+          <p:cNvSpPr txBox="1"/>
           <p:nvPr/>
         </p:nvSpPr>
         <p:spPr>
           <a:xfrm>
-            <a:off x="3491880" y="2661094"/>
-            <a:ext cx="2448272" cy="702244"/>
-          </a:xfrm>
-          <a:prstGeom prst="wedgeRoundRectCallout">
-            <a:avLst>
-              <a:gd name="adj1" fmla="val -60209"/>
-              <a:gd name="adj2" fmla="val 20962"/>
-              <a:gd name="adj3" fmla="val 16667"/>
-            </a:avLst>
+            <a:off x="683568" y="476672"/>
+            <a:ext cx="7776000" cy="1200329"/>
+          </a:xfrm>
+          <a:prstGeom prst="rect">
+            <a:avLst/>
           </a:prstGeom>
-        </p:spPr>
-        <p:style>
-          <a:lnRef idx="2">
-            <a:schemeClr val="accent5"/>
-          </a:lnRef>
-          <a:fillRef idx="1">
-            <a:schemeClr val="lt1"/>
-          </a:fillRef>
-          <a:effectRef idx="0">
-            <a:schemeClr val="accent5"/>
-          </a:effectRef>
-          <a:fontRef idx="minor">
-            <a:schemeClr val="dk1"/>
-          </a:fontRef>
-        </p:style>
-        <p:txBody>
-          <a:bodyPr rtlCol="0" anchor="ctr"/>
-          <a:lstStyle/>
-          <a:p>
-            <a:pPr algn="ctr"/>
-            <a:r>
-              <a:rPr lang="zh-CN" altLang="en-US" sz="2000" dirty="0" smtClean="0">
-                <a:solidFill>
-                  <a:schemeClr val="tx1">
-                    <a:lumMod val="75000"/>
-                    <a:lumOff val="25000"/>
-                  </a:schemeClr>
-                </a:solidFill>
-                <a:latin typeface="微软雅黑" pitchFamily="34" charset="-122"/>
-                <a:ea typeface="微软雅黑" pitchFamily="34" charset="-122"/>
-              </a:rPr>
-              <a:t>仅仅显示水面部分，其他部分隐藏</a:t>
-            </a:r>
-            <a:endParaRPr lang="zh-CN" altLang="en-US" sz="2000" dirty="0">
+          <a:noFill/>
+        </p:spPr>
+        <p:txBody>
+          <a:bodyPr wrap="square" rtlCol="0">
+            <a:spAutoFit/>
+          </a:bodyPr>
+          <a:lstStyle/>
+          <a:p>
+            <a:pPr>
+              <a:lnSpc>
+                <a:spcPct val="150000"/>
+              </a:lnSpc>
+            </a:pPr>
+            <a:r>
+              <a:rPr lang="zh-CN" altLang="en-US" sz="2400" dirty="0" smtClean="0">
+                <a:solidFill>
+                  <a:schemeClr val="tx1">
+                    <a:lumMod val="75000"/>
+                    <a:lumOff val="25000"/>
+                  </a:schemeClr>
+                </a:solidFill>
+                <a:latin typeface="微软雅黑" pitchFamily="34" charset="-122"/>
+                <a:ea typeface="微软雅黑" pitchFamily="34" charset="-122"/>
+              </a:rPr>
+              <a:t>此时我们无法看到任何明显的效果，因为这里</a:t>
+            </a:r>
+            <a:r>
+              <a:rPr lang="zh-CN" altLang="en-US" sz="2400" b="1" dirty="0" smtClean="0">
+                <a:solidFill>
+                  <a:schemeClr val="tx1">
+                    <a:lumMod val="75000"/>
+                    <a:lumOff val="25000"/>
+                  </a:schemeClr>
+                </a:solidFill>
+                <a:latin typeface="微软雅黑" pitchFamily="34" charset="-122"/>
+                <a:ea typeface="微软雅黑" pitchFamily="34" charset="-122"/>
+              </a:rPr>
+              <a:t>仅仅是偏移后的效果</a:t>
+            </a:r>
+            <a:r>
+              <a:rPr lang="zh-CN" altLang="en-US" sz="2400" dirty="0" smtClean="0">
+                <a:solidFill>
+                  <a:schemeClr val="tx1">
+                    <a:lumMod val="75000"/>
+                    <a:lumOff val="25000"/>
+                  </a:schemeClr>
+                </a:solidFill>
+                <a:latin typeface="微软雅黑" pitchFamily="34" charset="-122"/>
+                <a:ea typeface="微软雅黑" pitchFamily="34" charset="-122"/>
+              </a:rPr>
+              <a:t>，还需要叠加原图像才行</a:t>
+            </a:r>
+            <a:r>
+              <a:rPr lang="en-US" altLang="zh-CN" sz="2400" dirty="0" smtClean="0">
+                <a:solidFill>
+                  <a:schemeClr val="tx1">
+                    <a:lumMod val="75000"/>
+                    <a:lumOff val="25000"/>
+                  </a:schemeClr>
+                </a:solidFill>
+                <a:latin typeface="微软雅黑" pitchFamily="34" charset="-122"/>
+                <a:ea typeface="微软雅黑" pitchFamily="34" charset="-122"/>
+              </a:rPr>
+              <a:t>.</a:t>
+            </a:r>
+            <a:endParaRPr lang="en-US" altLang="zh-CN" sz="2400" dirty="0" smtClean="0">
               <a:solidFill>
                 <a:schemeClr val="tx1">
                   <a:lumMod val="75000"/>
@@ -5257,16 +7278,56 @@
           </a:p>
         </p:txBody>
       </p:sp>
-      <p:sp>
-        <p:nvSpPr>
-          <p:cNvPr id="4" name="矩形 3"/>
+      <p:pic>
+        <p:nvPicPr>
+          <p:cNvPr id="4" name="图片 3" descr="屏幕剪辑"/>
+          <p:cNvPicPr>
+            <a:picLocks noChangeAspect="1"/>
+          </p:cNvPicPr>
+          <p:nvPr/>
+        </p:nvPicPr>
+        <p:blipFill>
+          <a:blip r:embed="rId2">
+            <a:extLst>
+              <a:ext uri="{28A0092B-C50C-407E-A947-70E740481C1C}">
+                <a14:useLocalDpi xmlns:a14="http://schemas.microsoft.com/office/drawing/2010/main" val="0"/>
+              </a:ext>
+            </a:extLst>
+          </a:blip>
+          <a:stretch>
+            <a:fillRect/>
+          </a:stretch>
+        </p:blipFill>
+        <p:spPr>
+          <a:xfrm>
+            <a:off x="827584" y="1649347"/>
+            <a:ext cx="7173326" cy="4915586"/>
+          </a:xfrm>
+          <a:prstGeom prst="rect">
+            <a:avLst/>
+          </a:prstGeom>
+          <a:ln>
+            <a:noFill/>
+          </a:ln>
+          <a:effectLst>
+            <a:outerShdw blurRad="292100" dist="139700" dir="2700000" algn="tl" rotWithShape="0">
+              <a:srgbClr val="333333">
+                <a:alpha val="65000"/>
+              </a:srgbClr>
+            </a:outerShdw>
+          </a:effectLst>
+        </p:spPr>
+      </p:pic>
+      <p:sp>
+        <p:nvSpPr>
+          <p:cNvPr id="5" name="矩形 4"/>
           <p:cNvSpPr/>
           <p:nvPr/>
         </p:nvSpPr>
         <p:spPr>
           <a:xfrm>
-            <a:off x="971600" y="2881641"/>
-            <a:ext cx="1728192" cy="317453"/>
+            <a:off x="1043608" y="4797152"/>
+            <a:ext cx="4896544" cy="1767781"/>
           </a:xfrm>
           <a:prstGeom prst="rect">
             <a:avLst/>
@@ -5305,111 +7366,19 @@
       </p:sp>
       <p:sp>
         <p:nvSpPr>
-          <p:cNvPr id="5" name="矩形 4"/>
+          <p:cNvPr id="6" name="圆角矩形标注 5"/>
           <p:cNvSpPr/>
           <p:nvPr/>
         </p:nvSpPr>
         <p:spPr>
           <a:xfrm>
-            <a:off x="988892" y="3204612"/>
-            <a:ext cx="2214956" cy="317453"/>
-          </a:xfrm>
-          <a:prstGeom prst="rect">
-            <a:avLst/>
-          </a:prstGeom>
-          <a:noFill/>
-          <a:ln w="28575">
-            <a:solidFill>
-              <a:srgbClr val="FFFF00"/>
-            </a:solidFill>
-          </a:ln>
-        </p:spPr>
-        <p:style>
-          <a:lnRef idx="2">
-            <a:schemeClr val="accent1">
-              <a:shade val="50000"/>
-            </a:schemeClr>
-          </a:lnRef>
-          <a:fillRef idx="1">
-            <a:schemeClr val="accent1"/>
-          </a:fillRef>
-          <a:effectRef idx="0">
-            <a:schemeClr val="accent1"/>
-          </a:effectRef>
-          <a:fontRef idx="minor">
-            <a:schemeClr val="lt1"/>
-          </a:fontRef>
-        </p:style>
-        <p:txBody>
-          <a:bodyPr rtlCol="0" anchor="ctr"/>
-          <a:lstStyle/>
-          <a:p>
-            <a:pPr algn="ctr"/>
-            <a:endParaRPr lang="zh-CN" altLang="en-US"/>
-          </a:p>
-        </p:txBody>
-      </p:sp>
-      <p:sp>
-        <p:nvSpPr>
-          <p:cNvPr id="6" name="矩形 5"/>
-          <p:cNvSpPr/>
-          <p:nvPr/>
-        </p:nvSpPr>
-        <p:spPr>
-          <a:xfrm>
-            <a:off x="5436096" y="3551324"/>
-            <a:ext cx="1728192" cy="317453"/>
-          </a:xfrm>
-          <a:prstGeom prst="rect">
-            <a:avLst/>
-          </a:prstGeom>
-          <a:noFill/>
-          <a:ln w="28575">
-            <a:solidFill>
-              <a:srgbClr val="FFFF00"/>
-            </a:solidFill>
-          </a:ln>
-        </p:spPr>
-        <p:style>
-          <a:lnRef idx="2">
-            <a:schemeClr val="accent1">
-              <a:shade val="50000"/>
-            </a:schemeClr>
-          </a:lnRef>
-          <a:fillRef idx="1">
-            <a:schemeClr val="accent1"/>
-          </a:fillRef>
-          <a:effectRef idx="0">
-            <a:schemeClr val="accent1"/>
-          </a:effectRef>
-          <a:fontRef idx="minor">
-            <a:schemeClr val="lt1"/>
-          </a:fontRef>
-        </p:style>
-        <p:txBody>
-          <a:bodyPr rtlCol="0" anchor="ctr"/>
-          <a:lstStyle/>
-          <a:p>
-            <a:pPr algn="ctr"/>
-            <a:endParaRPr lang="zh-CN" altLang="en-US"/>
-          </a:p>
-        </p:txBody>
-      </p:sp>
-      <p:sp>
-        <p:nvSpPr>
-          <p:cNvPr id="7" name="圆角矩形标注 6"/>
-          <p:cNvSpPr/>
-          <p:nvPr/>
-        </p:nvSpPr>
-        <p:spPr>
-          <a:xfrm>
-            <a:off x="6156176" y="2897498"/>
-            <a:ext cx="1152128" cy="459494"/>
+            <a:off x="2555776" y="4797152"/>
+            <a:ext cx="1008112" cy="387486"/>
           </a:xfrm>
           <a:prstGeom prst="wedgeRoundRectCallout">
             <a:avLst>
-              <a:gd name="adj1" fmla="val -23553"/>
-              <a:gd name="adj2" fmla="val 92245"/>
+              <a:gd name="adj1" fmla="val -61237"/>
+              <a:gd name="adj2" fmla="val 9089"/>
               <a:gd name="adj3" fmla="val 16667"/>
             </a:avLst>
           </a:prstGeom>
@@ -5444,7 +7413,7 @@
                 <a:latin typeface="微软雅黑" pitchFamily="34" charset="-122"/>
                 <a:ea typeface="微软雅黑" pitchFamily="34" charset="-122"/>
               </a:rPr>
-              <a:t>底对齐</a:t>
+              <a:t>叠加</a:t>
             </a:r>
             <a:endParaRPr lang="zh-CN" altLang="en-US" sz="2000" dirty="0">
               <a:solidFill>
@@ -5459,10 +7428,202 @@
           </a:p>
         </p:txBody>
       </p:sp>
+      <p:sp>
+        <p:nvSpPr>
+          <p:cNvPr id="7" name="圆角矩形标注 6"/>
+          <p:cNvSpPr/>
+          <p:nvPr/>
+        </p:nvSpPr>
+        <p:spPr>
+          <a:xfrm>
+            <a:off x="5962419" y="4990895"/>
+            <a:ext cx="1008112" cy="387486"/>
+          </a:xfrm>
+          <a:prstGeom prst="wedgeRoundRectCallout">
+            <a:avLst>
+              <a:gd name="adj1" fmla="val -61237"/>
+              <a:gd name="adj2" fmla="val 9089"/>
+              <a:gd name="adj3" fmla="val 16667"/>
+            </a:avLst>
+          </a:prstGeom>
+        </p:spPr>
+        <p:style>
+          <a:lnRef idx="2">
+            <a:schemeClr val="accent5"/>
+          </a:lnRef>
+          <a:fillRef idx="1">
+            <a:schemeClr val="lt1"/>
+          </a:fillRef>
+          <a:effectRef idx="0">
+            <a:schemeClr val="accent5"/>
+          </a:effectRef>
+          <a:fontRef idx="minor">
+            <a:schemeClr val="dk1"/>
+          </a:fontRef>
+        </p:style>
+        <p:txBody>
+          <a:bodyPr rtlCol="0" anchor="ctr"/>
+          <a:lstStyle/>
+          <a:p>
+            <a:pPr algn="ctr"/>
+            <a:r>
+              <a:rPr lang="zh-CN" altLang="en-US" sz="2000" dirty="0" smtClean="0">
+                <a:solidFill>
+                  <a:schemeClr val="tx1">
+                    <a:lumMod val="75000"/>
+                    <a:lumOff val="25000"/>
+                  </a:schemeClr>
+                </a:solidFill>
+                <a:latin typeface="微软雅黑" pitchFamily="34" charset="-122"/>
+                <a:ea typeface="微软雅黑" pitchFamily="34" charset="-122"/>
+              </a:rPr>
+              <a:t>黑底</a:t>
+            </a:r>
+            <a:endParaRPr lang="zh-CN" altLang="en-US" sz="2000" dirty="0">
+              <a:solidFill>
+                <a:schemeClr val="tx1">
+                  <a:lumMod val="75000"/>
+                  <a:lumOff val="25000"/>
+                </a:schemeClr>
+              </a:solidFill>
+              <a:latin typeface="微软雅黑" pitchFamily="34" charset="-122"/>
+              <a:ea typeface="微软雅黑" pitchFamily="34" charset="-122"/>
+            </a:endParaRPr>
+          </a:p>
+        </p:txBody>
+      </p:sp>
+      <p:sp>
+        <p:nvSpPr>
+          <p:cNvPr id="8" name="圆角矩形标注 7"/>
+          <p:cNvSpPr/>
+          <p:nvPr/>
+        </p:nvSpPr>
+        <p:spPr>
+          <a:xfrm>
+            <a:off x="6071944" y="5487299"/>
+            <a:ext cx="1008112" cy="387486"/>
+          </a:xfrm>
+          <a:prstGeom prst="wedgeRoundRectCallout">
+            <a:avLst>
+              <a:gd name="adj1" fmla="val -61237"/>
+              <a:gd name="adj2" fmla="val 9089"/>
+              <a:gd name="adj3" fmla="val 16667"/>
+            </a:avLst>
+          </a:prstGeom>
+        </p:spPr>
+        <p:style>
+          <a:lnRef idx="2">
+            <a:schemeClr val="accent5"/>
+          </a:lnRef>
+          <a:fillRef idx="1">
+            <a:schemeClr val="lt1"/>
+          </a:fillRef>
+          <a:effectRef idx="0">
+            <a:schemeClr val="accent5"/>
+          </a:effectRef>
+          <a:fontRef idx="minor">
+            <a:schemeClr val="dk1"/>
+          </a:fontRef>
+        </p:style>
+        <p:txBody>
+          <a:bodyPr rtlCol="0" anchor="ctr"/>
+          <a:lstStyle/>
+          <a:p>
+            <a:pPr algn="ctr"/>
+            <a:r>
+              <a:rPr lang="zh-CN" altLang="en-US" sz="2000" dirty="0" smtClean="0">
+                <a:solidFill>
+                  <a:schemeClr val="tx1">
+                    <a:lumMod val="75000"/>
+                    <a:lumOff val="25000"/>
+                  </a:schemeClr>
+                </a:solidFill>
+                <a:latin typeface="微软雅黑" pitchFamily="34" charset="-122"/>
+                <a:ea typeface="微软雅黑" pitchFamily="34" charset="-122"/>
+              </a:rPr>
+              <a:t>原图</a:t>
+            </a:r>
+            <a:endParaRPr lang="zh-CN" altLang="en-US" sz="2000" dirty="0">
+              <a:solidFill>
+                <a:schemeClr val="tx1">
+                  <a:lumMod val="75000"/>
+                  <a:lumOff val="25000"/>
+                </a:schemeClr>
+              </a:solidFill>
+              <a:latin typeface="微软雅黑" pitchFamily="34" charset="-122"/>
+              <a:ea typeface="微软雅黑" pitchFamily="34" charset="-122"/>
+            </a:endParaRPr>
+          </a:p>
+        </p:txBody>
+      </p:sp>
+      <p:sp>
+        <p:nvSpPr>
+          <p:cNvPr id="9" name="圆角矩形标注 8"/>
+          <p:cNvSpPr/>
+          <p:nvPr/>
+        </p:nvSpPr>
+        <p:spPr>
+          <a:xfrm>
+            <a:off x="4991824" y="5874785"/>
+            <a:ext cx="1008112" cy="387486"/>
+          </a:xfrm>
+          <a:prstGeom prst="wedgeRoundRectCallout">
+            <a:avLst>
+              <a:gd name="adj1" fmla="val -61237"/>
+              <a:gd name="adj2" fmla="val 9089"/>
+              <a:gd name="adj3" fmla="val 16667"/>
+            </a:avLst>
+          </a:prstGeom>
+        </p:spPr>
+        <p:style>
+          <a:lnRef idx="2">
+            <a:schemeClr val="accent5"/>
+          </a:lnRef>
+          <a:fillRef idx="1">
+            <a:schemeClr val="lt1"/>
+          </a:fillRef>
+          <a:effectRef idx="0">
+            <a:schemeClr val="accent5"/>
+          </a:effectRef>
+          <a:fontRef idx="minor">
+            <a:schemeClr val="dk1"/>
+          </a:fontRef>
+        </p:style>
+        <p:txBody>
+          <a:bodyPr rtlCol="0" anchor="ctr"/>
+          <a:lstStyle/>
+          <a:p>
+            <a:pPr algn="ctr"/>
+            <a:r>
+              <a:rPr lang="zh-CN" altLang="en-US" sz="2000" dirty="0" smtClean="0">
+                <a:solidFill>
+                  <a:schemeClr val="tx1">
+                    <a:lumMod val="75000"/>
+                    <a:lumOff val="25000"/>
+                  </a:schemeClr>
+                </a:solidFill>
+                <a:latin typeface="微软雅黑" pitchFamily="34" charset="-122"/>
+                <a:ea typeface="微软雅黑" pitchFamily="34" charset="-122"/>
+              </a:rPr>
+              <a:t>偏移图</a:t>
+            </a:r>
+            <a:endParaRPr lang="zh-CN" altLang="en-US" sz="2000" dirty="0">
+              <a:solidFill>
+                <a:schemeClr val="tx1">
+                  <a:lumMod val="75000"/>
+                  <a:lumOff val="25000"/>
+                </a:schemeClr>
+              </a:solidFill>
+              <a:latin typeface="微软雅黑" pitchFamily="34" charset="-122"/>
+              <a:ea typeface="微软雅黑" pitchFamily="34" charset="-122"/>
+            </a:endParaRPr>
+          </a:p>
+        </p:txBody>
+      </p:sp>
     </p:spTree>
     <p:extLst>
       <p:ext uri="{BB962C8B-B14F-4D97-AF65-F5344CB8AC3E}">
-        <p14:creationId xmlns:p14="http://schemas.microsoft.com/office/powerpoint/2010/main" val="3871693340"/>
+        <p14:creationId xmlns:p14="http://schemas.microsoft.com/office/powerpoint/2010/main" val="2573462005"/>
       </p:ext>
     </p:extLst>
   </p:cSld>
@@ -5491,14 +7652,14 @@
       </p:grpSpPr>
       <p:sp>
         <p:nvSpPr>
-          <p:cNvPr id="4" name="TextBox 3"/>
+          <p:cNvPr id="2" name="TextBox 4"/>
           <p:cNvSpPr txBox="1"/>
           <p:nvPr/>
         </p:nvSpPr>
         <p:spPr>
           <a:xfrm>
-            <a:off x="467544" y="476672"/>
-            <a:ext cx="7776864" cy="523220"/>
+            <a:off x="683568" y="476672"/>
+            <a:ext cx="7776000" cy="1200329"/>
           </a:xfrm>
           <a:prstGeom prst="rect">
             <a:avLst/>
@@ -5511,19 +7672,716 @@
           </a:bodyPr>
           <a:lstStyle/>
           <a:p>
-            <a:r>
-              <a:rPr lang="en-US" altLang="zh-CN" sz="2800" b="1" dirty="0">
-                <a:solidFill>
-                  <a:schemeClr val="tx1">
-                    <a:lumMod val="75000"/>
-                    <a:lumOff val="25000"/>
-                  </a:schemeClr>
-                </a:solidFill>
-                <a:latin typeface="微软雅黑" pitchFamily="34" charset="-122"/>
-                <a:ea typeface="微软雅黑" pitchFamily="34" charset="-122"/>
-              </a:rPr>
-              <a:t>6</a:t>
-            </a:r>
+            <a:pPr>
+              <a:lnSpc>
+                <a:spcPct val="150000"/>
+              </a:lnSpc>
+            </a:pPr>
+            <a:r>
+              <a:rPr lang="zh-CN" altLang="en-US" sz="2400" dirty="0" smtClean="0">
+                <a:solidFill>
+                  <a:schemeClr val="tx1">
+                    <a:lumMod val="75000"/>
+                    <a:lumOff val="25000"/>
+                  </a:schemeClr>
+                </a:solidFill>
+                <a:latin typeface="微软雅黑" pitchFamily="34" charset="-122"/>
+                <a:ea typeface="微软雅黑" pitchFamily="34" charset="-122"/>
+              </a:rPr>
+              <a:t>此时仍然没有任何效果，因为偏移部分也是黑底，遮挡了原图，如果去掉黑底，效果如下：</a:t>
+            </a:r>
+            <a:endParaRPr lang="en-US" altLang="zh-CN" sz="2400" dirty="0" smtClean="0">
+              <a:solidFill>
+                <a:schemeClr val="tx1">
+                  <a:lumMod val="75000"/>
+                  <a:lumOff val="25000"/>
+                </a:schemeClr>
+              </a:solidFill>
+              <a:latin typeface="微软雅黑" pitchFamily="34" charset="-122"/>
+              <a:ea typeface="微软雅黑" pitchFamily="34" charset="-122"/>
+            </a:endParaRPr>
+          </a:p>
+        </p:txBody>
+      </p:sp>
+      <p:pic>
+        <p:nvPicPr>
+          <p:cNvPr id="4" name="图片 3" descr="屏幕剪辑"/>
+          <p:cNvPicPr>
+            <a:picLocks noChangeAspect="1"/>
+          </p:cNvPicPr>
+          <p:nvPr/>
+        </p:nvPicPr>
+        <p:blipFill>
+          <a:blip r:embed="rId2">
+            <a:extLst>
+              <a:ext uri="{28A0092B-C50C-407E-A947-70E740481C1C}">
+                <a14:useLocalDpi xmlns:a14="http://schemas.microsoft.com/office/drawing/2010/main" val="0"/>
+              </a:ext>
+            </a:extLst>
+          </a:blip>
+          <a:stretch>
+            <a:fillRect/>
+          </a:stretch>
+        </p:blipFill>
+        <p:spPr>
+          <a:xfrm>
+            <a:off x="1979712" y="1916832"/>
+            <a:ext cx="4239217" cy="1114581"/>
+          </a:xfrm>
+          <a:prstGeom prst="rect">
+            <a:avLst/>
+          </a:prstGeom>
+          <a:ln>
+            <a:noFill/>
+          </a:ln>
+          <a:effectLst>
+            <a:softEdge rad="112500"/>
+          </a:effectLst>
+        </p:spPr>
+      </p:pic>
+      <p:sp>
+        <p:nvSpPr>
+          <p:cNvPr id="5" name="TextBox 4"/>
+          <p:cNvSpPr txBox="1"/>
+          <p:nvPr/>
+        </p:nvSpPr>
+        <p:spPr>
+          <a:xfrm>
+            <a:off x="683568" y="3031413"/>
+            <a:ext cx="7776000" cy="1754326"/>
+          </a:xfrm>
+          <a:prstGeom prst="rect">
+            <a:avLst/>
+          </a:prstGeom>
+          <a:noFill/>
+        </p:spPr>
+        <p:txBody>
+          <a:bodyPr wrap="square" rtlCol="0">
+            <a:spAutoFit/>
+          </a:bodyPr>
+          <a:lstStyle/>
+          <a:p>
+            <a:pPr>
+              <a:lnSpc>
+                <a:spcPct val="150000"/>
+              </a:lnSpc>
+            </a:pPr>
+            <a:r>
+              <a:rPr lang="zh-CN" altLang="en-US" sz="2400" dirty="0" smtClean="0">
+                <a:solidFill>
+                  <a:schemeClr val="tx1">
+                    <a:lumMod val="75000"/>
+                    <a:lumOff val="25000"/>
+                  </a:schemeClr>
+                </a:solidFill>
+                <a:latin typeface="微软雅黑" pitchFamily="34" charset="-122"/>
+                <a:ea typeface="微软雅黑" pitchFamily="34" charset="-122"/>
+              </a:rPr>
+              <a:t>黑底是要保留的，因为偏移部分和原图部分同时出现，并不是想要的效果，我们的目的是实现原文本“本身”的偏移</a:t>
+            </a:r>
+            <a:r>
+              <a:rPr lang="en-US" altLang="zh-CN" sz="2400" dirty="0" smtClean="0">
+                <a:solidFill>
+                  <a:schemeClr val="tx1">
+                    <a:lumMod val="75000"/>
+                    <a:lumOff val="25000"/>
+                  </a:schemeClr>
+                </a:solidFill>
+                <a:latin typeface="微软雅黑" pitchFamily="34" charset="-122"/>
+                <a:ea typeface="微软雅黑" pitchFamily="34" charset="-122"/>
+              </a:rPr>
+              <a:t>.</a:t>
+            </a:r>
+            <a:r>
+              <a:rPr lang="zh-CN" altLang="en-US" sz="2400" dirty="0" smtClean="0">
+                <a:solidFill>
+                  <a:schemeClr val="tx1">
+                    <a:lumMod val="75000"/>
+                    <a:lumOff val="25000"/>
+                  </a:schemeClr>
+                </a:solidFill>
+                <a:latin typeface="微软雅黑" pitchFamily="34" charset="-122"/>
+                <a:ea typeface="微软雅黑" pitchFamily="34" charset="-122"/>
+              </a:rPr>
+              <a:t>这里只需要缩小</a:t>
+            </a:r>
+            <a:r>
+              <a:rPr lang="zh-CN" altLang="en-US" sz="2400" b="1" dirty="0" smtClean="0">
+                <a:solidFill>
+                  <a:schemeClr val="tx1">
+                    <a:lumMod val="75000"/>
+                    <a:lumOff val="25000"/>
+                  </a:schemeClr>
+                </a:solidFill>
+                <a:latin typeface="微软雅黑" pitchFamily="34" charset="-122"/>
+                <a:ea typeface="微软雅黑" pitchFamily="34" charset="-122"/>
+              </a:rPr>
+              <a:t>偏移部分的显示高度</a:t>
+            </a:r>
+            <a:r>
+              <a:rPr lang="zh-CN" altLang="en-US" sz="2400" dirty="0" smtClean="0">
+                <a:solidFill>
+                  <a:schemeClr val="tx1">
+                    <a:lumMod val="75000"/>
+                    <a:lumOff val="25000"/>
+                  </a:schemeClr>
+                </a:solidFill>
+                <a:latin typeface="微软雅黑" pitchFamily="34" charset="-122"/>
+                <a:ea typeface="微软雅黑" pitchFamily="34" charset="-122"/>
+              </a:rPr>
+              <a:t>即可</a:t>
+            </a:r>
+            <a:endParaRPr lang="en-US" altLang="zh-CN" sz="2400" dirty="0" smtClean="0">
+              <a:solidFill>
+                <a:schemeClr val="tx1">
+                  <a:lumMod val="75000"/>
+                  <a:lumOff val="25000"/>
+                </a:schemeClr>
+              </a:solidFill>
+              <a:latin typeface="微软雅黑" pitchFamily="34" charset="-122"/>
+              <a:ea typeface="微软雅黑" pitchFamily="34" charset="-122"/>
+            </a:endParaRPr>
+          </a:p>
+        </p:txBody>
+      </p:sp>
+      <p:pic>
+        <p:nvPicPr>
+          <p:cNvPr id="6" name="图片 5" descr="屏幕剪辑"/>
+          <p:cNvPicPr>
+            <a:picLocks noChangeAspect="1"/>
+          </p:cNvPicPr>
+          <p:nvPr/>
+        </p:nvPicPr>
+        <p:blipFill>
+          <a:blip r:embed="rId3">
+            <a:extLst>
+              <a:ext uri="{28A0092B-C50C-407E-A947-70E740481C1C}">
+                <a14:useLocalDpi xmlns:a14="http://schemas.microsoft.com/office/drawing/2010/main" val="0"/>
+              </a:ext>
+            </a:extLst>
+          </a:blip>
+          <a:stretch>
+            <a:fillRect/>
+          </a:stretch>
+        </p:blipFill>
+        <p:spPr>
+          <a:xfrm>
+            <a:off x="1115616" y="4782560"/>
+            <a:ext cx="6268325" cy="1876687"/>
+          </a:xfrm>
+          <a:prstGeom prst="rect">
+            <a:avLst/>
+          </a:prstGeom>
+        </p:spPr>
+      </p:pic>
+      <p:sp>
+        <p:nvSpPr>
+          <p:cNvPr id="7" name="矩形 6"/>
+          <p:cNvSpPr/>
+          <p:nvPr/>
+        </p:nvSpPr>
+        <p:spPr>
+          <a:xfrm>
+            <a:off x="3131840" y="4869160"/>
+            <a:ext cx="936104" cy="317453"/>
+          </a:xfrm>
+          <a:prstGeom prst="rect">
+            <a:avLst/>
+          </a:prstGeom>
+          <a:noFill/>
+          <a:ln w="28575">
+            <a:solidFill>
+              <a:srgbClr val="FFFF00"/>
+            </a:solidFill>
+          </a:ln>
+        </p:spPr>
+        <p:style>
+          <a:lnRef idx="2">
+            <a:schemeClr val="accent1">
+              <a:shade val="50000"/>
+            </a:schemeClr>
+          </a:lnRef>
+          <a:fillRef idx="1">
+            <a:schemeClr val="accent1"/>
+          </a:fillRef>
+          <a:effectRef idx="0">
+            <a:schemeClr val="accent1"/>
+          </a:effectRef>
+          <a:fontRef idx="minor">
+            <a:schemeClr val="lt1"/>
+          </a:fontRef>
+        </p:style>
+        <p:txBody>
+          <a:bodyPr rtlCol="0" anchor="ctr"/>
+          <a:lstStyle/>
+          <a:p>
+            <a:pPr algn="ctr"/>
+            <a:endParaRPr lang="zh-CN" altLang="en-US"/>
+          </a:p>
+        </p:txBody>
+      </p:sp>
+      <p:sp>
+        <p:nvSpPr>
+          <p:cNvPr id="8" name="矩形 7"/>
+          <p:cNvSpPr/>
+          <p:nvPr/>
+        </p:nvSpPr>
+        <p:spPr>
+          <a:xfrm>
+            <a:off x="5616116" y="4869159"/>
+            <a:ext cx="1620180" cy="317453"/>
+          </a:xfrm>
+          <a:prstGeom prst="rect">
+            <a:avLst/>
+          </a:prstGeom>
+          <a:noFill/>
+          <a:ln w="28575">
+            <a:solidFill>
+              <a:srgbClr val="FFFF00"/>
+            </a:solidFill>
+          </a:ln>
+        </p:spPr>
+        <p:style>
+          <a:lnRef idx="2">
+            <a:schemeClr val="accent1">
+              <a:shade val="50000"/>
+            </a:schemeClr>
+          </a:lnRef>
+          <a:fillRef idx="1">
+            <a:schemeClr val="accent1"/>
+          </a:fillRef>
+          <a:effectRef idx="0">
+            <a:schemeClr val="accent1"/>
+          </a:effectRef>
+          <a:fontRef idx="minor">
+            <a:schemeClr val="lt1"/>
+          </a:fontRef>
+        </p:style>
+        <p:txBody>
+          <a:bodyPr rtlCol="0" anchor="ctr"/>
+          <a:lstStyle/>
+          <a:p>
+            <a:pPr algn="ctr"/>
+            <a:endParaRPr lang="zh-CN" altLang="en-US"/>
+          </a:p>
+        </p:txBody>
+      </p:sp>
+      <p:sp>
+        <p:nvSpPr>
+          <p:cNvPr id="9" name="圆角矩形标注 8"/>
+          <p:cNvSpPr/>
+          <p:nvPr/>
+        </p:nvSpPr>
+        <p:spPr>
+          <a:xfrm>
+            <a:off x="6156176" y="5485376"/>
+            <a:ext cx="2088232" cy="1051510"/>
+          </a:xfrm>
+          <a:prstGeom prst="wedgeRoundRectCallout">
+            <a:avLst>
+              <a:gd name="adj1" fmla="val -31866"/>
+              <a:gd name="adj2" fmla="val -69572"/>
+              <a:gd name="adj3" fmla="val 16667"/>
+            </a:avLst>
+          </a:prstGeom>
+        </p:spPr>
+        <p:style>
+          <a:lnRef idx="2">
+            <a:schemeClr val="accent5"/>
+          </a:lnRef>
+          <a:fillRef idx="1">
+            <a:schemeClr val="lt1"/>
+          </a:fillRef>
+          <a:effectRef idx="0">
+            <a:schemeClr val="accent5"/>
+          </a:effectRef>
+          <a:fontRef idx="minor">
+            <a:schemeClr val="dk1"/>
+          </a:fontRef>
+        </p:style>
+        <p:txBody>
+          <a:bodyPr rtlCol="0" anchor="ctr"/>
+          <a:lstStyle/>
+          <a:p>
+            <a:r>
+              <a:rPr lang="en-US" altLang="zh-CN" sz="2000" dirty="0" smtClean="0">
+                <a:solidFill>
+                  <a:schemeClr val="tx1">
+                    <a:lumMod val="75000"/>
+                    <a:lumOff val="25000"/>
+                  </a:schemeClr>
+                </a:solidFill>
+                <a:latin typeface="微软雅黑" pitchFamily="34" charset="-122"/>
+                <a:ea typeface="微软雅黑" pitchFamily="34" charset="-122"/>
+              </a:rPr>
+              <a:t>y</a:t>
+            </a:r>
+            <a:r>
+              <a:rPr lang="zh-CN" altLang="en-US" sz="2000" dirty="0" smtClean="0">
+                <a:solidFill>
+                  <a:schemeClr val="tx1">
+                    <a:lumMod val="75000"/>
+                    <a:lumOff val="25000"/>
+                  </a:schemeClr>
+                </a:solidFill>
+                <a:latin typeface="微软雅黑" pitchFamily="34" charset="-122"/>
+                <a:ea typeface="微软雅黑" pitchFamily="34" charset="-122"/>
+              </a:rPr>
+              <a:t>方向，显示的起始位置是</a:t>
+            </a:r>
+            <a:r>
+              <a:rPr lang="en-US" altLang="zh-CN" sz="2000" dirty="0" smtClean="0">
+                <a:solidFill>
+                  <a:schemeClr val="tx1">
+                    <a:lumMod val="75000"/>
+                    <a:lumOff val="25000"/>
+                  </a:schemeClr>
+                </a:solidFill>
+                <a:latin typeface="微软雅黑" pitchFamily="34" charset="-122"/>
+                <a:ea typeface="微软雅黑" pitchFamily="34" charset="-122"/>
+              </a:rPr>
+              <a:t>30</a:t>
+            </a:r>
+            <a:r>
+              <a:rPr lang="zh-CN" altLang="en-US" sz="2000" dirty="0" smtClean="0">
+                <a:solidFill>
+                  <a:schemeClr val="tx1">
+                    <a:lumMod val="75000"/>
+                    <a:lumOff val="25000"/>
+                  </a:schemeClr>
+                </a:solidFill>
+                <a:latin typeface="微软雅黑" pitchFamily="34" charset="-122"/>
+                <a:ea typeface="微软雅黑" pitchFamily="34" charset="-122"/>
+              </a:rPr>
+              <a:t>，高度是</a:t>
+            </a:r>
+            <a:r>
+              <a:rPr lang="en-US" altLang="zh-CN" sz="2000" dirty="0" smtClean="0">
+                <a:solidFill>
+                  <a:schemeClr val="tx1">
+                    <a:lumMod val="75000"/>
+                    <a:lumOff val="25000"/>
+                  </a:schemeClr>
+                </a:solidFill>
+                <a:latin typeface="微软雅黑" pitchFamily="34" charset="-122"/>
+                <a:ea typeface="微软雅黑" pitchFamily="34" charset="-122"/>
+              </a:rPr>
+              <a:t>30</a:t>
+            </a:r>
+            <a:endParaRPr lang="zh-CN" altLang="en-US" sz="2000" dirty="0">
+              <a:solidFill>
+                <a:schemeClr val="tx1">
+                  <a:lumMod val="75000"/>
+                  <a:lumOff val="25000"/>
+                </a:schemeClr>
+              </a:solidFill>
+              <a:latin typeface="微软雅黑" pitchFamily="34" charset="-122"/>
+              <a:ea typeface="微软雅黑" pitchFamily="34" charset="-122"/>
+            </a:endParaRPr>
+          </a:p>
+        </p:txBody>
+      </p:sp>
+    </p:spTree>
+    <p:extLst>
+      <p:ext uri="{BB962C8B-B14F-4D97-AF65-F5344CB8AC3E}">
+        <p14:creationId xmlns:p14="http://schemas.microsoft.com/office/powerpoint/2010/main" val="1044734088"/>
+      </p:ext>
+    </p:extLst>
+  </p:cSld>
+  <p:clrMapOvr>
+    <a:masterClrMapping/>
+  </p:clrMapOvr>
+</p:sld>
+</file>
+
+<file path=ppt/slides/slide8.xml><?xml version="1.0" encoding="utf-8"?>
+<p:sld xmlns:a="http://schemas.openxmlformats.org/drawingml/2006/main" xmlns:r="http://schemas.openxmlformats.org/officeDocument/2006/relationships" xmlns:p="http://schemas.openxmlformats.org/presentationml/2006/main">
+  <p:cSld>
+    <p:spTree>
+      <p:nvGrpSpPr>
+        <p:cNvPr id="1" name=""/>
+        <p:cNvGrpSpPr/>
+        <p:nvPr/>
+      </p:nvGrpSpPr>
+      <p:grpSpPr>
+        <a:xfrm>
+          <a:off x="0" y="0"/>
+          <a:ext cx="0" cy="0"/>
+          <a:chOff x="0" y="0"/>
+          <a:chExt cx="0" cy="0"/>
+        </a:xfrm>
+      </p:grpSpPr>
+      <p:sp>
+        <p:nvSpPr>
+          <p:cNvPr id="2" name="TextBox 4"/>
+          <p:cNvSpPr txBox="1"/>
+          <p:nvPr/>
+        </p:nvSpPr>
+        <p:spPr>
+          <a:xfrm>
+            <a:off x="827584" y="2322746"/>
+            <a:ext cx="7776000" cy="1754326"/>
+          </a:xfrm>
+          <a:prstGeom prst="rect">
+            <a:avLst/>
+          </a:prstGeom>
+          <a:noFill/>
+        </p:spPr>
+        <p:txBody>
+          <a:bodyPr wrap="square" rtlCol="0">
+            <a:spAutoFit/>
+          </a:bodyPr>
+          <a:lstStyle/>
+          <a:p>
+            <a:pPr>
+              <a:lnSpc>
+                <a:spcPct val="150000"/>
+              </a:lnSpc>
+            </a:pPr>
+            <a:r>
+              <a:rPr lang="zh-CN" altLang="en-US" sz="2400" dirty="0" smtClean="0">
+                <a:solidFill>
+                  <a:schemeClr val="tx1">
+                    <a:lumMod val="75000"/>
+                    <a:lumOff val="25000"/>
+                  </a:schemeClr>
+                </a:solidFill>
+                <a:latin typeface="微软雅黑" pitchFamily="34" charset="-122"/>
+                <a:ea typeface="微软雅黑" pitchFamily="34" charset="-122"/>
+              </a:rPr>
+              <a:t>我们还需要偏移部分有红色边缘，</a:t>
+            </a:r>
+            <a:r>
+              <a:rPr lang="zh-CN" altLang="en-US" sz="2400" dirty="0">
+                <a:solidFill>
+                  <a:schemeClr val="tx1">
+                    <a:lumMod val="75000"/>
+                    <a:lumOff val="25000"/>
+                  </a:schemeClr>
+                </a:solidFill>
+                <a:latin typeface="微软雅黑" pitchFamily="34" charset="-122"/>
+                <a:ea typeface="微软雅黑" pitchFamily="34" charset="-122"/>
+              </a:rPr>
+              <a:t>还需</a:t>
+            </a:r>
+            <a:r>
+              <a:rPr lang="zh-CN" altLang="en-US" sz="2400" dirty="0" smtClean="0">
+                <a:solidFill>
+                  <a:schemeClr val="tx1">
+                    <a:lumMod val="75000"/>
+                    <a:lumOff val="25000"/>
+                  </a:schemeClr>
+                </a:solidFill>
+                <a:latin typeface="微软雅黑" pitchFamily="34" charset="-122"/>
+                <a:ea typeface="微软雅黑" pitchFamily="34" charset="-122"/>
+              </a:rPr>
+              <a:t>制作一个</a:t>
+            </a:r>
+            <a:r>
+              <a:rPr lang="zh-CN" altLang="en-US" sz="2400" b="1" dirty="0" smtClean="0">
+                <a:solidFill>
+                  <a:schemeClr val="tx1">
+                    <a:lumMod val="75000"/>
+                    <a:lumOff val="25000"/>
+                  </a:schemeClr>
+                </a:solidFill>
+                <a:latin typeface="微软雅黑" pitchFamily="34" charset="-122"/>
+                <a:ea typeface="微软雅黑" pitchFamily="34" charset="-122"/>
+              </a:rPr>
+              <a:t>红色文字偏移</a:t>
+            </a:r>
+            <a:r>
+              <a:rPr lang="zh-CN" altLang="en-US" sz="2400" dirty="0" smtClean="0">
+                <a:solidFill>
+                  <a:schemeClr val="tx1">
+                    <a:lumMod val="75000"/>
+                    <a:lumOff val="25000"/>
+                  </a:schemeClr>
+                </a:solidFill>
+                <a:latin typeface="微软雅黑" pitchFamily="34" charset="-122"/>
+                <a:ea typeface="微软雅黑" pitchFamily="34" charset="-122"/>
+              </a:rPr>
+              <a:t>，</a:t>
+            </a:r>
+            <a:r>
+              <a:rPr lang="zh-CN" altLang="en-US" sz="2400" b="1" dirty="0" smtClean="0">
+                <a:solidFill>
+                  <a:schemeClr val="tx1">
+                    <a:lumMod val="75000"/>
+                    <a:lumOff val="25000"/>
+                  </a:schemeClr>
+                </a:solidFill>
+                <a:latin typeface="微软雅黑" pitchFamily="34" charset="-122"/>
+                <a:ea typeface="微软雅黑" pitchFamily="34" charset="-122"/>
+              </a:rPr>
+              <a:t>叠加在</a:t>
+            </a:r>
+            <a:r>
+              <a:rPr lang="zh-CN" altLang="en-US" sz="2400" dirty="0" smtClean="0">
+                <a:solidFill>
+                  <a:schemeClr val="tx1">
+                    <a:lumMod val="75000"/>
+                    <a:lumOff val="25000"/>
+                  </a:schemeClr>
+                </a:solidFill>
+                <a:latin typeface="微软雅黑" pitchFamily="34" charset="-122"/>
+                <a:ea typeface="微软雅黑" pitchFamily="34" charset="-122"/>
+              </a:rPr>
+              <a:t>白色偏移文本</a:t>
+            </a:r>
+            <a:r>
+              <a:rPr lang="zh-CN" altLang="en-US" sz="2400" b="1" dirty="0" smtClean="0">
+                <a:solidFill>
+                  <a:schemeClr val="tx1">
+                    <a:lumMod val="75000"/>
+                    <a:lumOff val="25000"/>
+                  </a:schemeClr>
+                </a:solidFill>
+                <a:latin typeface="微软雅黑" pitchFamily="34" charset="-122"/>
+                <a:ea typeface="微软雅黑" pitchFamily="34" charset="-122"/>
+              </a:rPr>
+              <a:t>下方</a:t>
+            </a:r>
+            <a:r>
+              <a:rPr lang="zh-CN" altLang="en-US" sz="2400" dirty="0" smtClean="0">
+                <a:solidFill>
+                  <a:schemeClr val="tx1">
+                    <a:lumMod val="75000"/>
+                    <a:lumOff val="25000"/>
+                  </a:schemeClr>
+                </a:solidFill>
+                <a:latin typeface="微软雅黑" pitchFamily="34" charset="-122"/>
+                <a:ea typeface="微软雅黑" pitchFamily="34" charset="-122"/>
+              </a:rPr>
+              <a:t>，并且</a:t>
+            </a:r>
+            <a:r>
+              <a:rPr lang="zh-CN" altLang="en-US" sz="2400" dirty="0" smtClean="0">
+                <a:solidFill>
+                  <a:srgbClr val="C00000"/>
+                </a:solidFill>
+                <a:latin typeface="微软雅黑" pitchFamily="34" charset="-122"/>
+                <a:ea typeface="微软雅黑" pitchFamily="34" charset="-122"/>
+              </a:rPr>
+              <a:t>多偏移</a:t>
+            </a:r>
+            <a:r>
+              <a:rPr lang="en-US" altLang="zh-CN" sz="2400" dirty="0" smtClean="0">
+                <a:solidFill>
+                  <a:srgbClr val="C00000"/>
+                </a:solidFill>
+                <a:latin typeface="微软雅黑" pitchFamily="34" charset="-122"/>
+                <a:ea typeface="微软雅黑" pitchFamily="34" charset="-122"/>
+              </a:rPr>
+              <a:t>2</a:t>
+            </a:r>
+            <a:r>
+              <a:rPr lang="zh-CN" altLang="en-US" sz="2400" dirty="0" smtClean="0">
+                <a:solidFill>
+                  <a:srgbClr val="C00000"/>
+                </a:solidFill>
+                <a:latin typeface="微软雅黑" pitchFamily="34" charset="-122"/>
+                <a:ea typeface="微软雅黑" pitchFamily="34" charset="-122"/>
+              </a:rPr>
+              <a:t>个像素</a:t>
+            </a:r>
+            <a:r>
+              <a:rPr lang="zh-CN" altLang="en-US" sz="2400" dirty="0" smtClean="0">
+                <a:solidFill>
+                  <a:schemeClr val="tx1">
+                    <a:lumMod val="75000"/>
+                    <a:lumOff val="25000"/>
+                  </a:schemeClr>
+                </a:solidFill>
+                <a:latin typeface="微软雅黑" pitchFamily="34" charset="-122"/>
+                <a:ea typeface="微软雅黑" pitchFamily="34" charset="-122"/>
+              </a:rPr>
+              <a:t>即可</a:t>
+            </a:r>
+            <a:r>
+              <a:rPr lang="en-US" altLang="zh-CN" sz="2400" dirty="0" smtClean="0">
+                <a:solidFill>
+                  <a:schemeClr val="tx1">
+                    <a:lumMod val="75000"/>
+                    <a:lumOff val="25000"/>
+                  </a:schemeClr>
+                </a:solidFill>
+                <a:latin typeface="微软雅黑" pitchFamily="34" charset="-122"/>
+                <a:ea typeface="微软雅黑" pitchFamily="34" charset="-122"/>
+              </a:rPr>
+              <a:t>.</a:t>
+            </a:r>
+            <a:endParaRPr lang="en-US" altLang="zh-CN" sz="2400" dirty="0" smtClean="0">
+              <a:solidFill>
+                <a:schemeClr val="tx1">
+                  <a:lumMod val="75000"/>
+                  <a:lumOff val="25000"/>
+                </a:schemeClr>
+              </a:solidFill>
+              <a:latin typeface="微软雅黑" pitchFamily="34" charset="-122"/>
+              <a:ea typeface="微软雅黑" pitchFamily="34" charset="-122"/>
+            </a:endParaRPr>
+          </a:p>
+        </p:txBody>
+      </p:sp>
+      <p:pic>
+        <p:nvPicPr>
+          <p:cNvPr id="4" name="图片 3" descr="屏幕剪辑"/>
+          <p:cNvPicPr>
+            <a:picLocks noChangeAspect="1"/>
+          </p:cNvPicPr>
+          <p:nvPr/>
+        </p:nvPicPr>
+        <p:blipFill>
+          <a:blip r:embed="rId2">
+            <a:extLst>
+              <a:ext uri="{28A0092B-C50C-407E-A947-70E740481C1C}">
+                <a14:useLocalDpi xmlns:a14="http://schemas.microsoft.com/office/drawing/2010/main" val="0"/>
+              </a:ext>
+            </a:extLst>
+          </a:blip>
+          <a:stretch>
+            <a:fillRect/>
+          </a:stretch>
+        </p:blipFill>
+        <p:spPr>
+          <a:xfrm>
+            <a:off x="2437670" y="260648"/>
+            <a:ext cx="4267796" cy="1076475"/>
+          </a:xfrm>
+          <a:prstGeom prst="rect">
+            <a:avLst/>
+          </a:prstGeom>
+          <a:ln>
+            <a:noFill/>
+          </a:ln>
+          <a:effectLst>
+            <a:softEdge rad="112500"/>
+          </a:effectLst>
+        </p:spPr>
+      </p:pic>
+      <p:sp>
+        <p:nvSpPr>
+          <p:cNvPr id="5" name="TextBox 3"/>
+          <p:cNvSpPr txBox="1"/>
+          <p:nvPr/>
+        </p:nvSpPr>
+        <p:spPr>
+          <a:xfrm>
+            <a:off x="684000" y="1681644"/>
+            <a:ext cx="7776000" cy="523220"/>
+          </a:xfrm>
+          <a:prstGeom prst="rect">
+            <a:avLst/>
+          </a:prstGeom>
+          <a:noFill/>
+        </p:spPr>
+        <p:txBody>
+          <a:bodyPr wrap="square" rtlCol="0">
+            <a:spAutoFit/>
+          </a:bodyPr>
+          <a:lstStyle/>
+          <a:p>
             <a:r>
               <a:rPr lang="en-US" altLang="zh-CN" sz="2800" b="1" dirty="0" smtClean="0">
                 <a:solidFill>
@@ -5535,6 +8393,19 @@
                 <a:latin typeface="微软雅黑" pitchFamily="34" charset="-122"/>
                 <a:ea typeface="微软雅黑" pitchFamily="34" charset="-122"/>
               </a:rPr>
+              <a:t>4</a:t>
+            </a:r>
+            <a:r>
+              <a:rPr lang="en-US" altLang="zh-CN" sz="2800" b="1" dirty="0" smtClean="0">
+                <a:solidFill>
+                  <a:schemeClr val="tx1">
+                    <a:lumMod val="75000"/>
+                    <a:lumOff val="25000"/>
+                  </a:schemeClr>
+                </a:solidFill>
+                <a:latin typeface="微软雅黑" pitchFamily="34" charset="-122"/>
+                <a:ea typeface="微软雅黑" pitchFamily="34" charset="-122"/>
+              </a:rPr>
               <a:t>.</a:t>
             </a:r>
             <a:r>
@@ -5548,7 +8419,7 @@
                 <a:latin typeface="微软雅黑" pitchFamily="34" charset="-122"/>
                 <a:ea typeface="微软雅黑" pitchFamily="34" charset="-122"/>
               </a:rPr>
-              <a:t>更多思考</a:t>
+              <a:t>红色边缘</a:t>
             </a:r>
             <a:endParaRPr lang="zh-CN" altLang="en-US" sz="2800" b="1" dirty="0">
               <a:solidFill>
@@ -5563,55 +8434,190 @@
           </a:p>
         </p:txBody>
       </p:sp>
-      <p:sp>
-        <p:nvSpPr>
-          <p:cNvPr id="9" name="TextBox 8"/>
-          <p:cNvSpPr txBox="1"/>
+      <p:pic>
+        <p:nvPicPr>
+          <p:cNvPr id="6" name="图片 5" descr="屏幕剪辑"/>
+          <p:cNvPicPr>
+            <a:picLocks noChangeAspect="1"/>
+          </p:cNvPicPr>
           <p:nvPr/>
-        </p:nvSpPr>
-        <p:spPr>
-          <a:xfrm>
-            <a:off x="611560" y="2996952"/>
-            <a:ext cx="7776864" cy="1384995"/>
+        </p:nvPicPr>
+        <p:blipFill>
+          <a:blip r:embed="rId3">
+            <a:extLst>
+              <a:ext uri="{28A0092B-C50C-407E-A947-70E740481C1C}">
+                <a14:useLocalDpi xmlns:a14="http://schemas.microsoft.com/office/drawing/2010/main" val="0"/>
+              </a:ext>
+            </a:extLst>
+          </a:blip>
+          <a:stretch>
+            <a:fillRect/>
+          </a:stretch>
+        </p:blipFill>
+        <p:spPr>
+          <a:xfrm>
+            <a:off x="1089694" y="4051758"/>
+            <a:ext cx="6963747" cy="1886213"/>
+          </a:xfrm>
+          <a:prstGeom prst="rect">
+            <a:avLst/>
+          </a:prstGeom>
+          <a:ln>
+            <a:noFill/>
+          </a:ln>
+          <a:effectLst>
+            <a:outerShdw blurRad="292100" dist="139700" dir="2700000" algn="tl" rotWithShape="0">
+              <a:srgbClr val="333333">
+                <a:alpha val="65000"/>
+              </a:srgbClr>
+            </a:outerShdw>
+          </a:effectLst>
+        </p:spPr>
+      </p:pic>
+      <p:sp>
+        <p:nvSpPr>
+          <p:cNvPr id="7" name="矩形 6"/>
+          <p:cNvSpPr/>
+          <p:nvPr/>
+        </p:nvSpPr>
+        <p:spPr>
+          <a:xfrm>
+            <a:off x="1105164" y="5157192"/>
+            <a:ext cx="1738644" cy="317453"/>
           </a:xfrm>
           <a:prstGeom prst="rect">
             <a:avLst/>
           </a:prstGeom>
           <a:noFill/>
-        </p:spPr>
-        <p:txBody>
-          <a:bodyPr wrap="square" rtlCol="0">
-            <a:spAutoFit/>
-          </a:bodyPr>
-          <a:lstStyle/>
-          <a:p>
-            <a:r>
-              <a:rPr lang="en-US" altLang="zh-CN" sz="2800" b="1" dirty="0" smtClean="0">
-                <a:solidFill>
-                  <a:schemeClr val="tx1">
-                    <a:lumMod val="75000"/>
-                    <a:lumOff val="25000"/>
-                  </a:schemeClr>
-                </a:solidFill>
-                <a:latin typeface="微软雅黑" pitchFamily="34" charset="-122"/>
-                <a:ea typeface="微软雅黑" pitchFamily="34" charset="-122"/>
-              </a:rPr>
-              <a:t>	</a:t>
-            </a:r>
-            <a:r>
-              <a:rPr lang="zh-CN" altLang="en-US" sz="2800" b="1" dirty="0" smtClean="0">
-                <a:solidFill>
-                  <a:schemeClr val="tx1">
-                    <a:lumMod val="75000"/>
-                    <a:lumOff val="25000"/>
-                  </a:schemeClr>
-                </a:solidFill>
-                <a:latin typeface="微软雅黑" pitchFamily="34" charset="-122"/>
-                <a:ea typeface="微软雅黑" pitchFamily="34" charset="-122"/>
-              </a:rPr>
-              <a:t>本期内容就讲到这里，谢谢大家！</a:t>
-            </a:r>
-            <a:endParaRPr lang="en-US" altLang="zh-CN" sz="2800" b="1" dirty="0" smtClean="0">
+          <a:ln w="28575">
+            <a:solidFill>
+              <a:srgbClr val="FFFF00"/>
+            </a:solidFill>
+          </a:ln>
+        </p:spPr>
+        <p:style>
+          <a:lnRef idx="2">
+            <a:schemeClr val="accent1">
+              <a:shade val="50000"/>
+            </a:schemeClr>
+          </a:lnRef>
+          <a:fillRef idx="1">
+            <a:schemeClr val="accent1"/>
+          </a:fillRef>
+          <a:effectRef idx="0">
+            <a:schemeClr val="accent1"/>
+          </a:effectRef>
+          <a:fontRef idx="minor">
+            <a:schemeClr val="lt1"/>
+          </a:fontRef>
+        </p:style>
+        <p:txBody>
+          <a:bodyPr rtlCol="0" anchor="ctr"/>
+          <a:lstStyle/>
+          <a:p>
+            <a:pPr algn="ctr"/>
+            <a:endParaRPr lang="zh-CN" altLang="en-US"/>
+          </a:p>
+        </p:txBody>
+      </p:sp>
+      <p:sp>
+        <p:nvSpPr>
+          <p:cNvPr id="8" name="矩形 7"/>
+          <p:cNvSpPr/>
+          <p:nvPr/>
+        </p:nvSpPr>
+        <p:spPr>
+          <a:xfrm>
+            <a:off x="4966822" y="4458405"/>
+            <a:ext cx="1045338" cy="317453"/>
+          </a:xfrm>
+          <a:prstGeom prst="rect">
+            <a:avLst/>
+          </a:prstGeom>
+          <a:noFill/>
+          <a:ln w="28575">
+            <a:solidFill>
+              <a:srgbClr val="FFFF00"/>
+            </a:solidFill>
+          </a:ln>
+        </p:spPr>
+        <p:style>
+          <a:lnRef idx="2">
+            <a:schemeClr val="accent1">
+              <a:shade val="50000"/>
+            </a:schemeClr>
+          </a:lnRef>
+          <a:fillRef idx="1">
+            <a:schemeClr val="accent1"/>
+          </a:fillRef>
+          <a:effectRef idx="0">
+            <a:schemeClr val="accent1"/>
+          </a:effectRef>
+          <a:fontRef idx="minor">
+            <a:schemeClr val="lt1"/>
+          </a:fontRef>
+        </p:style>
+        <p:txBody>
+          <a:bodyPr rtlCol="0" anchor="ctr"/>
+          <a:lstStyle/>
+          <a:p>
+            <a:pPr algn="ctr"/>
+            <a:endParaRPr lang="zh-CN" altLang="en-US"/>
+          </a:p>
+        </p:txBody>
+      </p:sp>
+      <p:sp>
+        <p:nvSpPr>
+          <p:cNvPr id="9" name="圆角矩形标注 8"/>
+          <p:cNvSpPr/>
+          <p:nvPr/>
+        </p:nvSpPr>
+        <p:spPr>
+          <a:xfrm>
+            <a:off x="1874776" y="3588432"/>
+            <a:ext cx="1329071" cy="387486"/>
+          </a:xfrm>
+          <a:prstGeom prst="wedgeRoundRectCallout">
+            <a:avLst>
+              <a:gd name="adj1" fmla="val -21500"/>
+              <a:gd name="adj2" fmla="val 87750"/>
+              <a:gd name="adj3" fmla="val 16667"/>
+            </a:avLst>
+          </a:prstGeom>
+        </p:spPr>
+        <p:style>
+          <a:lnRef idx="2">
+            <a:schemeClr val="accent5"/>
+          </a:lnRef>
+          <a:fillRef idx="1">
+            <a:schemeClr val="lt1"/>
+          </a:fillRef>
+          <a:effectRef idx="0">
+            <a:schemeClr val="accent5"/>
+          </a:effectRef>
+          <a:fontRef idx="minor">
+            <a:schemeClr val="dk1"/>
+          </a:fontRef>
+        </p:style>
+        <p:txBody>
+          <a:bodyPr rtlCol="0" anchor="ctr"/>
+          <a:lstStyle/>
+          <a:p>
+            <a:pPr algn="ctr"/>
+            <a:r>
+              <a:rPr lang="zh-CN" altLang="en-US" sz="2000" dirty="0" smtClean="0">
+                <a:solidFill>
+                  <a:schemeClr val="tx1">
+                    <a:lumMod val="75000"/>
+                    <a:lumOff val="25000"/>
+                  </a:schemeClr>
+                </a:solidFill>
+                <a:latin typeface="微软雅黑" pitchFamily="34" charset="-122"/>
+                <a:ea typeface="微软雅黑" pitchFamily="34" charset="-122"/>
+              </a:rPr>
+              <a:t>红色色块</a:t>
+            </a:r>
+            <a:endParaRPr lang="zh-CN" altLang="en-US" sz="2000" dirty="0">
               <a:solidFill>
                 <a:schemeClr val="tx1">
                   <a:lumMod val="75000"/>
@@ -5622,8 +8628,86 @@
               <a:ea typeface="微软雅黑" pitchFamily="34" charset="-122"/>
             </a:endParaRPr>
           </a:p>
-          <a:p>
-            <a:endParaRPr lang="en-US" altLang="zh-CN" sz="2800" b="1" dirty="0" smtClean="0">
+        </p:txBody>
+      </p:sp>
+      <p:sp>
+        <p:nvSpPr>
+          <p:cNvPr id="10" name="圆角矩形标注 9"/>
+          <p:cNvSpPr/>
+          <p:nvPr/>
+        </p:nvSpPr>
+        <p:spPr>
+          <a:xfrm>
+            <a:off x="5076056" y="4851698"/>
+            <a:ext cx="1944216" cy="387486"/>
+          </a:xfrm>
+          <a:prstGeom prst="wedgeRoundRectCallout">
+            <a:avLst>
+              <a:gd name="adj1" fmla="val -26742"/>
+              <a:gd name="adj2" fmla="val -69572"/>
+              <a:gd name="adj3" fmla="val 16667"/>
+            </a:avLst>
+          </a:prstGeom>
+        </p:spPr>
+        <p:style>
+          <a:lnRef idx="2">
+            <a:schemeClr val="accent5"/>
+          </a:lnRef>
+          <a:fillRef idx="1">
+            <a:schemeClr val="lt1"/>
+          </a:fillRef>
+          <a:effectRef idx="0">
+            <a:schemeClr val="accent5"/>
+          </a:effectRef>
+          <a:fontRef idx="minor">
+            <a:schemeClr val="dk1"/>
+          </a:fontRef>
+        </p:style>
+        <p:txBody>
+          <a:bodyPr rtlCol="0" anchor="ctr"/>
+          <a:lstStyle/>
+          <a:p>
+            <a:pPr algn="ctr"/>
+            <a:r>
+              <a:rPr lang="zh-CN" altLang="en-US" sz="2000" dirty="0" smtClean="0">
+                <a:solidFill>
+                  <a:schemeClr val="tx1">
+                    <a:lumMod val="75000"/>
+                    <a:lumOff val="25000"/>
+                  </a:schemeClr>
+                </a:solidFill>
+                <a:latin typeface="微软雅黑" pitchFamily="34" charset="-122"/>
+                <a:ea typeface="微软雅黑" pitchFamily="34" charset="-122"/>
+              </a:rPr>
+              <a:t>多偏移</a:t>
+            </a:r>
+            <a:r>
+              <a:rPr lang="en-US" altLang="zh-CN" sz="2000" dirty="0" smtClean="0">
+                <a:solidFill>
+                  <a:schemeClr val="tx1">
+                    <a:lumMod val="75000"/>
+                    <a:lumOff val="25000"/>
+                  </a:schemeClr>
+                </a:solidFill>
+                <a:latin typeface="微软雅黑" pitchFamily="34" charset="-122"/>
+                <a:ea typeface="微软雅黑" pitchFamily="34" charset="-122"/>
+              </a:rPr>
+              <a:t>2</a:t>
+            </a:r>
+            <a:r>
+              <a:rPr lang="zh-CN" altLang="en-US" sz="2000" dirty="0" smtClean="0">
+                <a:solidFill>
+                  <a:schemeClr val="tx1">
+                    <a:lumMod val="75000"/>
+                    <a:lumOff val="25000"/>
+                  </a:schemeClr>
+                </a:solidFill>
+                <a:latin typeface="微软雅黑" pitchFamily="34" charset="-122"/>
+                <a:ea typeface="微软雅黑" pitchFamily="34" charset="-122"/>
+              </a:rPr>
+              <a:t>个单位</a:t>
+            </a:r>
+            <a:endParaRPr lang="zh-CN" altLang="en-US" sz="2000" dirty="0">
               <a:solidFill>
                 <a:schemeClr val="tx1">
                   <a:lumMod val="75000"/>
@@ -5634,34 +8718,111 @@
               <a:ea typeface="微软雅黑" pitchFamily="34" charset="-122"/>
             </a:endParaRPr>
           </a:p>
-          <a:p>
-            <a:r>
-              <a:rPr lang="en-US" altLang="zh-CN" sz="2800" b="1" dirty="0">
-                <a:solidFill>
-                  <a:schemeClr val="tx1">
-                    <a:lumMod val="75000"/>
-                    <a:lumOff val="25000"/>
-                  </a:schemeClr>
-                </a:solidFill>
-                <a:latin typeface="微软雅黑" pitchFamily="34" charset="-122"/>
-                <a:ea typeface="微软雅黑" pitchFamily="34" charset="-122"/>
-              </a:rPr>
-              <a:t>	</a:t>
-            </a:r>
-            <a:r>
-              <a:rPr lang="en-US" altLang="zh-CN" sz="2800" b="1" dirty="0" smtClean="0">
-                <a:solidFill>
-                  <a:schemeClr val="tx1">
-                    <a:lumMod val="75000"/>
-                    <a:lumOff val="25000"/>
-                  </a:schemeClr>
-                </a:solidFill>
-                <a:latin typeface="微软雅黑" pitchFamily="34" charset="-122"/>
-                <a:ea typeface="微软雅黑" pitchFamily="34" charset="-122"/>
-              </a:rPr>
-              <a:t>	</a:t>
-            </a:r>
-            <a:endParaRPr lang="zh-CN" altLang="en-US" sz="2800" b="1" dirty="0">
+        </p:txBody>
+      </p:sp>
+      <p:sp>
+        <p:nvSpPr>
+          <p:cNvPr id="11" name="圆角矩形标注 10"/>
+          <p:cNvSpPr/>
+          <p:nvPr/>
+        </p:nvSpPr>
+        <p:spPr>
+          <a:xfrm>
+            <a:off x="1691680" y="5937971"/>
+            <a:ext cx="5184576" cy="774626"/>
+          </a:xfrm>
+          <a:prstGeom prst="wedgeRoundRectCallout">
+            <a:avLst>
+              <a:gd name="adj1" fmla="val -26742"/>
+              <a:gd name="adj2" fmla="val -69572"/>
+              <a:gd name="adj3" fmla="val 16667"/>
+            </a:avLst>
+          </a:prstGeom>
+        </p:spPr>
+        <p:style>
+          <a:lnRef idx="2">
+            <a:schemeClr val="accent5"/>
+          </a:lnRef>
+          <a:fillRef idx="1">
+            <a:schemeClr val="lt1"/>
+          </a:fillRef>
+          <a:effectRef idx="0">
+            <a:schemeClr val="accent5"/>
+          </a:effectRef>
+          <a:fontRef idx="minor">
+            <a:schemeClr val="dk1"/>
+          </a:fontRef>
+        </p:style>
+        <p:txBody>
+          <a:bodyPr rtlCol="0" anchor="ctr"/>
+          <a:lstStyle/>
+          <a:p>
+            <a:r>
+              <a:rPr lang="zh-CN" altLang="en-US" sz="2000" dirty="0" smtClean="0">
+                <a:solidFill>
+                  <a:schemeClr val="tx1">
+                    <a:lumMod val="75000"/>
+                    <a:lumOff val="25000"/>
+                  </a:schemeClr>
+                </a:solidFill>
+                <a:latin typeface="微软雅黑" pitchFamily="34" charset="-122"/>
+                <a:ea typeface="微软雅黑" pitchFamily="34" charset="-122"/>
+              </a:rPr>
+              <a:t>通过</a:t>
+            </a:r>
+            <a:r>
+              <a:rPr lang="en-US" altLang="zh-CN" sz="2000" dirty="0" err="1" smtClean="0">
+                <a:solidFill>
+                  <a:schemeClr val="tx1">
+                    <a:lumMod val="75000"/>
+                    <a:lumOff val="25000"/>
+                  </a:schemeClr>
+                </a:solidFill>
+                <a:latin typeface="微软雅黑" pitchFamily="34" charset="-122"/>
+                <a:ea typeface="微软雅黑" pitchFamily="34" charset="-122"/>
+              </a:rPr>
+              <a:t>feComposite</a:t>
+            </a:r>
+            <a:r>
+              <a:rPr lang="zh-CN" altLang="en-US" sz="2000" dirty="0" smtClean="0">
+                <a:solidFill>
+                  <a:schemeClr val="tx1">
+                    <a:lumMod val="75000"/>
+                    <a:lumOff val="25000"/>
+                  </a:schemeClr>
+                </a:solidFill>
+                <a:latin typeface="微软雅黑" pitchFamily="34" charset="-122"/>
+                <a:ea typeface="微软雅黑" pitchFamily="34" charset="-122"/>
+              </a:rPr>
+              <a:t>滤镜的</a:t>
+            </a:r>
+            <a:r>
+              <a:rPr lang="en-US" altLang="zh-CN" sz="2000" dirty="0" smtClean="0">
+                <a:solidFill>
+                  <a:schemeClr val="tx1">
+                    <a:lumMod val="75000"/>
+                    <a:lumOff val="25000"/>
+                  </a:schemeClr>
+                </a:solidFill>
+                <a:latin typeface="微软雅黑" pitchFamily="34" charset="-122"/>
+                <a:ea typeface="微软雅黑" pitchFamily="34" charset="-122"/>
+              </a:rPr>
+              <a:t>operator=in </a:t>
+            </a:r>
+            <a:r>
+              <a:rPr lang="zh-CN" altLang="en-US" sz="2000" dirty="0" smtClean="0">
+                <a:solidFill>
+                  <a:schemeClr val="tx1">
+                    <a:lumMod val="75000"/>
+                    <a:lumOff val="25000"/>
+                  </a:schemeClr>
+                </a:solidFill>
+                <a:latin typeface="微软雅黑" pitchFamily="34" charset="-122"/>
+                <a:ea typeface="微软雅黑" pitchFamily="34" charset="-122"/>
+              </a:rPr>
+              <a:t>操作，将显示红色和文本重叠区域，也就是红字</a:t>
+            </a:r>
+            <a:endParaRPr lang="zh-CN" altLang="en-US" sz="2000" dirty="0">
               <a:solidFill>
                 <a:schemeClr val="tx1">
                   <a:lumMod val="75000"/>
@@ -5674,16 +8835,46 @@
           </a:p>
         </p:txBody>
       </p:sp>
-      <p:sp>
-        <p:nvSpPr>
-          <p:cNvPr id="5" name="TextBox 4"/>
+    </p:spTree>
+    <p:extLst>
+      <p:ext uri="{BB962C8B-B14F-4D97-AF65-F5344CB8AC3E}">
+        <p14:creationId xmlns:p14="http://schemas.microsoft.com/office/powerpoint/2010/main" val="3189897775"/>
+      </p:ext>
+    </p:extLst>
+  </p:cSld>
+  <p:clrMapOvr>
+    <a:masterClrMapping/>
+  </p:clrMapOvr>
+</p:sld>
+</file>
+
+<file path=ppt/slides/slide9.xml><?xml version="1.0" encoding="utf-8"?>
+<p:sld xmlns:a="http://schemas.openxmlformats.org/drawingml/2006/main" xmlns:r="http://schemas.openxmlformats.org/officeDocument/2006/relationships" xmlns:p="http://schemas.openxmlformats.org/presentationml/2006/main">
+  <p:cSld>
+    <p:spTree>
+      <p:nvGrpSpPr>
+        <p:cNvPr id="1" name=""/>
+        <p:cNvGrpSpPr/>
+        <p:nvPr/>
+      </p:nvGrpSpPr>
+      <p:grpSpPr>
+        <a:xfrm>
+          <a:off x="0" y="0"/>
+          <a:ext cx="0" cy="0"/>
+          <a:chOff x="0" y="0"/>
+          <a:chExt cx="0" cy="0"/>
+        </a:xfrm>
+      </p:grpSpPr>
+      <p:sp>
+        <p:nvSpPr>
+          <p:cNvPr id="2" name="TextBox 4"/>
           <p:cNvSpPr txBox="1"/>
           <p:nvPr/>
         </p:nvSpPr>
         <p:spPr>
           <a:xfrm>
-            <a:off x="467544" y="1268760"/>
-            <a:ext cx="7632848" cy="1200329"/>
+            <a:off x="683568" y="1555056"/>
+            <a:ext cx="7776000" cy="646331"/>
           </a:xfrm>
           <a:prstGeom prst="rect">
             <a:avLst/>
@@ -5696,12 +8887,10 @@
           </a:bodyPr>
           <a:lstStyle/>
           <a:p>
-            <a:pPr marL="342900" indent="-342900">
+            <a:pPr>
               <a:lnSpc>
                 <a:spcPct val="150000"/>
               </a:lnSpc>
-              <a:buFont typeface="Arial" pitchFamily="34" charset="0"/>
-              <a:buChar char="•"/>
             </a:pPr>
             <a:r>
               <a:rPr lang="zh-CN" altLang="en-US" sz="2400" dirty="0" smtClean="0">
@@ -5714,7 +8903,7 @@
                 <a:latin typeface="微软雅黑" pitchFamily="34" charset="-122"/>
                 <a:ea typeface="微软雅黑" pitchFamily="34" charset="-122"/>
               </a:rPr>
-              <a:t>使用这种方式，能否让静态图片的其他元素有动起来呢？</a:t>
+              <a:t>将黑底，红色偏移文本，白色偏移文本叠加起来：</a:t>
             </a:r>
             <a:endParaRPr lang="en-US" altLang="zh-CN" sz="2400" dirty="0" smtClean="0">
               <a:solidFill>
@@ -5729,10 +8918,314 @@
           </a:p>
         </p:txBody>
       </p:sp>
+      <p:pic>
+        <p:nvPicPr>
+          <p:cNvPr id="4" name="图片 3" descr="屏幕剪辑"/>
+          <p:cNvPicPr>
+            <a:picLocks noChangeAspect="1"/>
+          </p:cNvPicPr>
+          <p:nvPr/>
+        </p:nvPicPr>
+        <p:blipFill>
+          <a:blip r:embed="rId2">
+            <a:extLst>
+              <a:ext uri="{28A0092B-C50C-407E-A947-70E740481C1C}">
+                <a14:useLocalDpi xmlns:a14="http://schemas.microsoft.com/office/drawing/2010/main" val="0"/>
+              </a:ext>
+            </a:extLst>
+          </a:blip>
+          <a:stretch>
+            <a:fillRect/>
+          </a:stretch>
+        </p:blipFill>
+        <p:spPr>
+          <a:xfrm>
+            <a:off x="1115616" y="2347144"/>
+            <a:ext cx="6268325" cy="2152950"/>
+          </a:xfrm>
+          <a:prstGeom prst="rect">
+            <a:avLst/>
+          </a:prstGeom>
+          <a:ln>
+            <a:noFill/>
+          </a:ln>
+          <a:effectLst>
+            <a:outerShdw blurRad="292100" dist="139700" dir="2700000" algn="tl" rotWithShape="0">
+              <a:srgbClr val="333333">
+                <a:alpha val="65000"/>
+              </a:srgbClr>
+            </a:outerShdw>
+          </a:effectLst>
+        </p:spPr>
+      </p:pic>
+      <p:sp>
+        <p:nvSpPr>
+          <p:cNvPr id="5" name="圆角矩形标注 4"/>
+          <p:cNvSpPr/>
+          <p:nvPr/>
+        </p:nvSpPr>
+        <p:spPr>
+          <a:xfrm>
+            <a:off x="6156176" y="3068006"/>
+            <a:ext cx="1008112" cy="387486"/>
+          </a:xfrm>
+          <a:prstGeom prst="wedgeRoundRectCallout">
+            <a:avLst>
+              <a:gd name="adj1" fmla="val -61237"/>
+              <a:gd name="adj2" fmla="val 9089"/>
+              <a:gd name="adj3" fmla="val 16667"/>
+            </a:avLst>
+          </a:prstGeom>
+        </p:spPr>
+        <p:style>
+          <a:lnRef idx="2">
+            <a:schemeClr val="accent5"/>
+          </a:lnRef>
+          <a:fillRef idx="1">
+            <a:schemeClr val="lt1"/>
+          </a:fillRef>
+          <a:effectRef idx="0">
+            <a:schemeClr val="accent5"/>
+          </a:effectRef>
+          <a:fontRef idx="minor">
+            <a:schemeClr val="dk1"/>
+          </a:fontRef>
+        </p:style>
+        <p:txBody>
+          <a:bodyPr rtlCol="0" anchor="ctr"/>
+          <a:lstStyle/>
+          <a:p>
+            <a:pPr algn="ctr"/>
+            <a:r>
+              <a:rPr lang="zh-CN" altLang="en-US" sz="2000" dirty="0" smtClean="0">
+                <a:solidFill>
+                  <a:schemeClr val="tx1">
+                    <a:lumMod val="75000"/>
+                    <a:lumOff val="25000"/>
+                  </a:schemeClr>
+                </a:solidFill>
+                <a:latin typeface="微软雅黑" pitchFamily="34" charset="-122"/>
+                <a:ea typeface="微软雅黑" pitchFamily="34" charset="-122"/>
+              </a:rPr>
+              <a:t>黑底</a:t>
+            </a:r>
+            <a:endParaRPr lang="zh-CN" altLang="en-US" sz="2000" dirty="0">
+              <a:solidFill>
+                <a:schemeClr val="tx1">
+                  <a:lumMod val="75000"/>
+                  <a:lumOff val="25000"/>
+                </a:schemeClr>
+              </a:solidFill>
+              <a:latin typeface="微软雅黑" pitchFamily="34" charset="-122"/>
+              <a:ea typeface="微软雅黑" pitchFamily="34" charset="-122"/>
+            </a:endParaRPr>
+          </a:p>
+        </p:txBody>
+      </p:sp>
+      <p:sp>
+        <p:nvSpPr>
+          <p:cNvPr id="6" name="圆角矩形标注 5"/>
+          <p:cNvSpPr/>
+          <p:nvPr/>
+        </p:nvSpPr>
+        <p:spPr>
+          <a:xfrm>
+            <a:off x="5868143" y="3472780"/>
+            <a:ext cx="1872209" cy="387486"/>
+          </a:xfrm>
+          <a:prstGeom prst="wedgeRoundRectCallout">
+            <a:avLst>
+              <a:gd name="adj1" fmla="val -61237"/>
+              <a:gd name="adj2" fmla="val 9089"/>
+              <a:gd name="adj3" fmla="val 16667"/>
+            </a:avLst>
+          </a:prstGeom>
+        </p:spPr>
+        <p:style>
+          <a:lnRef idx="2">
+            <a:schemeClr val="accent5"/>
+          </a:lnRef>
+          <a:fillRef idx="1">
+            <a:schemeClr val="lt1"/>
+          </a:fillRef>
+          <a:effectRef idx="0">
+            <a:schemeClr val="accent5"/>
+          </a:effectRef>
+          <a:fontRef idx="minor">
+            <a:schemeClr val="dk1"/>
+          </a:fontRef>
+        </p:style>
+        <p:txBody>
+          <a:bodyPr rtlCol="0" anchor="ctr"/>
+          <a:lstStyle/>
+          <a:p>
+            <a:pPr algn="ctr"/>
+            <a:r>
+              <a:rPr lang="zh-CN" altLang="en-US" sz="2000" dirty="0" smtClean="0">
+                <a:solidFill>
+                  <a:schemeClr val="tx1">
+                    <a:lumMod val="75000"/>
+                    <a:lumOff val="25000"/>
+                  </a:schemeClr>
+                </a:solidFill>
+                <a:latin typeface="微软雅黑" pitchFamily="34" charset="-122"/>
+                <a:ea typeface="微软雅黑" pitchFamily="34" charset="-122"/>
+              </a:rPr>
+              <a:t>红色偏移文本</a:t>
+            </a:r>
+            <a:endParaRPr lang="zh-CN" altLang="en-US" sz="2000" dirty="0">
+              <a:solidFill>
+                <a:schemeClr val="tx1">
+                  <a:lumMod val="75000"/>
+                  <a:lumOff val="25000"/>
+                </a:schemeClr>
+              </a:solidFill>
+              <a:latin typeface="微软雅黑" pitchFamily="34" charset="-122"/>
+              <a:ea typeface="微软雅黑" pitchFamily="34" charset="-122"/>
+            </a:endParaRPr>
+          </a:p>
+        </p:txBody>
+      </p:sp>
+      <p:sp>
+        <p:nvSpPr>
+          <p:cNvPr id="7" name="圆角矩形标注 6"/>
+          <p:cNvSpPr/>
+          <p:nvPr/>
+        </p:nvSpPr>
+        <p:spPr>
+          <a:xfrm>
+            <a:off x="5724127" y="4193642"/>
+            <a:ext cx="1872209" cy="387486"/>
+          </a:xfrm>
+          <a:prstGeom prst="wedgeRoundRectCallout">
+            <a:avLst>
+              <a:gd name="adj1" fmla="val -32863"/>
+              <a:gd name="adj2" fmla="val -76314"/>
+              <a:gd name="adj3" fmla="val 16667"/>
+            </a:avLst>
+          </a:prstGeom>
+        </p:spPr>
+        <p:style>
+          <a:lnRef idx="2">
+            <a:schemeClr val="accent5"/>
+          </a:lnRef>
+          <a:fillRef idx="1">
+            <a:schemeClr val="lt1"/>
+          </a:fillRef>
+          <a:effectRef idx="0">
+            <a:schemeClr val="accent5"/>
+          </a:effectRef>
+          <a:fontRef idx="minor">
+            <a:schemeClr val="dk1"/>
+          </a:fontRef>
+        </p:style>
+        <p:txBody>
+          <a:bodyPr rtlCol="0" anchor="ctr"/>
+          <a:lstStyle/>
+          <a:p>
+            <a:pPr algn="ctr"/>
+            <a:r>
+              <a:rPr lang="zh-CN" altLang="en-US" sz="2000" dirty="0" smtClean="0">
+                <a:solidFill>
+                  <a:schemeClr val="tx1">
+                    <a:lumMod val="75000"/>
+                    <a:lumOff val="25000"/>
+                  </a:schemeClr>
+                </a:solidFill>
+                <a:latin typeface="微软雅黑" pitchFamily="34" charset="-122"/>
+                <a:ea typeface="微软雅黑" pitchFamily="34" charset="-122"/>
+              </a:rPr>
+              <a:t>白色偏移文本</a:t>
+            </a:r>
+            <a:endParaRPr lang="zh-CN" altLang="en-US" sz="2000" dirty="0">
+              <a:solidFill>
+                <a:schemeClr val="tx1">
+                  <a:lumMod val="75000"/>
+                  <a:lumOff val="25000"/>
+                </a:schemeClr>
+              </a:solidFill>
+              <a:latin typeface="微软雅黑" pitchFamily="34" charset="-122"/>
+              <a:ea typeface="微软雅黑" pitchFamily="34" charset="-122"/>
+            </a:endParaRPr>
+          </a:p>
+        </p:txBody>
+      </p:sp>
+      <p:pic>
+        <p:nvPicPr>
+          <p:cNvPr id="8" name="图片 7" descr="屏幕剪辑"/>
+          <p:cNvPicPr>
+            <a:picLocks noChangeAspect="1"/>
+          </p:cNvPicPr>
+          <p:nvPr/>
+        </p:nvPicPr>
+        <p:blipFill>
+          <a:blip r:embed="rId3">
+            <a:extLst>
+              <a:ext uri="{28A0092B-C50C-407E-A947-70E740481C1C}">
+                <a14:useLocalDpi xmlns:a14="http://schemas.microsoft.com/office/drawing/2010/main" val="0"/>
+              </a:ext>
+            </a:extLst>
+          </a:blip>
+          <a:stretch>
+            <a:fillRect/>
+          </a:stretch>
+        </p:blipFill>
+        <p:spPr>
+          <a:xfrm>
+            <a:off x="2225433" y="277801"/>
+            <a:ext cx="4048690" cy="1171739"/>
+          </a:xfrm>
+          <a:prstGeom prst="rect">
+            <a:avLst/>
+          </a:prstGeom>
+          <a:ln>
+            <a:noFill/>
+          </a:ln>
+          <a:effectLst>
+            <a:softEdge rad="112500"/>
+          </a:effectLst>
+        </p:spPr>
+      </p:pic>
+      <p:pic>
+        <p:nvPicPr>
+          <p:cNvPr id="9" name="图片 8" descr="屏幕剪辑"/>
+          <p:cNvPicPr>
+            <a:picLocks noChangeAspect="1"/>
+          </p:cNvPicPr>
+          <p:nvPr/>
+        </p:nvPicPr>
+        <p:blipFill>
+          <a:blip r:embed="rId4">
+            <a:extLst>
+              <a:ext uri="{28A0092B-C50C-407E-A947-70E740481C1C}">
+                <a14:useLocalDpi xmlns:a14="http://schemas.microsoft.com/office/drawing/2010/main" val="0"/>
+              </a:ext>
+            </a:extLst>
+          </a:blip>
+          <a:stretch>
+            <a:fillRect/>
+          </a:stretch>
+        </p:blipFill>
+        <p:spPr>
+          <a:xfrm>
+            <a:off x="2275722" y="4703128"/>
+            <a:ext cx="4591691" cy="1133633"/>
+          </a:xfrm>
+          <a:prstGeom prst="rect">
+            <a:avLst/>
+          </a:prstGeom>
+          <a:ln>
+            <a:noFill/>
+          </a:ln>
+          <a:effectLst>
+            <a:softEdge rad="112500"/>
+          </a:effectLst>
+        </p:spPr>
+      </p:pic>
     </p:spTree>
     <p:extLst>
       <p:ext uri="{BB962C8B-B14F-4D97-AF65-F5344CB8AC3E}">
-        <p14:creationId xmlns:p14="http://schemas.microsoft.com/office/powerpoint/2010/main" val="2328121375"/>
+        <p14:creationId xmlns:p14="http://schemas.microsoft.com/office/powerpoint/2010/main" val="1811841539"/>
       </p:ext>
     </p:extLst>
   </p:cSld>
@@ -6282,7 +9775,7 @@
   <a:extraClrSchemeLst/>
   <a:extLst>
     <a:ext uri="{05A4C25C-085E-4340-85A3-A5531E510DB2}">
-      <thm15:themeFamily xmlns:thm15="http://schemas.microsoft.com/office/thememl/2012/main" xmlns="" name="Office Theme" id="{62F939B6-93AF-4DB8-9C6B-D6C7DFDC589F}" vid="{4A3C46E8-61CC-4603-A589-7422A47A8E4A}"/>
+      <thm15:themeFamily xmlns:thm15="http://schemas.microsoft.com/office/thememl/2012/main" name="Office Theme" id="{62F939B6-93AF-4DB8-9C6B-D6C7DFDC589F}" vid="{4A3C46E8-61CC-4603-A589-7422A47A8E4A}"/>
     </a:ext>
   </a:extLst>
 </a:theme>

--- a/17-svg-filter-text-screen/17.pptx
+++ b/17-svg-filter-text-screen/17.pptx
@@ -122,7 +122,7 @@
   </p:defaultTextStyle>
   <p:extLst>
     <p:ext uri="{EFAFB233-063F-42B5-8137-9DF3F51BA10A}">
-      <p15:sldGuideLst xmlns:p15="http://schemas.microsoft.com/office/powerpoint/2012/main">
+      <p15:sldGuideLst xmlns:p15="http://schemas.microsoft.com/office/powerpoint/2012/main" xmlns="">
         <p15:guide id="1" orient="horz" pos="2160">
           <p15:clr>
             <a:srgbClr val="A4A3A4"/>
@@ -221,7 +221,7 @@
           <a:p>
             <a:fld id="{918C987C-5DAD-4601-B625-55A3208473B0}" type="datetimeFigureOut">
               <a:rPr lang="zh-CN" altLang="en-US" smtClean="0"/>
-              <a:t>2018/8/6</a:t>
+              <a:t>2018/8/8</a:t>
             </a:fld>
             <a:endParaRPr lang="zh-CN" altLang="en-US"/>
           </a:p>
@@ -670,7 +670,7 @@
           <a:p>
             <a:fld id="{17C7C8FB-1C37-4023-AA22-09D5A8E13DCF}" type="datetimeFigureOut">
               <a:rPr lang="zh-CN" altLang="en-US" smtClean="0"/>
-              <a:t>2018/8/6</a:t>
+              <a:t>2018/8/8</a:t>
             </a:fld>
             <a:endParaRPr lang="zh-CN" altLang="en-US"/>
           </a:p>
@@ -840,7 +840,7 @@
           <a:p>
             <a:fld id="{17C7C8FB-1C37-4023-AA22-09D5A8E13DCF}" type="datetimeFigureOut">
               <a:rPr lang="zh-CN" altLang="en-US" smtClean="0"/>
-              <a:t>2018/8/6</a:t>
+              <a:t>2018/8/8</a:t>
             </a:fld>
             <a:endParaRPr lang="zh-CN" altLang="en-US"/>
           </a:p>
@@ -1020,7 +1020,7 @@
           <a:p>
             <a:fld id="{17C7C8FB-1C37-4023-AA22-09D5A8E13DCF}" type="datetimeFigureOut">
               <a:rPr lang="zh-CN" altLang="en-US" smtClean="0"/>
-              <a:t>2018/8/6</a:t>
+              <a:t>2018/8/8</a:t>
             </a:fld>
             <a:endParaRPr lang="zh-CN" altLang="en-US"/>
           </a:p>
@@ -1190,7 +1190,7 @@
           <a:p>
             <a:fld id="{17C7C8FB-1C37-4023-AA22-09D5A8E13DCF}" type="datetimeFigureOut">
               <a:rPr lang="zh-CN" altLang="en-US" smtClean="0"/>
-              <a:t>2018/8/6</a:t>
+              <a:t>2018/8/8</a:t>
             </a:fld>
             <a:endParaRPr lang="zh-CN" altLang="en-US"/>
           </a:p>
@@ -1436,7 +1436,7 @@
           <a:p>
             <a:fld id="{17C7C8FB-1C37-4023-AA22-09D5A8E13DCF}" type="datetimeFigureOut">
               <a:rPr lang="zh-CN" altLang="en-US" smtClean="0"/>
-              <a:t>2018/8/6</a:t>
+              <a:t>2018/8/8</a:t>
             </a:fld>
             <a:endParaRPr lang="zh-CN" altLang="en-US"/>
           </a:p>
@@ -1724,7 +1724,7 @@
           <a:p>
             <a:fld id="{17C7C8FB-1C37-4023-AA22-09D5A8E13DCF}" type="datetimeFigureOut">
               <a:rPr lang="zh-CN" altLang="en-US" smtClean="0"/>
-              <a:t>2018/8/6</a:t>
+              <a:t>2018/8/8</a:t>
             </a:fld>
             <a:endParaRPr lang="zh-CN" altLang="en-US"/>
           </a:p>
@@ -2146,7 +2146,7 @@
           <a:p>
             <a:fld id="{17C7C8FB-1C37-4023-AA22-09D5A8E13DCF}" type="datetimeFigureOut">
               <a:rPr lang="zh-CN" altLang="en-US" smtClean="0"/>
-              <a:t>2018/8/6</a:t>
+              <a:t>2018/8/8</a:t>
             </a:fld>
             <a:endParaRPr lang="zh-CN" altLang="en-US"/>
           </a:p>
@@ -2264,7 +2264,7 @@
           <a:p>
             <a:fld id="{17C7C8FB-1C37-4023-AA22-09D5A8E13DCF}" type="datetimeFigureOut">
               <a:rPr lang="zh-CN" altLang="en-US" smtClean="0"/>
-              <a:t>2018/8/6</a:t>
+              <a:t>2018/8/8</a:t>
             </a:fld>
             <a:endParaRPr lang="zh-CN" altLang="en-US"/>
           </a:p>
@@ -2359,7 +2359,7 @@
           <a:p>
             <a:fld id="{17C7C8FB-1C37-4023-AA22-09D5A8E13DCF}" type="datetimeFigureOut">
               <a:rPr lang="zh-CN" altLang="en-US" smtClean="0"/>
-              <a:t>2018/8/6</a:t>
+              <a:t>2018/8/8</a:t>
             </a:fld>
             <a:endParaRPr lang="zh-CN" altLang="en-US"/>
           </a:p>
@@ -2636,7 +2636,7 @@
           <a:p>
             <a:fld id="{17C7C8FB-1C37-4023-AA22-09D5A8E13DCF}" type="datetimeFigureOut">
               <a:rPr lang="zh-CN" altLang="en-US" smtClean="0"/>
-              <a:t>2018/8/6</a:t>
+              <a:t>2018/8/8</a:t>
             </a:fld>
             <a:endParaRPr lang="zh-CN" altLang="en-US"/>
           </a:p>
@@ -2889,7 +2889,7 @@
           <a:p>
             <a:fld id="{17C7C8FB-1C37-4023-AA22-09D5A8E13DCF}" type="datetimeFigureOut">
               <a:rPr lang="zh-CN" altLang="en-US" smtClean="0"/>
-              <a:t>2018/8/6</a:t>
+              <a:t>2018/8/8</a:t>
             </a:fld>
             <a:endParaRPr lang="zh-CN" altLang="en-US"/>
           </a:p>
@@ -3102,7 +3102,7 @@
           <a:p>
             <a:fld id="{17C7C8FB-1C37-4023-AA22-09D5A8E13DCF}" type="datetimeFigureOut">
               <a:rPr lang="zh-CN" altLang="en-US" smtClean="0"/>
-              <a:t>2018/8/6</a:t>
+              <a:t>2018/8/8</a:t>
             </a:fld>
             <a:endParaRPr lang="zh-CN" altLang="en-US"/>
           </a:p>
@@ -4128,20 +4128,7 @@
                 <a:latin typeface="微软雅黑" pitchFamily="34" charset="-122"/>
                 <a:ea typeface="微软雅黑" pitchFamily="34" charset="-122"/>
               </a:rPr>
-              <a:t>5</a:t>
-            </a:r>
-            <a:r>
-              <a:rPr lang="en-US" altLang="zh-CN" sz="2800" b="1" dirty="0" smtClean="0">
-                <a:solidFill>
-                  <a:schemeClr val="tx1">
-                    <a:lumMod val="75000"/>
-                    <a:lumOff val="25000"/>
-                  </a:schemeClr>
-                </a:solidFill>
-                <a:latin typeface="微软雅黑" pitchFamily="34" charset="-122"/>
-                <a:ea typeface="微软雅黑" pitchFamily="34" charset="-122"/>
-              </a:rPr>
-              <a:t>.</a:t>
+              <a:t>5.</a:t>
             </a:r>
             <a:r>
               <a:rPr lang="zh-CN" altLang="en-US" sz="2800" b="1" dirty="0" smtClean="0">
@@ -4233,20 +4220,7 @@
                 <a:latin typeface="微软雅黑" pitchFamily="34" charset="-122"/>
                 <a:ea typeface="微软雅黑" pitchFamily="34" charset="-122"/>
               </a:rPr>
-              <a:t>，和</a:t>
-            </a:r>
-            <a:r>
-              <a:rPr lang="zh-CN" altLang="en-US" sz="2400" dirty="0" smtClean="0">
-                <a:solidFill>
-                  <a:schemeClr val="tx1">
-                    <a:lumMod val="75000"/>
-                    <a:lumOff val="25000"/>
-                  </a:schemeClr>
-                </a:solidFill>
-                <a:latin typeface="微软雅黑" pitchFamily="34" charset="-122"/>
-                <a:ea typeface="微软雅黑" pitchFamily="34" charset="-122"/>
-              </a:rPr>
-              <a:t>偏移部分的高度</a:t>
+              <a:t>，和偏移部分的高度</a:t>
             </a:r>
             <a:r>
               <a:rPr lang="en-US" altLang="zh-CN" sz="2400" dirty="0" smtClean="0">
@@ -4627,6 +4601,19 @@
               <a:t>6.</a:t>
             </a:r>
             <a:r>
+              <a:rPr lang="zh-CN" altLang="en-US" sz="2800" b="1" dirty="0">
+                <a:solidFill>
+                  <a:schemeClr val="tx1">
+                    <a:lumMod val="75000"/>
+                    <a:lumOff val="25000"/>
+                  </a:schemeClr>
+                </a:solidFill>
+                <a:latin typeface="微软雅黑" pitchFamily="34" charset="-122"/>
+                <a:ea typeface="微软雅黑" pitchFamily="34" charset="-122"/>
+              </a:rPr>
+              <a:t>多样</a:t>
+            </a:r>
+            <a:r>
               <a:rPr lang="zh-CN" altLang="en-US" sz="2800" b="1" dirty="0" smtClean="0">
                 <a:solidFill>
                   <a:schemeClr val="tx1">
@@ -4637,7 +4624,7 @@
                 <a:latin typeface="微软雅黑" pitchFamily="34" charset="-122"/>
                 <a:ea typeface="微软雅黑" pitchFamily="34" charset="-122"/>
               </a:rPr>
-              <a:t>复杂化</a:t>
+              <a:t>化</a:t>
             </a:r>
             <a:endParaRPr lang="zh-CN" altLang="en-US" sz="2800" b="1" dirty="0">
               <a:solidFill>
@@ -4705,16 +4692,6 @@
               </a:rPr>
               <a:t>!  </a:t>
             </a:r>
-            <a:endParaRPr lang="en-US" altLang="zh-CN" sz="2400" dirty="0" smtClean="0">
-              <a:solidFill>
-                <a:schemeClr val="tx1">
-                  <a:lumMod val="75000"/>
-                  <a:lumOff val="25000"/>
-                </a:schemeClr>
-              </a:solidFill>
-              <a:latin typeface="微软雅黑" pitchFamily="34" charset="-122"/>
-              <a:ea typeface="微软雅黑" pitchFamily="34" charset="-122"/>
-            </a:endParaRPr>
           </a:p>
         </p:txBody>
       </p:sp>
@@ -4871,20 +4848,7 @@
                 <a:latin typeface="微软雅黑" pitchFamily="34" charset="-122"/>
                 <a:ea typeface="微软雅黑" pitchFamily="34" charset="-122"/>
               </a:rPr>
-              <a:t>蓝色</a:t>
-            </a:r>
-            <a:r>
-              <a:rPr lang="zh-CN" altLang="en-US" sz="2000" dirty="0" smtClean="0">
-                <a:solidFill>
-                  <a:schemeClr val="tx1">
-                    <a:lumMod val="75000"/>
-                    <a:lumOff val="25000"/>
-                  </a:schemeClr>
-                </a:solidFill>
-                <a:latin typeface="微软雅黑" pitchFamily="34" charset="-122"/>
-                <a:ea typeface="微软雅黑" pitchFamily="34" charset="-122"/>
-              </a:rPr>
-              <a:t>偏移部分</a:t>
+              <a:t>蓝色偏移部分</a:t>
             </a:r>
             <a:endParaRPr lang="zh-CN" altLang="en-US" sz="2000" dirty="0">
               <a:solidFill>
@@ -5692,7 +5656,33 @@
                 <a:latin typeface="微软雅黑" pitchFamily="34" charset="-122"/>
                 <a:ea typeface="微软雅黑" pitchFamily="34" charset="-122"/>
               </a:rPr>
-              <a:t>来说，比如文字某些部分会错位，变色的效果。</a:t>
+              <a:t>来说，比如文字某些部分会错位，变色的</a:t>
+            </a:r>
+            <a:r>
+              <a:rPr lang="zh-CN" altLang="en-US" sz="2400" dirty="0" smtClean="0">
+                <a:solidFill>
+                  <a:schemeClr val="tx1">
+                    <a:lumMod val="75000"/>
+                    <a:lumOff val="25000"/>
+                  </a:schemeClr>
+                </a:solidFill>
+                <a:latin typeface="微软雅黑" pitchFamily="34" charset="-122"/>
+                <a:ea typeface="微软雅黑" pitchFamily="34" charset="-122"/>
+              </a:rPr>
+              <a:t>效果</a:t>
+            </a:r>
+            <a:r>
+              <a:rPr lang="en-US" altLang="zh-CN" sz="2400" dirty="0" smtClean="0">
+                <a:solidFill>
+                  <a:schemeClr val="tx1">
+                    <a:lumMod val="75000"/>
+                    <a:lumOff val="25000"/>
+                  </a:schemeClr>
+                </a:solidFill>
+                <a:latin typeface="微软雅黑" pitchFamily="34" charset="-122"/>
+                <a:ea typeface="微软雅黑" pitchFamily="34" charset="-122"/>
+              </a:rPr>
+              <a:t>.</a:t>
             </a:r>
             <a:endParaRPr lang="en-US" altLang="zh-CN" sz="2400" dirty="0" smtClean="0">
               <a:solidFill>
@@ -7265,16 +7255,6 @@
               </a:rPr>
               <a:t>.</a:t>
             </a:r>
-            <a:endParaRPr lang="en-US" altLang="zh-CN" sz="2400" dirty="0" smtClean="0">
-              <a:solidFill>
-                <a:schemeClr val="tx1">
-                  <a:lumMod val="75000"/>
-                  <a:lumOff val="25000"/>
-                </a:schemeClr>
-              </a:solidFill>
-              <a:latin typeface="微软雅黑" pitchFamily="34" charset="-122"/>
-              <a:ea typeface="微软雅黑" pitchFamily="34" charset="-122"/>
-            </a:endParaRPr>
           </a:p>
         </p:txBody>
       </p:sp>
@@ -8311,16 +8291,6 @@
               </a:rPr>
               <a:t>.</a:t>
             </a:r>
-            <a:endParaRPr lang="en-US" altLang="zh-CN" sz="2400" dirty="0" smtClean="0">
-              <a:solidFill>
-                <a:schemeClr val="tx1">
-                  <a:lumMod val="75000"/>
-                  <a:lumOff val="25000"/>
-                </a:schemeClr>
-              </a:solidFill>
-              <a:latin typeface="微软雅黑" pitchFamily="34" charset="-122"/>
-              <a:ea typeface="微软雅黑" pitchFamily="34" charset="-122"/>
-            </a:endParaRPr>
           </a:p>
         </p:txBody>
       </p:sp>
@@ -8393,20 +8363,7 @@
                 <a:latin typeface="微软雅黑" pitchFamily="34" charset="-122"/>
                 <a:ea typeface="微软雅黑" pitchFamily="34" charset="-122"/>
               </a:rPr>
-              <a:t>4</a:t>
-            </a:r>
-            <a:r>
-              <a:rPr lang="en-US" altLang="zh-CN" sz="2800" b="1" dirty="0" smtClean="0">
-                <a:solidFill>
-                  <a:schemeClr val="tx1">
-                    <a:lumMod val="75000"/>
-                    <a:lumOff val="25000"/>
-                  </a:schemeClr>
-                </a:solidFill>
-                <a:latin typeface="微软雅黑" pitchFamily="34" charset="-122"/>
-                <a:ea typeface="微软雅黑" pitchFamily="34" charset="-122"/>
-              </a:rPr>
-              <a:t>.</a:t>
+              <a:t>4.</a:t>
             </a:r>
             <a:r>
               <a:rPr lang="zh-CN" altLang="en-US" sz="2800" b="1" dirty="0" smtClean="0">
@@ -9775,7 +9732,7 @@
   <a:extraClrSchemeLst/>
   <a:extLst>
     <a:ext uri="{05A4C25C-085E-4340-85A3-A5531E510DB2}">
-      <thm15:themeFamily xmlns:thm15="http://schemas.microsoft.com/office/thememl/2012/main" name="Office Theme" id="{62F939B6-93AF-4DB8-9C6B-D6C7DFDC589F}" vid="{4A3C46E8-61CC-4603-A589-7422A47A8E4A}"/>
+      <thm15:themeFamily xmlns:thm15="http://schemas.microsoft.com/office/thememl/2012/main" xmlns="" name="Office Theme" id="{62F939B6-93AF-4DB8-9C6B-D6C7DFDC589F}" vid="{4A3C46E8-61CC-4603-A589-7422A47A8E4A}"/>
     </a:ext>
   </a:extLst>
 </a:theme>
